--- a/汇报/软件测试展示_222126_项桂巳雨.pptx
+++ b/汇报/软件测试展示_222126_项桂巳雨.pptx
@@ -11,10 +11,10 @@
     <p:sldId id="256" r:id="rId2"/>
     <p:sldId id="289" r:id="rId3"/>
     <p:sldId id="275" r:id="rId4"/>
-    <p:sldId id="276" r:id="rId5"/>
-    <p:sldId id="286" r:id="rId6"/>
-    <p:sldId id="288" r:id="rId7"/>
-    <p:sldId id="287" r:id="rId8"/>
+    <p:sldId id="290" r:id="rId5"/>
+    <p:sldId id="276" r:id="rId6"/>
+    <p:sldId id="291" r:id="rId7"/>
+    <p:sldId id="293" r:id="rId8"/>
     <p:sldId id="274" r:id="rId9"/>
   </p:sldIdLst>
   <p:sldSz cx="12192000" cy="6858000"/>
@@ -204,7 +204,7 @@
           <a:p>
             <a:fld id="{8B80E7EF-2382-4CA9-B4FE-7EB8554BAEC0}" type="datetimeFigureOut">
               <a:rPr lang="zh-CN" altLang="en-US" smtClean="0"/>
-              <a:t>2023/5/25</a:t>
+              <a:t>2023/5/26</a:t>
             </a:fld>
             <a:endParaRPr lang="zh-CN" altLang="en-US"/>
           </a:p>
@@ -797,7 +797,7 @@
     </p:spTree>
     <p:extLst>
       <p:ext uri="{BB962C8B-B14F-4D97-AF65-F5344CB8AC3E}">
-        <p14:creationId xmlns:p14="http://schemas.microsoft.com/office/powerpoint/2010/main" val="2707028099"/>
+        <p14:creationId xmlns:p14="http://schemas.microsoft.com/office/powerpoint/2010/main" val="2856940734"/>
       </p:ext>
     </p:extLst>
   </p:cSld>
@@ -881,7 +881,7 @@
     </p:spTree>
     <p:extLst>
       <p:ext uri="{BB962C8B-B14F-4D97-AF65-F5344CB8AC3E}">
-        <p14:creationId xmlns:p14="http://schemas.microsoft.com/office/powerpoint/2010/main" val="225610424"/>
+        <p14:creationId xmlns:p14="http://schemas.microsoft.com/office/powerpoint/2010/main" val="2707028099"/>
       </p:ext>
     </p:extLst>
   </p:cSld>
@@ -965,7 +965,7 @@
     </p:spTree>
     <p:extLst>
       <p:ext uri="{BB962C8B-B14F-4D97-AF65-F5344CB8AC3E}">
-        <p14:creationId xmlns:p14="http://schemas.microsoft.com/office/powerpoint/2010/main" val="2364054440"/>
+        <p14:creationId xmlns:p14="http://schemas.microsoft.com/office/powerpoint/2010/main" val="4022535841"/>
       </p:ext>
     </p:extLst>
   </p:cSld>
@@ -1049,7 +1049,7 @@
     </p:spTree>
     <p:extLst>
       <p:ext uri="{BB962C8B-B14F-4D97-AF65-F5344CB8AC3E}">
-        <p14:creationId xmlns:p14="http://schemas.microsoft.com/office/powerpoint/2010/main" val="1170844374"/>
+        <p14:creationId xmlns:p14="http://schemas.microsoft.com/office/powerpoint/2010/main" val="2647785460"/>
       </p:ext>
     </p:extLst>
   </p:cSld>
@@ -1206,7 +1206,7 @@
           <a:p>
             <a:fld id="{C23E1100-D3E0-4B46-A155-C6D716FBFC85}" type="datetimeFigureOut">
               <a:rPr lang="zh-CN" altLang="en-US" smtClean="0"/>
-              <a:t>2023/5/25</a:t>
+              <a:t>2023/5/26</a:t>
             </a:fld>
             <a:endParaRPr lang="zh-CN" altLang="en-US"/>
           </a:p>
@@ -1404,7 +1404,7 @@
           <a:p>
             <a:fld id="{C23E1100-D3E0-4B46-A155-C6D716FBFC85}" type="datetimeFigureOut">
               <a:rPr lang="zh-CN" altLang="en-US" smtClean="0"/>
-              <a:t>2023/5/25</a:t>
+              <a:t>2023/5/26</a:t>
             </a:fld>
             <a:endParaRPr lang="zh-CN" altLang="en-US"/>
           </a:p>
@@ -1612,7 +1612,7 @@
           <a:p>
             <a:fld id="{C23E1100-D3E0-4B46-A155-C6D716FBFC85}" type="datetimeFigureOut">
               <a:rPr lang="zh-CN" altLang="en-US" smtClean="0"/>
-              <a:t>2023/5/25</a:t>
+              <a:t>2023/5/26</a:t>
             </a:fld>
             <a:endParaRPr lang="zh-CN" altLang="en-US"/>
           </a:p>
@@ -1810,7 +1810,7 @@
           <a:p>
             <a:fld id="{C23E1100-D3E0-4B46-A155-C6D716FBFC85}" type="datetimeFigureOut">
               <a:rPr lang="zh-CN" altLang="en-US" smtClean="0"/>
-              <a:t>2023/5/25</a:t>
+              <a:t>2023/5/26</a:t>
             </a:fld>
             <a:endParaRPr lang="zh-CN" altLang="en-US"/>
           </a:p>
@@ -2085,7 +2085,7 @@
           <a:p>
             <a:fld id="{C23E1100-D3E0-4B46-A155-C6D716FBFC85}" type="datetimeFigureOut">
               <a:rPr lang="zh-CN" altLang="en-US" smtClean="0"/>
-              <a:t>2023/5/25</a:t>
+              <a:t>2023/5/26</a:t>
             </a:fld>
             <a:endParaRPr lang="zh-CN" altLang="en-US"/>
           </a:p>
@@ -2350,7 +2350,7 @@
           <a:p>
             <a:fld id="{C23E1100-D3E0-4B46-A155-C6D716FBFC85}" type="datetimeFigureOut">
               <a:rPr lang="zh-CN" altLang="en-US" smtClean="0"/>
-              <a:t>2023/5/25</a:t>
+              <a:t>2023/5/26</a:t>
             </a:fld>
             <a:endParaRPr lang="zh-CN" altLang="en-US"/>
           </a:p>
@@ -2762,7 +2762,7 @@
           <a:p>
             <a:fld id="{C23E1100-D3E0-4B46-A155-C6D716FBFC85}" type="datetimeFigureOut">
               <a:rPr lang="zh-CN" altLang="en-US" smtClean="0"/>
-              <a:t>2023/5/25</a:t>
+              <a:t>2023/5/26</a:t>
             </a:fld>
             <a:endParaRPr lang="zh-CN" altLang="en-US"/>
           </a:p>
@@ -2903,7 +2903,7 @@
           <a:p>
             <a:fld id="{C23E1100-D3E0-4B46-A155-C6D716FBFC85}" type="datetimeFigureOut">
               <a:rPr lang="zh-CN" altLang="en-US" smtClean="0"/>
-              <a:t>2023/5/25</a:t>
+              <a:t>2023/5/26</a:t>
             </a:fld>
             <a:endParaRPr lang="zh-CN" altLang="en-US"/>
           </a:p>
@@ -3016,7 +3016,7 @@
           <a:p>
             <a:fld id="{C23E1100-D3E0-4B46-A155-C6D716FBFC85}" type="datetimeFigureOut">
               <a:rPr lang="zh-CN" altLang="en-US" smtClean="0"/>
-              <a:t>2023/5/25</a:t>
+              <a:t>2023/5/26</a:t>
             </a:fld>
             <a:endParaRPr lang="zh-CN" altLang="en-US"/>
           </a:p>
@@ -3327,7 +3327,7 @@
           <a:p>
             <a:fld id="{C23E1100-D3E0-4B46-A155-C6D716FBFC85}" type="datetimeFigureOut">
               <a:rPr lang="zh-CN" altLang="en-US" smtClean="0"/>
-              <a:t>2023/5/25</a:t>
+              <a:t>2023/5/26</a:t>
             </a:fld>
             <a:endParaRPr lang="zh-CN" altLang="en-US"/>
           </a:p>
@@ -3615,7 +3615,7 @@
           <a:p>
             <a:fld id="{C23E1100-D3E0-4B46-A155-C6D716FBFC85}" type="datetimeFigureOut">
               <a:rPr lang="zh-CN" altLang="en-US" smtClean="0"/>
-              <a:t>2023/5/25</a:t>
+              <a:t>2023/5/26</a:t>
             </a:fld>
             <a:endParaRPr lang="zh-CN" altLang="en-US"/>
           </a:p>
@@ -3856,7 +3856,7 @@
           <a:p>
             <a:fld id="{C23E1100-D3E0-4B46-A155-C6D716FBFC85}" type="datetimeFigureOut">
               <a:rPr lang="zh-CN" altLang="en-US" smtClean="0"/>
-              <a:t>2023/5/25</a:t>
+              <a:t>2023/5/26</a:t>
             </a:fld>
             <a:endParaRPr lang="zh-CN" altLang="en-US"/>
           </a:p>
@@ -4857,8 +4857,8 @@
           </a:p>
         </p:txBody>
       </p:sp>
-      <mc:AlternateContent xmlns:mc="http://schemas.openxmlformats.org/markup-compatibility/2006" xmlns:a14="http://schemas.microsoft.com/office/drawing/2010/main">
-        <mc:Choice Requires="a14">
+      <mc:AlternateContent xmlns:mc="http://schemas.openxmlformats.org/markup-compatibility/2006">
+        <mc:Choice xmlns:a14="http://schemas.microsoft.com/office/drawing/2010/main" Requires="a14">
           <p:sp>
             <p:nvSpPr>
               <p:cNvPr id="6" name="文本框 5">
@@ -5198,7 +5198,28 @@
                     <a:latin typeface="微软雅黑" panose="020B0503020204020204" pitchFamily="34" charset="-122"/>
                     <a:ea typeface="微软雅黑" panose="020B0503020204020204" pitchFamily="34" charset="-122"/>
                   </a:rPr>
-                  <a:t>的同事或组长）：将代码</a:t>
+                  <a:t>的同事或</a:t>
+                </a:r>
+                <a:r>
+                  <a:rPr lang="zh-CN" altLang="en-US" dirty="0">
+                    <a:solidFill>
+                      <a:srgbClr val="1D2129"/>
+                    </a:solidFill>
+                    <a:latin typeface="微软雅黑" panose="020B0503020204020204" pitchFamily="34" charset="-122"/>
+                    <a:ea typeface="微软雅黑" panose="020B0503020204020204" pitchFamily="34" charset="-122"/>
+                  </a:rPr>
+                  <a:t>领导</a:t>
+                </a:r>
+                <a:r>
+                  <a:rPr lang="zh-CN" altLang="en-US" b="0" i="0" dirty="0">
+                    <a:solidFill>
+                      <a:srgbClr val="1D2129"/>
+                    </a:solidFill>
+                    <a:effectLst/>
+                    <a:latin typeface="微软雅黑" panose="020B0503020204020204" pitchFamily="34" charset="-122"/>
+                    <a:ea typeface="微软雅黑" panose="020B0503020204020204" pitchFamily="34" charset="-122"/>
+                  </a:rPr>
+                  <a:t>）：将代码</a:t>
                 </a:r>
                 <a14:m>
                   <m:oMath xmlns:m="http://schemas.openxmlformats.org/officeDocument/2006/math">
@@ -5456,7 +5477,7 @@
             </p:txBody>
           </p:sp>
         </mc:Choice>
-        <mc:Fallback xmlns="">
+        <mc:Fallback>
           <p:sp>
             <p:nvSpPr>
               <p:cNvPr id="6" name="文本框 5">
@@ -5629,8 +5650,8 @@
         </p:nvSpPr>
         <p:spPr>
           <a:xfrm>
-            <a:off x="548418" y="1704487"/>
-            <a:ext cx="10884895" cy="458908"/>
+            <a:off x="499257" y="1262071"/>
+            <a:ext cx="10884895" cy="874407"/>
           </a:xfrm>
           <a:prstGeom prst="rect">
             <a:avLst/>
@@ -5684,16 +5705,47 @@
               <a:t>Transformer</a:t>
             </a:r>
             <a:r>
-              <a:rPr lang="zh-CN" altLang="en-US">
-                <a:latin typeface="微软雅黑" panose="020B0503020204020204" pitchFamily="34" charset="-122"/>
-                <a:ea typeface="微软雅黑" panose="020B0503020204020204" pitchFamily="34" charset="-122"/>
-              </a:rPr>
-              <a:t>架构的模型：</a:t>
-            </a:r>
-            <a:endParaRPr lang="zh-CN" altLang="en-US" dirty="0">
-              <a:latin typeface="微软雅黑" panose="020B0503020204020204" pitchFamily="34" charset="-122"/>
-              <a:ea typeface="微软雅黑" panose="020B0503020204020204" pitchFamily="34" charset="-122"/>
-            </a:endParaRPr>
+              <a:rPr lang="zh-CN" altLang="en-US" dirty="0">
+                <a:latin typeface="微软雅黑" panose="020B0503020204020204" pitchFamily="34" charset="-122"/>
+                <a:ea typeface="微软雅黑" panose="020B0503020204020204" pitchFamily="34" charset="-122"/>
+              </a:rPr>
+              <a:t>架构的模型，</a:t>
+            </a:r>
+            <a:r>
+              <a:rPr lang="zh-CN" altLang="en-US" b="1" dirty="0">
+                <a:latin typeface="微软雅黑" panose="020B0503020204020204" pitchFamily="34" charset="-122"/>
+                <a:ea typeface="微软雅黑" panose="020B0503020204020204" pitchFamily="34" charset="-122"/>
+              </a:rPr>
+              <a:t>将所有 </a:t>
+            </a:r>
+            <a:r>
+              <a:rPr lang="en-US" altLang="zh-CN" b="1" dirty="0">
+                <a:latin typeface="微软雅黑" panose="020B0503020204020204" pitchFamily="34" charset="-122"/>
+                <a:ea typeface="微软雅黑" panose="020B0503020204020204" pitchFamily="34" charset="-122"/>
+              </a:rPr>
+              <a:t>NLP </a:t>
+            </a:r>
+            <a:r>
+              <a:rPr lang="zh-CN" altLang="en-US" b="1" dirty="0">
+                <a:latin typeface="微软雅黑" panose="020B0503020204020204" pitchFamily="34" charset="-122"/>
+                <a:ea typeface="微软雅黑" panose="020B0503020204020204" pitchFamily="34" charset="-122"/>
+              </a:rPr>
+              <a:t>任务都转化成 </a:t>
+            </a:r>
+            <a:r>
+              <a:rPr lang="en-US" altLang="zh-CN" b="1" dirty="0">
+                <a:latin typeface="微软雅黑" panose="020B0503020204020204" pitchFamily="34" charset="-122"/>
+                <a:ea typeface="微软雅黑" panose="020B0503020204020204" pitchFamily="34" charset="-122"/>
+              </a:rPr>
+              <a:t>Text-to-Text </a:t>
+            </a:r>
+            <a:r>
+              <a:rPr lang="zh-CN" altLang="en-US" b="1" dirty="0">
+                <a:latin typeface="微软雅黑" panose="020B0503020204020204" pitchFamily="34" charset="-122"/>
+                <a:ea typeface="微软雅黑" panose="020B0503020204020204" pitchFamily="34" charset="-122"/>
+              </a:rPr>
+              <a:t>（文本到文本）任务。</a:t>
+            </a:r>
           </a:p>
         </p:txBody>
       </p:sp>
@@ -5784,7 +5836,14 @@
                 <a:latin typeface="微软雅黑" panose="020B0503020204020204" pitchFamily="34" charset="-122"/>
                 <a:ea typeface="微软雅黑" panose="020B0503020204020204" pitchFamily="34" charset="-122"/>
               </a:rPr>
-              <a:t>Pre-Trained Model——T5</a:t>
+              <a:t>T5</a:t>
+            </a:r>
+            <a:r>
+              <a:rPr lang="zh-CN" altLang="en-US" sz="2800" b="1" dirty="0">
+                <a:latin typeface="微软雅黑" panose="020B0503020204020204" pitchFamily="34" charset="-122"/>
+                <a:ea typeface="微软雅黑" panose="020B0503020204020204" pitchFamily="34" charset="-122"/>
+              </a:rPr>
+              <a:t>模型</a:t>
             </a:r>
             <a:endParaRPr lang="it-IT" altLang="zh-CN" sz="2000" dirty="0">
               <a:latin typeface="微软雅黑" panose="020B0503020204020204" pitchFamily="34" charset="-122"/>
@@ -5793,10 +5852,57 @@
           </a:p>
         </p:txBody>
       </p:sp>
+      <p:pic>
+        <p:nvPicPr>
+          <p:cNvPr id="1026" name="Picture 2">
+            <a:extLst>
+              <a:ext uri="{FF2B5EF4-FFF2-40B4-BE49-F238E27FC236}">
+                <a16:creationId xmlns:a16="http://schemas.microsoft.com/office/drawing/2014/main" id="{638D5642-B0E4-46C1-A51F-1E5737466F1F}"/>
+              </a:ext>
+            </a:extLst>
+          </p:cNvPr>
+          <p:cNvPicPr>
+            <a:picLocks noChangeAspect="1" noChangeArrowheads="1"/>
+          </p:cNvPicPr>
+          <p:nvPr/>
+        </p:nvPicPr>
+        <p:blipFill>
+          <a:blip r:embed="rId3">
+            <a:extLst>
+              <a:ext uri="{28A0092B-C50C-407E-A947-70E740481C1C}">
+                <a14:useLocalDpi xmlns:a14="http://schemas.microsoft.com/office/drawing/2010/main" val="0"/>
+              </a:ext>
+            </a:extLst>
+          </a:blip>
+          <a:srcRect/>
+          <a:stretch>
+            <a:fillRect/>
+          </a:stretch>
+        </p:blipFill>
+        <p:spPr bwMode="auto">
+          <a:xfrm>
+            <a:off x="4329086" y="2311339"/>
+            <a:ext cx="3533828" cy="4546661"/>
+          </a:xfrm>
+          <a:prstGeom prst="rect">
+            <a:avLst/>
+          </a:prstGeom>
+          <a:noFill/>
+          <a:extLst>
+            <a:ext uri="{909E8E84-426E-40DD-AFC4-6F175D3DCCD1}">
+              <a14:hiddenFill xmlns:a14="http://schemas.microsoft.com/office/drawing/2010/main">
+                <a:solidFill>
+                  <a:srgbClr val="FFFFFF"/>
+                </a:solidFill>
+              </a14:hiddenFill>
+            </a:ext>
+          </a:extLst>
+        </p:spPr>
+      </p:pic>
     </p:spTree>
     <p:extLst>
       <p:ext uri="{BB962C8B-B14F-4D97-AF65-F5344CB8AC3E}">
-        <p14:creationId xmlns:p14="http://schemas.microsoft.com/office/powerpoint/2010/main" val="2370195560"/>
+        <p14:creationId xmlns:p14="http://schemas.microsoft.com/office/powerpoint/2010/main" val="689993739"/>
       </p:ext>
     </p:extLst>
   </p:cSld>
@@ -5825,6 +5931,119 @@
       </p:grpSpPr>
       <p:sp>
         <p:nvSpPr>
+          <p:cNvPr id="13" name="文本框 12">
+            <a:extLst>
+              <a:ext uri="{FF2B5EF4-FFF2-40B4-BE49-F238E27FC236}">
+                <a16:creationId xmlns:a16="http://schemas.microsoft.com/office/drawing/2014/main" id="{B7809583-0BE4-46B8-B202-6A2FDA84359E}"/>
+              </a:ext>
+            </a:extLst>
+          </p:cNvPr>
+          <p:cNvSpPr txBox="1"/>
+          <p:nvPr/>
+        </p:nvSpPr>
+        <p:spPr>
+          <a:xfrm>
+            <a:off x="548418" y="1704487"/>
+            <a:ext cx="10884895" cy="874407"/>
+          </a:xfrm>
+          <a:prstGeom prst="rect">
+            <a:avLst/>
+          </a:prstGeom>
+          <a:noFill/>
+        </p:spPr>
+        <p:txBody>
+          <a:bodyPr wrap="square" rtlCol="0">
+            <a:spAutoFit/>
+          </a:bodyPr>
+          <a:lstStyle/>
+          <a:p>
+            <a:pPr>
+              <a:lnSpc>
+                <a:spcPct val="150000"/>
+              </a:lnSpc>
+            </a:pPr>
+            <a:r>
+              <a:rPr lang="en-US" altLang="zh-CN" dirty="0">
+                <a:latin typeface="微软雅黑" panose="020B0503020204020204" pitchFamily="34" charset="-122"/>
+                <a:ea typeface="微软雅黑" panose="020B0503020204020204" pitchFamily="34" charset="-122"/>
+              </a:rPr>
+              <a:t>Text-to-Text Transfer Transformer (</a:t>
+            </a:r>
+            <a:r>
+              <a:rPr lang="zh-CN" altLang="en-US" dirty="0">
+                <a:latin typeface="微软雅黑" panose="020B0503020204020204" pitchFamily="34" charset="-122"/>
+                <a:ea typeface="微软雅黑" panose="020B0503020204020204" pitchFamily="34" charset="-122"/>
+              </a:rPr>
+              <a:t>简称</a:t>
+            </a:r>
+            <a:r>
+              <a:rPr lang="en-US" altLang="zh-CN" dirty="0">
+                <a:latin typeface="微软雅黑" panose="020B0503020204020204" pitchFamily="34" charset="-122"/>
+                <a:ea typeface="微软雅黑" panose="020B0503020204020204" pitchFamily="34" charset="-122"/>
+              </a:rPr>
+              <a:t>T5)</a:t>
+            </a:r>
+            <a:r>
+              <a:rPr lang="zh-CN" altLang="en-US" dirty="0">
+                <a:latin typeface="微软雅黑" panose="020B0503020204020204" pitchFamily="34" charset="-122"/>
+                <a:ea typeface="微软雅黑" panose="020B0503020204020204" pitchFamily="34" charset="-122"/>
+              </a:rPr>
+              <a:t>是基于</a:t>
+            </a:r>
+            <a:r>
+              <a:rPr lang="en-US" altLang="zh-CN" dirty="0">
+                <a:latin typeface="微软雅黑" panose="020B0503020204020204" pitchFamily="34" charset="-122"/>
+                <a:ea typeface="微软雅黑" panose="020B0503020204020204" pitchFamily="34" charset="-122"/>
+              </a:rPr>
+              <a:t>Transformer</a:t>
+            </a:r>
+            <a:r>
+              <a:rPr lang="zh-CN" altLang="en-US" dirty="0">
+                <a:latin typeface="微软雅黑" panose="020B0503020204020204" pitchFamily="34" charset="-122"/>
+                <a:ea typeface="微软雅黑" panose="020B0503020204020204" pitchFamily="34" charset="-122"/>
+              </a:rPr>
+              <a:t>架构的模型，</a:t>
+            </a:r>
+            <a:r>
+              <a:rPr lang="zh-CN" altLang="en-US" b="1" dirty="0">
+                <a:latin typeface="微软雅黑" panose="020B0503020204020204" pitchFamily="34" charset="-122"/>
+                <a:ea typeface="微软雅黑" panose="020B0503020204020204" pitchFamily="34" charset="-122"/>
+              </a:rPr>
+              <a:t>将所有 </a:t>
+            </a:r>
+            <a:r>
+              <a:rPr lang="en-US" altLang="zh-CN" b="1" dirty="0">
+                <a:latin typeface="微软雅黑" panose="020B0503020204020204" pitchFamily="34" charset="-122"/>
+                <a:ea typeface="微软雅黑" panose="020B0503020204020204" pitchFamily="34" charset="-122"/>
+              </a:rPr>
+              <a:t>NLP </a:t>
+            </a:r>
+            <a:r>
+              <a:rPr lang="zh-CN" altLang="en-US" b="1" dirty="0">
+                <a:latin typeface="微软雅黑" panose="020B0503020204020204" pitchFamily="34" charset="-122"/>
+                <a:ea typeface="微软雅黑" panose="020B0503020204020204" pitchFamily="34" charset="-122"/>
+              </a:rPr>
+              <a:t>任务都转化成 </a:t>
+            </a:r>
+            <a:r>
+              <a:rPr lang="en-US" altLang="zh-CN" b="1" dirty="0">
+                <a:latin typeface="微软雅黑" panose="020B0503020204020204" pitchFamily="34" charset="-122"/>
+                <a:ea typeface="微软雅黑" panose="020B0503020204020204" pitchFamily="34" charset="-122"/>
+              </a:rPr>
+              <a:t>Text-to-Text </a:t>
+            </a:r>
+            <a:r>
+              <a:rPr lang="zh-CN" altLang="en-US" b="1" dirty="0">
+                <a:latin typeface="微软雅黑" panose="020B0503020204020204" pitchFamily="34" charset="-122"/>
+                <a:ea typeface="微软雅黑" panose="020B0503020204020204" pitchFamily="34" charset="-122"/>
+              </a:rPr>
+              <a:t>（文本到文本）任务。</a:t>
+            </a:r>
+          </a:p>
+        </p:txBody>
+      </p:sp>
+      <p:sp>
+        <p:nvSpPr>
           <p:cNvPr id="4" name="文本框 3">
             <a:extLst>
               <a:ext uri="{FF2B5EF4-FFF2-40B4-BE49-F238E27FC236}">
@@ -5910,7 +6129,14 @@
                 <a:latin typeface="微软雅黑" panose="020B0503020204020204" pitchFamily="34" charset="-122"/>
                 <a:ea typeface="微软雅黑" panose="020B0503020204020204" pitchFamily="34" charset="-122"/>
               </a:rPr>
-              <a:t>Loss Function</a:t>
+              <a:t>T5</a:t>
+            </a:r>
+            <a:r>
+              <a:rPr lang="zh-CN" altLang="en-US" sz="2800" b="1" dirty="0">
+                <a:latin typeface="微软雅黑" panose="020B0503020204020204" pitchFamily="34" charset="-122"/>
+                <a:ea typeface="微软雅黑" panose="020B0503020204020204" pitchFamily="34" charset="-122"/>
+              </a:rPr>
+              <a:t>模型</a:t>
             </a:r>
             <a:endParaRPr lang="it-IT" altLang="zh-CN" sz="2000" dirty="0">
               <a:latin typeface="微软雅黑" panose="020B0503020204020204" pitchFamily="34" charset="-122"/>
@@ -5919,47 +6145,12 @@
           </a:p>
         </p:txBody>
       </p:sp>
-      <p:sp>
-        <p:nvSpPr>
-          <p:cNvPr id="3" name="文本框 2">
-            <a:extLst>
-              <a:ext uri="{FF2B5EF4-FFF2-40B4-BE49-F238E27FC236}">
-                <a16:creationId xmlns:a16="http://schemas.microsoft.com/office/drawing/2014/main" id="{7E4CD9D6-FD58-4C9B-8BA6-5F0CD6F0F4E7}"/>
-              </a:ext>
-            </a:extLst>
-          </p:cNvPr>
-          <p:cNvSpPr txBox="1"/>
-          <p:nvPr/>
-        </p:nvSpPr>
-        <p:spPr>
-          <a:xfrm>
-            <a:off x="3407477" y="5985558"/>
-            <a:ext cx="4492185" cy="338554"/>
-          </a:xfrm>
-          <a:prstGeom prst="rect">
-            <a:avLst/>
-          </a:prstGeom>
-          <a:noFill/>
-        </p:spPr>
-        <p:txBody>
-          <a:bodyPr wrap="square" rtlCol="0">
-            <a:spAutoFit/>
-          </a:bodyPr>
-          <a:lstStyle/>
-          <a:p>
-            <a:endParaRPr lang="en-US" altLang="zh-CN" sz="1600" dirty="0">
-              <a:latin typeface="微软雅黑" panose="020B0503020204020204" pitchFamily="34" charset="-122"/>
-              <a:ea typeface="微软雅黑" panose="020B0503020204020204" pitchFamily="34" charset="-122"/>
-            </a:endParaRPr>
-          </a:p>
-        </p:txBody>
-      </p:sp>
       <p:pic>
         <p:nvPicPr>
-          <p:cNvPr id="8" name="图片 7">
-            <a:extLst>
-              <a:ext uri="{FF2B5EF4-FFF2-40B4-BE49-F238E27FC236}">
-                <a16:creationId xmlns:a16="http://schemas.microsoft.com/office/drawing/2014/main" id="{BEA6D8D7-DFF7-45BB-A861-D6E71C7DA42E}"/>
+          <p:cNvPr id="5" name="图片 4">
+            <a:extLst>
+              <a:ext uri="{FF2B5EF4-FFF2-40B4-BE49-F238E27FC236}">
+                <a16:creationId xmlns:a16="http://schemas.microsoft.com/office/drawing/2014/main" id="{05972505-7E4A-4B6A-8EF6-7E1ABE34D72B}"/>
               </a:ext>
             </a:extLst>
           </p:cNvPr>
@@ -5976,582 +6167,8 @@
         </p:blipFill>
         <p:spPr>
           <a:xfrm>
-            <a:off x="2065144" y="2458618"/>
-            <a:ext cx="8838095" cy="1171429"/>
-          </a:xfrm>
-          <a:prstGeom prst="rect">
-            <a:avLst/>
-          </a:prstGeom>
-        </p:spPr>
-      </p:pic>
-      <p:sp>
-        <p:nvSpPr>
-          <p:cNvPr id="16" name="文本框 15">
-            <a:extLst>
-              <a:ext uri="{FF2B5EF4-FFF2-40B4-BE49-F238E27FC236}">
-                <a16:creationId xmlns:a16="http://schemas.microsoft.com/office/drawing/2014/main" id="{522AEEB2-2E21-45ED-9A70-C281B4E448DC}"/>
-              </a:ext>
-            </a:extLst>
-          </p:cNvPr>
-          <p:cNvSpPr txBox="1"/>
-          <p:nvPr/>
-        </p:nvSpPr>
-        <p:spPr>
-          <a:xfrm>
-            <a:off x="897904" y="1774704"/>
-            <a:ext cx="10235152" cy="646331"/>
-          </a:xfrm>
-          <a:prstGeom prst="rect">
-            <a:avLst/>
-          </a:prstGeom>
-          <a:noFill/>
-        </p:spPr>
-        <p:txBody>
-          <a:bodyPr wrap="square">
-            <a:spAutoFit/>
-          </a:bodyPr>
-          <a:lstStyle/>
-          <a:p>
-            <a:r>
-              <a:rPr lang="zh-CN" altLang="en-US" dirty="0">
-                <a:latin typeface="微软雅黑" panose="020B0503020204020204" pitchFamily="34" charset="-122"/>
-                <a:ea typeface="微软雅黑" panose="020B0503020204020204" pitchFamily="34" charset="-122"/>
-              </a:rPr>
-              <a:t>assuming-negative (AN) loss </a:t>
-            </a:r>
-            <a:r>
-              <a:rPr lang="en-US" altLang="zh-CN" sz="1800" dirty="0">
-                <a:latin typeface="微软雅黑" panose="020B0503020204020204" pitchFamily="34" charset="-122"/>
-                <a:ea typeface="微软雅黑" panose="020B0503020204020204" pitchFamily="34" charset="-122"/>
-              </a:rPr>
-              <a:t>AN</a:t>
-            </a:r>
-            <a:r>
-              <a:rPr lang="zh-CN" altLang="en-US" sz="1800" dirty="0">
-                <a:latin typeface="微软雅黑" panose="020B0503020204020204" pitchFamily="34" charset="-122"/>
-                <a:ea typeface="微软雅黑" panose="020B0503020204020204" pitchFamily="34" charset="-122"/>
-              </a:rPr>
-              <a:t>损失函数：将未标注的标记统一视为负标记</a:t>
-            </a:r>
-            <a:endParaRPr lang="en-US" altLang="zh-CN" sz="1800" dirty="0">
-              <a:latin typeface="微软雅黑" panose="020B0503020204020204" pitchFamily="34" charset="-122"/>
-              <a:ea typeface="微软雅黑" panose="020B0503020204020204" pitchFamily="34" charset="-122"/>
-            </a:endParaRPr>
-          </a:p>
-          <a:p>
-            <a:endParaRPr lang="zh-CN" altLang="en-US" dirty="0">
-              <a:latin typeface="微软雅黑" panose="020B0503020204020204" pitchFamily="34" charset="-122"/>
-              <a:ea typeface="微软雅黑" panose="020B0503020204020204" pitchFamily="34" charset="-122"/>
-            </a:endParaRPr>
-          </a:p>
-        </p:txBody>
-      </p:sp>
-      <p:pic>
-        <p:nvPicPr>
-          <p:cNvPr id="7" name="图片 6">
-            <a:extLst>
-              <a:ext uri="{FF2B5EF4-FFF2-40B4-BE49-F238E27FC236}">
-                <a16:creationId xmlns:a16="http://schemas.microsoft.com/office/drawing/2014/main" id="{B5EECBDD-E22E-4EE3-9D12-5D71F96CB872}"/>
-              </a:ext>
-            </a:extLst>
-          </p:cNvPr>
-          <p:cNvPicPr>
-            <a:picLocks noChangeAspect="1"/>
-          </p:cNvPicPr>
-          <p:nvPr/>
-        </p:nvPicPr>
-        <p:blipFill>
-          <a:blip r:embed="rId4"/>
-          <a:stretch>
-            <a:fillRect/>
-          </a:stretch>
-        </p:blipFill>
-        <p:spPr>
-          <a:xfrm>
-            <a:off x="3074028" y="5256968"/>
-            <a:ext cx="5457143" cy="1542857"/>
-          </a:xfrm>
-          <a:prstGeom prst="rect">
-            <a:avLst/>
-          </a:prstGeom>
-        </p:spPr>
-      </p:pic>
-      <mc:AlternateContent xmlns:mc="http://schemas.openxmlformats.org/markup-compatibility/2006" xmlns:a14="http://schemas.microsoft.com/office/drawing/2010/main">
-        <mc:Choice Requires="a14">
-          <p:sp>
-            <p:nvSpPr>
-              <p:cNvPr id="9" name="文本框 8">
-                <a:extLst>
-                  <a:ext uri="{FF2B5EF4-FFF2-40B4-BE49-F238E27FC236}">
-                    <a16:creationId xmlns:a16="http://schemas.microsoft.com/office/drawing/2014/main" id="{84EDBE19-2F43-4791-B1A9-60542BA06155}"/>
-                  </a:ext>
-                </a:extLst>
-              </p:cNvPr>
-              <p:cNvSpPr txBox="1"/>
-              <p:nvPr/>
-            </p:nvSpPr>
-            <p:spPr>
-              <a:xfrm>
-                <a:off x="1018472" y="3838306"/>
-                <a:ext cx="10235152" cy="1463349"/>
-              </a:xfrm>
-              <a:prstGeom prst="rect">
-                <a:avLst/>
-              </a:prstGeom>
-              <a:noFill/>
-            </p:spPr>
-            <p:txBody>
-              <a:bodyPr wrap="square">
-                <a:spAutoFit/>
-              </a:bodyPr>
-              <a:lstStyle/>
-              <a:p>
-                <a:pPr>
-                  <a:lnSpc>
-                    <a:spcPct val="150000"/>
-                  </a:lnSpc>
-                </a:pPr>
-                <a:r>
-                  <a:rPr lang="zh-CN" altLang="en-US" dirty="0">
-                    <a:latin typeface="微软雅黑" panose="020B0503020204020204" pitchFamily="34" charset="-122"/>
-                    <a:ea typeface="微软雅黑" panose="020B0503020204020204" pitchFamily="34" charset="-122"/>
-                  </a:rPr>
-                  <a:t>对</a:t>
-                </a:r>
-                <a:r>
-                  <a:rPr lang="en-US" altLang="zh-CN" dirty="0">
-                    <a:latin typeface="微软雅黑" panose="020B0503020204020204" pitchFamily="34" charset="-122"/>
-                    <a:ea typeface="微软雅黑" panose="020B0503020204020204" pitchFamily="34" charset="-122"/>
-                  </a:rPr>
-                  <a:t>AN</a:t>
-                </a:r>
-                <a:r>
-                  <a:rPr lang="zh-CN" altLang="en-US" dirty="0">
-                    <a:latin typeface="微软雅黑" panose="020B0503020204020204" pitchFamily="34" charset="-122"/>
-                    <a:ea typeface="微软雅黑" panose="020B0503020204020204" pitchFamily="34" charset="-122"/>
-                  </a:rPr>
-                  <a:t> </a:t>
-                </a:r>
-                <a:r>
-                  <a:rPr lang="en-US" altLang="zh-CN" dirty="0">
-                    <a:latin typeface="微软雅黑" panose="020B0503020204020204" pitchFamily="34" charset="-122"/>
-                    <a:ea typeface="微软雅黑" panose="020B0503020204020204" pitchFamily="34" charset="-122"/>
-                  </a:rPr>
-                  <a:t>Loss</a:t>
-                </a:r>
-                <a:r>
-                  <a:rPr lang="zh-CN" altLang="en-US" dirty="0">
-                    <a:latin typeface="微软雅黑" panose="020B0503020204020204" pitchFamily="34" charset="-122"/>
-                    <a:ea typeface="微软雅黑" panose="020B0503020204020204" pitchFamily="34" charset="-122"/>
-                  </a:rPr>
-                  <a:t>进行了基于梯度的分析，为方便起见，设                表示</a:t>
-                </a:r>
-                <a:r>
-                  <a:rPr lang="en-US" altLang="zh-CN" dirty="0">
-                    <a:latin typeface="微软雅黑" panose="020B0503020204020204" pitchFamily="34" charset="-122"/>
-                    <a:ea typeface="微软雅黑" panose="020B0503020204020204" pitchFamily="34" charset="-122"/>
-                  </a:rPr>
-                  <a:t>        </a:t>
-                </a:r>
-                <a:r>
-                  <a:rPr lang="zh-CN" altLang="en-US" dirty="0">
-                    <a:latin typeface="微软雅黑" panose="020B0503020204020204" pitchFamily="34" charset="-122"/>
-                    <a:ea typeface="微软雅黑" panose="020B0503020204020204" pitchFamily="34" charset="-122"/>
-                  </a:rPr>
-                  <a:t>第</a:t>
-                </a:r>
-                <a:r>
-                  <a:rPr lang="en-US" altLang="zh-CN" dirty="0">
-                    <a:latin typeface="微软雅黑" panose="020B0503020204020204" pitchFamily="34" charset="-122"/>
-                    <a:ea typeface="微软雅黑" panose="020B0503020204020204" pitchFamily="34" charset="-122"/>
-                  </a:rPr>
-                  <a:t>c</a:t>
-                </a:r>
-                <a:r>
-                  <a:rPr lang="zh-CN" altLang="en-US" dirty="0">
-                    <a:latin typeface="微软雅黑" panose="020B0503020204020204" pitchFamily="34" charset="-122"/>
-                    <a:ea typeface="微软雅黑" panose="020B0503020204020204" pitchFamily="34" charset="-122"/>
-                  </a:rPr>
-                  <a:t>类的输出</a:t>
-                </a:r>
-                <a:r>
-                  <a:rPr lang="en-US" altLang="zh-CN" dirty="0">
-                    <a:latin typeface="微软雅黑" panose="020B0503020204020204" pitchFamily="34" charset="-122"/>
-                    <a:ea typeface="微软雅黑" panose="020B0503020204020204" pitchFamily="34" charset="-122"/>
-                  </a:rPr>
-                  <a:t>logit, </a:t>
-                </a:r>
-                <a14:m>
-                  <m:oMath xmlns:m="http://schemas.openxmlformats.org/officeDocument/2006/math">
-                    <m:r>
-                      <a:rPr lang="en-US" altLang="zh-CN" i="1" dirty="0" smtClean="0">
-                        <a:latin typeface="Cambria Math" panose="02040503050406030204" pitchFamily="18" charset="0"/>
-                        <a:ea typeface="微软雅黑" panose="020B0503020204020204" pitchFamily="34" charset="-122"/>
-                      </a:rPr>
-                      <m:t>𝑝</m:t>
-                    </m:r>
-                    <m:r>
-                      <a:rPr lang="en-US" altLang="zh-CN" i="1" dirty="0" smtClean="0">
-                        <a:latin typeface="Cambria Math" panose="02040503050406030204" pitchFamily="18" charset="0"/>
-                        <a:ea typeface="微软雅黑" panose="020B0503020204020204" pitchFamily="34" charset="-122"/>
-                      </a:rPr>
-                      <m:t> =</m:t>
-                    </m:r>
-                    <m:f>
-                      <m:fPr>
-                        <m:ctrlPr>
-                          <a:rPr lang="en-US" altLang="zh-CN" i="1" dirty="0" smtClean="0">
-                            <a:latin typeface="Cambria Math" panose="02040503050406030204" pitchFamily="18" charset="0"/>
-                            <a:ea typeface="微软雅黑" panose="020B0503020204020204" pitchFamily="34" charset="-122"/>
-                          </a:rPr>
-                        </m:ctrlPr>
-                      </m:fPr>
-                      <m:num>
-                        <m:r>
-                          <a:rPr lang="en-US" altLang="zh-CN" i="1" dirty="0" smtClean="0">
-                            <a:latin typeface="Cambria Math" panose="02040503050406030204" pitchFamily="18" charset="0"/>
-                            <a:ea typeface="微软雅黑" panose="020B0503020204020204" pitchFamily="34" charset="-122"/>
-                          </a:rPr>
-                          <m:t>1</m:t>
-                        </m:r>
-                      </m:num>
-                      <m:den>
-                        <m:r>
-                          <a:rPr lang="en-US" altLang="zh-CN" i="1" dirty="0" smtClean="0">
-                            <a:latin typeface="Cambria Math" panose="02040503050406030204" pitchFamily="18" charset="0"/>
-                            <a:ea typeface="微软雅黑" panose="020B0503020204020204" pitchFamily="34" charset="-122"/>
-                          </a:rPr>
-                          <m:t>1 + </m:t>
-                        </m:r>
-                        <m:sSup>
-                          <m:sSupPr>
-                            <m:ctrlPr>
-                              <a:rPr lang="en-US" altLang="zh-CN" b="0" i="1" dirty="0" smtClean="0">
-                                <a:latin typeface="Cambria Math" panose="02040503050406030204" pitchFamily="18" charset="0"/>
-                                <a:ea typeface="微软雅黑" panose="020B0503020204020204" pitchFamily="34" charset="-122"/>
-                              </a:rPr>
-                            </m:ctrlPr>
-                          </m:sSupPr>
-                          <m:e>
-                            <m:r>
-                              <a:rPr lang="en-US" altLang="zh-CN" i="1" dirty="0" smtClean="0">
-                                <a:latin typeface="Cambria Math" panose="02040503050406030204" pitchFamily="18" charset="0"/>
-                                <a:ea typeface="微软雅黑" panose="020B0503020204020204" pitchFamily="34" charset="-122"/>
-                              </a:rPr>
-                              <m:t>𝑒</m:t>
-                            </m:r>
-                          </m:e>
-                          <m:sup>
-                            <m:d>
-                              <m:dPr>
-                                <m:begChr m:val="{"/>
-                                <m:endChr m:val="}"/>
-                                <m:ctrlPr>
-                                  <a:rPr lang="en-US" altLang="zh-CN" b="0" i="1" dirty="0" smtClean="0">
-                                    <a:latin typeface="Cambria Math" panose="02040503050406030204" pitchFamily="18" charset="0"/>
-                                    <a:ea typeface="微软雅黑" panose="020B0503020204020204" pitchFamily="34" charset="-122"/>
-                                  </a:rPr>
-                                </m:ctrlPr>
-                              </m:dPr>
-                              <m:e>
-                                <m:r>
-                                  <a:rPr lang="en-US" altLang="zh-CN" i="1" dirty="0" smtClean="0">
-                                    <a:latin typeface="Cambria Math" panose="02040503050406030204" pitchFamily="18" charset="0"/>
-                                    <a:ea typeface="微软雅黑" panose="020B0503020204020204" pitchFamily="34" charset="-122"/>
-                                  </a:rPr>
-                                  <m:t>−</m:t>
-                                </m:r>
-                                <m:r>
-                                  <a:rPr lang="en-US" altLang="zh-CN" i="1" dirty="0" smtClean="0">
-                                    <a:latin typeface="Cambria Math" panose="02040503050406030204" pitchFamily="18" charset="0"/>
-                                    <a:ea typeface="微软雅黑" panose="020B0503020204020204" pitchFamily="34" charset="-122"/>
-                                  </a:rPr>
-                                  <m:t>𝑔</m:t>
-                                </m:r>
-                              </m:e>
-                            </m:d>
-                          </m:sup>
-                        </m:sSup>
-                      </m:den>
-                    </m:f>
-                  </m:oMath>
-                </a14:m>
-                <a:r>
-                  <a:rPr lang="en-US" altLang="zh-CN" dirty="0">
-                    <a:latin typeface="微软雅黑" panose="020B0503020204020204" pitchFamily="34" charset="-122"/>
-                    <a:ea typeface="微软雅黑" panose="020B0503020204020204" pitchFamily="34" charset="-122"/>
-                  </a:rPr>
-                  <a:t> (</a:t>
-                </a:r>
-                <a:r>
-                  <a:rPr lang="zh-CN" altLang="en-US" dirty="0">
-                    <a:latin typeface="微软雅黑" panose="020B0503020204020204" pitchFamily="34" charset="-122"/>
-                    <a:ea typeface="微软雅黑" panose="020B0503020204020204" pitchFamily="34" charset="-122"/>
-                  </a:rPr>
-                  <a:t>即</a:t>
-                </a:r>
-                <a:r>
-                  <a:rPr lang="en-US" altLang="zh-CN" dirty="0">
-                    <a:latin typeface="微软雅黑" panose="020B0503020204020204" pitchFamily="34" charset="-122"/>
-                    <a:ea typeface="微软雅黑" panose="020B0503020204020204" pitchFamily="34" charset="-122"/>
-                  </a:rPr>
-                  <a:t>sigmoid</a:t>
-                </a:r>
-                <a:r>
-                  <a:rPr lang="zh-CN" altLang="en-US" dirty="0">
-                    <a:latin typeface="微软雅黑" panose="020B0503020204020204" pitchFamily="34" charset="-122"/>
-                    <a:ea typeface="微软雅黑" panose="020B0503020204020204" pitchFamily="34" charset="-122"/>
-                  </a:rPr>
-                  <a:t>函数</a:t>
-                </a:r>
-                <a:r>
-                  <a:rPr lang="en-US" altLang="zh-CN" dirty="0">
-                    <a:latin typeface="微软雅黑" panose="020B0503020204020204" pitchFamily="34" charset="-122"/>
-                    <a:ea typeface="微软雅黑" panose="020B0503020204020204" pitchFamily="34" charset="-122"/>
-                  </a:rPr>
-                  <a:t>) </a:t>
-                </a:r>
-                <a:r>
-                  <a:rPr lang="zh-CN" altLang="en-US" dirty="0">
-                    <a:latin typeface="微软雅黑" panose="020B0503020204020204" pitchFamily="34" charset="-122"/>
-                    <a:ea typeface="微软雅黑" panose="020B0503020204020204" pitchFamily="34" charset="-122"/>
-                  </a:rPr>
-                  <a:t>表示预测概率，      </a:t>
-                </a:r>
-                <a:r>
-                  <a:rPr lang="en-US" altLang="zh-CN" dirty="0">
-                    <a:latin typeface="微软雅黑" panose="020B0503020204020204" pitchFamily="34" charset="-122"/>
-                    <a:ea typeface="微软雅黑" panose="020B0503020204020204" pitchFamily="34" charset="-122"/>
-                  </a:rPr>
-                  <a:t>                                                        </a:t>
-                </a:r>
-                <a:r>
-                  <a:rPr lang="zh-CN" altLang="en-US" dirty="0">
-                    <a:latin typeface="微软雅黑" panose="020B0503020204020204" pitchFamily="34" charset="-122"/>
-                    <a:ea typeface="微软雅黑" panose="020B0503020204020204" pitchFamily="34" charset="-122"/>
-                  </a:rPr>
-                  <a:t>表示带注释的正标签</a:t>
-                </a:r>
-                <a:r>
-                  <a:rPr lang="en-US" altLang="zh-CN" dirty="0">
-                    <a:latin typeface="微软雅黑" panose="020B0503020204020204" pitchFamily="34" charset="-122"/>
-                    <a:ea typeface="微软雅黑" panose="020B0503020204020204" pitchFamily="34" charset="-122"/>
-                  </a:rPr>
-                  <a:t>(</a:t>
-                </a:r>
-                <a:r>
-                  <a:rPr lang="zh-CN" altLang="en-US" dirty="0">
-                    <a:latin typeface="微软雅黑" panose="020B0503020204020204" pitchFamily="34" charset="-122"/>
-                    <a:ea typeface="微软雅黑" panose="020B0503020204020204" pitchFamily="34" charset="-122"/>
-                  </a:rPr>
-                  <a:t>假设的负标签</a:t>
-                </a:r>
-                <a:r>
-                  <a:rPr lang="en-US" altLang="zh-CN" dirty="0">
-                    <a:latin typeface="微软雅黑" panose="020B0503020204020204" pitchFamily="34" charset="-122"/>
-                    <a:ea typeface="微软雅黑" panose="020B0503020204020204" pitchFamily="34" charset="-122"/>
-                  </a:rPr>
-                  <a:t>)</a:t>
-                </a:r>
-                <a:r>
-                  <a:rPr lang="zh-CN" altLang="en-US" dirty="0">
-                    <a:latin typeface="微软雅黑" panose="020B0503020204020204" pitchFamily="34" charset="-122"/>
-                    <a:ea typeface="微软雅黑" panose="020B0503020204020204" pitchFamily="34" charset="-122"/>
-                  </a:rPr>
-                  <a:t>的</a:t>
-                </a:r>
-                <a:r>
-                  <a:rPr lang="en-US" altLang="zh-CN" dirty="0">
-                    <a:latin typeface="微软雅黑" panose="020B0503020204020204" pitchFamily="34" charset="-122"/>
-                    <a:ea typeface="微软雅黑" panose="020B0503020204020204" pitchFamily="34" charset="-122"/>
-                  </a:rPr>
-                  <a:t>AN</a:t>
-                </a:r>
-                <a:r>
-                  <a:rPr lang="zh-CN" altLang="en-US" dirty="0">
-                    <a:latin typeface="微软雅黑" panose="020B0503020204020204" pitchFamily="34" charset="-122"/>
-                    <a:ea typeface="微软雅黑" panose="020B0503020204020204" pitchFamily="34" charset="-122"/>
-                  </a:rPr>
-                  <a:t>损失。对于</a:t>
-                </a:r>
-                <a:r>
-                  <a:rPr lang="en-US" altLang="zh-CN" dirty="0">
-                    <a:latin typeface="微软雅黑" panose="020B0503020204020204" pitchFamily="34" charset="-122"/>
-                    <a:ea typeface="微软雅黑" panose="020B0503020204020204" pitchFamily="34" charset="-122"/>
-                  </a:rPr>
-                  <a:t>logit</a:t>
-                </a:r>
-                <a:r>
-                  <a:rPr lang="zh-CN" altLang="en-US" dirty="0">
-                    <a:latin typeface="微软雅黑" panose="020B0503020204020204" pitchFamily="34" charset="-122"/>
-                    <a:ea typeface="微软雅黑" panose="020B0503020204020204" pitchFamily="34" charset="-122"/>
-                  </a:rPr>
-                  <a:t>值</a:t>
-                </a:r>
-                <a:r>
-                  <a:rPr lang="en-US" altLang="zh-CN" dirty="0">
-                    <a:latin typeface="微软雅黑" panose="020B0503020204020204" pitchFamily="34" charset="-122"/>
-                    <a:ea typeface="微软雅黑" panose="020B0503020204020204" pitchFamily="34" charset="-122"/>
-                  </a:rPr>
-                  <a:t> </a:t>
-                </a:r>
-                <a14:m>
-                  <m:oMath xmlns:m="http://schemas.openxmlformats.org/officeDocument/2006/math">
-                    <m:r>
-                      <a:rPr lang="en-US" altLang="zh-CN" i="1" dirty="0" smtClean="0">
-                        <a:latin typeface="Cambria Math" panose="02040503050406030204" pitchFamily="18" charset="0"/>
-                        <a:ea typeface="微软雅黑" panose="020B0503020204020204" pitchFamily="34" charset="-122"/>
-                      </a:rPr>
-                      <m:t>𝑔</m:t>
-                    </m:r>
-                  </m:oMath>
-                </a14:m>
-                <a:r>
-                  <a:rPr lang="en-US" altLang="zh-CN" dirty="0">
-                    <a:latin typeface="微软雅黑" panose="020B0503020204020204" pitchFamily="34" charset="-122"/>
-                    <a:ea typeface="微软雅黑" panose="020B0503020204020204" pitchFamily="34" charset="-122"/>
-                  </a:rPr>
-                  <a:t>, AN</a:t>
-                </a:r>
-                <a:r>
-                  <a:rPr lang="zh-CN" altLang="en-US" dirty="0">
-                    <a:latin typeface="微软雅黑" panose="020B0503020204020204" pitchFamily="34" charset="-122"/>
-                    <a:ea typeface="微软雅黑" panose="020B0503020204020204" pitchFamily="34" charset="-122"/>
-                  </a:rPr>
-                  <a:t>损失的梯度为：</a:t>
-                </a:r>
-              </a:p>
-            </p:txBody>
-          </p:sp>
-        </mc:Choice>
-        <mc:Fallback xmlns="">
-          <p:sp>
-            <p:nvSpPr>
-              <p:cNvPr id="9" name="文本框 8">
-                <a:extLst>
-                  <a:ext uri="{FF2B5EF4-FFF2-40B4-BE49-F238E27FC236}">
-                    <a16:creationId xmlns:a16="http://schemas.microsoft.com/office/drawing/2014/main" id="{84EDBE19-2F43-4791-B1A9-60542BA06155}"/>
-                  </a:ext>
-                </a:extLst>
-              </p:cNvPr>
-              <p:cNvSpPr txBox="1">
-                <a:spLocks noRot="1" noChangeAspect="1" noMove="1" noResize="1" noEditPoints="1" noAdjustHandles="1" noChangeArrowheads="1" noChangeShapeType="1" noTextEdit="1"/>
-              </p:cNvSpPr>
-              <p:nvPr/>
-            </p:nvSpPr>
-            <p:spPr>
-              <a:xfrm>
-                <a:off x="1018472" y="3838306"/>
-                <a:ext cx="10235152" cy="1463349"/>
-              </a:xfrm>
-              <a:prstGeom prst="rect">
-                <a:avLst/>
-              </a:prstGeom>
-              <a:blipFill>
-                <a:blip r:embed="rId5"/>
-                <a:stretch>
-                  <a:fillRect l="-476" r="-60" b="-5833"/>
-                </a:stretch>
-              </a:blipFill>
-            </p:spPr>
-            <p:txBody>
-              <a:bodyPr/>
-              <a:lstStyle/>
-              <a:p>
-                <a:r>
-                  <a:rPr lang="zh-CN" altLang="en-US">
-                    <a:noFill/>
-                  </a:rPr>
-                  <a:t> </a:t>
-                </a:r>
-              </a:p>
-            </p:txBody>
-          </p:sp>
-        </mc:Fallback>
-      </mc:AlternateContent>
-      <p:pic>
-        <p:nvPicPr>
-          <p:cNvPr id="6" name="图片 5">
-            <a:extLst>
-              <a:ext uri="{FF2B5EF4-FFF2-40B4-BE49-F238E27FC236}">
-                <a16:creationId xmlns:a16="http://schemas.microsoft.com/office/drawing/2014/main" id="{A6D309EF-2B18-44B4-B1C6-01C0FD23AE38}"/>
-              </a:ext>
-            </a:extLst>
-          </p:cNvPr>
-          <p:cNvPicPr>
-            <a:picLocks noChangeAspect="1"/>
-          </p:cNvPicPr>
-          <p:nvPr/>
-        </p:nvPicPr>
-        <p:blipFill>
-          <a:blip r:embed="rId6"/>
-          <a:stretch>
-            <a:fillRect/>
-          </a:stretch>
-        </p:blipFill>
-        <p:spPr>
-          <a:xfrm>
-            <a:off x="6438701" y="3891622"/>
-            <a:ext cx="931840" cy="360207"/>
-          </a:xfrm>
-          <a:prstGeom prst="rect">
-            <a:avLst/>
-          </a:prstGeom>
-        </p:spPr>
-      </p:pic>
-      <p:pic>
-        <p:nvPicPr>
-          <p:cNvPr id="11" name="图片 10">
-            <a:extLst>
-              <a:ext uri="{FF2B5EF4-FFF2-40B4-BE49-F238E27FC236}">
-                <a16:creationId xmlns:a16="http://schemas.microsoft.com/office/drawing/2014/main" id="{13C79FA1-413B-4142-812B-DE8F8880C117}"/>
-              </a:ext>
-            </a:extLst>
-          </p:cNvPr>
-          <p:cNvPicPr>
-            <a:picLocks noChangeAspect="1"/>
-          </p:cNvPicPr>
-          <p:nvPr/>
-        </p:nvPicPr>
-        <p:blipFill>
-          <a:blip r:embed="rId7"/>
-          <a:stretch>
-            <a:fillRect/>
-          </a:stretch>
-        </p:blipFill>
-        <p:spPr>
-          <a:xfrm>
-            <a:off x="7989814" y="3953181"/>
-            <a:ext cx="452008" cy="298648"/>
-          </a:xfrm>
-          <a:prstGeom prst="rect">
-            <a:avLst/>
-          </a:prstGeom>
-        </p:spPr>
-      </p:pic>
-      <p:pic>
-        <p:nvPicPr>
-          <p:cNvPr id="13" name="图片 12">
-            <a:extLst>
-              <a:ext uri="{FF2B5EF4-FFF2-40B4-BE49-F238E27FC236}">
-                <a16:creationId xmlns:a16="http://schemas.microsoft.com/office/drawing/2014/main" id="{350687CD-D950-43C1-AAFF-A1D9D62D4BF7}"/>
-              </a:ext>
-            </a:extLst>
-          </p:cNvPr>
-          <p:cNvPicPr>
-            <a:picLocks noChangeAspect="1"/>
-          </p:cNvPicPr>
-          <p:nvPr/>
-        </p:nvPicPr>
-        <p:blipFill rotWithShape="1">
-          <a:blip r:embed="rId8"/>
-          <a:srcRect t="7487" b="9603"/>
-          <a:stretch/>
-        </p:blipFill>
-        <p:spPr>
-          <a:xfrm>
-            <a:off x="5151575" y="4485862"/>
-            <a:ext cx="4259840" cy="298648"/>
+            <a:off x="1612669" y="3157827"/>
+            <a:ext cx="8966661" cy="3073558"/>
           </a:xfrm>
           <a:prstGeom prst="rect">
             <a:avLst/>
@@ -6561,7 +6178,7 @@
     </p:spTree>
     <p:extLst>
       <p:ext uri="{BB962C8B-B14F-4D97-AF65-F5344CB8AC3E}">
-        <p14:creationId xmlns:p14="http://schemas.microsoft.com/office/powerpoint/2010/main" val="3216545204"/>
+        <p14:creationId xmlns:p14="http://schemas.microsoft.com/office/powerpoint/2010/main" val="2370195560"/>
       </p:ext>
     </p:extLst>
   </p:cSld>
@@ -6590,6 +6207,177 @@
       </p:grpSpPr>
       <p:sp>
         <p:nvSpPr>
+          <p:cNvPr id="13" name="文本框 12">
+            <a:extLst>
+              <a:ext uri="{FF2B5EF4-FFF2-40B4-BE49-F238E27FC236}">
+                <a16:creationId xmlns:a16="http://schemas.microsoft.com/office/drawing/2014/main" id="{B7809583-0BE4-46B8-B202-6A2FDA84359E}"/>
+              </a:ext>
+            </a:extLst>
+          </p:cNvPr>
+          <p:cNvSpPr txBox="1"/>
+          <p:nvPr/>
+        </p:nvSpPr>
+        <p:spPr>
+          <a:xfrm>
+            <a:off x="548418" y="1704487"/>
+            <a:ext cx="10884895" cy="3782895"/>
+          </a:xfrm>
+          <a:prstGeom prst="rect">
+            <a:avLst/>
+          </a:prstGeom>
+          <a:noFill/>
+        </p:spPr>
+        <p:txBody>
+          <a:bodyPr wrap="square" rtlCol="0">
+            <a:spAutoFit/>
+          </a:bodyPr>
+          <a:lstStyle/>
+          <a:p>
+            <a:pPr>
+              <a:lnSpc>
+                <a:spcPct val="150000"/>
+              </a:lnSpc>
+            </a:pPr>
+            <a:r>
+              <a:rPr lang="en-US" altLang="zh-CN" dirty="0">
+                <a:latin typeface="微软雅黑" panose="020B0503020204020204" pitchFamily="34" charset="-122"/>
+                <a:ea typeface="微软雅黑" panose="020B0503020204020204" pitchFamily="34" charset="-122"/>
+              </a:rPr>
+              <a:t>1</a:t>
+            </a:r>
+            <a:r>
+              <a:rPr lang="zh-CN" altLang="en-US" dirty="0">
+                <a:latin typeface="微软雅黑" panose="020B0503020204020204" pitchFamily="34" charset="-122"/>
+                <a:ea typeface="微软雅黑" panose="020B0503020204020204" pitchFamily="34" charset="-122"/>
+              </a:rPr>
+              <a:t>、该模型首先需要进行预训练，其目的是为它提供可用于解决一组相关任务的一般知识。</a:t>
+            </a:r>
+            <a:endParaRPr lang="en-US" altLang="zh-CN" dirty="0">
+              <a:latin typeface="微软雅黑" panose="020B0503020204020204" pitchFamily="34" charset="-122"/>
+              <a:ea typeface="微软雅黑" panose="020B0503020204020204" pitchFamily="34" charset="-122"/>
+            </a:endParaRPr>
+          </a:p>
+          <a:p>
+            <a:pPr>
+              <a:lnSpc>
+                <a:spcPct val="150000"/>
+              </a:lnSpc>
+            </a:pPr>
+            <a:endParaRPr lang="en-US" altLang="zh-CN" dirty="0">
+              <a:latin typeface="微软雅黑" panose="020B0503020204020204" pitchFamily="34" charset="-122"/>
+              <a:ea typeface="微软雅黑" panose="020B0503020204020204" pitchFamily="34" charset="-122"/>
+            </a:endParaRPr>
+          </a:p>
+          <a:p>
+            <a:pPr lvl="1">
+              <a:lnSpc>
+                <a:spcPct val="150000"/>
+              </a:lnSpc>
+            </a:pPr>
+            <a:r>
+              <a:rPr lang="zh-CN" altLang="en-US" dirty="0">
+                <a:latin typeface="微软雅黑" panose="020B0503020204020204" pitchFamily="34" charset="-122"/>
+                <a:ea typeface="微软雅黑" panose="020B0503020204020204" pitchFamily="34" charset="-122"/>
+              </a:rPr>
+              <a:t>例如，假设我们想训练一个能够将英语翻译成德语并总结英文文本的模型。</a:t>
+            </a:r>
+            <a:r>
+              <a:rPr lang="en-US" altLang="zh-CN" dirty="0">
+                <a:latin typeface="微软雅黑" panose="020B0503020204020204" pitchFamily="34" charset="-122"/>
+                <a:ea typeface="微软雅黑" panose="020B0503020204020204" pitchFamily="34" charset="-122"/>
+              </a:rPr>
+              <a:t>T5 </a:t>
+            </a:r>
+            <a:r>
+              <a:rPr lang="zh-CN" altLang="en-US" dirty="0">
+                <a:latin typeface="微软雅黑" panose="020B0503020204020204" pitchFamily="34" charset="-122"/>
+                <a:ea typeface="微软雅黑" panose="020B0503020204020204" pitchFamily="34" charset="-122"/>
+              </a:rPr>
+              <a:t>不是首先使用去噪目标或掩码语言建模以无监督的方式预训练模型，而是输入具有 </a:t>
+            </a:r>
+            <a:r>
+              <a:rPr lang="en-US" altLang="zh-CN" dirty="0">
+                <a:latin typeface="微软雅黑" panose="020B0503020204020204" pitchFamily="34" charset="-122"/>
+                <a:ea typeface="微软雅黑" panose="020B0503020204020204" pitchFamily="34" charset="-122"/>
+              </a:rPr>
+              <a:t>15% </a:t>
+            </a:r>
+            <a:r>
+              <a:rPr lang="zh-CN" altLang="en-US" dirty="0">
+                <a:latin typeface="微软雅黑" panose="020B0503020204020204" pitchFamily="34" charset="-122"/>
+                <a:ea typeface="微软雅黑" panose="020B0503020204020204" pitchFamily="34" charset="-122"/>
+              </a:rPr>
+              <a:t>的标记的句子（例如，英语句子中的单词或 </a:t>
+            </a:r>
+            <a:r>
+              <a:rPr lang="en-US" altLang="zh-CN" dirty="0">
+                <a:latin typeface="微软雅黑" panose="020B0503020204020204" pitchFamily="34" charset="-122"/>
+                <a:ea typeface="微软雅黑" panose="020B0503020204020204" pitchFamily="34" charset="-122"/>
+              </a:rPr>
+              <a:t>Java </a:t>
+            </a:r>
+            <a:r>
+              <a:rPr lang="zh-CN" altLang="en-US" dirty="0">
+                <a:latin typeface="微软雅黑" panose="020B0503020204020204" pitchFamily="34" charset="-122"/>
+                <a:ea typeface="微软雅黑" panose="020B0503020204020204" pitchFamily="34" charset="-122"/>
+              </a:rPr>
+              <a:t>语句中的代码标记），并要求模型预测它们。通过学习如何预测掩码标记，该模型可以获取有关感兴趣语言的一般知识。</a:t>
+            </a:r>
+            <a:endParaRPr lang="en-US" altLang="zh-CN" dirty="0">
+              <a:latin typeface="微软雅黑" panose="020B0503020204020204" pitchFamily="34" charset="-122"/>
+              <a:ea typeface="微软雅黑" panose="020B0503020204020204" pitchFamily="34" charset="-122"/>
+            </a:endParaRPr>
+          </a:p>
+          <a:p>
+            <a:pPr>
+              <a:lnSpc>
+                <a:spcPct val="150000"/>
+              </a:lnSpc>
+            </a:pPr>
+            <a:endParaRPr lang="en-US" altLang="zh-CN" b="1" dirty="0">
+              <a:latin typeface="微软雅黑" panose="020B0503020204020204" pitchFamily="34" charset="-122"/>
+              <a:ea typeface="微软雅黑" panose="020B0503020204020204" pitchFamily="34" charset="-122"/>
+            </a:endParaRPr>
+          </a:p>
+          <a:p>
+            <a:pPr>
+              <a:lnSpc>
+                <a:spcPct val="150000"/>
+              </a:lnSpc>
+            </a:pPr>
+            <a:r>
+              <a:rPr lang="en-US" altLang="zh-CN" dirty="0">
+                <a:latin typeface="微软雅黑" panose="020B0503020204020204" pitchFamily="34" charset="-122"/>
+                <a:ea typeface="微软雅黑" panose="020B0503020204020204" pitchFamily="34" charset="-122"/>
+              </a:rPr>
+              <a:t>2</a:t>
+            </a:r>
+            <a:r>
+              <a:rPr lang="zh-CN" altLang="en-US" dirty="0">
+                <a:latin typeface="微软雅黑" panose="020B0503020204020204" pitchFamily="34" charset="-122"/>
+                <a:ea typeface="微软雅黑" panose="020B0503020204020204" pitchFamily="34" charset="-122"/>
+              </a:rPr>
+              <a:t>、然后</a:t>
+            </a:r>
+            <a:r>
+              <a:rPr lang="en-US" altLang="zh-CN" dirty="0">
+                <a:latin typeface="微软雅黑" panose="020B0503020204020204" pitchFamily="34" charset="-122"/>
+                <a:ea typeface="微软雅黑" panose="020B0503020204020204" pitchFamily="34" charset="-122"/>
+              </a:rPr>
+              <a:t>T5 </a:t>
+            </a:r>
+            <a:r>
+              <a:rPr lang="zh-CN" altLang="en-US" dirty="0">
+                <a:latin typeface="微软雅黑" panose="020B0503020204020204" pitchFamily="34" charset="-122"/>
+                <a:ea typeface="微软雅黑" panose="020B0503020204020204" pitchFamily="34" charset="-122"/>
+              </a:rPr>
+              <a:t>会以有监督的方式对下游任务进行微调。每个任务都以“文本到文本”格式表示（即模型的输入和输出都表示为文本）。</a:t>
+            </a:r>
+          </a:p>
+        </p:txBody>
+      </p:sp>
+      <p:sp>
+        <p:nvSpPr>
           <p:cNvPr id="4" name="文本框 3">
             <a:extLst>
               <a:ext uri="{FF2B5EF4-FFF2-40B4-BE49-F238E27FC236}">
@@ -6675,7 +6463,14 @@
                 <a:latin typeface="微软雅黑" panose="020B0503020204020204" pitchFamily="34" charset="-122"/>
                 <a:ea typeface="微软雅黑" panose="020B0503020204020204" pitchFamily="34" charset="-122"/>
               </a:rPr>
-              <a:t>Loss Function</a:t>
+              <a:t>T5</a:t>
+            </a:r>
+            <a:r>
+              <a:rPr lang="zh-CN" altLang="en-US" sz="2800" b="1" dirty="0">
+                <a:latin typeface="微软雅黑" panose="020B0503020204020204" pitchFamily="34" charset="-122"/>
+                <a:ea typeface="微软雅黑" panose="020B0503020204020204" pitchFamily="34" charset="-122"/>
+              </a:rPr>
+              <a:t>模型</a:t>
             </a:r>
             <a:endParaRPr lang="it-IT" altLang="zh-CN" sz="2000" dirty="0">
               <a:latin typeface="微软雅黑" panose="020B0503020204020204" pitchFamily="34" charset="-122"/>
@@ -6684,153 +6479,10 @@
           </a:p>
         </p:txBody>
       </p:sp>
-      <p:sp>
-        <p:nvSpPr>
-          <p:cNvPr id="3" name="文本框 2">
-            <a:extLst>
-              <a:ext uri="{FF2B5EF4-FFF2-40B4-BE49-F238E27FC236}">
-                <a16:creationId xmlns:a16="http://schemas.microsoft.com/office/drawing/2014/main" id="{7E4CD9D6-FD58-4C9B-8BA6-5F0CD6F0F4E7}"/>
-              </a:ext>
-            </a:extLst>
-          </p:cNvPr>
-          <p:cNvSpPr txBox="1"/>
-          <p:nvPr/>
-        </p:nvSpPr>
-        <p:spPr>
-          <a:xfrm>
-            <a:off x="3407477" y="5985558"/>
-            <a:ext cx="4492185" cy="338554"/>
-          </a:xfrm>
-          <a:prstGeom prst="rect">
-            <a:avLst/>
-          </a:prstGeom>
-          <a:noFill/>
-        </p:spPr>
-        <p:txBody>
-          <a:bodyPr wrap="square" rtlCol="0">
-            <a:spAutoFit/>
-          </a:bodyPr>
-          <a:lstStyle/>
-          <a:p>
-            <a:endParaRPr lang="en-US" altLang="zh-CN" sz="1600" dirty="0">
-              <a:latin typeface="微软雅黑" panose="020B0503020204020204" pitchFamily="34" charset="-122"/>
-              <a:ea typeface="微软雅黑" panose="020B0503020204020204" pitchFamily="34" charset="-122"/>
-            </a:endParaRPr>
-          </a:p>
-        </p:txBody>
-      </p:sp>
-      <p:sp>
-        <p:nvSpPr>
-          <p:cNvPr id="16" name="文本框 15">
-            <a:extLst>
-              <a:ext uri="{FF2B5EF4-FFF2-40B4-BE49-F238E27FC236}">
-                <a16:creationId xmlns:a16="http://schemas.microsoft.com/office/drawing/2014/main" id="{522AEEB2-2E21-45ED-9A70-C281B4E448DC}"/>
-              </a:ext>
-            </a:extLst>
-          </p:cNvPr>
-          <p:cNvSpPr txBox="1"/>
-          <p:nvPr/>
-        </p:nvSpPr>
-        <p:spPr>
-          <a:xfrm>
-            <a:off x="897904" y="1774704"/>
-            <a:ext cx="10235152" cy="646331"/>
-          </a:xfrm>
-          <a:prstGeom prst="rect">
-            <a:avLst/>
-          </a:prstGeom>
-          <a:noFill/>
-        </p:spPr>
-        <p:txBody>
-          <a:bodyPr wrap="square">
-            <a:spAutoFit/>
-          </a:bodyPr>
-          <a:lstStyle/>
-          <a:p>
-            <a:r>
-              <a:rPr lang="zh-CN" altLang="en-US" dirty="0">
-                <a:latin typeface="微软雅黑" panose="020B0503020204020204" pitchFamily="34" charset="-122"/>
-                <a:ea typeface="微软雅黑" panose="020B0503020204020204" pitchFamily="34" charset="-122"/>
-              </a:rPr>
-              <a:t>assuming-negative (AN) loss基于梯度的分析：</a:t>
-            </a:r>
-            <a:endParaRPr lang="en-US" altLang="zh-CN" sz="1800" dirty="0">
-              <a:latin typeface="微软雅黑" panose="020B0503020204020204" pitchFamily="34" charset="-122"/>
-              <a:ea typeface="微软雅黑" panose="020B0503020204020204" pitchFamily="34" charset="-122"/>
-            </a:endParaRPr>
-          </a:p>
-          <a:p>
-            <a:endParaRPr lang="zh-CN" altLang="en-US" dirty="0">
-              <a:latin typeface="微软雅黑" panose="020B0503020204020204" pitchFamily="34" charset="-122"/>
-              <a:ea typeface="微软雅黑" panose="020B0503020204020204" pitchFamily="34" charset="-122"/>
-            </a:endParaRPr>
-          </a:p>
-        </p:txBody>
-      </p:sp>
-      <p:pic>
-        <p:nvPicPr>
-          <p:cNvPr id="7" name="图片 6">
-            <a:extLst>
-              <a:ext uri="{FF2B5EF4-FFF2-40B4-BE49-F238E27FC236}">
-                <a16:creationId xmlns:a16="http://schemas.microsoft.com/office/drawing/2014/main" id="{B5EECBDD-E22E-4EE3-9D12-5D71F96CB872}"/>
-              </a:ext>
-            </a:extLst>
-          </p:cNvPr>
-          <p:cNvPicPr>
-            <a:picLocks noChangeAspect="1"/>
-          </p:cNvPicPr>
-          <p:nvPr/>
-        </p:nvPicPr>
-        <p:blipFill>
-          <a:blip r:embed="rId3"/>
-          <a:stretch>
-            <a:fillRect/>
-          </a:stretch>
-        </p:blipFill>
-        <p:spPr>
-          <a:xfrm>
-            <a:off x="242804" y="3374048"/>
-            <a:ext cx="5457143" cy="1542857"/>
-          </a:xfrm>
-          <a:prstGeom prst="rect">
-            <a:avLst/>
-          </a:prstGeom>
-        </p:spPr>
-      </p:pic>
-      <p:pic>
-        <p:nvPicPr>
-          <p:cNvPr id="10" name="图片 9">
-            <a:extLst>
-              <a:ext uri="{FF2B5EF4-FFF2-40B4-BE49-F238E27FC236}">
-                <a16:creationId xmlns:a16="http://schemas.microsoft.com/office/drawing/2014/main" id="{4C479A69-810A-4EC3-B591-63513C9A2C23}"/>
-              </a:ext>
-            </a:extLst>
-          </p:cNvPr>
-          <p:cNvPicPr>
-            <a:picLocks noChangeAspect="1"/>
-          </p:cNvPicPr>
-          <p:nvPr/>
-        </p:nvPicPr>
-        <p:blipFill>
-          <a:blip r:embed="rId4"/>
-          <a:stretch>
-            <a:fillRect/>
-          </a:stretch>
-        </p:blipFill>
-        <p:spPr>
-          <a:xfrm>
-            <a:off x="6015480" y="2388985"/>
-            <a:ext cx="5454930" cy="4095961"/>
-          </a:xfrm>
-          <a:prstGeom prst="rect">
-            <a:avLst/>
-          </a:prstGeom>
-        </p:spPr>
-      </p:pic>
     </p:spTree>
     <p:extLst>
       <p:ext uri="{BB962C8B-B14F-4D97-AF65-F5344CB8AC3E}">
-        <p14:creationId xmlns:p14="http://schemas.microsoft.com/office/powerpoint/2010/main" val="3571260515"/>
+        <p14:creationId xmlns:p14="http://schemas.microsoft.com/office/powerpoint/2010/main" val="84936459"/>
       </p:ext>
     </p:extLst>
   </p:cSld>
@@ -6859,6 +6511,77 @@
       </p:grpSpPr>
       <p:sp>
         <p:nvSpPr>
+          <p:cNvPr id="13" name="文本框 12">
+            <a:extLst>
+              <a:ext uri="{FF2B5EF4-FFF2-40B4-BE49-F238E27FC236}">
+                <a16:creationId xmlns:a16="http://schemas.microsoft.com/office/drawing/2014/main" id="{B7809583-0BE4-46B8-B202-6A2FDA84359E}"/>
+              </a:ext>
+            </a:extLst>
+          </p:cNvPr>
+          <p:cNvSpPr txBox="1"/>
+          <p:nvPr/>
+        </p:nvSpPr>
+        <p:spPr>
+          <a:xfrm>
+            <a:off x="548418" y="1704487"/>
+            <a:ext cx="10884895" cy="1289905"/>
+          </a:xfrm>
+          <a:prstGeom prst="rect">
+            <a:avLst/>
+          </a:prstGeom>
+          <a:noFill/>
+        </p:spPr>
+        <p:txBody>
+          <a:bodyPr wrap="square" rtlCol="0">
+            <a:spAutoFit/>
+          </a:bodyPr>
+          <a:lstStyle/>
+          <a:p>
+            <a:pPr>
+              <a:lnSpc>
+                <a:spcPct val="150000"/>
+              </a:lnSpc>
+            </a:pPr>
+            <a:r>
+              <a:rPr lang="zh-CN" altLang="en-US" dirty="0">
+                <a:latin typeface="微软雅黑" panose="020B0503020204020204" pitchFamily="34" charset="-122"/>
+                <a:ea typeface="微软雅黑" panose="020B0503020204020204" pitchFamily="34" charset="-122"/>
+              </a:rPr>
+              <a:t>预训练数据集。鉴于预训练阶段的目标（即为模型提供有关下游任务的语言的一般知识），本文构建了一个数据集，允许在 </a:t>
+            </a:r>
+            <a:r>
+              <a:rPr lang="en-US" altLang="zh-CN" dirty="0">
+                <a:latin typeface="微软雅黑" panose="020B0503020204020204" pitchFamily="34" charset="-122"/>
+                <a:ea typeface="微软雅黑" panose="020B0503020204020204" pitchFamily="34" charset="-122"/>
+              </a:rPr>
+              <a:t>Java </a:t>
+            </a:r>
+            <a:r>
+              <a:rPr lang="zh-CN" altLang="en-US" dirty="0">
+                <a:latin typeface="微软雅黑" panose="020B0503020204020204" pitchFamily="34" charset="-122"/>
+                <a:ea typeface="微软雅黑" panose="020B0503020204020204" pitchFamily="34" charset="-122"/>
+              </a:rPr>
+              <a:t>和技术英语上训练 </a:t>
+            </a:r>
+            <a:r>
+              <a:rPr lang="en-US" altLang="zh-CN" dirty="0">
+                <a:latin typeface="微软雅黑" panose="020B0503020204020204" pitchFamily="34" charset="-122"/>
+                <a:ea typeface="微软雅黑" panose="020B0503020204020204" pitchFamily="34" charset="-122"/>
+              </a:rPr>
+              <a:t>T5</a:t>
+            </a:r>
+            <a:r>
+              <a:rPr lang="zh-CN" altLang="en-US" dirty="0">
+                <a:latin typeface="微软雅黑" panose="020B0503020204020204" pitchFamily="34" charset="-122"/>
+                <a:ea typeface="微软雅黑" panose="020B0503020204020204" pitchFamily="34" charset="-122"/>
+              </a:rPr>
+              <a:t>。事实上，除了源代码之外，技术英语还有助于代码审查过程，其中审稿人发布有关代码的自然语言评论。</a:t>
+            </a:r>
+          </a:p>
+        </p:txBody>
+      </p:sp>
+      <p:sp>
+        <p:nvSpPr>
           <p:cNvPr id="4" name="文本框 3">
             <a:extLst>
               <a:ext uri="{FF2B5EF4-FFF2-40B4-BE49-F238E27FC236}">
@@ -6944,7 +6667,7 @@
                 <a:latin typeface="微软雅黑" panose="020B0503020204020204" pitchFamily="34" charset="-122"/>
                 <a:ea typeface="微软雅黑" panose="020B0503020204020204" pitchFamily="34" charset="-122"/>
               </a:rPr>
-              <a:t>Loss Function</a:t>
+              <a:t>Pre-Training</a:t>
             </a:r>
             <a:endParaRPr lang="it-IT" altLang="zh-CN" sz="2000" dirty="0">
               <a:latin typeface="微软雅黑" panose="020B0503020204020204" pitchFamily="34" charset="-122"/>
@@ -6955,252 +6678,147 @@
       </p:sp>
       <p:sp>
         <p:nvSpPr>
-          <p:cNvPr id="16" name="文本框 15">
-            <a:extLst>
-              <a:ext uri="{FF2B5EF4-FFF2-40B4-BE49-F238E27FC236}">
-                <a16:creationId xmlns:a16="http://schemas.microsoft.com/office/drawing/2014/main" id="{522AEEB2-2E21-45ED-9A70-C281B4E448DC}"/>
-              </a:ext>
-            </a:extLst>
-          </p:cNvPr>
-          <p:cNvSpPr txBox="1"/>
+          <p:cNvPr id="7" name="矩形: 圆角 6">
+            <a:extLst>
+              <a:ext uri="{FF2B5EF4-FFF2-40B4-BE49-F238E27FC236}">
+                <a16:creationId xmlns:a16="http://schemas.microsoft.com/office/drawing/2014/main" id="{8678D856-B1A7-4F1C-8337-9C2DED74290F}"/>
+              </a:ext>
+            </a:extLst>
+          </p:cNvPr>
+          <p:cNvSpPr/>
           <p:nvPr/>
         </p:nvSpPr>
         <p:spPr>
           <a:xfrm>
-            <a:off x="897904" y="1774704"/>
-            <a:ext cx="10235152" cy="3416320"/>
+            <a:off x="1563329" y="4365523"/>
+            <a:ext cx="3962400" cy="1897625"/>
           </a:xfrm>
-          <a:prstGeom prst="rect">
+          <a:prstGeom prst="roundRect">
             <a:avLst/>
           </a:prstGeom>
-          <a:noFill/>
+          <a:solidFill>
+            <a:schemeClr val="accent6">
+              <a:lumMod val="20000"/>
+              <a:lumOff val="80000"/>
+            </a:schemeClr>
+          </a:solidFill>
         </p:spPr>
-        <p:txBody>
-          <a:bodyPr wrap="square">
-            <a:spAutoFit/>
-          </a:bodyPr>
-          <a:lstStyle/>
-          <a:p>
-            <a:r>
-              <a:rPr lang="zh-CN" altLang="en-US" dirty="0">
-                <a:latin typeface="微软雅黑" panose="020B0503020204020204" pitchFamily="34" charset="-122"/>
-                <a:ea typeface="微软雅黑" panose="020B0503020204020204" pitchFamily="34" charset="-122"/>
-              </a:rPr>
-              <a:t>assuming-negative (AN) loss </a:t>
-            </a:r>
-            <a:r>
-              <a:rPr lang="zh-CN" altLang="en-US" sz="1800" dirty="0">
-                <a:latin typeface="微软雅黑" panose="020B0503020204020204" pitchFamily="34" charset="-122"/>
-                <a:ea typeface="微软雅黑" panose="020B0503020204020204" pitchFamily="34" charset="-122"/>
-              </a:rPr>
-              <a:t>的缺陷：</a:t>
-            </a:r>
-            <a:endParaRPr lang="en-US" altLang="zh-CN" sz="1800" dirty="0">
+        <p:style>
+          <a:lnRef idx="2">
+            <a:schemeClr val="accent1">
+              <a:shade val="50000"/>
+            </a:schemeClr>
+          </a:lnRef>
+          <a:fillRef idx="1">
+            <a:schemeClr val="accent1"/>
+          </a:fillRef>
+          <a:effectRef idx="0">
+            <a:schemeClr val="accent1"/>
+          </a:effectRef>
+          <a:fontRef idx="minor">
+            <a:schemeClr val="lt1"/>
+          </a:fontRef>
+        </p:style>
+        <p:txBody>
+          <a:bodyPr rtlCol="0" anchor="ctr"/>
+          <a:lstStyle/>
+          <a:p>
+            <a:pPr algn="ctr"/>
+            <a:r>
+              <a:rPr lang="zh-CN" altLang="en-US" sz="2000" dirty="0">
+                <a:solidFill>
+                  <a:schemeClr val="tx1"/>
+                </a:solidFill>
+                <a:latin typeface="微软雅黑" panose="020B0503020204020204" pitchFamily="34" charset="-122"/>
+                <a:ea typeface="微软雅黑" panose="020B0503020204020204" pitchFamily="34" charset="-122"/>
+              </a:rPr>
+              <a:t>the official Stack Overflow dump (SOD)</a:t>
+            </a:r>
+          </a:p>
+        </p:txBody>
+      </p:sp>
+      <p:sp>
+        <p:nvSpPr>
+          <p:cNvPr id="10" name="矩形: 圆角 9">
+            <a:extLst>
+              <a:ext uri="{FF2B5EF4-FFF2-40B4-BE49-F238E27FC236}">
+                <a16:creationId xmlns:a16="http://schemas.microsoft.com/office/drawing/2014/main" id="{843C2938-7E5F-42E7-8772-617402A7ABC4}"/>
+              </a:ext>
+            </a:extLst>
+          </p:cNvPr>
+          <p:cNvSpPr/>
+          <p:nvPr/>
+        </p:nvSpPr>
+        <p:spPr>
+          <a:xfrm>
+            <a:off x="6666271" y="4365523"/>
+            <a:ext cx="3962400" cy="1897625"/>
+          </a:xfrm>
+          <a:prstGeom prst="roundRect">
+            <a:avLst/>
+          </a:prstGeom>
+          <a:solidFill>
+            <a:schemeClr val="accent6">
+              <a:lumMod val="20000"/>
+              <a:lumOff val="80000"/>
+            </a:schemeClr>
+          </a:solidFill>
+        </p:spPr>
+        <p:style>
+          <a:lnRef idx="2">
+            <a:schemeClr val="accent1">
+              <a:shade val="50000"/>
+            </a:schemeClr>
+          </a:lnRef>
+          <a:fillRef idx="1">
+            <a:schemeClr val="accent1"/>
+          </a:fillRef>
+          <a:effectRef idx="0">
+            <a:schemeClr val="accent1"/>
+          </a:effectRef>
+          <a:fontRef idx="minor">
+            <a:schemeClr val="lt1"/>
+          </a:fontRef>
+        </p:style>
+        <p:txBody>
+          <a:bodyPr rtlCol="0" anchor="ctr"/>
+          <a:lstStyle/>
+          <a:p>
+            <a:pPr algn="ctr"/>
+            <a:r>
+              <a:rPr lang="zh-CN" altLang="en-US" sz="2000" dirty="0">
+                <a:solidFill>
+                  <a:schemeClr val="tx1"/>
+                </a:solidFill>
+                <a:latin typeface="微软雅黑" panose="020B0503020204020204" pitchFamily="34" charset="-122"/>
+                <a:ea typeface="微软雅黑" panose="020B0503020204020204" pitchFamily="34" charset="-122"/>
+              </a:rPr>
+              <a:t>CodeSearchNet (CSN</a:t>
+            </a:r>
+            <a:r>
+              <a:rPr lang="en-US" altLang="zh-CN" sz="2000" dirty="0">
+                <a:solidFill>
+                  <a:schemeClr val="tx1"/>
+                </a:solidFill>
+                <a:latin typeface="微软雅黑" panose="020B0503020204020204" pitchFamily="34" charset="-122"/>
+                <a:ea typeface="微软雅黑" panose="020B0503020204020204" pitchFamily="34" charset="-122"/>
+              </a:rPr>
+              <a:t>)</a:t>
+            </a:r>
+            <a:endParaRPr lang="zh-CN" altLang="en-US" sz="2000" dirty="0">
+              <a:solidFill>
+                <a:schemeClr val="tx1"/>
+              </a:solidFill>
               <a:latin typeface="微软雅黑" panose="020B0503020204020204" pitchFamily="34" charset="-122"/>
               <a:ea typeface="微软雅黑" panose="020B0503020204020204" pitchFamily="34" charset="-122"/>
             </a:endParaRPr>
           </a:p>
-          <a:p>
-            <a:endParaRPr lang="en-US" altLang="zh-CN" dirty="0">
-              <a:latin typeface="微软雅黑" panose="020B0503020204020204" pitchFamily="34" charset="-122"/>
-              <a:ea typeface="微软雅黑" panose="020B0503020204020204" pitchFamily="34" charset="-122"/>
-            </a:endParaRPr>
-          </a:p>
-          <a:p>
-            <a:pPr marL="285750" indent="-285750">
-              <a:buFont typeface="Arial" panose="020B0604020202020204" pitchFamily="34" charset="0"/>
-              <a:buChar char="•"/>
-            </a:pPr>
-            <a:r>
-              <a:rPr lang="zh-CN" altLang="en-US" sz="1800" dirty="0">
-                <a:latin typeface="微软雅黑" panose="020B0503020204020204" pitchFamily="34" charset="-122"/>
-                <a:ea typeface="微软雅黑" panose="020B0503020204020204" pitchFamily="34" charset="-122"/>
-              </a:rPr>
-              <a:t>假定负标签的支配效：假设的负标签比已注释的正标签多 </a:t>
-            </a:r>
-            <a:r>
-              <a:rPr lang="en-US" altLang="zh-CN" sz="1800" dirty="0">
-                <a:latin typeface="微软雅黑" panose="020B0503020204020204" pitchFamily="34" charset="-122"/>
-                <a:ea typeface="微软雅黑" panose="020B0503020204020204" pitchFamily="34" charset="-122"/>
-              </a:rPr>
-              <a:t>C-1 </a:t>
-            </a:r>
-            <a:r>
-              <a:rPr lang="zh-CN" altLang="en-US" sz="1800" dirty="0">
-                <a:latin typeface="微软雅黑" panose="020B0503020204020204" pitchFamily="34" charset="-122"/>
-                <a:ea typeface="微软雅黑" panose="020B0503020204020204" pitchFamily="34" charset="-122"/>
-              </a:rPr>
-              <a:t>倍。因此，受相同梯度机制的影响，模型训练将以假设的负标签为主，直到拟合良好，这阻碍了模型从已注释的正标签中学习；</a:t>
-            </a:r>
-            <a:endParaRPr lang="en-US" altLang="zh-CN" sz="1800" dirty="0">
-              <a:latin typeface="微软雅黑" panose="020B0503020204020204" pitchFamily="34" charset="-122"/>
-              <a:ea typeface="微软雅黑" panose="020B0503020204020204" pitchFamily="34" charset="-122"/>
-            </a:endParaRPr>
-          </a:p>
-          <a:p>
-            <a:pPr marL="285750" indent="-285750">
-              <a:buFont typeface="Arial" panose="020B0604020202020204" pitchFamily="34" charset="0"/>
-              <a:buChar char="•"/>
-            </a:pPr>
-            <a:endParaRPr lang="en-US" altLang="zh-CN" dirty="0">
-              <a:latin typeface="微软雅黑" panose="020B0503020204020204" pitchFamily="34" charset="-122"/>
-              <a:ea typeface="微软雅黑" panose="020B0503020204020204" pitchFamily="34" charset="-122"/>
-            </a:endParaRPr>
-          </a:p>
-          <a:p>
-            <a:pPr marL="285750" indent="-285750">
-              <a:buFont typeface="Arial" panose="020B0604020202020204" pitchFamily="34" charset="0"/>
-              <a:buChar char="•"/>
-            </a:pPr>
-            <a:r>
-              <a:rPr lang="zh-CN" altLang="en-US" sz="1800" dirty="0">
-                <a:latin typeface="微软雅黑" panose="020B0503020204020204" pitchFamily="34" charset="-122"/>
-                <a:ea typeface="微软雅黑" panose="020B0503020204020204" pitchFamily="34" charset="-122"/>
-              </a:rPr>
-              <a:t>引入了标签噪声</a:t>
-            </a:r>
-            <a:r>
-              <a:rPr lang="zh-CN" altLang="en-US" dirty="0">
-                <a:latin typeface="微软雅黑" panose="020B0503020204020204" pitchFamily="34" charset="-122"/>
-                <a:ea typeface="微软雅黑" panose="020B0503020204020204" pitchFamily="34" charset="-122"/>
-              </a:rPr>
-              <a:t>：</a:t>
-            </a:r>
-            <a:r>
-              <a:rPr lang="zh-CN" altLang="en-US" sz="1800" dirty="0">
-                <a:latin typeface="微软雅黑" panose="020B0503020204020204" pitchFamily="34" charset="-122"/>
-                <a:ea typeface="微软雅黑" panose="020B0503020204020204" pitchFamily="34" charset="-122"/>
-              </a:rPr>
-              <a:t>在</a:t>
-            </a:r>
-            <a:r>
-              <a:rPr lang="en-US" altLang="zh-CN" sz="1800" dirty="0">
-                <a:latin typeface="微软雅黑" panose="020B0503020204020204" pitchFamily="34" charset="-122"/>
-                <a:ea typeface="微软雅黑" panose="020B0503020204020204" pitchFamily="34" charset="-122"/>
-              </a:rPr>
-              <a:t>AN</a:t>
-            </a:r>
-            <a:r>
-              <a:rPr lang="zh-CN" altLang="en-US" sz="1800" dirty="0">
-                <a:latin typeface="微软雅黑" panose="020B0503020204020204" pitchFamily="34" charset="-122"/>
-                <a:ea typeface="微软雅黑" panose="020B0503020204020204" pitchFamily="34" charset="-122"/>
-              </a:rPr>
-              <a:t>损失中，正标签被错误地假设为负标签这种情况是不可避免的。由于梯度机制相同，虚假负标签和真实正标签会严重影响模型。</a:t>
-            </a:r>
-            <a:endParaRPr lang="en-US" altLang="zh-CN" sz="1800" dirty="0">
-              <a:latin typeface="微软雅黑" panose="020B0503020204020204" pitchFamily="34" charset="-122"/>
-              <a:ea typeface="微软雅黑" panose="020B0503020204020204" pitchFamily="34" charset="-122"/>
-            </a:endParaRPr>
-          </a:p>
-          <a:p>
-            <a:pPr marL="285750" indent="-285750">
-              <a:buFont typeface="Arial" panose="020B0604020202020204" pitchFamily="34" charset="0"/>
-              <a:buChar char="•"/>
-            </a:pPr>
-            <a:endParaRPr lang="en-US" altLang="zh-CN" dirty="0">
-              <a:latin typeface="微软雅黑" panose="020B0503020204020204" pitchFamily="34" charset="-122"/>
-              <a:ea typeface="微软雅黑" panose="020B0503020204020204" pitchFamily="34" charset="-122"/>
-            </a:endParaRPr>
-          </a:p>
-          <a:p>
-            <a:pPr marL="285750" indent="-285750">
-              <a:buFont typeface="Arial" panose="020B0604020202020204" pitchFamily="34" charset="0"/>
-              <a:buChar char="•"/>
-            </a:pPr>
-            <a:r>
-              <a:rPr lang="zh-CN" altLang="en-US" sz="1800" dirty="0">
-                <a:latin typeface="微软雅黑" panose="020B0503020204020204" pitchFamily="34" charset="-122"/>
-                <a:ea typeface="微软雅黑" panose="020B0503020204020204" pitchFamily="34" charset="-122"/>
-              </a:rPr>
-              <a:t>对自信（</a:t>
-            </a:r>
-            <a:r>
-              <a:rPr lang="en-US" altLang="zh-CN" sz="1800" dirty="0">
-                <a:latin typeface="微软雅黑" panose="020B0503020204020204" pitchFamily="34" charset="-122"/>
-                <a:ea typeface="微软雅黑" panose="020B0503020204020204" pitchFamily="34" charset="-122"/>
-              </a:rPr>
-              <a:t>confident</a:t>
-            </a:r>
-            <a:r>
-              <a:rPr lang="zh-CN" altLang="en-US" sz="1800" dirty="0">
-                <a:latin typeface="微软雅黑" panose="020B0503020204020204" pitchFamily="34" charset="-122"/>
-                <a:ea typeface="微软雅黑" panose="020B0503020204020204" pitchFamily="34" charset="-122"/>
-              </a:rPr>
-              <a:t>）的正标签预测</a:t>
-            </a:r>
-            <a:r>
-              <a:rPr lang="zh-CN" altLang="en-US" dirty="0">
-                <a:latin typeface="微软雅黑" panose="020B0503020204020204" pitchFamily="34" charset="-122"/>
-                <a:ea typeface="微软雅黑" panose="020B0503020204020204" pitchFamily="34" charset="-122"/>
-              </a:rPr>
-              <a:t>有</a:t>
-            </a:r>
-            <a:r>
-              <a:rPr lang="zh-CN" altLang="en-US" sz="1800" dirty="0">
-                <a:latin typeface="微软雅黑" panose="020B0503020204020204" pitchFamily="34" charset="-122"/>
-                <a:ea typeface="微软雅黑" panose="020B0503020204020204" pitchFamily="34" charset="-122"/>
-              </a:rPr>
-              <a:t>过度抑制：在训练过程中，模型可能会对一个假设的负标签输出一置信度很高的（</a:t>
-            </a:r>
-            <a:r>
-              <a:rPr lang="en-US" altLang="zh-CN" sz="1800" dirty="0">
-                <a:latin typeface="微软雅黑" panose="020B0503020204020204" pitchFamily="34" charset="-122"/>
-                <a:ea typeface="微软雅黑" panose="020B0503020204020204" pitchFamily="34" charset="-122"/>
-              </a:rPr>
-              <a:t>confident</a:t>
-            </a:r>
-            <a:r>
-              <a:rPr lang="zh-CN" altLang="en-US" sz="1800" dirty="0">
-                <a:latin typeface="微软雅黑" panose="020B0503020204020204" pitchFamily="34" charset="-122"/>
-                <a:ea typeface="微软雅黑" panose="020B0503020204020204" pitchFamily="34" charset="-122"/>
-              </a:rPr>
-              <a:t>）的正预测，而这个负标签可能是一个真实的正预测。然而</a:t>
-            </a:r>
-            <a:r>
-              <a:rPr lang="en-US" altLang="zh-CN" sz="1800" dirty="0">
-                <a:latin typeface="微软雅黑" panose="020B0503020204020204" pitchFamily="34" charset="-122"/>
-                <a:ea typeface="微软雅黑" panose="020B0503020204020204" pitchFamily="34" charset="-122"/>
-              </a:rPr>
-              <a:t>AN </a:t>
-            </a:r>
-            <a:r>
-              <a:rPr lang="zh-CN" altLang="en-US" sz="1800" dirty="0">
-                <a:latin typeface="微软雅黑" panose="020B0503020204020204" pitchFamily="34" charset="-122"/>
-                <a:ea typeface="微软雅黑" panose="020B0503020204020204" pitchFamily="34" charset="-122"/>
-              </a:rPr>
-              <a:t>损失将为它提供很大的梯度（见梯度图），旨在获得更小的 </a:t>
-            </a:r>
-            <a:r>
-              <a:rPr lang="en-US" altLang="zh-CN" sz="1800" dirty="0">
-                <a:latin typeface="微软雅黑" panose="020B0503020204020204" pitchFamily="34" charset="-122"/>
-                <a:ea typeface="微软雅黑" panose="020B0503020204020204" pitchFamily="34" charset="-122"/>
-              </a:rPr>
-              <a:t>logit</a:t>
-            </a:r>
-            <a:r>
-              <a:rPr lang="zh-CN" altLang="en-US" sz="1800" dirty="0">
-                <a:latin typeface="微软雅黑" panose="020B0503020204020204" pitchFamily="34" charset="-122"/>
-                <a:ea typeface="微软雅黑" panose="020B0503020204020204" pitchFamily="34" charset="-122"/>
-              </a:rPr>
-              <a:t>。</a:t>
-            </a:r>
-            <a:endParaRPr lang="en-US" altLang="zh-CN" sz="1800" dirty="0">
-              <a:latin typeface="微软雅黑" panose="020B0503020204020204" pitchFamily="34" charset="-122"/>
-              <a:ea typeface="微软雅黑" panose="020B0503020204020204" pitchFamily="34" charset="-122"/>
-            </a:endParaRPr>
-          </a:p>
-          <a:p>
-            <a:endParaRPr lang="zh-CN" altLang="en-US" dirty="0">
-              <a:latin typeface="微软雅黑" panose="020B0503020204020204" pitchFamily="34" charset="-122"/>
-              <a:ea typeface="微软雅黑" panose="020B0503020204020204" pitchFamily="34" charset="-122"/>
-            </a:endParaRPr>
-          </a:p>
         </p:txBody>
       </p:sp>
     </p:spTree>
     <p:extLst>
       <p:ext uri="{BB962C8B-B14F-4D97-AF65-F5344CB8AC3E}">
-        <p14:creationId xmlns:p14="http://schemas.microsoft.com/office/powerpoint/2010/main" val="3517164962"/>
+        <p14:creationId xmlns:p14="http://schemas.microsoft.com/office/powerpoint/2010/main" val="819897205"/>
       </p:ext>
     </p:extLst>
   </p:cSld>

--- a/汇报/软件测试展示_222126_项桂巳雨.pptx
+++ b/汇报/软件测试展示_222126_项桂巳雨.pptx
@@ -5,7 +5,7 @@
     <p:sldMasterId id="2147483648" r:id="rId1"/>
   </p:sldMasterIdLst>
   <p:notesMasterIdLst>
-    <p:notesMasterId r:id="rId10"/>
+    <p:notesMasterId r:id="rId18"/>
   </p:notesMasterIdLst>
   <p:sldIdLst>
     <p:sldId id="256" r:id="rId2"/>
@@ -14,8 +14,16 @@
     <p:sldId id="290" r:id="rId5"/>
     <p:sldId id="276" r:id="rId6"/>
     <p:sldId id="291" r:id="rId7"/>
-    <p:sldId id="293" r:id="rId8"/>
-    <p:sldId id="274" r:id="rId9"/>
+    <p:sldId id="294" r:id="rId8"/>
+    <p:sldId id="293" r:id="rId9"/>
+    <p:sldId id="295" r:id="rId10"/>
+    <p:sldId id="296" r:id="rId11"/>
+    <p:sldId id="297" r:id="rId12"/>
+    <p:sldId id="299" r:id="rId13"/>
+    <p:sldId id="300" r:id="rId14"/>
+    <p:sldId id="301" r:id="rId15"/>
+    <p:sldId id="298" r:id="rId16"/>
+    <p:sldId id="274" r:id="rId17"/>
   </p:sldIdLst>
   <p:sldSz cx="12192000" cy="6858000"/>
   <p:notesSz cx="6858000" cy="9144000"/>
@@ -204,7 +212,7 @@
           <a:p>
             <a:fld id="{8B80E7EF-2382-4CA9-B4FE-7EB8554BAEC0}" type="datetimeFigureOut">
               <a:rPr lang="zh-CN" altLang="en-US" smtClean="0"/>
-              <a:t>2023/5/26</a:t>
+              <a:t>2023/6/7</a:t>
             </a:fld>
             <a:endParaRPr lang="zh-CN" altLang="en-US"/>
           </a:p>
@@ -555,6 +563,510 @@
 </p:notes>
 </file>
 
+<file path=ppt/notesSlides/notesSlide10.xml><?xml version="1.0" encoding="utf-8"?>
+<p:notes xmlns:a="http://schemas.openxmlformats.org/drawingml/2006/main" xmlns:r="http://schemas.openxmlformats.org/officeDocument/2006/relationships" xmlns:p="http://schemas.openxmlformats.org/presentationml/2006/main">
+  <p:cSld>
+    <p:spTree>
+      <p:nvGrpSpPr>
+        <p:cNvPr id="1" name=""/>
+        <p:cNvGrpSpPr/>
+        <p:nvPr/>
+      </p:nvGrpSpPr>
+      <p:grpSpPr>
+        <a:xfrm>
+          <a:off x="0" y="0"/>
+          <a:ext cx="0" cy="0"/>
+          <a:chOff x="0" y="0"/>
+          <a:chExt cx="0" cy="0"/>
+        </a:xfrm>
+      </p:grpSpPr>
+      <p:sp>
+        <p:nvSpPr>
+          <p:cNvPr id="2" name="幻灯片图像占位符 1"/>
+          <p:cNvSpPr>
+            <a:spLocks noGrp="1" noRot="1" noChangeAspect="1"/>
+          </p:cNvSpPr>
+          <p:nvPr>
+            <p:ph type="sldImg"/>
+          </p:nvPr>
+        </p:nvSpPr>
+        <p:spPr/>
+      </p:sp>
+      <p:sp>
+        <p:nvSpPr>
+          <p:cNvPr id="3" name="备注占位符 2"/>
+          <p:cNvSpPr>
+            <a:spLocks noGrp="1"/>
+          </p:cNvSpPr>
+          <p:nvPr>
+            <p:ph type="body" idx="1"/>
+          </p:nvPr>
+        </p:nvSpPr>
+        <p:spPr/>
+        <p:txBody>
+          <a:bodyPr/>
+          <a:lstStyle/>
+          <a:p>
+            <a:endParaRPr lang="zh-CN" altLang="en-US" dirty="0"/>
+          </a:p>
+        </p:txBody>
+      </p:sp>
+      <p:sp>
+        <p:nvSpPr>
+          <p:cNvPr id="4" name="灯片编号占位符 3"/>
+          <p:cNvSpPr>
+            <a:spLocks noGrp="1"/>
+          </p:cNvSpPr>
+          <p:nvPr>
+            <p:ph type="sldNum" sz="quarter" idx="5"/>
+          </p:nvPr>
+        </p:nvSpPr>
+        <p:spPr/>
+        <p:txBody>
+          <a:bodyPr/>
+          <a:lstStyle/>
+          <a:p>
+            <a:fld id="{A1A821E3-F86C-41AE-A52F-AD7691908BDE}" type="slidenum">
+              <a:rPr lang="zh-CN" altLang="en-US" smtClean="0"/>
+              <a:t>10</a:t>
+            </a:fld>
+            <a:endParaRPr lang="zh-CN" altLang="en-US"/>
+          </a:p>
+        </p:txBody>
+      </p:sp>
+    </p:spTree>
+    <p:extLst>
+      <p:ext uri="{BB962C8B-B14F-4D97-AF65-F5344CB8AC3E}">
+        <p14:creationId xmlns:p14="http://schemas.microsoft.com/office/powerpoint/2010/main" val="1240750831"/>
+      </p:ext>
+    </p:extLst>
+  </p:cSld>
+  <p:clrMapOvr>
+    <a:masterClrMapping/>
+  </p:clrMapOvr>
+</p:notes>
+</file>
+
+<file path=ppt/notesSlides/notesSlide11.xml><?xml version="1.0" encoding="utf-8"?>
+<p:notes xmlns:a="http://schemas.openxmlformats.org/drawingml/2006/main" xmlns:r="http://schemas.openxmlformats.org/officeDocument/2006/relationships" xmlns:p="http://schemas.openxmlformats.org/presentationml/2006/main">
+  <p:cSld>
+    <p:spTree>
+      <p:nvGrpSpPr>
+        <p:cNvPr id="1" name=""/>
+        <p:cNvGrpSpPr/>
+        <p:nvPr/>
+      </p:nvGrpSpPr>
+      <p:grpSpPr>
+        <a:xfrm>
+          <a:off x="0" y="0"/>
+          <a:ext cx="0" cy="0"/>
+          <a:chOff x="0" y="0"/>
+          <a:chExt cx="0" cy="0"/>
+        </a:xfrm>
+      </p:grpSpPr>
+      <p:sp>
+        <p:nvSpPr>
+          <p:cNvPr id="2" name="幻灯片图像占位符 1"/>
+          <p:cNvSpPr>
+            <a:spLocks noGrp="1" noRot="1" noChangeAspect="1"/>
+          </p:cNvSpPr>
+          <p:nvPr>
+            <p:ph type="sldImg"/>
+          </p:nvPr>
+        </p:nvSpPr>
+        <p:spPr/>
+      </p:sp>
+      <p:sp>
+        <p:nvSpPr>
+          <p:cNvPr id="3" name="备注占位符 2"/>
+          <p:cNvSpPr>
+            <a:spLocks noGrp="1"/>
+          </p:cNvSpPr>
+          <p:nvPr>
+            <p:ph type="body" idx="1"/>
+          </p:nvPr>
+        </p:nvSpPr>
+        <p:spPr/>
+        <p:txBody>
+          <a:bodyPr/>
+          <a:lstStyle/>
+          <a:p>
+            <a:endParaRPr lang="zh-CN" altLang="en-US" dirty="0"/>
+          </a:p>
+        </p:txBody>
+      </p:sp>
+      <p:sp>
+        <p:nvSpPr>
+          <p:cNvPr id="4" name="灯片编号占位符 3"/>
+          <p:cNvSpPr>
+            <a:spLocks noGrp="1"/>
+          </p:cNvSpPr>
+          <p:nvPr>
+            <p:ph type="sldNum" sz="quarter" idx="5"/>
+          </p:nvPr>
+        </p:nvSpPr>
+        <p:spPr/>
+        <p:txBody>
+          <a:bodyPr/>
+          <a:lstStyle/>
+          <a:p>
+            <a:fld id="{A1A821E3-F86C-41AE-A52F-AD7691908BDE}" type="slidenum">
+              <a:rPr lang="zh-CN" altLang="en-US" smtClean="0"/>
+              <a:t>11</a:t>
+            </a:fld>
+            <a:endParaRPr lang="zh-CN" altLang="en-US"/>
+          </a:p>
+        </p:txBody>
+      </p:sp>
+    </p:spTree>
+    <p:extLst>
+      <p:ext uri="{BB962C8B-B14F-4D97-AF65-F5344CB8AC3E}">
+        <p14:creationId xmlns:p14="http://schemas.microsoft.com/office/powerpoint/2010/main" val="104622515"/>
+      </p:ext>
+    </p:extLst>
+  </p:cSld>
+  <p:clrMapOvr>
+    <a:masterClrMapping/>
+  </p:clrMapOvr>
+</p:notes>
+</file>
+
+<file path=ppt/notesSlides/notesSlide12.xml><?xml version="1.0" encoding="utf-8"?>
+<p:notes xmlns:a="http://schemas.openxmlformats.org/drawingml/2006/main" xmlns:r="http://schemas.openxmlformats.org/officeDocument/2006/relationships" xmlns:p="http://schemas.openxmlformats.org/presentationml/2006/main">
+  <p:cSld>
+    <p:spTree>
+      <p:nvGrpSpPr>
+        <p:cNvPr id="1" name=""/>
+        <p:cNvGrpSpPr/>
+        <p:nvPr/>
+      </p:nvGrpSpPr>
+      <p:grpSpPr>
+        <a:xfrm>
+          <a:off x="0" y="0"/>
+          <a:ext cx="0" cy="0"/>
+          <a:chOff x="0" y="0"/>
+          <a:chExt cx="0" cy="0"/>
+        </a:xfrm>
+      </p:grpSpPr>
+      <p:sp>
+        <p:nvSpPr>
+          <p:cNvPr id="2" name="幻灯片图像占位符 1"/>
+          <p:cNvSpPr>
+            <a:spLocks noGrp="1" noRot="1" noChangeAspect="1"/>
+          </p:cNvSpPr>
+          <p:nvPr>
+            <p:ph type="sldImg"/>
+          </p:nvPr>
+        </p:nvSpPr>
+        <p:spPr/>
+      </p:sp>
+      <p:sp>
+        <p:nvSpPr>
+          <p:cNvPr id="3" name="备注占位符 2"/>
+          <p:cNvSpPr>
+            <a:spLocks noGrp="1"/>
+          </p:cNvSpPr>
+          <p:nvPr>
+            <p:ph type="body" idx="1"/>
+          </p:nvPr>
+        </p:nvSpPr>
+        <p:spPr/>
+        <p:txBody>
+          <a:bodyPr/>
+          <a:lstStyle/>
+          <a:p>
+            <a:endParaRPr lang="zh-CN" altLang="en-US" dirty="0"/>
+          </a:p>
+        </p:txBody>
+      </p:sp>
+      <p:sp>
+        <p:nvSpPr>
+          <p:cNvPr id="4" name="灯片编号占位符 3"/>
+          <p:cNvSpPr>
+            <a:spLocks noGrp="1"/>
+          </p:cNvSpPr>
+          <p:nvPr>
+            <p:ph type="sldNum" sz="quarter" idx="5"/>
+          </p:nvPr>
+        </p:nvSpPr>
+        <p:spPr/>
+        <p:txBody>
+          <a:bodyPr/>
+          <a:lstStyle/>
+          <a:p>
+            <a:fld id="{A1A821E3-F86C-41AE-A52F-AD7691908BDE}" type="slidenum">
+              <a:rPr lang="zh-CN" altLang="en-US" smtClean="0"/>
+              <a:t>12</a:t>
+            </a:fld>
+            <a:endParaRPr lang="zh-CN" altLang="en-US"/>
+          </a:p>
+        </p:txBody>
+      </p:sp>
+    </p:spTree>
+    <p:extLst>
+      <p:ext uri="{BB962C8B-B14F-4D97-AF65-F5344CB8AC3E}">
+        <p14:creationId xmlns:p14="http://schemas.microsoft.com/office/powerpoint/2010/main" val="4254057752"/>
+      </p:ext>
+    </p:extLst>
+  </p:cSld>
+  <p:clrMapOvr>
+    <a:masterClrMapping/>
+  </p:clrMapOvr>
+</p:notes>
+</file>
+
+<file path=ppt/notesSlides/notesSlide13.xml><?xml version="1.0" encoding="utf-8"?>
+<p:notes xmlns:a="http://schemas.openxmlformats.org/drawingml/2006/main" xmlns:r="http://schemas.openxmlformats.org/officeDocument/2006/relationships" xmlns:p="http://schemas.openxmlformats.org/presentationml/2006/main">
+  <p:cSld>
+    <p:spTree>
+      <p:nvGrpSpPr>
+        <p:cNvPr id="1" name=""/>
+        <p:cNvGrpSpPr/>
+        <p:nvPr/>
+      </p:nvGrpSpPr>
+      <p:grpSpPr>
+        <a:xfrm>
+          <a:off x="0" y="0"/>
+          <a:ext cx="0" cy="0"/>
+          <a:chOff x="0" y="0"/>
+          <a:chExt cx="0" cy="0"/>
+        </a:xfrm>
+      </p:grpSpPr>
+      <p:sp>
+        <p:nvSpPr>
+          <p:cNvPr id="2" name="幻灯片图像占位符 1"/>
+          <p:cNvSpPr>
+            <a:spLocks noGrp="1" noRot="1" noChangeAspect="1"/>
+          </p:cNvSpPr>
+          <p:nvPr>
+            <p:ph type="sldImg"/>
+          </p:nvPr>
+        </p:nvSpPr>
+        <p:spPr/>
+      </p:sp>
+      <p:sp>
+        <p:nvSpPr>
+          <p:cNvPr id="3" name="备注占位符 2"/>
+          <p:cNvSpPr>
+            <a:spLocks noGrp="1"/>
+          </p:cNvSpPr>
+          <p:nvPr>
+            <p:ph type="body" idx="1"/>
+          </p:nvPr>
+        </p:nvSpPr>
+        <p:spPr/>
+        <p:txBody>
+          <a:bodyPr/>
+          <a:lstStyle/>
+          <a:p>
+            <a:endParaRPr lang="zh-CN" altLang="en-US" dirty="0"/>
+          </a:p>
+        </p:txBody>
+      </p:sp>
+      <p:sp>
+        <p:nvSpPr>
+          <p:cNvPr id="4" name="灯片编号占位符 3"/>
+          <p:cNvSpPr>
+            <a:spLocks noGrp="1"/>
+          </p:cNvSpPr>
+          <p:nvPr>
+            <p:ph type="sldNum" sz="quarter" idx="5"/>
+          </p:nvPr>
+        </p:nvSpPr>
+        <p:spPr/>
+        <p:txBody>
+          <a:bodyPr/>
+          <a:lstStyle/>
+          <a:p>
+            <a:fld id="{A1A821E3-F86C-41AE-A52F-AD7691908BDE}" type="slidenum">
+              <a:rPr lang="zh-CN" altLang="en-US" smtClean="0"/>
+              <a:t>13</a:t>
+            </a:fld>
+            <a:endParaRPr lang="zh-CN" altLang="en-US"/>
+          </a:p>
+        </p:txBody>
+      </p:sp>
+    </p:spTree>
+    <p:extLst>
+      <p:ext uri="{BB962C8B-B14F-4D97-AF65-F5344CB8AC3E}">
+        <p14:creationId xmlns:p14="http://schemas.microsoft.com/office/powerpoint/2010/main" val="185768932"/>
+      </p:ext>
+    </p:extLst>
+  </p:cSld>
+  <p:clrMapOvr>
+    <a:masterClrMapping/>
+  </p:clrMapOvr>
+</p:notes>
+</file>
+
+<file path=ppt/notesSlides/notesSlide14.xml><?xml version="1.0" encoding="utf-8"?>
+<p:notes xmlns:a="http://schemas.openxmlformats.org/drawingml/2006/main" xmlns:r="http://schemas.openxmlformats.org/officeDocument/2006/relationships" xmlns:p="http://schemas.openxmlformats.org/presentationml/2006/main">
+  <p:cSld>
+    <p:spTree>
+      <p:nvGrpSpPr>
+        <p:cNvPr id="1" name=""/>
+        <p:cNvGrpSpPr/>
+        <p:nvPr/>
+      </p:nvGrpSpPr>
+      <p:grpSpPr>
+        <a:xfrm>
+          <a:off x="0" y="0"/>
+          <a:ext cx="0" cy="0"/>
+          <a:chOff x="0" y="0"/>
+          <a:chExt cx="0" cy="0"/>
+        </a:xfrm>
+      </p:grpSpPr>
+      <p:sp>
+        <p:nvSpPr>
+          <p:cNvPr id="2" name="幻灯片图像占位符 1"/>
+          <p:cNvSpPr>
+            <a:spLocks noGrp="1" noRot="1" noChangeAspect="1"/>
+          </p:cNvSpPr>
+          <p:nvPr>
+            <p:ph type="sldImg"/>
+          </p:nvPr>
+        </p:nvSpPr>
+        <p:spPr/>
+      </p:sp>
+      <p:sp>
+        <p:nvSpPr>
+          <p:cNvPr id="3" name="备注占位符 2"/>
+          <p:cNvSpPr>
+            <a:spLocks noGrp="1"/>
+          </p:cNvSpPr>
+          <p:nvPr>
+            <p:ph type="body" idx="1"/>
+          </p:nvPr>
+        </p:nvSpPr>
+        <p:spPr/>
+        <p:txBody>
+          <a:bodyPr/>
+          <a:lstStyle/>
+          <a:p>
+            <a:endParaRPr lang="zh-CN" altLang="en-US" dirty="0"/>
+          </a:p>
+        </p:txBody>
+      </p:sp>
+      <p:sp>
+        <p:nvSpPr>
+          <p:cNvPr id="4" name="灯片编号占位符 3"/>
+          <p:cNvSpPr>
+            <a:spLocks noGrp="1"/>
+          </p:cNvSpPr>
+          <p:nvPr>
+            <p:ph type="sldNum" sz="quarter" idx="5"/>
+          </p:nvPr>
+        </p:nvSpPr>
+        <p:spPr/>
+        <p:txBody>
+          <a:bodyPr/>
+          <a:lstStyle/>
+          <a:p>
+            <a:fld id="{A1A821E3-F86C-41AE-A52F-AD7691908BDE}" type="slidenum">
+              <a:rPr lang="zh-CN" altLang="en-US" smtClean="0"/>
+              <a:t>14</a:t>
+            </a:fld>
+            <a:endParaRPr lang="zh-CN" altLang="en-US"/>
+          </a:p>
+        </p:txBody>
+      </p:sp>
+    </p:spTree>
+    <p:extLst>
+      <p:ext uri="{BB962C8B-B14F-4D97-AF65-F5344CB8AC3E}">
+        <p14:creationId xmlns:p14="http://schemas.microsoft.com/office/powerpoint/2010/main" val="502038921"/>
+      </p:ext>
+    </p:extLst>
+  </p:cSld>
+  <p:clrMapOvr>
+    <a:masterClrMapping/>
+  </p:clrMapOvr>
+</p:notes>
+</file>
+
+<file path=ppt/notesSlides/notesSlide15.xml><?xml version="1.0" encoding="utf-8"?>
+<p:notes xmlns:a="http://schemas.openxmlformats.org/drawingml/2006/main" xmlns:r="http://schemas.openxmlformats.org/officeDocument/2006/relationships" xmlns:p="http://schemas.openxmlformats.org/presentationml/2006/main">
+  <p:cSld>
+    <p:spTree>
+      <p:nvGrpSpPr>
+        <p:cNvPr id="1" name=""/>
+        <p:cNvGrpSpPr/>
+        <p:nvPr/>
+      </p:nvGrpSpPr>
+      <p:grpSpPr>
+        <a:xfrm>
+          <a:off x="0" y="0"/>
+          <a:ext cx="0" cy="0"/>
+          <a:chOff x="0" y="0"/>
+          <a:chExt cx="0" cy="0"/>
+        </a:xfrm>
+      </p:grpSpPr>
+      <p:sp>
+        <p:nvSpPr>
+          <p:cNvPr id="2" name="幻灯片图像占位符 1"/>
+          <p:cNvSpPr>
+            <a:spLocks noGrp="1" noRot="1" noChangeAspect="1"/>
+          </p:cNvSpPr>
+          <p:nvPr>
+            <p:ph type="sldImg"/>
+          </p:nvPr>
+        </p:nvSpPr>
+        <p:spPr/>
+      </p:sp>
+      <p:sp>
+        <p:nvSpPr>
+          <p:cNvPr id="3" name="备注占位符 2"/>
+          <p:cNvSpPr>
+            <a:spLocks noGrp="1"/>
+          </p:cNvSpPr>
+          <p:nvPr>
+            <p:ph type="body" idx="1"/>
+          </p:nvPr>
+        </p:nvSpPr>
+        <p:spPr/>
+        <p:txBody>
+          <a:bodyPr/>
+          <a:lstStyle/>
+          <a:p>
+            <a:endParaRPr lang="zh-CN" altLang="en-US" dirty="0"/>
+          </a:p>
+        </p:txBody>
+      </p:sp>
+      <p:sp>
+        <p:nvSpPr>
+          <p:cNvPr id="4" name="灯片编号占位符 3"/>
+          <p:cNvSpPr>
+            <a:spLocks noGrp="1"/>
+          </p:cNvSpPr>
+          <p:nvPr>
+            <p:ph type="sldNum" sz="quarter" idx="5"/>
+          </p:nvPr>
+        </p:nvSpPr>
+        <p:spPr/>
+        <p:txBody>
+          <a:bodyPr/>
+          <a:lstStyle/>
+          <a:p>
+            <a:fld id="{A1A821E3-F86C-41AE-A52F-AD7691908BDE}" type="slidenum">
+              <a:rPr lang="zh-CN" altLang="en-US" smtClean="0"/>
+              <a:t>15</a:t>
+            </a:fld>
+            <a:endParaRPr lang="zh-CN" altLang="en-US"/>
+          </a:p>
+        </p:txBody>
+      </p:sp>
+    </p:spTree>
+    <p:extLst>
+      <p:ext uri="{BB962C8B-B14F-4D97-AF65-F5344CB8AC3E}">
+        <p14:creationId xmlns:p14="http://schemas.microsoft.com/office/powerpoint/2010/main" val="1489413814"/>
+      </p:ext>
+    </p:extLst>
+  </p:cSld>
+  <p:clrMapOvr>
+    <a:masterClrMapping/>
+  </p:clrMapOvr>
+</p:notes>
+</file>
+
 <file path=ppt/notesSlides/notesSlide2.xml><?xml version="1.0" encoding="utf-8"?>
 <p:notes xmlns:a="http://schemas.openxmlformats.org/drawingml/2006/main" xmlns:r="http://schemas.openxmlformats.org/officeDocument/2006/relationships" xmlns:p="http://schemas.openxmlformats.org/presentationml/2006/main">
   <p:cSld>
@@ -1049,7 +1561,175 @@
     </p:spTree>
     <p:extLst>
       <p:ext uri="{BB962C8B-B14F-4D97-AF65-F5344CB8AC3E}">
+        <p14:creationId xmlns:p14="http://schemas.microsoft.com/office/powerpoint/2010/main" val="2390892411"/>
+      </p:ext>
+    </p:extLst>
+  </p:cSld>
+  <p:clrMapOvr>
+    <a:masterClrMapping/>
+  </p:clrMapOvr>
+</p:notes>
+</file>
+
+<file path=ppt/notesSlides/notesSlide8.xml><?xml version="1.0" encoding="utf-8"?>
+<p:notes xmlns:a="http://schemas.openxmlformats.org/drawingml/2006/main" xmlns:r="http://schemas.openxmlformats.org/officeDocument/2006/relationships" xmlns:p="http://schemas.openxmlformats.org/presentationml/2006/main">
+  <p:cSld>
+    <p:spTree>
+      <p:nvGrpSpPr>
+        <p:cNvPr id="1" name=""/>
+        <p:cNvGrpSpPr/>
+        <p:nvPr/>
+      </p:nvGrpSpPr>
+      <p:grpSpPr>
+        <a:xfrm>
+          <a:off x="0" y="0"/>
+          <a:ext cx="0" cy="0"/>
+          <a:chOff x="0" y="0"/>
+          <a:chExt cx="0" cy="0"/>
+        </a:xfrm>
+      </p:grpSpPr>
+      <p:sp>
+        <p:nvSpPr>
+          <p:cNvPr id="2" name="幻灯片图像占位符 1"/>
+          <p:cNvSpPr>
+            <a:spLocks noGrp="1" noRot="1" noChangeAspect="1"/>
+          </p:cNvSpPr>
+          <p:nvPr>
+            <p:ph type="sldImg"/>
+          </p:nvPr>
+        </p:nvSpPr>
+        <p:spPr/>
+      </p:sp>
+      <p:sp>
+        <p:nvSpPr>
+          <p:cNvPr id="3" name="备注占位符 2"/>
+          <p:cNvSpPr>
+            <a:spLocks noGrp="1"/>
+          </p:cNvSpPr>
+          <p:nvPr>
+            <p:ph type="body" idx="1"/>
+          </p:nvPr>
+        </p:nvSpPr>
+        <p:spPr/>
+        <p:txBody>
+          <a:bodyPr/>
+          <a:lstStyle/>
+          <a:p>
+            <a:endParaRPr lang="zh-CN" altLang="en-US" dirty="0"/>
+          </a:p>
+        </p:txBody>
+      </p:sp>
+      <p:sp>
+        <p:nvSpPr>
+          <p:cNvPr id="4" name="灯片编号占位符 3"/>
+          <p:cNvSpPr>
+            <a:spLocks noGrp="1"/>
+          </p:cNvSpPr>
+          <p:nvPr>
+            <p:ph type="sldNum" sz="quarter" idx="5"/>
+          </p:nvPr>
+        </p:nvSpPr>
+        <p:spPr/>
+        <p:txBody>
+          <a:bodyPr/>
+          <a:lstStyle/>
+          <a:p>
+            <a:fld id="{A1A821E3-F86C-41AE-A52F-AD7691908BDE}" type="slidenum">
+              <a:rPr lang="zh-CN" altLang="en-US" smtClean="0"/>
+              <a:t>8</a:t>
+            </a:fld>
+            <a:endParaRPr lang="zh-CN" altLang="en-US"/>
+          </a:p>
+        </p:txBody>
+      </p:sp>
+    </p:spTree>
+    <p:extLst>
+      <p:ext uri="{BB962C8B-B14F-4D97-AF65-F5344CB8AC3E}">
         <p14:creationId xmlns:p14="http://schemas.microsoft.com/office/powerpoint/2010/main" val="2647785460"/>
+      </p:ext>
+    </p:extLst>
+  </p:cSld>
+  <p:clrMapOvr>
+    <a:masterClrMapping/>
+  </p:clrMapOvr>
+</p:notes>
+</file>
+
+<file path=ppt/notesSlides/notesSlide9.xml><?xml version="1.0" encoding="utf-8"?>
+<p:notes xmlns:a="http://schemas.openxmlformats.org/drawingml/2006/main" xmlns:r="http://schemas.openxmlformats.org/officeDocument/2006/relationships" xmlns:p="http://schemas.openxmlformats.org/presentationml/2006/main">
+  <p:cSld>
+    <p:spTree>
+      <p:nvGrpSpPr>
+        <p:cNvPr id="1" name=""/>
+        <p:cNvGrpSpPr/>
+        <p:nvPr/>
+      </p:nvGrpSpPr>
+      <p:grpSpPr>
+        <a:xfrm>
+          <a:off x="0" y="0"/>
+          <a:ext cx="0" cy="0"/>
+          <a:chOff x="0" y="0"/>
+          <a:chExt cx="0" cy="0"/>
+        </a:xfrm>
+      </p:grpSpPr>
+      <p:sp>
+        <p:nvSpPr>
+          <p:cNvPr id="2" name="幻灯片图像占位符 1"/>
+          <p:cNvSpPr>
+            <a:spLocks noGrp="1" noRot="1" noChangeAspect="1"/>
+          </p:cNvSpPr>
+          <p:nvPr>
+            <p:ph type="sldImg"/>
+          </p:nvPr>
+        </p:nvSpPr>
+        <p:spPr/>
+      </p:sp>
+      <p:sp>
+        <p:nvSpPr>
+          <p:cNvPr id="3" name="备注占位符 2"/>
+          <p:cNvSpPr>
+            <a:spLocks noGrp="1"/>
+          </p:cNvSpPr>
+          <p:nvPr>
+            <p:ph type="body" idx="1"/>
+          </p:nvPr>
+        </p:nvSpPr>
+        <p:spPr/>
+        <p:txBody>
+          <a:bodyPr/>
+          <a:lstStyle/>
+          <a:p>
+            <a:endParaRPr lang="zh-CN" altLang="en-US" dirty="0"/>
+          </a:p>
+        </p:txBody>
+      </p:sp>
+      <p:sp>
+        <p:nvSpPr>
+          <p:cNvPr id="4" name="灯片编号占位符 3"/>
+          <p:cNvSpPr>
+            <a:spLocks noGrp="1"/>
+          </p:cNvSpPr>
+          <p:nvPr>
+            <p:ph type="sldNum" sz="quarter" idx="5"/>
+          </p:nvPr>
+        </p:nvSpPr>
+        <p:spPr/>
+        <p:txBody>
+          <a:bodyPr/>
+          <a:lstStyle/>
+          <a:p>
+            <a:fld id="{A1A821E3-F86C-41AE-A52F-AD7691908BDE}" type="slidenum">
+              <a:rPr lang="zh-CN" altLang="en-US" smtClean="0"/>
+              <a:t>9</a:t>
+            </a:fld>
+            <a:endParaRPr lang="zh-CN" altLang="en-US"/>
+          </a:p>
+        </p:txBody>
+      </p:sp>
+    </p:spTree>
+    <p:extLst>
+      <p:ext uri="{BB962C8B-B14F-4D97-AF65-F5344CB8AC3E}">
+        <p14:creationId xmlns:p14="http://schemas.microsoft.com/office/powerpoint/2010/main" val="36719703"/>
       </p:ext>
     </p:extLst>
   </p:cSld>
@@ -1206,7 +1886,7 @@
           <a:p>
             <a:fld id="{C23E1100-D3E0-4B46-A155-C6D716FBFC85}" type="datetimeFigureOut">
               <a:rPr lang="zh-CN" altLang="en-US" smtClean="0"/>
-              <a:t>2023/5/26</a:t>
+              <a:t>2023/6/7</a:t>
             </a:fld>
             <a:endParaRPr lang="zh-CN" altLang="en-US"/>
           </a:p>
@@ -1404,7 +2084,7 @@
           <a:p>
             <a:fld id="{C23E1100-D3E0-4B46-A155-C6D716FBFC85}" type="datetimeFigureOut">
               <a:rPr lang="zh-CN" altLang="en-US" smtClean="0"/>
-              <a:t>2023/5/26</a:t>
+              <a:t>2023/6/7</a:t>
             </a:fld>
             <a:endParaRPr lang="zh-CN" altLang="en-US"/>
           </a:p>
@@ -1612,7 +2292,7 @@
           <a:p>
             <a:fld id="{C23E1100-D3E0-4B46-A155-C6D716FBFC85}" type="datetimeFigureOut">
               <a:rPr lang="zh-CN" altLang="en-US" smtClean="0"/>
-              <a:t>2023/5/26</a:t>
+              <a:t>2023/6/7</a:t>
             </a:fld>
             <a:endParaRPr lang="zh-CN" altLang="en-US"/>
           </a:p>
@@ -1810,7 +2490,7 @@
           <a:p>
             <a:fld id="{C23E1100-D3E0-4B46-A155-C6D716FBFC85}" type="datetimeFigureOut">
               <a:rPr lang="zh-CN" altLang="en-US" smtClean="0"/>
-              <a:t>2023/5/26</a:t>
+              <a:t>2023/6/7</a:t>
             </a:fld>
             <a:endParaRPr lang="zh-CN" altLang="en-US"/>
           </a:p>
@@ -2085,7 +2765,7 @@
           <a:p>
             <a:fld id="{C23E1100-D3E0-4B46-A155-C6D716FBFC85}" type="datetimeFigureOut">
               <a:rPr lang="zh-CN" altLang="en-US" smtClean="0"/>
-              <a:t>2023/5/26</a:t>
+              <a:t>2023/6/7</a:t>
             </a:fld>
             <a:endParaRPr lang="zh-CN" altLang="en-US"/>
           </a:p>
@@ -2350,7 +3030,7 @@
           <a:p>
             <a:fld id="{C23E1100-D3E0-4B46-A155-C6D716FBFC85}" type="datetimeFigureOut">
               <a:rPr lang="zh-CN" altLang="en-US" smtClean="0"/>
-              <a:t>2023/5/26</a:t>
+              <a:t>2023/6/7</a:t>
             </a:fld>
             <a:endParaRPr lang="zh-CN" altLang="en-US"/>
           </a:p>
@@ -2762,7 +3442,7 @@
           <a:p>
             <a:fld id="{C23E1100-D3E0-4B46-A155-C6D716FBFC85}" type="datetimeFigureOut">
               <a:rPr lang="zh-CN" altLang="en-US" smtClean="0"/>
-              <a:t>2023/5/26</a:t>
+              <a:t>2023/6/7</a:t>
             </a:fld>
             <a:endParaRPr lang="zh-CN" altLang="en-US"/>
           </a:p>
@@ -2903,7 +3583,7 @@
           <a:p>
             <a:fld id="{C23E1100-D3E0-4B46-A155-C6D716FBFC85}" type="datetimeFigureOut">
               <a:rPr lang="zh-CN" altLang="en-US" smtClean="0"/>
-              <a:t>2023/5/26</a:t>
+              <a:t>2023/6/7</a:t>
             </a:fld>
             <a:endParaRPr lang="zh-CN" altLang="en-US"/>
           </a:p>
@@ -3016,7 +3696,7 @@
           <a:p>
             <a:fld id="{C23E1100-D3E0-4B46-A155-C6D716FBFC85}" type="datetimeFigureOut">
               <a:rPr lang="zh-CN" altLang="en-US" smtClean="0"/>
-              <a:t>2023/5/26</a:t>
+              <a:t>2023/6/7</a:t>
             </a:fld>
             <a:endParaRPr lang="zh-CN" altLang="en-US"/>
           </a:p>
@@ -3327,7 +4007,7 @@
           <a:p>
             <a:fld id="{C23E1100-D3E0-4B46-A155-C6D716FBFC85}" type="datetimeFigureOut">
               <a:rPr lang="zh-CN" altLang="en-US" smtClean="0"/>
-              <a:t>2023/5/26</a:t>
+              <a:t>2023/6/7</a:t>
             </a:fld>
             <a:endParaRPr lang="zh-CN" altLang="en-US"/>
           </a:p>
@@ -3615,7 +4295,7 @@
           <a:p>
             <a:fld id="{C23E1100-D3E0-4B46-A155-C6D716FBFC85}" type="datetimeFigureOut">
               <a:rPr lang="zh-CN" altLang="en-US" smtClean="0"/>
-              <a:t>2023/5/26</a:t>
+              <a:t>2023/6/7</a:t>
             </a:fld>
             <a:endParaRPr lang="zh-CN" altLang="en-US"/>
           </a:p>
@@ -3856,7 +4536,7 @@
           <a:p>
             <a:fld id="{C23E1100-D3E0-4B46-A155-C6D716FBFC85}" type="datetimeFigureOut">
               <a:rPr lang="zh-CN" altLang="en-US" smtClean="0"/>
-              <a:t>2023/5/26</a:t>
+              <a:t>2023/6/7</a:t>
             </a:fld>
             <a:endParaRPr lang="zh-CN" altLang="en-US"/>
           </a:p>
@@ -4392,6 +5072,2491 @@
 </p:sld>
 </file>
 
+<file path=ppt/slides/slide10.xml><?xml version="1.0" encoding="utf-8"?>
+<p:sld xmlns:a="http://schemas.openxmlformats.org/drawingml/2006/main" xmlns:r="http://schemas.openxmlformats.org/officeDocument/2006/relationships" xmlns:p="http://schemas.openxmlformats.org/presentationml/2006/main">
+  <p:cSld>
+    <p:spTree>
+      <p:nvGrpSpPr>
+        <p:cNvPr id="1" name=""/>
+        <p:cNvGrpSpPr/>
+        <p:nvPr/>
+      </p:nvGrpSpPr>
+      <p:grpSpPr>
+        <a:xfrm>
+          <a:off x="0" y="0"/>
+          <a:ext cx="0" cy="0"/>
+          <a:chOff x="0" y="0"/>
+          <a:chExt cx="0" cy="0"/>
+        </a:xfrm>
+      </p:grpSpPr>
+      <p:pic>
+        <p:nvPicPr>
+          <p:cNvPr id="5" name="图片 4">
+            <a:extLst>
+              <a:ext uri="{FF2B5EF4-FFF2-40B4-BE49-F238E27FC236}">
+                <a16:creationId xmlns:a16="http://schemas.microsoft.com/office/drawing/2014/main" id="{5F5E3D01-7830-48E3-95D6-029CF905E412}"/>
+              </a:ext>
+            </a:extLst>
+          </p:cNvPr>
+          <p:cNvPicPr>
+            <a:picLocks noChangeAspect="1"/>
+          </p:cNvPicPr>
+          <p:nvPr/>
+        </p:nvPicPr>
+        <p:blipFill>
+          <a:blip r:embed="rId3"/>
+          <a:stretch>
+            <a:fillRect/>
+          </a:stretch>
+        </p:blipFill>
+        <p:spPr>
+          <a:xfrm>
+            <a:off x="1586490" y="2987669"/>
+            <a:ext cx="5610802" cy="3216761"/>
+          </a:xfrm>
+          <a:prstGeom prst="rect">
+            <a:avLst/>
+          </a:prstGeom>
+        </p:spPr>
+      </p:pic>
+      <p:sp>
+        <p:nvSpPr>
+          <p:cNvPr id="13" name="文本框 12">
+            <a:extLst>
+              <a:ext uri="{FF2B5EF4-FFF2-40B4-BE49-F238E27FC236}">
+                <a16:creationId xmlns:a16="http://schemas.microsoft.com/office/drawing/2014/main" id="{B7809583-0BE4-46B8-B202-6A2FDA84359E}"/>
+              </a:ext>
+            </a:extLst>
+          </p:cNvPr>
+          <p:cNvSpPr txBox="1"/>
+          <p:nvPr/>
+        </p:nvSpPr>
+        <p:spPr>
+          <a:xfrm>
+            <a:off x="422799" y="1494302"/>
+            <a:ext cx="11346402" cy="1526187"/>
+          </a:xfrm>
+          <a:prstGeom prst="rect">
+            <a:avLst/>
+          </a:prstGeom>
+          <a:noFill/>
+        </p:spPr>
+        <p:txBody>
+          <a:bodyPr wrap="square" rtlCol="0">
+            <a:spAutoFit/>
+          </a:bodyPr>
+          <a:lstStyle/>
+          <a:p>
+            <a:pPr indent="457200">
+              <a:lnSpc>
+                <a:spcPct val="150000"/>
+              </a:lnSpc>
+            </a:pPr>
+            <a:r>
+              <a:rPr lang="zh-CN" altLang="en-US" sz="1600" dirty="0">
+                <a:latin typeface="微软雅黑" panose="020B0503020204020204" pitchFamily="34" charset="-122"/>
+                <a:ea typeface="微软雅黑" panose="020B0503020204020204" pitchFamily="34" charset="-122"/>
+              </a:rPr>
+              <a:t>先前的研究表明了预训练对</a:t>
+            </a:r>
+            <a:r>
+              <a:rPr lang="en-US" altLang="zh-CN" sz="1600" dirty="0">
+                <a:latin typeface="微软雅黑" panose="020B0503020204020204" pitchFamily="34" charset="-122"/>
+                <a:ea typeface="微软雅黑" panose="020B0503020204020204" pitchFamily="34" charset="-122"/>
+              </a:rPr>
+              <a:t>T5</a:t>
+            </a:r>
+            <a:r>
+              <a:rPr lang="zh-CN" altLang="en-US" sz="1600" dirty="0">
+                <a:latin typeface="微软雅黑" panose="020B0503020204020204" pitchFamily="34" charset="-122"/>
+                <a:ea typeface="微软雅黑" panose="020B0503020204020204" pitchFamily="34" charset="-122"/>
+              </a:rPr>
+              <a:t>模型的性能起着重要作用。为了进一步研究这方面，本文对预训练和非预训练的模型进行实验，这两种模型都经过了超参数调优过程。</a:t>
+            </a:r>
+            <a:endParaRPr lang="en-US" altLang="zh-CN" sz="1600" dirty="0">
+              <a:latin typeface="微软雅黑" panose="020B0503020204020204" pitchFamily="34" charset="-122"/>
+              <a:ea typeface="微软雅黑" panose="020B0503020204020204" pitchFamily="34" charset="-122"/>
+            </a:endParaRPr>
+          </a:p>
+          <a:p>
+            <a:pPr indent="457200">
+              <a:lnSpc>
+                <a:spcPct val="150000"/>
+              </a:lnSpc>
+            </a:pPr>
+            <a:r>
+              <a:rPr lang="zh-CN" altLang="en-US" sz="1600" dirty="0">
+                <a:latin typeface="微软雅黑" panose="020B0503020204020204" pitchFamily="34" charset="-122"/>
+                <a:ea typeface="微软雅黑" panose="020B0503020204020204" pitchFamily="34" charset="-122"/>
+              </a:rPr>
+              <a:t>由于目标是为三个代码审查任务找到最佳的学习率，因此使用三个任务的混合对每个模型进行了微调：经过三个任务训练集的并集来训练每个模型。可以支持三个任务。这是</a:t>
+            </a:r>
+            <a:r>
+              <a:rPr lang="en-US" altLang="zh-CN" sz="1600" dirty="0">
+                <a:latin typeface="微软雅黑" panose="020B0503020204020204" pitchFamily="34" charset="-122"/>
+                <a:ea typeface="微软雅黑" panose="020B0503020204020204" pitchFamily="34" charset="-122"/>
+              </a:rPr>
+              <a:t>T5</a:t>
+            </a:r>
+            <a:r>
+              <a:rPr lang="zh-CN" altLang="en-US" sz="1600" dirty="0">
+                <a:latin typeface="微软雅黑" panose="020B0503020204020204" pitchFamily="34" charset="-122"/>
+                <a:ea typeface="微软雅黑" panose="020B0503020204020204" pitchFamily="34" charset="-122"/>
+              </a:rPr>
+              <a:t>的特点之一：可以为多个任务训练一个模型。</a:t>
+            </a:r>
+            <a:endParaRPr lang="en-US" altLang="ko-KR" sz="1600" dirty="0">
+              <a:latin typeface="微软雅黑" panose="020B0503020204020204" pitchFamily="34" charset="-122"/>
+              <a:ea typeface="微软雅黑" panose="020B0503020204020204" pitchFamily="34" charset="-122"/>
+            </a:endParaRPr>
+          </a:p>
+        </p:txBody>
+      </p:sp>
+      <p:sp>
+        <p:nvSpPr>
+          <p:cNvPr id="4" name="文本框 3">
+            <a:extLst>
+              <a:ext uri="{FF2B5EF4-FFF2-40B4-BE49-F238E27FC236}">
+                <a16:creationId xmlns:a16="http://schemas.microsoft.com/office/drawing/2014/main" id="{514D4F8A-2152-4300-9CEA-9ED8531B1199}"/>
+              </a:ext>
+            </a:extLst>
+          </p:cNvPr>
+          <p:cNvSpPr txBox="1"/>
+          <p:nvPr/>
+        </p:nvSpPr>
+        <p:spPr>
+          <a:xfrm>
+            <a:off x="126123" y="163961"/>
+            <a:ext cx="10777116" cy="307777"/>
+          </a:xfrm>
+          <a:prstGeom prst="rect">
+            <a:avLst/>
+          </a:prstGeom>
+          <a:noFill/>
+        </p:spPr>
+        <p:txBody>
+          <a:bodyPr wrap="square" rtlCol="0">
+            <a:spAutoFit/>
+          </a:bodyPr>
+          <a:lstStyle/>
+          <a:p>
+            <a:r>
+              <a:rPr lang="en-US" altLang="zh-CN" sz="1400" dirty="0">
+                <a:solidFill>
+                  <a:schemeClr val="tx1">
+                    <a:lumMod val="50000"/>
+                    <a:lumOff val="50000"/>
+                  </a:schemeClr>
+                </a:solidFill>
+                <a:latin typeface="微软雅黑" panose="020B0503020204020204" pitchFamily="34" charset="-122"/>
+                <a:ea typeface="微软雅黑" panose="020B0503020204020204" pitchFamily="34" charset="-122"/>
+              </a:rPr>
+              <a:t>Using Pre-Trained Models to Boost Code Review Automation</a:t>
+            </a:r>
+            <a:endParaRPr lang="it-IT" altLang="zh-CN" sz="1400" dirty="0">
+              <a:solidFill>
+                <a:schemeClr val="tx1">
+                  <a:lumMod val="50000"/>
+                  <a:lumOff val="50000"/>
+                </a:schemeClr>
+              </a:solidFill>
+              <a:latin typeface="微软雅黑" panose="020B0503020204020204" pitchFamily="34" charset="-122"/>
+              <a:ea typeface="微软雅黑" panose="020B0503020204020204" pitchFamily="34" charset="-122"/>
+            </a:endParaRPr>
+          </a:p>
+        </p:txBody>
+      </p:sp>
+      <p:sp>
+        <p:nvSpPr>
+          <p:cNvPr id="2" name="文本框 1">
+            <a:extLst>
+              <a:ext uri="{FF2B5EF4-FFF2-40B4-BE49-F238E27FC236}">
+                <a16:creationId xmlns:a16="http://schemas.microsoft.com/office/drawing/2014/main" id="{CB7EC186-8BEA-4432-A3F5-B26DB9A3F662}"/>
+              </a:ext>
+            </a:extLst>
+          </p:cNvPr>
+          <p:cNvSpPr txBox="1"/>
+          <p:nvPr/>
+        </p:nvSpPr>
+        <p:spPr>
+          <a:xfrm>
+            <a:off x="324288" y="738851"/>
+            <a:ext cx="10956625" cy="523220"/>
+          </a:xfrm>
+          <a:prstGeom prst="rect">
+            <a:avLst/>
+          </a:prstGeom>
+          <a:noFill/>
+        </p:spPr>
+        <p:txBody>
+          <a:bodyPr wrap="square" rtlCol="0">
+            <a:spAutoFit/>
+          </a:bodyPr>
+          <a:lstStyle/>
+          <a:p>
+            <a:r>
+              <a:rPr lang="zh-CN" altLang="en-US" sz="2800" b="1" dirty="0">
+                <a:latin typeface="微软雅黑" panose="020B0503020204020204" pitchFamily="34" charset="-122"/>
+                <a:ea typeface="微软雅黑" panose="020B0503020204020204" pitchFamily="34" charset="-122"/>
+              </a:rPr>
+              <a:t>训练和超参数搜索</a:t>
+            </a:r>
+            <a:endParaRPr lang="it-IT" altLang="zh-CN" sz="2000" dirty="0">
+              <a:latin typeface="微软雅黑" panose="020B0503020204020204" pitchFamily="34" charset="-122"/>
+              <a:ea typeface="微软雅黑" panose="020B0503020204020204" pitchFamily="34" charset="-122"/>
+            </a:endParaRPr>
+          </a:p>
+        </p:txBody>
+      </p:sp>
+      <p:sp>
+        <p:nvSpPr>
+          <p:cNvPr id="8" name="文本框 7">
+            <a:extLst>
+              <a:ext uri="{FF2B5EF4-FFF2-40B4-BE49-F238E27FC236}">
+                <a16:creationId xmlns:a16="http://schemas.microsoft.com/office/drawing/2014/main" id="{257264AF-241B-43DF-B9ED-991FF6D8C621}"/>
+              </a:ext>
+            </a:extLst>
+          </p:cNvPr>
+          <p:cNvSpPr txBox="1"/>
+          <p:nvPr/>
+        </p:nvSpPr>
+        <p:spPr>
+          <a:xfrm>
+            <a:off x="2147454" y="6171609"/>
+            <a:ext cx="7897091" cy="523220"/>
+          </a:xfrm>
+          <a:prstGeom prst="rect">
+            <a:avLst/>
+          </a:prstGeom>
+          <a:noFill/>
+        </p:spPr>
+        <p:txBody>
+          <a:bodyPr wrap="square">
+            <a:spAutoFit/>
+          </a:bodyPr>
+          <a:lstStyle/>
+          <a:p>
+            <a:r>
+              <a:rPr lang="zh-CN" altLang="en-US" sz="1400" dirty="0">
+                <a:solidFill>
+                  <a:srgbClr val="1D2129"/>
+                </a:solidFill>
+                <a:latin typeface="微软雅黑" panose="020B0503020204020204" pitchFamily="34" charset="-122"/>
+                <a:ea typeface="微软雅黑" panose="020B0503020204020204" pitchFamily="34" charset="-122"/>
+              </a:rPr>
+              <a:t>如图，使用</a:t>
+            </a:r>
+            <a:r>
+              <a:rPr lang="zh-CN" altLang="en-US" sz="1400" b="0" i="0" dirty="0">
+                <a:solidFill>
+                  <a:srgbClr val="1D2129"/>
+                </a:solidFill>
+                <a:effectLst/>
+                <a:latin typeface="微软雅黑" panose="020B0503020204020204" pitchFamily="34" charset="-122"/>
+                <a:ea typeface="微软雅黑" panose="020B0503020204020204" pitchFamily="34" charset="-122"/>
+              </a:rPr>
+              <a:t>“完美预测”</a:t>
+            </a:r>
+            <a:r>
+              <a:rPr lang="en-US" altLang="zh-CN" sz="1400" b="0" i="0" dirty="0">
+                <a:solidFill>
+                  <a:srgbClr val="1D2129"/>
+                </a:solidFill>
+                <a:effectLst/>
+                <a:latin typeface="微软雅黑" panose="020B0503020204020204" pitchFamily="34" charset="-122"/>
+                <a:ea typeface="微软雅黑" panose="020B0503020204020204" pitchFamily="34" charset="-122"/>
+              </a:rPr>
+              <a:t>(</a:t>
+            </a:r>
+            <a:r>
+              <a:rPr lang="zh-CN" altLang="en-US" sz="1400" b="0" i="0" dirty="0">
+                <a:solidFill>
+                  <a:srgbClr val="1D2129"/>
+                </a:solidFill>
+                <a:effectLst/>
+                <a:latin typeface="微软雅黑" panose="020B0503020204020204" pitchFamily="34" charset="-122"/>
+                <a:ea typeface="微软雅黑" panose="020B0503020204020204" pitchFamily="34" charset="-122"/>
+              </a:rPr>
+              <a:t>即生成的输出与目标</a:t>
+            </a:r>
+            <a:r>
+              <a:rPr lang="en-US" altLang="zh-CN" sz="1400" b="0" i="0" dirty="0">
+                <a:solidFill>
+                  <a:srgbClr val="1D2129"/>
+                </a:solidFill>
+                <a:effectLst/>
+                <a:latin typeface="微软雅黑" panose="020B0503020204020204" pitchFamily="34" charset="-122"/>
+                <a:ea typeface="微软雅黑" panose="020B0503020204020204" pitchFamily="34" charset="-122"/>
+              </a:rPr>
+              <a:t>/</a:t>
+            </a:r>
+            <a:r>
+              <a:rPr lang="zh-CN" altLang="en-US" sz="1400" b="0" i="0" dirty="0">
+                <a:solidFill>
+                  <a:srgbClr val="1D2129"/>
+                </a:solidFill>
+                <a:effectLst/>
+                <a:latin typeface="微软雅黑" panose="020B0503020204020204" pitchFamily="34" charset="-122"/>
+                <a:ea typeface="微软雅黑" panose="020B0503020204020204" pitchFamily="34" charset="-122"/>
+              </a:rPr>
+              <a:t>预期字符串相同的情况</a:t>
+            </a:r>
+            <a:r>
+              <a:rPr lang="en-US" altLang="zh-CN" sz="1400" b="0" i="0" dirty="0">
+                <a:solidFill>
+                  <a:srgbClr val="1D2129"/>
+                </a:solidFill>
+                <a:effectLst/>
+                <a:latin typeface="微软雅黑" panose="020B0503020204020204" pitchFamily="34" charset="-122"/>
+                <a:ea typeface="微软雅黑" panose="020B0503020204020204" pitchFamily="34" charset="-122"/>
+              </a:rPr>
+              <a:t>)</a:t>
+            </a:r>
+            <a:r>
+              <a:rPr lang="zh-CN" altLang="en-US" sz="1400" b="0" i="0" dirty="0">
+                <a:solidFill>
+                  <a:srgbClr val="1D2129"/>
+                </a:solidFill>
+                <a:effectLst/>
+                <a:latin typeface="微软雅黑" panose="020B0503020204020204" pitchFamily="34" charset="-122"/>
+                <a:ea typeface="微软雅黑" panose="020B0503020204020204" pitchFamily="34" charset="-122"/>
+              </a:rPr>
+              <a:t>来评估每个任务的</a:t>
+            </a:r>
+            <a:r>
+              <a:rPr lang="zh-CN" altLang="en-US" sz="1400" b="1" i="0" dirty="0">
+                <a:solidFill>
+                  <a:srgbClr val="1D2129"/>
+                </a:solidFill>
+                <a:effectLst/>
+                <a:latin typeface="微软雅黑" panose="020B0503020204020204" pitchFamily="34" charset="-122"/>
+                <a:ea typeface="微软雅黑" panose="020B0503020204020204" pitchFamily="34" charset="-122"/>
+              </a:rPr>
+              <a:t>评估集</a:t>
+            </a:r>
+            <a:r>
+              <a:rPr lang="zh-CN" altLang="en-US" sz="1400" b="0" i="0" dirty="0">
+                <a:solidFill>
+                  <a:srgbClr val="1D2129"/>
+                </a:solidFill>
+                <a:effectLst/>
+                <a:latin typeface="微软雅黑" panose="020B0503020204020204" pitchFamily="34" charset="-122"/>
+                <a:ea typeface="微软雅黑" panose="020B0503020204020204" pitchFamily="34" charset="-122"/>
+              </a:rPr>
+              <a:t>上的</a:t>
+            </a:r>
+            <a:r>
+              <a:rPr lang="zh-CN" altLang="en-US" sz="1400" b="1" i="0" dirty="0">
+                <a:solidFill>
+                  <a:srgbClr val="1D2129"/>
+                </a:solidFill>
+                <a:effectLst/>
+                <a:latin typeface="微软雅黑" panose="020B0503020204020204" pitchFamily="34" charset="-122"/>
+                <a:ea typeface="微软雅黑" panose="020B0503020204020204" pitchFamily="34" charset="-122"/>
+              </a:rPr>
+              <a:t>八个模型</a:t>
+            </a:r>
+            <a:r>
+              <a:rPr lang="zh-CN" altLang="en-US" sz="1400" b="0" i="0" dirty="0">
+                <a:solidFill>
+                  <a:srgbClr val="1D2129"/>
+                </a:solidFill>
+                <a:effectLst/>
+                <a:latin typeface="微软雅黑" panose="020B0503020204020204" pitchFamily="34" charset="-122"/>
+                <a:ea typeface="微软雅黑" panose="020B0503020204020204" pitchFamily="34" charset="-122"/>
+              </a:rPr>
+              <a:t>的性能。然而，</a:t>
+            </a:r>
+            <a:r>
+              <a:rPr lang="en-US" altLang="zh-CN" sz="1400" b="0" i="0" u="sng" dirty="0">
+                <a:solidFill>
+                  <a:srgbClr val="1D2129"/>
+                </a:solidFill>
+                <a:effectLst/>
+                <a:latin typeface="微软雅黑" panose="020B0503020204020204" pitchFamily="34" charset="-122"/>
+                <a:ea typeface="微软雅黑" panose="020B0503020204020204" pitchFamily="34" charset="-122"/>
+              </a:rPr>
+              <a:t>ST-LR</a:t>
+            </a:r>
+            <a:r>
+              <a:rPr lang="zh-CN" altLang="en-US" sz="1400" b="0" i="0" dirty="0">
+                <a:solidFill>
+                  <a:srgbClr val="1D2129"/>
+                </a:solidFill>
+                <a:effectLst/>
+                <a:latin typeface="微软雅黑" panose="020B0503020204020204" pitchFamily="34" charset="-122"/>
+                <a:ea typeface="微软雅黑" panose="020B0503020204020204" pitchFamily="34" charset="-122"/>
+              </a:rPr>
+              <a:t>的综合性能更好，因此我们在实验中采用了</a:t>
+            </a:r>
+            <a:r>
+              <a:rPr lang="en-US" altLang="zh-CN" sz="1400" b="0" i="0" u="sng" dirty="0">
+                <a:solidFill>
+                  <a:srgbClr val="1D2129"/>
+                </a:solidFill>
+                <a:effectLst/>
+                <a:latin typeface="微软雅黑" panose="020B0503020204020204" pitchFamily="34" charset="-122"/>
+                <a:ea typeface="微软雅黑" panose="020B0503020204020204" pitchFamily="34" charset="-122"/>
+              </a:rPr>
+              <a:t>ST-LR</a:t>
+            </a:r>
+            <a:r>
+              <a:rPr lang="zh-CN" altLang="en-US" sz="1400" b="0" i="0" dirty="0">
+                <a:solidFill>
+                  <a:srgbClr val="1D2129"/>
+                </a:solidFill>
+                <a:effectLst/>
+                <a:latin typeface="微软雅黑" panose="020B0503020204020204" pitchFamily="34" charset="-122"/>
+                <a:ea typeface="微软雅黑" panose="020B0503020204020204" pitchFamily="34" charset="-122"/>
+              </a:rPr>
+              <a:t>。</a:t>
+            </a:r>
+            <a:endParaRPr lang="zh-CN" altLang="en-US" sz="1400" dirty="0">
+              <a:latin typeface="微软雅黑" panose="020B0503020204020204" pitchFamily="34" charset="-122"/>
+              <a:ea typeface="微软雅黑" panose="020B0503020204020204" pitchFamily="34" charset="-122"/>
+            </a:endParaRPr>
+          </a:p>
+        </p:txBody>
+      </p:sp>
+      <p:sp>
+        <p:nvSpPr>
+          <p:cNvPr id="7" name="文本框 6">
+            <a:extLst>
+              <a:ext uri="{FF2B5EF4-FFF2-40B4-BE49-F238E27FC236}">
+                <a16:creationId xmlns:a16="http://schemas.microsoft.com/office/drawing/2014/main" id="{0ADB7D51-4769-46FC-A264-E9C3944CF851}"/>
+              </a:ext>
+            </a:extLst>
+          </p:cNvPr>
+          <p:cNvSpPr txBox="1"/>
+          <p:nvPr/>
+        </p:nvSpPr>
+        <p:spPr>
+          <a:xfrm>
+            <a:off x="7592291" y="4157722"/>
+            <a:ext cx="4176910" cy="923330"/>
+          </a:xfrm>
+          <a:prstGeom prst="rect">
+            <a:avLst/>
+          </a:prstGeom>
+          <a:noFill/>
+        </p:spPr>
+        <p:txBody>
+          <a:bodyPr wrap="square" rtlCol="0">
+            <a:spAutoFit/>
+          </a:bodyPr>
+          <a:lstStyle/>
+          <a:p>
+            <a:r>
+              <a:rPr lang="en-US" altLang="zh-CN" dirty="0"/>
+              <a:t>Slanted Triangular Learning Rate</a:t>
+            </a:r>
+            <a:r>
+              <a:rPr lang="en-US" altLang="zh-CN" dirty="0">
+                <a:sym typeface="Wingdings" panose="05000000000000000000" pitchFamily="2" charset="2"/>
+              </a:rPr>
+              <a:t>(ST-LR):</a:t>
+            </a:r>
+            <a:endParaRPr lang="en-US" altLang="zh-CN" dirty="0"/>
+          </a:p>
+          <a:p>
+            <a:r>
+              <a:rPr lang="zh-CN" altLang="en-US" b="0" i="0" dirty="0">
+                <a:solidFill>
+                  <a:srgbClr val="1D2129"/>
+                </a:solidFill>
+                <a:effectLst/>
+                <a:latin typeface="PingFangSC-Regular"/>
+              </a:rPr>
+              <a:t>学习率先线性增加，然后线性衰减，返回到初始值。</a:t>
+            </a:r>
+            <a:endParaRPr lang="zh-CN" altLang="en-US" dirty="0"/>
+          </a:p>
+        </p:txBody>
+      </p:sp>
+    </p:spTree>
+    <p:extLst>
+      <p:ext uri="{BB962C8B-B14F-4D97-AF65-F5344CB8AC3E}">
+        <p14:creationId xmlns:p14="http://schemas.microsoft.com/office/powerpoint/2010/main" val="56584044"/>
+      </p:ext>
+    </p:extLst>
+  </p:cSld>
+  <p:clrMapOvr>
+    <a:masterClrMapping/>
+  </p:clrMapOvr>
+</p:sld>
+</file>
+
+<file path=ppt/slides/slide11.xml><?xml version="1.0" encoding="utf-8"?>
+<p:sld xmlns:a="http://schemas.openxmlformats.org/drawingml/2006/main" xmlns:r="http://schemas.openxmlformats.org/officeDocument/2006/relationships" xmlns:p="http://schemas.openxmlformats.org/presentationml/2006/main">
+  <p:cSld>
+    <p:spTree>
+      <p:nvGrpSpPr>
+        <p:cNvPr id="1" name=""/>
+        <p:cNvGrpSpPr/>
+        <p:nvPr/>
+      </p:nvGrpSpPr>
+      <p:grpSpPr>
+        <a:xfrm>
+          <a:off x="0" y="0"/>
+          <a:ext cx="0" cy="0"/>
+          <a:chOff x="0" y="0"/>
+          <a:chExt cx="0" cy="0"/>
+        </a:xfrm>
+      </p:grpSpPr>
+      <p:sp>
+        <p:nvSpPr>
+          <p:cNvPr id="13" name="文本框 12">
+            <a:extLst>
+              <a:ext uri="{FF2B5EF4-FFF2-40B4-BE49-F238E27FC236}">
+                <a16:creationId xmlns:a16="http://schemas.microsoft.com/office/drawing/2014/main" id="{B7809583-0BE4-46B8-B202-6A2FDA84359E}"/>
+              </a:ext>
+            </a:extLst>
+          </p:cNvPr>
+          <p:cNvSpPr txBox="1"/>
+          <p:nvPr/>
+        </p:nvSpPr>
+        <p:spPr>
+          <a:xfrm>
+            <a:off x="422799" y="1494302"/>
+            <a:ext cx="11346402" cy="418191"/>
+          </a:xfrm>
+          <a:prstGeom prst="rect">
+            <a:avLst/>
+          </a:prstGeom>
+          <a:noFill/>
+        </p:spPr>
+        <p:txBody>
+          <a:bodyPr wrap="square" rtlCol="0">
+            <a:spAutoFit/>
+          </a:bodyPr>
+          <a:lstStyle/>
+          <a:p>
+            <a:pPr>
+              <a:lnSpc>
+                <a:spcPct val="150000"/>
+              </a:lnSpc>
+            </a:pPr>
+            <a:r>
+              <a:rPr lang="zh-CN" altLang="en-US" sz="1600" dirty="0">
+                <a:latin typeface="微软雅黑" panose="020B0503020204020204" pitchFamily="34" charset="-122"/>
+                <a:ea typeface="微软雅黑" panose="020B0503020204020204" pitchFamily="34" charset="-122"/>
+              </a:rPr>
+              <a:t>如何评估</a:t>
+            </a:r>
+            <a:r>
+              <a:rPr lang="en-US" altLang="zh-CN" sz="1600" dirty="0">
+                <a:latin typeface="微软雅黑" panose="020B0503020204020204" pitchFamily="34" charset="-122"/>
+                <a:ea typeface="微软雅黑" panose="020B0503020204020204" pitchFamily="34" charset="-122"/>
+              </a:rPr>
+              <a:t>T5</a:t>
+            </a:r>
+            <a:r>
+              <a:rPr lang="zh-CN" altLang="en-US" sz="1600" dirty="0">
+                <a:latin typeface="微软雅黑" panose="020B0503020204020204" pitchFamily="34" charset="-122"/>
+                <a:ea typeface="微软雅黑" panose="020B0503020204020204" pitchFamily="34" charset="-122"/>
+              </a:rPr>
+              <a:t>模型在代码评审自动化任务中的性能，可以归类为解决五个研究问题</a:t>
+            </a:r>
+            <a:r>
+              <a:rPr lang="en-US" altLang="zh-CN" sz="1600" dirty="0">
+                <a:latin typeface="微软雅黑" panose="020B0503020204020204" pitchFamily="34" charset="-122"/>
+                <a:ea typeface="微软雅黑" panose="020B0503020204020204" pitchFamily="34" charset="-122"/>
+              </a:rPr>
+              <a:t>(RQ)</a:t>
+            </a:r>
+            <a:r>
+              <a:rPr lang="zh-CN" altLang="en-US" sz="1600" dirty="0">
+                <a:latin typeface="微软雅黑" panose="020B0503020204020204" pitchFamily="34" charset="-122"/>
+                <a:ea typeface="微软雅黑" panose="020B0503020204020204" pitchFamily="34" charset="-122"/>
+              </a:rPr>
+              <a:t>：</a:t>
+            </a:r>
+            <a:endParaRPr lang="en-US" altLang="ko-KR" sz="1600" dirty="0">
+              <a:latin typeface="微软雅黑" panose="020B0503020204020204" pitchFamily="34" charset="-122"/>
+              <a:ea typeface="微软雅黑" panose="020B0503020204020204" pitchFamily="34" charset="-122"/>
+            </a:endParaRPr>
+          </a:p>
+        </p:txBody>
+      </p:sp>
+      <p:sp>
+        <p:nvSpPr>
+          <p:cNvPr id="4" name="文本框 3">
+            <a:extLst>
+              <a:ext uri="{FF2B5EF4-FFF2-40B4-BE49-F238E27FC236}">
+                <a16:creationId xmlns:a16="http://schemas.microsoft.com/office/drawing/2014/main" id="{514D4F8A-2152-4300-9CEA-9ED8531B1199}"/>
+              </a:ext>
+            </a:extLst>
+          </p:cNvPr>
+          <p:cNvSpPr txBox="1"/>
+          <p:nvPr/>
+        </p:nvSpPr>
+        <p:spPr>
+          <a:xfrm>
+            <a:off x="126123" y="163961"/>
+            <a:ext cx="10777116" cy="307777"/>
+          </a:xfrm>
+          <a:prstGeom prst="rect">
+            <a:avLst/>
+          </a:prstGeom>
+          <a:noFill/>
+        </p:spPr>
+        <p:txBody>
+          <a:bodyPr wrap="square" rtlCol="0">
+            <a:spAutoFit/>
+          </a:bodyPr>
+          <a:lstStyle/>
+          <a:p>
+            <a:r>
+              <a:rPr lang="en-US" altLang="zh-CN" sz="1400" dirty="0">
+                <a:solidFill>
+                  <a:schemeClr val="tx1">
+                    <a:lumMod val="50000"/>
+                    <a:lumOff val="50000"/>
+                  </a:schemeClr>
+                </a:solidFill>
+                <a:latin typeface="微软雅黑" panose="020B0503020204020204" pitchFamily="34" charset="-122"/>
+                <a:ea typeface="微软雅黑" panose="020B0503020204020204" pitchFamily="34" charset="-122"/>
+              </a:rPr>
+              <a:t>Using Pre-Trained Models to Boost Code Review Automation</a:t>
+            </a:r>
+            <a:endParaRPr lang="it-IT" altLang="zh-CN" sz="1400" dirty="0">
+              <a:solidFill>
+                <a:schemeClr val="tx1">
+                  <a:lumMod val="50000"/>
+                  <a:lumOff val="50000"/>
+                </a:schemeClr>
+              </a:solidFill>
+              <a:latin typeface="微软雅黑" panose="020B0503020204020204" pitchFamily="34" charset="-122"/>
+              <a:ea typeface="微软雅黑" panose="020B0503020204020204" pitchFamily="34" charset="-122"/>
+            </a:endParaRPr>
+          </a:p>
+        </p:txBody>
+      </p:sp>
+      <p:sp>
+        <p:nvSpPr>
+          <p:cNvPr id="2" name="文本框 1">
+            <a:extLst>
+              <a:ext uri="{FF2B5EF4-FFF2-40B4-BE49-F238E27FC236}">
+                <a16:creationId xmlns:a16="http://schemas.microsoft.com/office/drawing/2014/main" id="{CB7EC186-8BEA-4432-A3F5-B26DB9A3F662}"/>
+              </a:ext>
+            </a:extLst>
+          </p:cNvPr>
+          <p:cNvSpPr txBox="1"/>
+          <p:nvPr/>
+        </p:nvSpPr>
+        <p:spPr>
+          <a:xfrm>
+            <a:off x="324288" y="738851"/>
+            <a:ext cx="10956625" cy="523220"/>
+          </a:xfrm>
+          <a:prstGeom prst="rect">
+            <a:avLst/>
+          </a:prstGeom>
+          <a:noFill/>
+        </p:spPr>
+        <p:txBody>
+          <a:bodyPr wrap="square" rtlCol="0">
+            <a:spAutoFit/>
+          </a:bodyPr>
+          <a:lstStyle/>
+          <a:p>
+            <a:r>
+              <a:rPr lang="en-US" altLang="zh-CN" sz="2800" b="1" dirty="0">
+                <a:latin typeface="微软雅黑" panose="020B0503020204020204" pitchFamily="34" charset="-122"/>
+                <a:ea typeface="微软雅黑" panose="020B0503020204020204" pitchFamily="34" charset="-122"/>
+              </a:rPr>
+              <a:t>STUDY DESIGN</a:t>
+            </a:r>
+            <a:endParaRPr lang="it-IT" altLang="zh-CN" sz="2000" dirty="0">
+              <a:latin typeface="微软雅黑" panose="020B0503020204020204" pitchFamily="34" charset="-122"/>
+              <a:ea typeface="微软雅黑" panose="020B0503020204020204" pitchFamily="34" charset="-122"/>
+            </a:endParaRPr>
+          </a:p>
+        </p:txBody>
+      </p:sp>
+      <p:sp>
+        <p:nvSpPr>
+          <p:cNvPr id="3" name="星形: 五角 2">
+            <a:extLst>
+              <a:ext uri="{FF2B5EF4-FFF2-40B4-BE49-F238E27FC236}">
+                <a16:creationId xmlns:a16="http://schemas.microsoft.com/office/drawing/2014/main" id="{8A13CE58-6698-40A0-94D9-06A3B21387D2}"/>
+              </a:ext>
+            </a:extLst>
+          </p:cNvPr>
+          <p:cNvSpPr/>
+          <p:nvPr/>
+        </p:nvSpPr>
+        <p:spPr>
+          <a:xfrm>
+            <a:off x="4346864" y="2909455"/>
+            <a:ext cx="3498272" cy="2985654"/>
+          </a:xfrm>
+          <a:prstGeom prst="star5">
+            <a:avLst/>
+          </a:prstGeom>
+          <a:solidFill>
+            <a:schemeClr val="accent1">
+              <a:lumMod val="20000"/>
+              <a:lumOff val="80000"/>
+            </a:schemeClr>
+          </a:solidFill>
+        </p:spPr>
+        <p:style>
+          <a:lnRef idx="2">
+            <a:schemeClr val="accent1">
+              <a:shade val="50000"/>
+            </a:schemeClr>
+          </a:lnRef>
+          <a:fillRef idx="1">
+            <a:schemeClr val="accent1"/>
+          </a:fillRef>
+          <a:effectRef idx="0">
+            <a:schemeClr val="accent1"/>
+          </a:effectRef>
+          <a:fontRef idx="minor">
+            <a:schemeClr val="lt1"/>
+          </a:fontRef>
+        </p:style>
+        <p:txBody>
+          <a:bodyPr rtlCol="0" anchor="ctr"/>
+          <a:lstStyle/>
+          <a:p>
+            <a:pPr algn="ctr"/>
+            <a:endParaRPr lang="zh-CN" altLang="en-US" dirty="0"/>
+          </a:p>
+        </p:txBody>
+      </p:sp>
+      <p:sp>
+        <p:nvSpPr>
+          <p:cNvPr id="6" name="文本框 5">
+            <a:extLst>
+              <a:ext uri="{FF2B5EF4-FFF2-40B4-BE49-F238E27FC236}">
+                <a16:creationId xmlns:a16="http://schemas.microsoft.com/office/drawing/2014/main" id="{03041E12-FAEF-45DE-A588-624275FF0744}"/>
+              </a:ext>
+            </a:extLst>
+          </p:cNvPr>
+          <p:cNvSpPr txBox="1"/>
+          <p:nvPr/>
+        </p:nvSpPr>
+        <p:spPr>
+          <a:xfrm>
+            <a:off x="4523509" y="2144724"/>
+            <a:ext cx="3390900" cy="584775"/>
+          </a:xfrm>
+          <a:prstGeom prst="rect">
+            <a:avLst/>
+          </a:prstGeom>
+          <a:noFill/>
+        </p:spPr>
+        <p:txBody>
+          <a:bodyPr wrap="square" rtlCol="0">
+            <a:spAutoFit/>
+          </a:bodyPr>
+          <a:lstStyle/>
+          <a:p>
+            <a:r>
+              <a:rPr lang="en-US" altLang="zh-CN" sz="1600" dirty="0">
+                <a:latin typeface="微软雅黑" panose="020B0503020204020204" pitchFamily="34" charset="-122"/>
+                <a:ea typeface="微软雅黑" panose="020B0503020204020204" pitchFamily="34" charset="-122"/>
+              </a:rPr>
+              <a:t>RQ1:T5</a:t>
+            </a:r>
+            <a:r>
+              <a:rPr lang="zh-CN" altLang="en-US" sz="1600" dirty="0">
+                <a:latin typeface="微软雅黑" panose="020B0503020204020204" pitchFamily="34" charset="-122"/>
+                <a:ea typeface="微软雅黑" panose="020B0503020204020204" pitchFamily="34" charset="-122"/>
+              </a:rPr>
+              <a:t>能在多大程度上像审查者那样自动向开发人员</a:t>
+            </a:r>
+            <a:r>
+              <a:rPr lang="zh-CN" altLang="en-US" sz="1600" b="1" dirty="0">
+                <a:solidFill>
+                  <a:srgbClr val="FF0000"/>
+                </a:solidFill>
+                <a:latin typeface="微软雅黑" panose="020B0503020204020204" pitchFamily="34" charset="-122"/>
+                <a:ea typeface="微软雅黑" panose="020B0503020204020204" pitchFamily="34" charset="-122"/>
+              </a:rPr>
+              <a:t>推荐</a:t>
+            </a:r>
+            <a:r>
+              <a:rPr lang="zh-CN" altLang="en-US" sz="1600" b="1" dirty="0">
+                <a:latin typeface="微软雅黑" panose="020B0503020204020204" pitchFamily="34" charset="-122"/>
+                <a:ea typeface="微软雅黑" panose="020B0503020204020204" pitchFamily="34" charset="-122"/>
+              </a:rPr>
+              <a:t>代码更改</a:t>
+            </a:r>
+            <a:r>
+              <a:rPr lang="zh-CN" altLang="en-US" sz="1600" dirty="0">
+                <a:latin typeface="微软雅黑" panose="020B0503020204020204" pitchFamily="34" charset="-122"/>
+                <a:ea typeface="微软雅黑" panose="020B0503020204020204" pitchFamily="34" charset="-122"/>
+              </a:rPr>
+              <a:t>？</a:t>
+            </a:r>
+          </a:p>
+        </p:txBody>
+      </p:sp>
+      <p:sp>
+        <p:nvSpPr>
+          <p:cNvPr id="10" name="文本框 9">
+            <a:extLst>
+              <a:ext uri="{FF2B5EF4-FFF2-40B4-BE49-F238E27FC236}">
+                <a16:creationId xmlns:a16="http://schemas.microsoft.com/office/drawing/2014/main" id="{5E565316-A1A8-485A-AF7B-017119287629}"/>
+              </a:ext>
+            </a:extLst>
+          </p:cNvPr>
+          <p:cNvSpPr txBox="1"/>
+          <p:nvPr/>
+        </p:nvSpPr>
+        <p:spPr>
+          <a:xfrm>
+            <a:off x="955964" y="3675651"/>
+            <a:ext cx="3390900" cy="584775"/>
+          </a:xfrm>
+          <a:prstGeom prst="rect">
+            <a:avLst/>
+          </a:prstGeom>
+          <a:noFill/>
+        </p:spPr>
+        <p:txBody>
+          <a:bodyPr wrap="square" rtlCol="0">
+            <a:spAutoFit/>
+          </a:bodyPr>
+          <a:lstStyle/>
+          <a:p>
+            <a:r>
+              <a:rPr lang="en-US" altLang="zh-CN" sz="1600" dirty="0">
+                <a:latin typeface="微软雅黑" panose="020B0503020204020204" pitchFamily="34" charset="-122"/>
+                <a:ea typeface="微软雅黑" panose="020B0503020204020204" pitchFamily="34" charset="-122"/>
+              </a:rPr>
+              <a:t>RQ2:T5</a:t>
+            </a:r>
+            <a:r>
+              <a:rPr lang="zh-CN" altLang="en-US" sz="1600" dirty="0">
+                <a:latin typeface="微软雅黑" panose="020B0503020204020204" pitchFamily="34" charset="-122"/>
+                <a:ea typeface="微软雅黑" panose="020B0503020204020204" pitchFamily="34" charset="-122"/>
+              </a:rPr>
+              <a:t>能在多大程度上自动</a:t>
+            </a:r>
+            <a:r>
+              <a:rPr lang="zh-CN" altLang="en-US" sz="1600" b="1" dirty="0">
+                <a:solidFill>
+                  <a:srgbClr val="FF0000"/>
+                </a:solidFill>
+                <a:latin typeface="微软雅黑" panose="020B0503020204020204" pitchFamily="34" charset="-122"/>
+                <a:ea typeface="微软雅黑" panose="020B0503020204020204" pitchFamily="34" charset="-122"/>
+              </a:rPr>
+              <a:t>实现</a:t>
+            </a:r>
+            <a:r>
+              <a:rPr lang="zh-CN" altLang="en-US" sz="1600" dirty="0">
+                <a:latin typeface="微软雅黑" panose="020B0503020204020204" pitchFamily="34" charset="-122"/>
+                <a:ea typeface="微软雅黑" panose="020B0503020204020204" pitchFamily="34" charset="-122"/>
+              </a:rPr>
+              <a:t>审查者建议的</a:t>
+            </a:r>
+            <a:r>
+              <a:rPr lang="zh-CN" altLang="en-US" sz="1600" b="1" dirty="0">
+                <a:latin typeface="微软雅黑" panose="020B0503020204020204" pitchFamily="34" charset="-122"/>
+                <a:ea typeface="微软雅黑" panose="020B0503020204020204" pitchFamily="34" charset="-122"/>
+              </a:rPr>
+              <a:t>代码更改</a:t>
+            </a:r>
+            <a:r>
+              <a:rPr lang="zh-CN" altLang="en-US" sz="1600" dirty="0">
+                <a:latin typeface="微软雅黑" panose="020B0503020204020204" pitchFamily="34" charset="-122"/>
+                <a:ea typeface="微软雅黑" panose="020B0503020204020204" pitchFamily="34" charset="-122"/>
+              </a:rPr>
+              <a:t>？</a:t>
+            </a:r>
+          </a:p>
+        </p:txBody>
+      </p:sp>
+      <p:sp>
+        <p:nvSpPr>
+          <p:cNvPr id="11" name="文本框 10">
+            <a:extLst>
+              <a:ext uri="{FF2B5EF4-FFF2-40B4-BE49-F238E27FC236}">
+                <a16:creationId xmlns:a16="http://schemas.microsoft.com/office/drawing/2014/main" id="{5E990CA0-E4E7-4595-B4A9-799D6908593B}"/>
+              </a:ext>
+            </a:extLst>
+          </p:cNvPr>
+          <p:cNvSpPr txBox="1"/>
+          <p:nvPr/>
+        </p:nvSpPr>
+        <p:spPr>
+          <a:xfrm>
+            <a:off x="7914409" y="3675651"/>
+            <a:ext cx="3390900" cy="584775"/>
+          </a:xfrm>
+          <a:prstGeom prst="rect">
+            <a:avLst/>
+          </a:prstGeom>
+          <a:noFill/>
+        </p:spPr>
+        <p:txBody>
+          <a:bodyPr wrap="square" rtlCol="0">
+            <a:spAutoFit/>
+          </a:bodyPr>
+          <a:lstStyle/>
+          <a:p>
+            <a:r>
+              <a:rPr lang="en-US" altLang="zh-CN" sz="1600" dirty="0">
+                <a:latin typeface="微软雅黑" panose="020B0503020204020204" pitchFamily="34" charset="-122"/>
+                <a:ea typeface="微软雅黑" panose="020B0503020204020204" pitchFamily="34" charset="-122"/>
+              </a:rPr>
+              <a:t>RQ3:T5</a:t>
+            </a:r>
+            <a:r>
+              <a:rPr lang="zh-CN" altLang="en-US" sz="1600" dirty="0">
+                <a:latin typeface="微软雅黑" panose="020B0503020204020204" pitchFamily="34" charset="-122"/>
+                <a:ea typeface="微软雅黑" panose="020B0503020204020204" pitchFamily="34" charset="-122"/>
+              </a:rPr>
+              <a:t>能在多大程度上像审查者那样</a:t>
+            </a:r>
+            <a:r>
+              <a:rPr lang="zh-CN" altLang="en-US" sz="1600" b="1" dirty="0">
+                <a:solidFill>
+                  <a:srgbClr val="FF0000"/>
+                </a:solidFill>
+                <a:latin typeface="微软雅黑" panose="020B0503020204020204" pitchFamily="34" charset="-122"/>
+                <a:ea typeface="微软雅黑" panose="020B0503020204020204" pitchFamily="34" charset="-122"/>
+              </a:rPr>
+              <a:t>生成</a:t>
+            </a:r>
+            <a:r>
+              <a:rPr lang="zh-CN" altLang="en-US" sz="1600" b="1" dirty="0">
+                <a:latin typeface="微软雅黑" panose="020B0503020204020204" pitchFamily="34" charset="-122"/>
+                <a:ea typeface="微软雅黑" panose="020B0503020204020204" pitchFamily="34" charset="-122"/>
+              </a:rPr>
+              <a:t>自然语言的修改意见</a:t>
+            </a:r>
+            <a:r>
+              <a:rPr lang="zh-CN" altLang="en-US" sz="1600" dirty="0">
+                <a:latin typeface="微软雅黑" panose="020B0503020204020204" pitchFamily="34" charset="-122"/>
+                <a:ea typeface="微软雅黑" panose="020B0503020204020204" pitchFamily="34" charset="-122"/>
+              </a:rPr>
+              <a:t>？</a:t>
+            </a:r>
+          </a:p>
+        </p:txBody>
+      </p:sp>
+      <p:sp>
+        <p:nvSpPr>
+          <p:cNvPr id="12" name="文本框 11">
+            <a:extLst>
+              <a:ext uri="{FF2B5EF4-FFF2-40B4-BE49-F238E27FC236}">
+                <a16:creationId xmlns:a16="http://schemas.microsoft.com/office/drawing/2014/main" id="{9354CE69-7C9B-41FC-8D8A-E75814477726}"/>
+              </a:ext>
+            </a:extLst>
+          </p:cNvPr>
+          <p:cNvSpPr txBox="1"/>
+          <p:nvPr/>
+        </p:nvSpPr>
+        <p:spPr>
+          <a:xfrm>
+            <a:off x="2514601" y="6010004"/>
+            <a:ext cx="3390900" cy="830997"/>
+          </a:xfrm>
+          <a:prstGeom prst="rect">
+            <a:avLst/>
+          </a:prstGeom>
+          <a:noFill/>
+        </p:spPr>
+        <p:txBody>
+          <a:bodyPr wrap="square" rtlCol="0">
+            <a:spAutoFit/>
+          </a:bodyPr>
+          <a:lstStyle/>
+          <a:p>
+            <a:r>
+              <a:rPr lang="en-US" altLang="zh-CN" sz="1600" dirty="0">
+                <a:latin typeface="微软雅黑" panose="020B0503020204020204" pitchFamily="34" charset="-122"/>
+                <a:ea typeface="微软雅黑" panose="020B0503020204020204" pitchFamily="34" charset="-122"/>
+              </a:rPr>
+              <a:t>RQ4:</a:t>
+            </a:r>
+            <a:r>
+              <a:rPr lang="zh-CN" altLang="en-US" sz="1600" dirty="0">
+                <a:latin typeface="微软雅黑" panose="020B0503020204020204" pitchFamily="34" charset="-122"/>
+                <a:ea typeface="微软雅黑" panose="020B0503020204020204" pitchFamily="34" charset="-122"/>
+              </a:rPr>
+              <a:t>模型预训练对 </a:t>
+            </a:r>
+            <a:r>
+              <a:rPr lang="en-US" altLang="zh-CN" sz="1600" dirty="0">
+                <a:latin typeface="微软雅黑" panose="020B0503020204020204" pitchFamily="34" charset="-122"/>
+                <a:ea typeface="微软雅黑" panose="020B0503020204020204" pitchFamily="34" charset="-122"/>
+              </a:rPr>
+              <a:t>T5 </a:t>
+            </a:r>
+            <a:r>
+              <a:rPr lang="zh-CN" altLang="en-US" sz="1600" dirty="0">
+                <a:latin typeface="微软雅黑" panose="020B0503020204020204" pitchFamily="34" charset="-122"/>
+                <a:ea typeface="微软雅黑" panose="020B0503020204020204" pitchFamily="34" charset="-122"/>
+              </a:rPr>
+              <a:t>的性能起什么作用？预测的置信度如何影响它们的质量？</a:t>
+            </a:r>
+          </a:p>
+        </p:txBody>
+      </p:sp>
+      <p:sp>
+        <p:nvSpPr>
+          <p:cNvPr id="14" name="文本框 13">
+            <a:extLst>
+              <a:ext uri="{FF2B5EF4-FFF2-40B4-BE49-F238E27FC236}">
+                <a16:creationId xmlns:a16="http://schemas.microsoft.com/office/drawing/2014/main" id="{B9BEAA61-3E52-48C1-9944-567D9FDADF5D}"/>
+              </a:ext>
+            </a:extLst>
+          </p:cNvPr>
+          <p:cNvSpPr txBox="1"/>
+          <p:nvPr/>
+        </p:nvSpPr>
+        <p:spPr>
+          <a:xfrm>
+            <a:off x="6286501" y="6013513"/>
+            <a:ext cx="3390900" cy="584775"/>
+          </a:xfrm>
+          <a:prstGeom prst="rect">
+            <a:avLst/>
+          </a:prstGeom>
+          <a:noFill/>
+        </p:spPr>
+        <p:txBody>
+          <a:bodyPr wrap="square" rtlCol="0">
+            <a:spAutoFit/>
+          </a:bodyPr>
+          <a:lstStyle/>
+          <a:p>
+            <a:r>
+              <a:rPr lang="en-US" altLang="zh-CN" sz="1600" dirty="0">
+                <a:latin typeface="微软雅黑" panose="020B0503020204020204" pitchFamily="34" charset="-122"/>
+                <a:ea typeface="微软雅黑" panose="020B0503020204020204" pitchFamily="34" charset="-122"/>
+              </a:rPr>
+              <a:t>RQ5:</a:t>
+            </a:r>
+            <a:r>
+              <a:rPr lang="zh-CN" altLang="en-US" sz="1600" dirty="0">
+                <a:latin typeface="微软雅黑" panose="020B0503020204020204" pitchFamily="34" charset="-122"/>
+                <a:ea typeface="微软雅黑" panose="020B0503020204020204" pitchFamily="34" charset="-122"/>
+              </a:rPr>
+              <a:t>与最先进的技术相比，</a:t>
+            </a:r>
+            <a:r>
+              <a:rPr lang="en-US" altLang="zh-CN" sz="1600" dirty="0">
+                <a:latin typeface="微软雅黑" panose="020B0503020204020204" pitchFamily="34" charset="-122"/>
+                <a:ea typeface="微软雅黑" panose="020B0503020204020204" pitchFamily="34" charset="-122"/>
+              </a:rPr>
+              <a:t>T5 </a:t>
+            </a:r>
+            <a:r>
+              <a:rPr lang="zh-CN" altLang="en-US" sz="1600" dirty="0">
+                <a:latin typeface="微软雅黑" panose="020B0503020204020204" pitchFamily="34" charset="-122"/>
+                <a:ea typeface="微软雅黑" panose="020B0503020204020204" pitchFamily="34" charset="-122"/>
+              </a:rPr>
+              <a:t>的性能是多少？</a:t>
+            </a:r>
+          </a:p>
+        </p:txBody>
+      </p:sp>
+    </p:spTree>
+    <p:extLst>
+      <p:ext uri="{BB962C8B-B14F-4D97-AF65-F5344CB8AC3E}">
+        <p14:creationId xmlns:p14="http://schemas.microsoft.com/office/powerpoint/2010/main" val="1974206079"/>
+      </p:ext>
+    </p:extLst>
+  </p:cSld>
+  <p:clrMapOvr>
+    <a:masterClrMapping/>
+  </p:clrMapOvr>
+</p:sld>
+</file>
+
+<file path=ppt/slides/slide12.xml><?xml version="1.0" encoding="utf-8"?>
+<p:sld xmlns:a="http://schemas.openxmlformats.org/drawingml/2006/main" xmlns:r="http://schemas.openxmlformats.org/officeDocument/2006/relationships" xmlns:p="http://schemas.openxmlformats.org/presentationml/2006/main">
+  <p:cSld>
+    <p:spTree>
+      <p:nvGrpSpPr>
+        <p:cNvPr id="1" name=""/>
+        <p:cNvGrpSpPr/>
+        <p:nvPr/>
+      </p:nvGrpSpPr>
+      <p:grpSpPr>
+        <a:xfrm>
+          <a:off x="0" y="0"/>
+          <a:ext cx="0" cy="0"/>
+          <a:chOff x="0" y="0"/>
+          <a:chExt cx="0" cy="0"/>
+        </a:xfrm>
+      </p:grpSpPr>
+      <p:sp>
+        <p:nvSpPr>
+          <p:cNvPr id="13" name="文本框 12">
+            <a:extLst>
+              <a:ext uri="{FF2B5EF4-FFF2-40B4-BE49-F238E27FC236}">
+                <a16:creationId xmlns:a16="http://schemas.microsoft.com/office/drawing/2014/main" id="{B7809583-0BE4-46B8-B202-6A2FDA84359E}"/>
+              </a:ext>
+            </a:extLst>
+          </p:cNvPr>
+          <p:cNvSpPr txBox="1"/>
+          <p:nvPr/>
+        </p:nvSpPr>
+        <p:spPr>
+          <a:xfrm>
+            <a:off x="422798" y="1494302"/>
+            <a:ext cx="11769201" cy="787523"/>
+          </a:xfrm>
+          <a:prstGeom prst="rect">
+            <a:avLst/>
+          </a:prstGeom>
+          <a:noFill/>
+        </p:spPr>
+        <p:txBody>
+          <a:bodyPr wrap="square" rtlCol="0">
+            <a:spAutoFit/>
+          </a:bodyPr>
+          <a:lstStyle/>
+          <a:p>
+            <a:pPr>
+              <a:lnSpc>
+                <a:spcPct val="150000"/>
+              </a:lnSpc>
+            </a:pPr>
+            <a:r>
+              <a:rPr lang="zh-CN" altLang="en-US" sz="1600" dirty="0">
+                <a:latin typeface="微软雅黑" panose="020B0503020204020204" pitchFamily="34" charset="-122"/>
+                <a:ea typeface="微软雅黑" panose="020B0503020204020204" pitchFamily="34" charset="-122"/>
+              </a:rPr>
+              <a:t>作为比较的指标，本文使用了“完美预测”的百分比和预测的 </a:t>
+            </a:r>
+            <a:r>
+              <a:rPr lang="en-US" altLang="zh-CN" sz="1600" dirty="0" err="1">
+                <a:latin typeface="微软雅黑" panose="020B0503020204020204" pitchFamily="34" charset="-122"/>
+                <a:ea typeface="微软雅黑" panose="020B0503020204020204" pitchFamily="34" charset="-122"/>
+              </a:rPr>
+              <a:t>CodeBLEU</a:t>
+            </a:r>
+            <a:r>
+              <a:rPr lang="zh-CN" altLang="en-US" sz="1600" dirty="0">
+                <a:latin typeface="微软雅黑" panose="020B0503020204020204" pitchFamily="34" charset="-122"/>
+                <a:ea typeface="微软雅黑" panose="020B0503020204020204" pitchFamily="34" charset="-122"/>
+              </a:rPr>
+              <a:t>、</a:t>
+            </a:r>
+            <a:r>
+              <a:rPr lang="en-US" altLang="zh-CN" sz="1600" dirty="0">
+                <a:latin typeface="微软雅黑" panose="020B0503020204020204" pitchFamily="34" charset="-122"/>
+                <a:ea typeface="微软雅黑" panose="020B0503020204020204" pitchFamily="34" charset="-122"/>
+              </a:rPr>
+              <a:t>BLEU</a:t>
+            </a:r>
+            <a:r>
+              <a:rPr lang="zh-CN" altLang="en-US" sz="1600" dirty="0">
+                <a:latin typeface="微软雅黑" panose="020B0503020204020204" pitchFamily="34" charset="-122"/>
+                <a:ea typeface="微软雅黑" panose="020B0503020204020204" pitchFamily="34" charset="-122"/>
+              </a:rPr>
+              <a:t>，并在几个场景中比较了这两种技术。</a:t>
+            </a:r>
+            <a:endParaRPr lang="en-US" altLang="zh-CN" sz="1600" dirty="0">
+              <a:latin typeface="微软雅黑" panose="020B0503020204020204" pitchFamily="34" charset="-122"/>
+              <a:ea typeface="微软雅黑" panose="020B0503020204020204" pitchFamily="34" charset="-122"/>
+            </a:endParaRPr>
+          </a:p>
+          <a:p>
+            <a:pPr>
+              <a:lnSpc>
+                <a:spcPct val="150000"/>
+              </a:lnSpc>
+            </a:pPr>
+            <a:r>
+              <a:rPr lang="en-US" altLang="zh-CN" sz="1600" b="1" dirty="0">
+                <a:latin typeface="微软雅黑" panose="020B0503020204020204" pitchFamily="34" charset="-122"/>
+                <a:ea typeface="微软雅黑" panose="020B0503020204020204" pitchFamily="34" charset="-122"/>
+              </a:rPr>
+              <a:t>Beam Size </a:t>
+            </a:r>
+            <a:r>
+              <a:rPr lang="zh-CN" altLang="en-US" sz="1600" dirty="0">
+                <a:latin typeface="微软雅黑" panose="020B0503020204020204" pitchFamily="34" charset="-122"/>
+                <a:ea typeface="微软雅黑" panose="020B0503020204020204" pitchFamily="34" charset="-122"/>
+              </a:rPr>
+              <a:t>是采用了</a:t>
+            </a:r>
+            <a:r>
+              <a:rPr lang="en-US" altLang="zh-CN" sz="1600" dirty="0">
+                <a:latin typeface="微软雅黑" panose="020B0503020204020204" pitchFamily="34" charset="-122"/>
+                <a:ea typeface="微软雅黑" panose="020B0503020204020204" pitchFamily="34" charset="-122"/>
+              </a:rPr>
+              <a:t>beam search strategy</a:t>
+            </a:r>
+            <a:r>
+              <a:rPr lang="zh-CN" altLang="en-US" sz="1600" dirty="0">
+                <a:latin typeface="微软雅黑" panose="020B0503020204020204" pitchFamily="34" charset="-122"/>
+                <a:ea typeface="微软雅黑" panose="020B0503020204020204" pitchFamily="34" charset="-122"/>
+              </a:rPr>
+              <a:t>，在生成预测时</a:t>
+            </a:r>
+            <a:r>
+              <a:rPr lang="en-US" altLang="zh-CN" sz="1600" dirty="0">
+                <a:latin typeface="微软雅黑" panose="020B0503020204020204" pitchFamily="34" charset="-122"/>
+                <a:ea typeface="微软雅黑" panose="020B0503020204020204" pitchFamily="34" charset="-122"/>
+              </a:rPr>
+              <a:t>beam size = k</a:t>
+            </a:r>
+            <a:r>
+              <a:rPr lang="zh-CN" altLang="en-US" sz="1600" dirty="0">
+                <a:latin typeface="微软雅黑" panose="020B0503020204020204" pitchFamily="34" charset="-122"/>
+                <a:ea typeface="微软雅黑" panose="020B0503020204020204" pitchFamily="34" charset="-122"/>
+              </a:rPr>
+              <a:t>表示选取前</a:t>
+            </a:r>
+            <a:r>
+              <a:rPr lang="en-US" altLang="zh-CN" sz="1600" dirty="0">
+                <a:latin typeface="微软雅黑" panose="020B0503020204020204" pitchFamily="34" charset="-122"/>
+                <a:ea typeface="微软雅黑" panose="020B0503020204020204" pitchFamily="34" charset="-122"/>
+              </a:rPr>
+              <a:t>k</a:t>
+            </a:r>
+            <a:r>
+              <a:rPr lang="zh-CN" altLang="en-US" sz="1600" dirty="0">
+                <a:latin typeface="微软雅黑" panose="020B0503020204020204" pitchFamily="34" charset="-122"/>
+                <a:ea typeface="微软雅黑" panose="020B0503020204020204" pitchFamily="34" charset="-122"/>
+              </a:rPr>
+              <a:t>个最可能的预测结果。（得分在</a:t>
+            </a:r>
+            <a:r>
+              <a:rPr lang="en-US" altLang="zh-CN" sz="1600" dirty="0">
+                <a:latin typeface="微软雅黑" panose="020B0503020204020204" pitchFamily="34" charset="-122"/>
+                <a:ea typeface="微软雅黑" panose="020B0503020204020204" pitchFamily="34" charset="-122"/>
+              </a:rPr>
+              <a:t>0~1</a:t>
+            </a:r>
+            <a:r>
+              <a:rPr lang="zh-CN" altLang="en-US" sz="1600" dirty="0">
+                <a:latin typeface="微软雅黑" panose="020B0503020204020204" pitchFamily="34" charset="-122"/>
+                <a:ea typeface="微软雅黑" panose="020B0503020204020204" pitchFamily="34" charset="-122"/>
+              </a:rPr>
+              <a:t>之间）</a:t>
+            </a:r>
+          </a:p>
+        </p:txBody>
+      </p:sp>
+      <p:sp>
+        <p:nvSpPr>
+          <p:cNvPr id="4" name="文本框 3">
+            <a:extLst>
+              <a:ext uri="{FF2B5EF4-FFF2-40B4-BE49-F238E27FC236}">
+                <a16:creationId xmlns:a16="http://schemas.microsoft.com/office/drawing/2014/main" id="{514D4F8A-2152-4300-9CEA-9ED8531B1199}"/>
+              </a:ext>
+            </a:extLst>
+          </p:cNvPr>
+          <p:cNvSpPr txBox="1"/>
+          <p:nvPr/>
+        </p:nvSpPr>
+        <p:spPr>
+          <a:xfrm>
+            <a:off x="126123" y="163961"/>
+            <a:ext cx="10777116" cy="307777"/>
+          </a:xfrm>
+          <a:prstGeom prst="rect">
+            <a:avLst/>
+          </a:prstGeom>
+          <a:noFill/>
+        </p:spPr>
+        <p:txBody>
+          <a:bodyPr wrap="square" rtlCol="0">
+            <a:spAutoFit/>
+          </a:bodyPr>
+          <a:lstStyle/>
+          <a:p>
+            <a:r>
+              <a:rPr lang="en-US" altLang="zh-CN" sz="1400" dirty="0">
+                <a:solidFill>
+                  <a:schemeClr val="tx1">
+                    <a:lumMod val="50000"/>
+                    <a:lumOff val="50000"/>
+                  </a:schemeClr>
+                </a:solidFill>
+                <a:latin typeface="微软雅黑" panose="020B0503020204020204" pitchFamily="34" charset="-122"/>
+                <a:ea typeface="微软雅黑" panose="020B0503020204020204" pitchFamily="34" charset="-122"/>
+              </a:rPr>
+              <a:t>Using Pre-Trained Models to Boost Code Review Automation</a:t>
+            </a:r>
+            <a:endParaRPr lang="it-IT" altLang="zh-CN" sz="1400" dirty="0">
+              <a:solidFill>
+                <a:schemeClr val="tx1">
+                  <a:lumMod val="50000"/>
+                  <a:lumOff val="50000"/>
+                </a:schemeClr>
+              </a:solidFill>
+              <a:latin typeface="微软雅黑" panose="020B0503020204020204" pitchFamily="34" charset="-122"/>
+              <a:ea typeface="微软雅黑" panose="020B0503020204020204" pitchFamily="34" charset="-122"/>
+            </a:endParaRPr>
+          </a:p>
+        </p:txBody>
+      </p:sp>
+      <p:sp>
+        <p:nvSpPr>
+          <p:cNvPr id="2" name="文本框 1">
+            <a:extLst>
+              <a:ext uri="{FF2B5EF4-FFF2-40B4-BE49-F238E27FC236}">
+                <a16:creationId xmlns:a16="http://schemas.microsoft.com/office/drawing/2014/main" id="{CB7EC186-8BEA-4432-A3F5-B26DB9A3F662}"/>
+              </a:ext>
+            </a:extLst>
+          </p:cNvPr>
+          <p:cNvSpPr txBox="1"/>
+          <p:nvPr/>
+        </p:nvSpPr>
+        <p:spPr>
+          <a:xfrm>
+            <a:off x="324288" y="738851"/>
+            <a:ext cx="10956625" cy="523220"/>
+          </a:xfrm>
+          <a:prstGeom prst="rect">
+            <a:avLst/>
+          </a:prstGeom>
+          <a:noFill/>
+        </p:spPr>
+        <p:txBody>
+          <a:bodyPr wrap="square" rtlCol="0">
+            <a:spAutoFit/>
+          </a:bodyPr>
+          <a:lstStyle/>
+          <a:p>
+            <a:r>
+              <a:rPr lang="zh-CN" altLang="en-US" sz="2800" b="1">
+                <a:latin typeface="微软雅黑" panose="020B0503020204020204" pitchFamily="34" charset="-122"/>
+                <a:ea typeface="微软雅黑" panose="020B0503020204020204" pitchFamily="34" charset="-122"/>
+              </a:rPr>
+              <a:t>数据收集</a:t>
+            </a:r>
+            <a:endParaRPr lang="it-IT" altLang="zh-CN" sz="2000" dirty="0">
+              <a:latin typeface="微软雅黑" panose="020B0503020204020204" pitchFamily="34" charset="-122"/>
+              <a:ea typeface="微软雅黑" panose="020B0503020204020204" pitchFamily="34" charset="-122"/>
+            </a:endParaRPr>
+          </a:p>
+        </p:txBody>
+      </p:sp>
+      <p:pic>
+        <p:nvPicPr>
+          <p:cNvPr id="5" name="图片 4">
+            <a:extLst>
+              <a:ext uri="{FF2B5EF4-FFF2-40B4-BE49-F238E27FC236}">
+                <a16:creationId xmlns:a16="http://schemas.microsoft.com/office/drawing/2014/main" id="{313E72BC-E4A2-469B-922A-EEACEDCCEB42}"/>
+              </a:ext>
+            </a:extLst>
+          </p:cNvPr>
+          <p:cNvPicPr>
+            <a:picLocks noChangeAspect="1"/>
+          </p:cNvPicPr>
+          <p:nvPr/>
+        </p:nvPicPr>
+        <p:blipFill>
+          <a:blip r:embed="rId3"/>
+          <a:stretch>
+            <a:fillRect/>
+          </a:stretch>
+        </p:blipFill>
+        <p:spPr>
+          <a:xfrm>
+            <a:off x="0" y="2411872"/>
+            <a:ext cx="12192000" cy="3960037"/>
+          </a:xfrm>
+          <a:prstGeom prst="rect">
+            <a:avLst/>
+          </a:prstGeom>
+        </p:spPr>
+      </p:pic>
+    </p:spTree>
+    <p:extLst>
+      <p:ext uri="{BB962C8B-B14F-4D97-AF65-F5344CB8AC3E}">
+        <p14:creationId xmlns:p14="http://schemas.microsoft.com/office/powerpoint/2010/main" val="4049594271"/>
+      </p:ext>
+    </p:extLst>
+  </p:cSld>
+  <p:clrMapOvr>
+    <a:masterClrMapping/>
+  </p:clrMapOvr>
+</p:sld>
+</file>
+
+<file path=ppt/slides/slide13.xml><?xml version="1.0" encoding="utf-8"?>
+<p:sld xmlns:a="http://schemas.openxmlformats.org/drawingml/2006/main" xmlns:r="http://schemas.openxmlformats.org/officeDocument/2006/relationships" xmlns:p="http://schemas.openxmlformats.org/presentationml/2006/main">
+  <p:cSld>
+    <p:spTree>
+      <p:nvGrpSpPr>
+        <p:cNvPr id="1" name=""/>
+        <p:cNvGrpSpPr/>
+        <p:nvPr/>
+      </p:nvGrpSpPr>
+      <p:grpSpPr>
+        <a:xfrm>
+          <a:off x="0" y="0"/>
+          <a:ext cx="0" cy="0"/>
+          <a:chOff x="0" y="0"/>
+          <a:chExt cx="0" cy="0"/>
+        </a:xfrm>
+      </p:grpSpPr>
+      <p:sp>
+        <p:nvSpPr>
+          <p:cNvPr id="13" name="文本框 12">
+            <a:extLst>
+              <a:ext uri="{FF2B5EF4-FFF2-40B4-BE49-F238E27FC236}">
+                <a16:creationId xmlns:a16="http://schemas.microsoft.com/office/drawing/2014/main" id="{B7809583-0BE4-46B8-B202-6A2FDA84359E}"/>
+              </a:ext>
+            </a:extLst>
+          </p:cNvPr>
+          <p:cNvSpPr txBox="1"/>
+          <p:nvPr/>
+        </p:nvSpPr>
+        <p:spPr>
+          <a:xfrm>
+            <a:off x="422798" y="1262071"/>
+            <a:ext cx="11637583" cy="1156855"/>
+          </a:xfrm>
+          <a:prstGeom prst="rect">
+            <a:avLst/>
+          </a:prstGeom>
+          <a:noFill/>
+        </p:spPr>
+        <p:txBody>
+          <a:bodyPr wrap="square" rtlCol="0">
+            <a:spAutoFit/>
+          </a:bodyPr>
+          <a:lstStyle/>
+          <a:p>
+            <a:pPr>
+              <a:lnSpc>
+                <a:spcPct val="150000"/>
+              </a:lnSpc>
+            </a:pPr>
+            <a:r>
+              <a:rPr lang="zh-CN" altLang="en-US" sz="1600" dirty="0">
+                <a:latin typeface="微软雅黑" panose="020B0503020204020204" pitchFamily="34" charset="-122"/>
+                <a:ea typeface="微软雅黑" panose="020B0503020204020204" pitchFamily="34" charset="-122"/>
+              </a:rPr>
+              <a:t>下图显示了每个任务的两个指标。</a:t>
+            </a:r>
+            <a:endParaRPr lang="en-US" altLang="zh-CN" sz="1600" dirty="0">
+              <a:latin typeface="微软雅黑" panose="020B0503020204020204" pitchFamily="34" charset="-122"/>
+              <a:ea typeface="微软雅黑" panose="020B0503020204020204" pitchFamily="34" charset="-122"/>
+            </a:endParaRPr>
+          </a:p>
+          <a:p>
+            <a:pPr>
+              <a:lnSpc>
+                <a:spcPct val="150000"/>
+              </a:lnSpc>
+            </a:pPr>
+            <a:r>
+              <a:rPr lang="zh-CN" altLang="en-US" sz="1600" dirty="0">
+                <a:latin typeface="微软雅黑" panose="020B0503020204020204" pitchFamily="34" charset="-122"/>
+                <a:ea typeface="微软雅黑" panose="020B0503020204020204" pitchFamily="34" charset="-122"/>
+              </a:rPr>
+              <a:t>折线图表示 </a:t>
+            </a:r>
+            <a:r>
+              <a:rPr lang="en-US" altLang="zh-CN" sz="1600" dirty="0">
+                <a:latin typeface="微软雅黑" panose="020B0503020204020204" pitchFamily="34" charset="-122"/>
+                <a:ea typeface="微软雅黑" panose="020B0503020204020204" pitchFamily="34" charset="-122"/>
+              </a:rPr>
+              <a:t>T5 </a:t>
+            </a:r>
+            <a:r>
+              <a:rPr lang="zh-CN" altLang="en-US" sz="1600" dirty="0">
+                <a:latin typeface="微软雅黑" panose="020B0503020204020204" pitchFamily="34" charset="-122"/>
+                <a:ea typeface="微软雅黑" panose="020B0503020204020204" pitchFamily="34" charset="-122"/>
+              </a:rPr>
+              <a:t>对不同</a:t>
+            </a:r>
+            <a:r>
+              <a:rPr lang="en-US" altLang="zh-CN" sz="1600" dirty="0">
+                <a:latin typeface="微软雅黑" panose="020B0503020204020204" pitchFamily="34" charset="-122"/>
+                <a:ea typeface="微软雅黑" panose="020B0503020204020204" pitchFamily="34" charset="-122"/>
+              </a:rPr>
+              <a:t>beam size</a:t>
+            </a:r>
+            <a:r>
+              <a:rPr lang="zh-CN" altLang="en-US" sz="1600" dirty="0">
+                <a:latin typeface="微软雅黑" panose="020B0503020204020204" pitchFamily="34" charset="-122"/>
+                <a:ea typeface="微软雅黑" panose="020B0503020204020204" pitchFamily="34" charset="-122"/>
+              </a:rPr>
+              <a:t>的</a:t>
+            </a:r>
+            <a:r>
+              <a:rPr lang="en-US" altLang="zh-CN" sz="1600" dirty="0">
+                <a:latin typeface="微软雅黑" panose="020B0503020204020204" pitchFamily="34" charset="-122"/>
+                <a:ea typeface="微软雅黑" panose="020B0503020204020204" pitchFamily="34" charset="-122"/>
+              </a:rPr>
+              <a:t>”</a:t>
+            </a:r>
+            <a:r>
+              <a:rPr lang="zh-CN" altLang="en-US" sz="1600" dirty="0">
+                <a:latin typeface="微软雅黑" panose="020B0503020204020204" pitchFamily="34" charset="-122"/>
+                <a:ea typeface="微软雅黑" panose="020B0503020204020204" pitchFamily="34" charset="-122"/>
+              </a:rPr>
+              <a:t>完美预测</a:t>
+            </a:r>
+            <a:r>
+              <a:rPr lang="en-US" altLang="zh-CN" sz="1600" dirty="0">
+                <a:latin typeface="微软雅黑" panose="020B0503020204020204" pitchFamily="34" charset="-122"/>
+                <a:ea typeface="微软雅黑" panose="020B0503020204020204" pitchFamily="34" charset="-122"/>
+              </a:rPr>
+              <a:t>”</a:t>
+            </a:r>
+            <a:r>
+              <a:rPr lang="zh-CN" altLang="en-US" sz="1600" dirty="0">
+                <a:latin typeface="微软雅黑" panose="020B0503020204020204" pitchFamily="34" charset="-122"/>
+                <a:ea typeface="微软雅黑" panose="020B0503020204020204" pitchFamily="34" charset="-122"/>
+              </a:rPr>
+              <a:t>百分比；连续线表示模型的预训练版本，虚线表示非预训练版本。</a:t>
+            </a:r>
+            <a:endParaRPr lang="en-US" altLang="zh-CN" sz="1600" dirty="0">
+              <a:latin typeface="微软雅黑" panose="020B0503020204020204" pitchFamily="34" charset="-122"/>
+              <a:ea typeface="微软雅黑" panose="020B0503020204020204" pitchFamily="34" charset="-122"/>
+            </a:endParaRPr>
+          </a:p>
+          <a:p>
+            <a:pPr>
+              <a:lnSpc>
+                <a:spcPct val="150000"/>
+              </a:lnSpc>
+            </a:pPr>
+            <a:r>
+              <a:rPr lang="zh-CN" altLang="en-US" sz="1600" dirty="0">
+                <a:latin typeface="微软雅黑" panose="020B0503020204020204" pitchFamily="34" charset="-122"/>
+                <a:ea typeface="微软雅黑" panose="020B0503020204020204" pitchFamily="34" charset="-122"/>
+              </a:rPr>
+              <a:t>箱线图表示</a:t>
+            </a:r>
+            <a:r>
+              <a:rPr lang="en-US" altLang="zh-CN" sz="1600" dirty="0" err="1">
+                <a:latin typeface="微软雅黑" panose="020B0503020204020204" pitchFamily="34" charset="-122"/>
+                <a:ea typeface="微软雅黑" panose="020B0503020204020204" pitchFamily="34" charset="-122"/>
+              </a:rPr>
+              <a:t>CodeBLEU</a:t>
+            </a:r>
+            <a:r>
+              <a:rPr lang="en-US" altLang="zh-CN" sz="1600" dirty="0">
+                <a:latin typeface="微软雅黑" panose="020B0503020204020204" pitchFamily="34" charset="-122"/>
+                <a:ea typeface="微软雅黑" panose="020B0503020204020204" pitchFamily="34" charset="-122"/>
+              </a:rPr>
+              <a:t> </a:t>
+            </a:r>
+            <a:r>
+              <a:rPr lang="zh-CN" altLang="en-US" sz="1600" dirty="0">
+                <a:latin typeface="微软雅黑" panose="020B0503020204020204" pitchFamily="34" charset="-122"/>
+                <a:ea typeface="微软雅黑" panose="020B0503020204020204" pitchFamily="34" charset="-122"/>
+              </a:rPr>
+              <a:t>和 </a:t>
+            </a:r>
+            <a:r>
+              <a:rPr lang="en-US" altLang="zh-CN" sz="1600" dirty="0">
+                <a:latin typeface="微软雅黑" panose="020B0503020204020204" pitchFamily="34" charset="-122"/>
+                <a:ea typeface="微软雅黑" panose="020B0503020204020204" pitchFamily="34" charset="-122"/>
+              </a:rPr>
+              <a:t>BLEU </a:t>
+            </a:r>
+            <a:r>
+              <a:rPr lang="zh-CN" altLang="en-US" sz="1600" dirty="0">
+                <a:latin typeface="微软雅黑" panose="020B0503020204020204" pitchFamily="34" charset="-122"/>
+                <a:ea typeface="微软雅黑" panose="020B0503020204020204" pitchFamily="34" charset="-122"/>
+              </a:rPr>
+              <a:t>分数。浅蓝色表示预训练模型，深蓝表示未经过预训练的模型。</a:t>
+            </a:r>
+          </a:p>
+        </p:txBody>
+      </p:sp>
+      <p:sp>
+        <p:nvSpPr>
+          <p:cNvPr id="4" name="文本框 3">
+            <a:extLst>
+              <a:ext uri="{FF2B5EF4-FFF2-40B4-BE49-F238E27FC236}">
+                <a16:creationId xmlns:a16="http://schemas.microsoft.com/office/drawing/2014/main" id="{514D4F8A-2152-4300-9CEA-9ED8531B1199}"/>
+              </a:ext>
+            </a:extLst>
+          </p:cNvPr>
+          <p:cNvSpPr txBox="1"/>
+          <p:nvPr/>
+        </p:nvSpPr>
+        <p:spPr>
+          <a:xfrm>
+            <a:off x="126123" y="163961"/>
+            <a:ext cx="10777116" cy="307777"/>
+          </a:xfrm>
+          <a:prstGeom prst="rect">
+            <a:avLst/>
+          </a:prstGeom>
+          <a:noFill/>
+        </p:spPr>
+        <p:txBody>
+          <a:bodyPr wrap="square" rtlCol="0">
+            <a:spAutoFit/>
+          </a:bodyPr>
+          <a:lstStyle/>
+          <a:p>
+            <a:r>
+              <a:rPr lang="en-US" altLang="zh-CN" sz="1400" dirty="0">
+                <a:solidFill>
+                  <a:schemeClr val="tx1">
+                    <a:lumMod val="50000"/>
+                    <a:lumOff val="50000"/>
+                  </a:schemeClr>
+                </a:solidFill>
+                <a:latin typeface="微软雅黑" panose="020B0503020204020204" pitchFamily="34" charset="-122"/>
+                <a:ea typeface="微软雅黑" panose="020B0503020204020204" pitchFamily="34" charset="-122"/>
+              </a:rPr>
+              <a:t>Using Pre-Trained Models to Boost Code Review Automation</a:t>
+            </a:r>
+            <a:endParaRPr lang="it-IT" altLang="zh-CN" sz="1400" dirty="0">
+              <a:solidFill>
+                <a:schemeClr val="tx1">
+                  <a:lumMod val="50000"/>
+                  <a:lumOff val="50000"/>
+                </a:schemeClr>
+              </a:solidFill>
+              <a:latin typeface="微软雅黑" panose="020B0503020204020204" pitchFamily="34" charset="-122"/>
+              <a:ea typeface="微软雅黑" panose="020B0503020204020204" pitchFamily="34" charset="-122"/>
+            </a:endParaRPr>
+          </a:p>
+        </p:txBody>
+      </p:sp>
+      <p:sp>
+        <p:nvSpPr>
+          <p:cNvPr id="2" name="文本框 1">
+            <a:extLst>
+              <a:ext uri="{FF2B5EF4-FFF2-40B4-BE49-F238E27FC236}">
+                <a16:creationId xmlns:a16="http://schemas.microsoft.com/office/drawing/2014/main" id="{CB7EC186-8BEA-4432-A3F5-B26DB9A3F662}"/>
+              </a:ext>
+            </a:extLst>
+          </p:cNvPr>
+          <p:cNvSpPr txBox="1"/>
+          <p:nvPr/>
+        </p:nvSpPr>
+        <p:spPr>
+          <a:xfrm>
+            <a:off x="324288" y="738851"/>
+            <a:ext cx="10956625" cy="523220"/>
+          </a:xfrm>
+          <a:prstGeom prst="rect">
+            <a:avLst/>
+          </a:prstGeom>
+          <a:noFill/>
+        </p:spPr>
+        <p:txBody>
+          <a:bodyPr wrap="square" rtlCol="0">
+            <a:spAutoFit/>
+          </a:bodyPr>
+          <a:lstStyle/>
+          <a:p>
+            <a:r>
+              <a:rPr lang="zh-CN" altLang="en-US" sz="2800" b="1" dirty="0">
+                <a:latin typeface="微软雅黑" panose="020B0503020204020204" pitchFamily="34" charset="-122"/>
+                <a:ea typeface="微软雅黑" panose="020B0503020204020204" pitchFamily="34" charset="-122"/>
+              </a:rPr>
+              <a:t>结果与分析</a:t>
+            </a:r>
+            <a:endParaRPr lang="it-IT" altLang="zh-CN" sz="2000" dirty="0">
+              <a:latin typeface="微软雅黑" panose="020B0503020204020204" pitchFamily="34" charset="-122"/>
+              <a:ea typeface="微软雅黑" panose="020B0503020204020204" pitchFamily="34" charset="-122"/>
+            </a:endParaRPr>
+          </a:p>
+        </p:txBody>
+      </p:sp>
+      <p:pic>
+        <p:nvPicPr>
+          <p:cNvPr id="5" name="图片 4">
+            <a:extLst>
+              <a:ext uri="{FF2B5EF4-FFF2-40B4-BE49-F238E27FC236}">
+                <a16:creationId xmlns:a16="http://schemas.microsoft.com/office/drawing/2014/main" id="{313E72BC-E4A2-469B-922A-EEACEDCCEB42}"/>
+              </a:ext>
+            </a:extLst>
+          </p:cNvPr>
+          <p:cNvPicPr>
+            <a:picLocks noChangeAspect="1"/>
+          </p:cNvPicPr>
+          <p:nvPr/>
+        </p:nvPicPr>
+        <p:blipFill>
+          <a:blip r:embed="rId3"/>
+          <a:stretch>
+            <a:fillRect/>
+          </a:stretch>
+        </p:blipFill>
+        <p:spPr>
+          <a:xfrm>
+            <a:off x="0" y="2897963"/>
+            <a:ext cx="12192000" cy="3960037"/>
+          </a:xfrm>
+          <a:prstGeom prst="rect">
+            <a:avLst/>
+          </a:prstGeom>
+        </p:spPr>
+      </p:pic>
+    </p:spTree>
+    <p:extLst>
+      <p:ext uri="{BB962C8B-B14F-4D97-AF65-F5344CB8AC3E}">
+        <p14:creationId xmlns:p14="http://schemas.microsoft.com/office/powerpoint/2010/main" val="2087397495"/>
+      </p:ext>
+    </p:extLst>
+  </p:cSld>
+  <p:clrMapOvr>
+    <a:masterClrMapping/>
+  </p:clrMapOvr>
+</p:sld>
+</file>
+
+<file path=ppt/slides/slide14.xml><?xml version="1.0" encoding="utf-8"?>
+<p:sld xmlns:a="http://schemas.openxmlformats.org/drawingml/2006/main" xmlns:r="http://schemas.openxmlformats.org/officeDocument/2006/relationships" xmlns:p="http://schemas.openxmlformats.org/presentationml/2006/main">
+  <p:cSld>
+    <p:spTree>
+      <p:nvGrpSpPr>
+        <p:cNvPr id="1" name=""/>
+        <p:cNvGrpSpPr/>
+        <p:nvPr/>
+      </p:nvGrpSpPr>
+      <p:grpSpPr>
+        <a:xfrm>
+          <a:off x="0" y="0"/>
+          <a:ext cx="0" cy="0"/>
+          <a:chOff x="0" y="0"/>
+          <a:chExt cx="0" cy="0"/>
+        </a:xfrm>
+      </p:grpSpPr>
+      <p:sp>
+        <p:nvSpPr>
+          <p:cNvPr id="13" name="文本框 12">
+            <a:extLst>
+              <a:ext uri="{FF2B5EF4-FFF2-40B4-BE49-F238E27FC236}">
+                <a16:creationId xmlns:a16="http://schemas.microsoft.com/office/drawing/2014/main" id="{B7809583-0BE4-46B8-B202-6A2FDA84359E}"/>
+              </a:ext>
+            </a:extLst>
+          </p:cNvPr>
+          <p:cNvSpPr txBox="1"/>
+          <p:nvPr/>
+        </p:nvSpPr>
+        <p:spPr>
+          <a:xfrm>
+            <a:off x="422799" y="1494302"/>
+            <a:ext cx="11346402" cy="2634183"/>
+          </a:xfrm>
+          <a:prstGeom prst="rect">
+            <a:avLst/>
+          </a:prstGeom>
+          <a:noFill/>
+        </p:spPr>
+        <p:txBody>
+          <a:bodyPr wrap="square" rtlCol="0">
+            <a:spAutoFit/>
+          </a:bodyPr>
+          <a:lstStyle/>
+          <a:p>
+            <a:pPr>
+              <a:lnSpc>
+                <a:spcPct val="150000"/>
+              </a:lnSpc>
+            </a:pPr>
+            <a:r>
+              <a:rPr lang="en-US" altLang="zh-CN" sz="1600" dirty="0">
+                <a:latin typeface="微软雅黑" panose="020B0503020204020204" pitchFamily="34" charset="-122"/>
+                <a:ea typeface="微软雅黑" panose="020B0503020204020204" pitchFamily="34" charset="-122"/>
+              </a:rPr>
+              <a:t>"variable </a:t>
+            </a:r>
+            <a:r>
+              <a:rPr lang="zh-CN" altLang="en-US" sz="1600" dirty="0">
+                <a:latin typeface="微软雅黑" panose="020B0503020204020204" pitchFamily="34" charset="-122"/>
+                <a:ea typeface="微软雅黑" panose="020B0503020204020204" pitchFamily="34" charset="-122"/>
+              </a:rPr>
+              <a:t>𝑣 </a:t>
+            </a:r>
+            <a:r>
+              <a:rPr lang="en-US" altLang="zh-CN" sz="1600" dirty="0">
+                <a:latin typeface="微软雅黑" panose="020B0503020204020204" pitchFamily="34" charset="-122"/>
+                <a:ea typeface="微软雅黑" panose="020B0503020204020204" pitchFamily="34" charset="-122"/>
+              </a:rPr>
+              <a:t>should be private"  VS  "change </a:t>
+            </a:r>
+            <a:r>
+              <a:rPr lang="zh-CN" altLang="en-US" sz="1600" dirty="0">
+                <a:latin typeface="微软雅黑" panose="020B0503020204020204" pitchFamily="34" charset="-122"/>
+                <a:ea typeface="微软雅黑" panose="020B0503020204020204" pitchFamily="34" charset="-122"/>
+              </a:rPr>
+              <a:t>𝑣 </a:t>
+            </a:r>
+            <a:r>
+              <a:rPr lang="en-US" altLang="zh-CN" sz="1600" dirty="0">
+                <a:latin typeface="微软雅黑" panose="020B0503020204020204" pitchFamily="34" charset="-122"/>
+                <a:ea typeface="微软雅黑" panose="020B0503020204020204" pitchFamily="34" charset="-122"/>
+              </a:rPr>
+              <a:t>visibility to private“</a:t>
+            </a:r>
+          </a:p>
+          <a:p>
+            <a:pPr>
+              <a:lnSpc>
+                <a:spcPct val="150000"/>
+              </a:lnSpc>
+            </a:pPr>
+            <a:r>
+              <a:rPr lang="zh-CN" altLang="en-US" sz="1600" dirty="0">
+                <a:latin typeface="微软雅黑" panose="020B0503020204020204" pitchFamily="34" charset="-122"/>
+                <a:ea typeface="微软雅黑" panose="020B0503020204020204" pitchFamily="34" charset="-122"/>
+              </a:rPr>
+              <a:t>为了了解那些归类为“错误”（即非完美预测）的预测数量，手动分析了每个任务的 </a:t>
+            </a:r>
+            <a:r>
+              <a:rPr lang="en-US" altLang="zh-CN" sz="1600" dirty="0">
+                <a:latin typeface="微软雅黑" panose="020B0503020204020204" pitchFamily="34" charset="-122"/>
+                <a:ea typeface="微软雅黑" panose="020B0503020204020204" pitchFamily="34" charset="-122"/>
+              </a:rPr>
+              <a:t>100 </a:t>
+            </a:r>
+            <a:r>
+              <a:rPr lang="zh-CN" altLang="en-US" sz="1600" dirty="0">
+                <a:latin typeface="微软雅黑" panose="020B0503020204020204" pitchFamily="34" charset="-122"/>
+                <a:ea typeface="微软雅黑" panose="020B0503020204020204" pitchFamily="34" charset="-122"/>
+              </a:rPr>
+              <a:t>个“错误”预测样本（总共 </a:t>
+            </a:r>
+            <a:r>
+              <a:rPr lang="en-US" altLang="zh-CN" sz="1600" dirty="0">
+                <a:latin typeface="微软雅黑" panose="020B0503020204020204" pitchFamily="34" charset="-122"/>
+                <a:ea typeface="微软雅黑" panose="020B0503020204020204" pitchFamily="34" charset="-122"/>
+              </a:rPr>
+              <a:t>300 </a:t>
+            </a:r>
+            <a:r>
+              <a:rPr lang="zh-CN" altLang="en-US" sz="1600" dirty="0">
+                <a:latin typeface="微软雅黑" panose="020B0503020204020204" pitchFamily="34" charset="-122"/>
+                <a:ea typeface="微软雅黑" panose="020B0503020204020204" pitchFamily="34" charset="-122"/>
+              </a:rPr>
+              <a:t>个）</a:t>
+            </a:r>
+            <a:endParaRPr lang="en-US" altLang="zh-CN" sz="1600" dirty="0">
+              <a:latin typeface="微软雅黑" panose="020B0503020204020204" pitchFamily="34" charset="-122"/>
+              <a:ea typeface="微软雅黑" panose="020B0503020204020204" pitchFamily="34" charset="-122"/>
+            </a:endParaRPr>
+          </a:p>
+          <a:p>
+            <a:pPr>
+              <a:lnSpc>
+                <a:spcPct val="150000"/>
+              </a:lnSpc>
+            </a:pPr>
+            <a:r>
+              <a:rPr lang="zh-CN" altLang="en-US" sz="1600" dirty="0">
+                <a:latin typeface="微软雅黑" panose="020B0503020204020204" pitchFamily="34" charset="-122"/>
+                <a:ea typeface="微软雅黑" panose="020B0503020204020204" pitchFamily="34" charset="-122"/>
+              </a:rPr>
+              <a:t>分为：</a:t>
+            </a:r>
+            <a:r>
+              <a:rPr lang="en-US" altLang="zh-CN" sz="1600" dirty="0">
+                <a:latin typeface="微软雅黑" panose="020B0503020204020204" pitchFamily="34" charset="-122"/>
+                <a:ea typeface="微软雅黑" panose="020B0503020204020204" pitchFamily="34" charset="-122"/>
+              </a:rPr>
+              <a:t>1</a:t>
+            </a:r>
+            <a:r>
+              <a:rPr lang="zh-CN" altLang="en-US" sz="1600" dirty="0">
+                <a:latin typeface="微软雅黑" panose="020B0503020204020204" pitchFamily="34" charset="-122"/>
+                <a:ea typeface="微软雅黑" panose="020B0503020204020204" pitchFamily="34" charset="-122"/>
+              </a:rPr>
+              <a:t>、语义上等价（即生成的代码</a:t>
+            </a:r>
+            <a:r>
+              <a:rPr lang="en-US" altLang="zh-CN" sz="1600" dirty="0">
+                <a:latin typeface="微软雅黑" panose="020B0503020204020204" pitchFamily="34" charset="-122"/>
+                <a:ea typeface="微软雅黑" panose="020B0503020204020204" pitchFamily="34" charset="-122"/>
+              </a:rPr>
+              <a:t>/</a:t>
+            </a:r>
+            <a:r>
+              <a:rPr lang="zh-CN" altLang="en-US" sz="1600" dirty="0">
+                <a:latin typeface="微软雅黑" panose="020B0503020204020204" pitchFamily="34" charset="-122"/>
+                <a:ea typeface="微软雅黑" panose="020B0503020204020204" pitchFamily="34" charset="-122"/>
+              </a:rPr>
+              <a:t>评论不同但在语义上等同于参考解决方案）；</a:t>
+            </a:r>
+            <a:endParaRPr lang="en-US" altLang="zh-CN" sz="1600" dirty="0">
+              <a:latin typeface="微软雅黑" panose="020B0503020204020204" pitchFamily="34" charset="-122"/>
+              <a:ea typeface="微软雅黑" panose="020B0503020204020204" pitchFamily="34" charset="-122"/>
+            </a:endParaRPr>
+          </a:p>
+          <a:p>
+            <a:pPr lvl="1">
+              <a:lnSpc>
+                <a:spcPct val="150000"/>
+              </a:lnSpc>
+            </a:pPr>
+            <a:r>
+              <a:rPr lang="en-US" altLang="zh-CN" sz="1600" dirty="0">
+                <a:latin typeface="微软雅黑" panose="020B0503020204020204" pitchFamily="34" charset="-122"/>
+                <a:ea typeface="微软雅黑" panose="020B0503020204020204" pitchFamily="34" charset="-122"/>
+              </a:rPr>
+              <a:t>2</a:t>
+            </a:r>
+            <a:r>
+              <a:rPr lang="zh-CN" altLang="en-US" sz="1600" dirty="0">
+                <a:latin typeface="微软雅黑" panose="020B0503020204020204" pitchFamily="34" charset="-122"/>
+                <a:ea typeface="微软雅黑" panose="020B0503020204020204" pitchFamily="34" charset="-122"/>
+              </a:rPr>
+              <a:t>、替代解决方案（即生成的代码</a:t>
+            </a:r>
+            <a:r>
+              <a:rPr lang="en-US" altLang="zh-CN" sz="1600" dirty="0">
+                <a:latin typeface="微软雅黑" panose="020B0503020204020204" pitchFamily="34" charset="-122"/>
+                <a:ea typeface="微软雅黑" panose="020B0503020204020204" pitchFamily="34" charset="-122"/>
+              </a:rPr>
+              <a:t>/</a:t>
+            </a:r>
+            <a:r>
+              <a:rPr lang="zh-CN" altLang="en-US" sz="1600" dirty="0">
+                <a:latin typeface="微软雅黑" panose="020B0503020204020204" pitchFamily="34" charset="-122"/>
+                <a:ea typeface="微软雅黑" panose="020B0503020204020204" pitchFamily="34" charset="-122"/>
+              </a:rPr>
+              <a:t>评论在语义上并不等价，但很有价值）；</a:t>
+            </a:r>
+            <a:endParaRPr lang="en-US" altLang="zh-CN" sz="1600" dirty="0">
+              <a:latin typeface="微软雅黑" panose="020B0503020204020204" pitchFamily="34" charset="-122"/>
+              <a:ea typeface="微软雅黑" panose="020B0503020204020204" pitchFamily="34" charset="-122"/>
+            </a:endParaRPr>
+          </a:p>
+          <a:p>
+            <a:pPr lvl="1">
+              <a:lnSpc>
+                <a:spcPct val="150000"/>
+              </a:lnSpc>
+            </a:pPr>
+            <a:r>
+              <a:rPr lang="en-US" altLang="zh-CN" sz="1600" dirty="0">
+                <a:latin typeface="微软雅黑" panose="020B0503020204020204" pitchFamily="34" charset="-122"/>
+                <a:ea typeface="微软雅黑" panose="020B0503020204020204" pitchFamily="34" charset="-122"/>
+              </a:rPr>
+              <a:t>3</a:t>
+            </a:r>
+            <a:r>
+              <a:rPr lang="zh-CN" altLang="en-US" sz="1600" dirty="0">
+                <a:latin typeface="微软雅黑" panose="020B0503020204020204" pitchFamily="34" charset="-122"/>
+                <a:ea typeface="微软雅黑" panose="020B0503020204020204" pitchFamily="34" charset="-122"/>
+              </a:rPr>
+              <a:t>、错误（即生成的代码</a:t>
+            </a:r>
+            <a:r>
+              <a:rPr lang="en-US" altLang="zh-CN" sz="1600" dirty="0">
+                <a:latin typeface="微软雅黑" panose="020B0503020204020204" pitchFamily="34" charset="-122"/>
+                <a:ea typeface="微软雅黑" panose="020B0503020204020204" pitchFamily="34" charset="-122"/>
+              </a:rPr>
+              <a:t>/</a:t>
+            </a:r>
+            <a:r>
+              <a:rPr lang="zh-CN" altLang="en-US" sz="1600" dirty="0">
+                <a:latin typeface="微软雅黑" panose="020B0503020204020204" pitchFamily="34" charset="-122"/>
+                <a:ea typeface="微软雅黑" panose="020B0503020204020204" pitchFamily="34" charset="-122"/>
+              </a:rPr>
+              <a:t>评论对提供的输入没有意义）。</a:t>
+            </a:r>
+            <a:endParaRPr lang="en-US" altLang="zh-CN" sz="1600" dirty="0">
+              <a:latin typeface="微软雅黑" panose="020B0503020204020204" pitchFamily="34" charset="-122"/>
+              <a:ea typeface="微软雅黑" panose="020B0503020204020204" pitchFamily="34" charset="-122"/>
+            </a:endParaRPr>
+          </a:p>
+          <a:p>
+            <a:pPr lvl="1">
+              <a:lnSpc>
+                <a:spcPct val="150000"/>
+              </a:lnSpc>
+            </a:pPr>
+            <a:endParaRPr lang="en-US" altLang="zh-CN" sz="1600" dirty="0">
+              <a:latin typeface="微软雅黑" panose="020B0503020204020204" pitchFamily="34" charset="-122"/>
+              <a:ea typeface="微软雅黑" panose="020B0503020204020204" pitchFamily="34" charset="-122"/>
+            </a:endParaRPr>
+          </a:p>
+          <a:p>
+            <a:pPr>
+              <a:lnSpc>
+                <a:spcPct val="150000"/>
+              </a:lnSpc>
+            </a:pPr>
+            <a:r>
+              <a:rPr lang="zh-CN" altLang="en-US" sz="1600" dirty="0">
+                <a:latin typeface="微软雅黑" panose="020B0503020204020204" pitchFamily="34" charset="-122"/>
+                <a:ea typeface="微软雅黑" panose="020B0503020204020204" pitchFamily="34" charset="-122"/>
+              </a:rPr>
+              <a:t>结果分析表明，完美预测确实代表了 </a:t>
+            </a:r>
+            <a:r>
+              <a:rPr lang="en-US" altLang="zh-CN" sz="1600" dirty="0">
+                <a:latin typeface="微软雅黑" panose="020B0503020204020204" pitchFamily="34" charset="-122"/>
+                <a:ea typeface="微软雅黑" panose="020B0503020204020204" pitchFamily="34" charset="-122"/>
+              </a:rPr>
+              <a:t>T5 </a:t>
+            </a:r>
+            <a:r>
+              <a:rPr lang="zh-CN" altLang="en-US" sz="1600" dirty="0">
+                <a:latin typeface="微软雅黑" panose="020B0503020204020204" pitchFamily="34" charset="-122"/>
+                <a:ea typeface="微软雅黑" panose="020B0503020204020204" pitchFamily="34" charset="-122"/>
+              </a:rPr>
+              <a:t>性能的下限，特别是对于涉及自然语言评论的两个任务。</a:t>
+            </a:r>
+            <a:endParaRPr lang="en-US" altLang="zh-CN" sz="1600" dirty="0">
+              <a:latin typeface="微软雅黑" panose="020B0503020204020204" pitchFamily="34" charset="-122"/>
+              <a:ea typeface="微软雅黑" panose="020B0503020204020204" pitchFamily="34" charset="-122"/>
+            </a:endParaRPr>
+          </a:p>
+        </p:txBody>
+      </p:sp>
+      <p:sp>
+        <p:nvSpPr>
+          <p:cNvPr id="4" name="文本框 3">
+            <a:extLst>
+              <a:ext uri="{FF2B5EF4-FFF2-40B4-BE49-F238E27FC236}">
+                <a16:creationId xmlns:a16="http://schemas.microsoft.com/office/drawing/2014/main" id="{514D4F8A-2152-4300-9CEA-9ED8531B1199}"/>
+              </a:ext>
+            </a:extLst>
+          </p:cNvPr>
+          <p:cNvSpPr txBox="1"/>
+          <p:nvPr/>
+        </p:nvSpPr>
+        <p:spPr>
+          <a:xfrm>
+            <a:off x="126123" y="163961"/>
+            <a:ext cx="10777116" cy="307777"/>
+          </a:xfrm>
+          <a:prstGeom prst="rect">
+            <a:avLst/>
+          </a:prstGeom>
+          <a:noFill/>
+        </p:spPr>
+        <p:txBody>
+          <a:bodyPr wrap="square" rtlCol="0">
+            <a:spAutoFit/>
+          </a:bodyPr>
+          <a:lstStyle/>
+          <a:p>
+            <a:r>
+              <a:rPr lang="en-US" altLang="zh-CN" sz="1400" dirty="0">
+                <a:solidFill>
+                  <a:schemeClr val="tx1">
+                    <a:lumMod val="50000"/>
+                    <a:lumOff val="50000"/>
+                  </a:schemeClr>
+                </a:solidFill>
+                <a:latin typeface="微软雅黑" panose="020B0503020204020204" pitchFamily="34" charset="-122"/>
+                <a:ea typeface="微软雅黑" panose="020B0503020204020204" pitchFamily="34" charset="-122"/>
+              </a:rPr>
+              <a:t>Using Pre-Trained Models to Boost Code Review Automation</a:t>
+            </a:r>
+            <a:endParaRPr lang="it-IT" altLang="zh-CN" sz="1400" dirty="0">
+              <a:solidFill>
+                <a:schemeClr val="tx1">
+                  <a:lumMod val="50000"/>
+                  <a:lumOff val="50000"/>
+                </a:schemeClr>
+              </a:solidFill>
+              <a:latin typeface="微软雅黑" panose="020B0503020204020204" pitchFamily="34" charset="-122"/>
+              <a:ea typeface="微软雅黑" panose="020B0503020204020204" pitchFamily="34" charset="-122"/>
+            </a:endParaRPr>
+          </a:p>
+        </p:txBody>
+      </p:sp>
+      <p:sp>
+        <p:nvSpPr>
+          <p:cNvPr id="2" name="文本框 1">
+            <a:extLst>
+              <a:ext uri="{FF2B5EF4-FFF2-40B4-BE49-F238E27FC236}">
+                <a16:creationId xmlns:a16="http://schemas.microsoft.com/office/drawing/2014/main" id="{CB7EC186-8BEA-4432-A3F5-B26DB9A3F662}"/>
+              </a:ext>
+            </a:extLst>
+          </p:cNvPr>
+          <p:cNvSpPr txBox="1"/>
+          <p:nvPr/>
+        </p:nvSpPr>
+        <p:spPr>
+          <a:xfrm>
+            <a:off x="324288" y="738851"/>
+            <a:ext cx="10956625" cy="523220"/>
+          </a:xfrm>
+          <a:prstGeom prst="rect">
+            <a:avLst/>
+          </a:prstGeom>
+          <a:noFill/>
+        </p:spPr>
+        <p:txBody>
+          <a:bodyPr wrap="square" rtlCol="0">
+            <a:spAutoFit/>
+          </a:bodyPr>
+          <a:lstStyle/>
+          <a:p>
+            <a:r>
+              <a:rPr lang="zh-CN" altLang="en-US" sz="2800" b="1" dirty="0">
+                <a:latin typeface="微软雅黑" panose="020B0503020204020204" pitchFamily="34" charset="-122"/>
+                <a:ea typeface="微软雅黑" panose="020B0503020204020204" pitchFamily="34" charset="-122"/>
+              </a:rPr>
+              <a:t>结果与分析</a:t>
+            </a:r>
+            <a:endParaRPr lang="it-IT" altLang="zh-CN" sz="2000" dirty="0">
+              <a:latin typeface="微软雅黑" panose="020B0503020204020204" pitchFamily="34" charset="-122"/>
+              <a:ea typeface="微软雅黑" panose="020B0503020204020204" pitchFamily="34" charset="-122"/>
+            </a:endParaRPr>
+          </a:p>
+        </p:txBody>
+      </p:sp>
+      <p:pic>
+        <p:nvPicPr>
+          <p:cNvPr id="7" name="图片 6">
+            <a:extLst>
+              <a:ext uri="{FF2B5EF4-FFF2-40B4-BE49-F238E27FC236}">
+                <a16:creationId xmlns:a16="http://schemas.microsoft.com/office/drawing/2014/main" id="{701F602D-48F1-4ABD-AFCE-D1CA75EF5804}"/>
+              </a:ext>
+            </a:extLst>
+          </p:cNvPr>
+          <p:cNvPicPr>
+            <a:picLocks noChangeAspect="1"/>
+          </p:cNvPicPr>
+          <p:nvPr/>
+        </p:nvPicPr>
+        <p:blipFill>
+          <a:blip r:embed="rId3"/>
+          <a:stretch>
+            <a:fillRect/>
+          </a:stretch>
+        </p:blipFill>
+        <p:spPr>
+          <a:xfrm>
+            <a:off x="1716307" y="4239174"/>
+            <a:ext cx="8759385" cy="2521530"/>
+          </a:xfrm>
+          <a:prstGeom prst="rect">
+            <a:avLst/>
+          </a:prstGeom>
+        </p:spPr>
+      </p:pic>
+    </p:spTree>
+    <p:extLst>
+      <p:ext uri="{BB962C8B-B14F-4D97-AF65-F5344CB8AC3E}">
+        <p14:creationId xmlns:p14="http://schemas.microsoft.com/office/powerpoint/2010/main" val="3792313521"/>
+      </p:ext>
+    </p:extLst>
+  </p:cSld>
+  <p:clrMapOvr>
+    <a:masterClrMapping/>
+  </p:clrMapOvr>
+</p:sld>
+</file>
+
+<file path=ppt/slides/slide15.xml><?xml version="1.0" encoding="utf-8"?>
+<p:sld xmlns:a="http://schemas.openxmlformats.org/drawingml/2006/main" xmlns:r="http://schemas.openxmlformats.org/officeDocument/2006/relationships" xmlns:p="http://schemas.openxmlformats.org/presentationml/2006/main">
+  <p:cSld>
+    <p:spTree>
+      <p:nvGrpSpPr>
+        <p:cNvPr id="1" name=""/>
+        <p:cNvGrpSpPr/>
+        <p:nvPr/>
+      </p:nvGrpSpPr>
+      <p:grpSpPr>
+        <a:xfrm>
+          <a:off x="0" y="0"/>
+          <a:ext cx="0" cy="0"/>
+          <a:chOff x="0" y="0"/>
+          <a:chExt cx="0" cy="0"/>
+        </a:xfrm>
+      </p:grpSpPr>
+      <p:sp>
+        <p:nvSpPr>
+          <p:cNvPr id="13" name="文本框 12">
+            <a:extLst>
+              <a:ext uri="{FF2B5EF4-FFF2-40B4-BE49-F238E27FC236}">
+                <a16:creationId xmlns:a16="http://schemas.microsoft.com/office/drawing/2014/main" id="{B7809583-0BE4-46B8-B202-6A2FDA84359E}"/>
+              </a:ext>
+            </a:extLst>
+          </p:cNvPr>
+          <p:cNvSpPr txBox="1"/>
+          <p:nvPr/>
+        </p:nvSpPr>
+        <p:spPr>
+          <a:xfrm>
+            <a:off x="422799" y="1494302"/>
+            <a:ext cx="11346402" cy="2264851"/>
+          </a:xfrm>
+          <a:prstGeom prst="rect">
+            <a:avLst/>
+          </a:prstGeom>
+          <a:noFill/>
+        </p:spPr>
+        <p:txBody>
+          <a:bodyPr wrap="square" rtlCol="0">
+            <a:spAutoFit/>
+          </a:bodyPr>
+          <a:lstStyle/>
+          <a:p>
+            <a:pPr>
+              <a:lnSpc>
+                <a:spcPct val="150000"/>
+              </a:lnSpc>
+            </a:pPr>
+            <a:r>
+              <a:rPr lang="zh-CN" altLang="en-US" sz="1600" dirty="0">
+                <a:latin typeface="微软雅黑" panose="020B0503020204020204" pitchFamily="34" charset="-122"/>
+                <a:ea typeface="微软雅黑" panose="020B0503020204020204" pitchFamily="34" charset="-122"/>
+              </a:rPr>
+              <a:t>本论文首先讨论了最近提出的自动化代码审查任务</a:t>
+            </a:r>
+            <a:r>
+              <a:rPr lang="en-US" altLang="zh-CN" sz="1600" dirty="0">
+                <a:latin typeface="微软雅黑" panose="020B0503020204020204" pitchFamily="34" charset="-122"/>
+                <a:ea typeface="微软雅黑" panose="020B0503020204020204" pitchFamily="34" charset="-122"/>
+              </a:rPr>
+              <a:t>[46]</a:t>
+            </a:r>
+            <a:r>
+              <a:rPr lang="zh-CN" altLang="en-US" sz="1600" dirty="0">
+                <a:latin typeface="微软雅黑" panose="020B0503020204020204" pitchFamily="34" charset="-122"/>
+                <a:ea typeface="微软雅黑" panose="020B0503020204020204" pitchFamily="34" charset="-122"/>
+              </a:rPr>
+              <a:t>的方法的局限性。我们强调，代码抽象的使用不允许支持需要代码更改的非平凡代码审查场景，从而导致引入新的标识符</a:t>
+            </a:r>
+            <a:r>
+              <a:rPr lang="en-US" altLang="zh-CN" sz="1600" dirty="0">
+                <a:latin typeface="微软雅黑" panose="020B0503020204020204" pitchFamily="34" charset="-122"/>
+                <a:ea typeface="微软雅黑" panose="020B0503020204020204" pitchFamily="34" charset="-122"/>
+              </a:rPr>
+              <a:t>/</a:t>
+            </a:r>
+            <a:r>
+              <a:rPr lang="zh-CN" altLang="en-US" sz="1600" dirty="0">
+                <a:latin typeface="微软雅黑" panose="020B0503020204020204" pitchFamily="34" charset="-122"/>
+                <a:ea typeface="微软雅黑" panose="020B0503020204020204" pitchFamily="34" charset="-122"/>
+              </a:rPr>
+              <a:t>文字。因此使用预训练 </a:t>
+            </a:r>
+            <a:r>
+              <a:rPr lang="en-US" altLang="zh-CN" sz="1600" dirty="0">
+                <a:latin typeface="微软雅黑" panose="020B0503020204020204" pitchFamily="34" charset="-122"/>
+                <a:ea typeface="微软雅黑" panose="020B0503020204020204" pitchFamily="34" charset="-122"/>
+              </a:rPr>
+              <a:t>T5 </a:t>
+            </a:r>
+            <a:r>
+              <a:rPr lang="zh-CN" altLang="en-US" sz="1600" dirty="0">
+                <a:latin typeface="微软雅黑" panose="020B0503020204020204" pitchFamily="34" charset="-122"/>
+                <a:ea typeface="微软雅黑" panose="020B0503020204020204" pitchFamily="34" charset="-122"/>
+              </a:rPr>
+              <a:t>模型来克服这种限制并直接在原始源代码上工作。</a:t>
+            </a:r>
+            <a:endParaRPr lang="en-US" altLang="zh-CN" sz="1600" dirty="0">
+              <a:latin typeface="微软雅黑" panose="020B0503020204020204" pitchFamily="34" charset="-122"/>
+              <a:ea typeface="微软雅黑" panose="020B0503020204020204" pitchFamily="34" charset="-122"/>
+            </a:endParaRPr>
+          </a:p>
+          <a:p>
+            <a:pPr>
+              <a:lnSpc>
+                <a:spcPct val="150000"/>
+              </a:lnSpc>
+            </a:pPr>
+            <a:r>
+              <a:rPr lang="zh-CN" altLang="en-US" sz="1600" dirty="0">
+                <a:latin typeface="微软雅黑" panose="020B0503020204020204" pitchFamily="34" charset="-122"/>
+                <a:ea typeface="微软雅黑" panose="020B0503020204020204" pitchFamily="34" charset="-122"/>
+              </a:rPr>
+              <a:t>本文在更大、更现实的代码审查数据集上进行的实证评估表明，与最先进的方法相比，</a:t>
+            </a:r>
+            <a:r>
+              <a:rPr lang="en-US" altLang="zh-CN" sz="1600" dirty="0">
+                <a:latin typeface="微软雅黑" panose="020B0503020204020204" pitchFamily="34" charset="-122"/>
+                <a:ea typeface="微软雅黑" panose="020B0503020204020204" pitchFamily="34" charset="-122"/>
+              </a:rPr>
+              <a:t>T5 </a:t>
+            </a:r>
+            <a:r>
+              <a:rPr lang="zh-CN" altLang="en-US" sz="1600" dirty="0">
+                <a:latin typeface="微软雅黑" panose="020B0503020204020204" pitchFamily="34" charset="-122"/>
+                <a:ea typeface="微软雅黑" panose="020B0503020204020204" pitchFamily="34" charset="-122"/>
+              </a:rPr>
+              <a:t>模型带来的改进在适用性（即可以应用的场景）和性能方面向前表示一步。尽管如此，观察到的实际性能水平使得这些技术在实践中无法部署，呼吁对代码审查自动化进行更多研究。</a:t>
+            </a:r>
+          </a:p>
+        </p:txBody>
+      </p:sp>
+      <p:sp>
+        <p:nvSpPr>
+          <p:cNvPr id="4" name="文本框 3">
+            <a:extLst>
+              <a:ext uri="{FF2B5EF4-FFF2-40B4-BE49-F238E27FC236}">
+                <a16:creationId xmlns:a16="http://schemas.microsoft.com/office/drawing/2014/main" id="{514D4F8A-2152-4300-9CEA-9ED8531B1199}"/>
+              </a:ext>
+            </a:extLst>
+          </p:cNvPr>
+          <p:cNvSpPr txBox="1"/>
+          <p:nvPr/>
+        </p:nvSpPr>
+        <p:spPr>
+          <a:xfrm>
+            <a:off x="126123" y="163961"/>
+            <a:ext cx="10777116" cy="307777"/>
+          </a:xfrm>
+          <a:prstGeom prst="rect">
+            <a:avLst/>
+          </a:prstGeom>
+          <a:noFill/>
+        </p:spPr>
+        <p:txBody>
+          <a:bodyPr wrap="square" rtlCol="0">
+            <a:spAutoFit/>
+          </a:bodyPr>
+          <a:lstStyle/>
+          <a:p>
+            <a:r>
+              <a:rPr lang="en-US" altLang="zh-CN" sz="1400" dirty="0">
+                <a:solidFill>
+                  <a:schemeClr val="tx1">
+                    <a:lumMod val="50000"/>
+                    <a:lumOff val="50000"/>
+                  </a:schemeClr>
+                </a:solidFill>
+                <a:latin typeface="微软雅黑" panose="020B0503020204020204" pitchFamily="34" charset="-122"/>
+                <a:ea typeface="微软雅黑" panose="020B0503020204020204" pitchFamily="34" charset="-122"/>
+              </a:rPr>
+              <a:t>Using Pre-Trained Models to Boost Code Review Automation</a:t>
+            </a:r>
+            <a:endParaRPr lang="it-IT" altLang="zh-CN" sz="1400" dirty="0">
+              <a:solidFill>
+                <a:schemeClr val="tx1">
+                  <a:lumMod val="50000"/>
+                  <a:lumOff val="50000"/>
+                </a:schemeClr>
+              </a:solidFill>
+              <a:latin typeface="微软雅黑" panose="020B0503020204020204" pitchFamily="34" charset="-122"/>
+              <a:ea typeface="微软雅黑" panose="020B0503020204020204" pitchFamily="34" charset="-122"/>
+            </a:endParaRPr>
+          </a:p>
+        </p:txBody>
+      </p:sp>
+      <p:sp>
+        <p:nvSpPr>
+          <p:cNvPr id="2" name="文本框 1">
+            <a:extLst>
+              <a:ext uri="{FF2B5EF4-FFF2-40B4-BE49-F238E27FC236}">
+                <a16:creationId xmlns:a16="http://schemas.microsoft.com/office/drawing/2014/main" id="{CB7EC186-8BEA-4432-A3F5-B26DB9A3F662}"/>
+              </a:ext>
+            </a:extLst>
+          </p:cNvPr>
+          <p:cNvSpPr txBox="1"/>
+          <p:nvPr/>
+        </p:nvSpPr>
+        <p:spPr>
+          <a:xfrm>
+            <a:off x="324288" y="738851"/>
+            <a:ext cx="10956625" cy="523220"/>
+          </a:xfrm>
+          <a:prstGeom prst="rect">
+            <a:avLst/>
+          </a:prstGeom>
+          <a:noFill/>
+        </p:spPr>
+        <p:txBody>
+          <a:bodyPr wrap="square" rtlCol="0">
+            <a:spAutoFit/>
+          </a:bodyPr>
+          <a:lstStyle/>
+          <a:p>
+            <a:r>
+              <a:rPr lang="zh-CN" altLang="en-US" sz="2800" b="1" dirty="0">
+                <a:latin typeface="微软雅黑" panose="020B0503020204020204" pitchFamily="34" charset="-122"/>
+                <a:ea typeface="微软雅黑" panose="020B0503020204020204" pitchFamily="34" charset="-122"/>
+              </a:rPr>
+              <a:t>总结</a:t>
+            </a:r>
+            <a:endParaRPr lang="it-IT" altLang="zh-CN" sz="2000" dirty="0">
+              <a:latin typeface="微软雅黑" panose="020B0503020204020204" pitchFamily="34" charset="-122"/>
+              <a:ea typeface="微软雅黑" panose="020B0503020204020204" pitchFamily="34" charset="-122"/>
+            </a:endParaRPr>
+          </a:p>
+        </p:txBody>
+      </p:sp>
+    </p:spTree>
+    <p:extLst>
+      <p:ext uri="{BB962C8B-B14F-4D97-AF65-F5344CB8AC3E}">
+        <p14:creationId xmlns:p14="http://schemas.microsoft.com/office/powerpoint/2010/main" val="550518929"/>
+      </p:ext>
+    </p:extLst>
+  </p:cSld>
+  <p:clrMapOvr>
+    <a:masterClrMapping/>
+  </p:clrMapOvr>
+</p:sld>
+</file>
+
+<file path=ppt/slides/slide16.xml><?xml version="1.0" encoding="utf-8"?>
+<p:sld xmlns:a="http://schemas.openxmlformats.org/drawingml/2006/main" xmlns:r="http://schemas.openxmlformats.org/officeDocument/2006/relationships" xmlns:p="http://schemas.openxmlformats.org/presentationml/2006/main">
+  <p:cSld>
+    <p:spTree>
+      <p:nvGrpSpPr>
+        <p:cNvPr id="1" name=""/>
+        <p:cNvGrpSpPr/>
+        <p:nvPr/>
+      </p:nvGrpSpPr>
+      <p:grpSpPr>
+        <a:xfrm>
+          <a:off x="0" y="0"/>
+          <a:ext cx="0" cy="0"/>
+          <a:chOff x="0" y="0"/>
+          <a:chExt cx="0" cy="0"/>
+        </a:xfrm>
+      </p:grpSpPr>
+      <p:sp>
+        <p:nvSpPr>
+          <p:cNvPr id="9" name="文本框 8">
+            <a:extLst>
+              <a:ext uri="{FF2B5EF4-FFF2-40B4-BE49-F238E27FC236}">
+                <a16:creationId xmlns:a16="http://schemas.microsoft.com/office/drawing/2014/main" id="{644BDC88-3D27-469B-98D0-D181826F0560}"/>
+              </a:ext>
+            </a:extLst>
+          </p:cNvPr>
+          <p:cNvSpPr txBox="1"/>
+          <p:nvPr/>
+        </p:nvSpPr>
+        <p:spPr>
+          <a:xfrm>
+            <a:off x="2233655" y="2519534"/>
+            <a:ext cx="7724689" cy="1107996"/>
+          </a:xfrm>
+          <a:prstGeom prst="rect">
+            <a:avLst/>
+          </a:prstGeom>
+          <a:noFill/>
+        </p:spPr>
+        <p:txBody>
+          <a:bodyPr wrap="square">
+            <a:spAutoFit/>
+          </a:bodyPr>
+          <a:lstStyle/>
+          <a:p>
+            <a:pPr algn="ctr"/>
+            <a:r>
+              <a:rPr lang="zh-CN" altLang="en-US" sz="6600" b="1" dirty="0">
+                <a:latin typeface="微软雅黑" panose="020B0503020204020204" pitchFamily="34" charset="-122"/>
+                <a:ea typeface="微软雅黑" panose="020B0503020204020204" pitchFamily="34" charset="-122"/>
+              </a:rPr>
+              <a:t>谢谢大家</a:t>
+            </a:r>
+          </a:p>
+        </p:txBody>
+      </p:sp>
+    </p:spTree>
+    <p:extLst>
+      <p:ext uri="{BB962C8B-B14F-4D97-AF65-F5344CB8AC3E}">
+        <p14:creationId xmlns:p14="http://schemas.microsoft.com/office/powerpoint/2010/main" val="621799339"/>
+      </p:ext>
+    </p:extLst>
+  </p:cSld>
+  <p:clrMapOvr>
+    <a:masterClrMapping/>
+  </p:clrMapOvr>
+</p:sld>
+</file>
+
 <file path=ppt/slides/slide2.xml><?xml version="1.0" encoding="utf-8"?>
 <p:sld xmlns:a="http://schemas.openxmlformats.org/drawingml/2006/main" xmlns:r="http://schemas.openxmlformats.org/officeDocument/2006/relationships" xmlns:p="http://schemas.openxmlformats.org/presentationml/2006/main">
   <p:cSld>
@@ -4466,7 +7631,7 @@
         <p:spPr>
           <a:xfrm>
             <a:off x="842647" y="1588199"/>
-            <a:ext cx="9742833" cy="2862322"/>
+            <a:ext cx="9742833" cy="4247317"/>
           </a:xfrm>
           <a:prstGeom prst="rect">
             <a:avLst/>
@@ -4595,7 +7760,7 @@
                 <a:latin typeface="微软雅黑" panose="020B0503020204020204" pitchFamily="34" charset="-122"/>
                 <a:ea typeface="微软雅黑" panose="020B0503020204020204" pitchFamily="34" charset="-122"/>
               </a:rPr>
-              <a:t>、模型将提交审查的代码作为输入，并在其中实现可能由审查人员推荐的更改</a:t>
+              <a:t>、模型将提交审查的代码作为输入，修改过的代码作为输出，并在其中实现可能由审查人员推荐的更改</a:t>
             </a:r>
             <a:r>
               <a:rPr lang="zh-CN" altLang="en-US" dirty="0">
@@ -4724,10 +7889,90 @@
               </a:rPr>
               <a:t>模型，进而在此工作的基础上进行构建。此外，也在更大更实际更有挑战性的代码评审活动数据集上进行了实验。</a:t>
             </a:r>
-            <a:endParaRPr lang="zh-CN" altLang="en-US" dirty="0">
+            <a:endParaRPr lang="en-US" altLang="zh-CN" b="0" i="0" dirty="0">
+              <a:solidFill>
+                <a:srgbClr val="1D2129"/>
+              </a:solidFill>
+              <a:effectLst/>
               <a:latin typeface="微软雅黑" panose="020B0503020204020204" pitchFamily="34" charset="-122"/>
               <a:ea typeface="微软雅黑" panose="020B0503020204020204" pitchFamily="34" charset="-122"/>
             </a:endParaRPr>
+          </a:p>
+          <a:p>
+            <a:endParaRPr lang="en-US" altLang="zh-CN" dirty="0">
+              <a:solidFill>
+                <a:srgbClr val="1D2129"/>
+              </a:solidFill>
+              <a:latin typeface="微软雅黑" panose="020B0503020204020204" pitchFamily="34" charset="-122"/>
+              <a:ea typeface="微软雅黑" panose="020B0503020204020204" pitchFamily="34" charset="-122"/>
+            </a:endParaRPr>
+          </a:p>
+          <a:p>
+            <a:endParaRPr lang="en-US" altLang="zh-CN" dirty="0">
+              <a:solidFill>
+                <a:srgbClr val="1D2129"/>
+              </a:solidFill>
+              <a:latin typeface="微软雅黑" panose="020B0503020204020204" pitchFamily="34" charset="-122"/>
+              <a:ea typeface="微软雅黑" panose="020B0503020204020204" pitchFamily="34" charset="-122"/>
+            </a:endParaRPr>
+          </a:p>
+          <a:p>
+            <a:r>
+              <a:rPr lang="ko-KR" altLang="en-US" dirty="0">
+                <a:latin typeface="微软雅黑" panose="020B0503020204020204" pitchFamily="34" charset="-122"/>
+                <a:ea typeface="微软雅黑" panose="020B0503020204020204" pitchFamily="34" charset="-122"/>
+              </a:rPr>
+              <a:t>此外，</a:t>
+            </a:r>
+            <a:r>
+              <a:rPr lang="zh-CN" altLang="en-US" dirty="0">
+                <a:latin typeface="微软雅黑" panose="020B0503020204020204" pitchFamily="34" charset="-122"/>
+                <a:ea typeface="微软雅黑" panose="020B0503020204020204" pitchFamily="34" charset="-122"/>
+              </a:rPr>
+              <a:t>本文还</a:t>
+            </a:r>
+            <a:r>
+              <a:rPr lang="ko-KR" altLang="en-US" dirty="0">
+                <a:latin typeface="微软雅黑" panose="020B0503020204020204" pitchFamily="34" charset="-122"/>
+                <a:ea typeface="微软雅黑" panose="020B0503020204020204" pitchFamily="34" charset="-122"/>
+              </a:rPr>
+              <a:t>尝试了与代码审查过程相关的</a:t>
+            </a:r>
+            <a:r>
+              <a:rPr lang="ko-KR" altLang="en-US" u="sng" dirty="0">
+                <a:latin typeface="微软雅黑" panose="020B0503020204020204" pitchFamily="34" charset="-122"/>
+                <a:ea typeface="微软雅黑" panose="020B0503020204020204" pitchFamily="34" charset="-122"/>
+              </a:rPr>
+              <a:t>第三个任务</a:t>
+            </a:r>
+            <a:r>
+              <a:rPr lang="ko-KR" altLang="en-US" dirty="0">
+                <a:latin typeface="微软雅黑" panose="020B0503020204020204" pitchFamily="34" charset="-122"/>
+                <a:ea typeface="微软雅黑" panose="020B0503020204020204" pitchFamily="34" charset="-122"/>
+              </a:rPr>
+              <a:t>的自动化：给定提交代码，生成</a:t>
+            </a:r>
+            <a:r>
+              <a:rPr lang="zh-CN" altLang="en-US" dirty="0">
+                <a:latin typeface="微软雅黑" panose="020B0503020204020204" pitchFamily="34" charset="-122"/>
+                <a:ea typeface="微软雅黑" panose="020B0503020204020204" pitchFamily="34" charset="-122"/>
+              </a:rPr>
+              <a:t>省查人可能会给出的</a:t>
+            </a:r>
+            <a:r>
+              <a:rPr lang="ko-KR" altLang="en-US" b="1" dirty="0">
+                <a:latin typeface="微软雅黑" panose="020B0503020204020204" pitchFamily="34" charset="-122"/>
+                <a:ea typeface="微软雅黑" panose="020B0503020204020204" pitchFamily="34" charset="-122"/>
+              </a:rPr>
+              <a:t>自然语言</a:t>
+            </a:r>
+            <a:r>
+              <a:rPr lang="zh-CN" altLang="en-US" dirty="0">
+                <a:latin typeface="微软雅黑" panose="020B0503020204020204" pitchFamily="34" charset="-122"/>
+                <a:ea typeface="微软雅黑" panose="020B0503020204020204" pitchFamily="34" charset="-122"/>
+              </a:rPr>
+              <a:t>评论。</a:t>
+            </a:r>
           </a:p>
         </p:txBody>
       </p:sp>
@@ -4857,8 +8102,8 @@
           </a:p>
         </p:txBody>
       </p:sp>
-      <mc:AlternateContent xmlns:mc="http://schemas.openxmlformats.org/markup-compatibility/2006">
-        <mc:Choice xmlns:a14="http://schemas.microsoft.com/office/drawing/2010/main" Requires="a14">
+      <mc:AlternateContent xmlns:mc="http://schemas.openxmlformats.org/markup-compatibility/2006" xmlns:a14="http://schemas.microsoft.com/office/drawing/2010/main">
+        <mc:Choice Requires="a14">
           <p:sp>
             <p:nvSpPr>
               <p:cNvPr id="6" name="文本框 5">
@@ -4873,7 +8118,7 @@
             </p:nvSpPr>
             <p:spPr>
               <a:xfrm>
-                <a:off x="849574" y="1602054"/>
+                <a:off x="834334" y="1403776"/>
                 <a:ext cx="9742833" cy="2862322"/>
               </a:xfrm>
               <a:prstGeom prst="rect">
@@ -5477,7 +8722,7 @@
             </p:txBody>
           </p:sp>
         </mc:Choice>
-        <mc:Fallback>
+        <mc:Fallback xmlns="">
           <p:sp>
             <p:nvSpPr>
               <p:cNvPr id="6" name="文本框 5">
@@ -5494,7 +8739,7 @@
             </p:nvSpPr>
             <p:spPr>
               <a:xfrm>
-                <a:off x="849574" y="1602054"/>
+                <a:off x="834334" y="1403776"/>
                 <a:ext cx="9742833" cy="2862322"/>
               </a:xfrm>
               <a:prstGeom prst="rect">
@@ -5503,7 +8748,7 @@
               <a:blipFill>
                 <a:blip r:embed="rId3"/>
                 <a:stretch>
-                  <a:fillRect l="-500" t="-1279" r="-876"/>
+                  <a:fillRect l="-563" t="-1064" r="-876"/>
                 </a:stretch>
               </a:blipFill>
             </p:spPr>
@@ -5598,7 +8843,7 @@
         </p:blipFill>
         <p:spPr>
           <a:xfrm>
-            <a:off x="1317348" y="4408829"/>
+            <a:off x="1317348" y="4266098"/>
             <a:ext cx="9391650" cy="2371725"/>
           </a:xfrm>
           <a:prstGeom prst="rect">
@@ -5636,222 +8881,6 @@
           <a:chExt cx="0" cy="0"/>
         </a:xfrm>
       </p:grpSpPr>
-      <p:sp>
-        <p:nvSpPr>
-          <p:cNvPr id="13" name="文本框 12">
-            <a:extLst>
-              <a:ext uri="{FF2B5EF4-FFF2-40B4-BE49-F238E27FC236}">
-                <a16:creationId xmlns:a16="http://schemas.microsoft.com/office/drawing/2014/main" id="{B7809583-0BE4-46B8-B202-6A2FDA84359E}"/>
-              </a:ext>
-            </a:extLst>
-          </p:cNvPr>
-          <p:cNvSpPr txBox="1"/>
-          <p:nvPr/>
-        </p:nvSpPr>
-        <p:spPr>
-          <a:xfrm>
-            <a:off x="499257" y="1262071"/>
-            <a:ext cx="10884895" cy="874407"/>
-          </a:xfrm>
-          <a:prstGeom prst="rect">
-            <a:avLst/>
-          </a:prstGeom>
-          <a:noFill/>
-        </p:spPr>
-        <p:txBody>
-          <a:bodyPr wrap="square" rtlCol="0">
-            <a:spAutoFit/>
-          </a:bodyPr>
-          <a:lstStyle/>
-          <a:p>
-            <a:pPr>
-              <a:lnSpc>
-                <a:spcPct val="150000"/>
-              </a:lnSpc>
-            </a:pPr>
-            <a:r>
-              <a:rPr lang="en-US" altLang="zh-CN" dirty="0">
-                <a:latin typeface="微软雅黑" panose="020B0503020204020204" pitchFamily="34" charset="-122"/>
-                <a:ea typeface="微软雅黑" panose="020B0503020204020204" pitchFamily="34" charset="-122"/>
-              </a:rPr>
-              <a:t>Text-to-Text Transfer Transformer (</a:t>
-            </a:r>
-            <a:r>
-              <a:rPr lang="zh-CN" altLang="en-US" dirty="0">
-                <a:latin typeface="微软雅黑" panose="020B0503020204020204" pitchFamily="34" charset="-122"/>
-                <a:ea typeface="微软雅黑" panose="020B0503020204020204" pitchFamily="34" charset="-122"/>
-              </a:rPr>
-              <a:t>简称</a:t>
-            </a:r>
-            <a:r>
-              <a:rPr lang="en-US" altLang="zh-CN" dirty="0">
-                <a:latin typeface="微软雅黑" panose="020B0503020204020204" pitchFamily="34" charset="-122"/>
-                <a:ea typeface="微软雅黑" panose="020B0503020204020204" pitchFamily="34" charset="-122"/>
-              </a:rPr>
-              <a:t>T5)</a:t>
-            </a:r>
-            <a:r>
-              <a:rPr lang="zh-CN" altLang="en-US" dirty="0">
-                <a:latin typeface="微软雅黑" panose="020B0503020204020204" pitchFamily="34" charset="-122"/>
-                <a:ea typeface="微软雅黑" panose="020B0503020204020204" pitchFamily="34" charset="-122"/>
-              </a:rPr>
-              <a:t>是基于</a:t>
-            </a:r>
-            <a:r>
-              <a:rPr lang="en-US" altLang="zh-CN" dirty="0">
-                <a:latin typeface="微软雅黑" panose="020B0503020204020204" pitchFamily="34" charset="-122"/>
-                <a:ea typeface="微软雅黑" panose="020B0503020204020204" pitchFamily="34" charset="-122"/>
-              </a:rPr>
-              <a:t>Transformer</a:t>
-            </a:r>
-            <a:r>
-              <a:rPr lang="zh-CN" altLang="en-US" dirty="0">
-                <a:latin typeface="微软雅黑" panose="020B0503020204020204" pitchFamily="34" charset="-122"/>
-                <a:ea typeface="微软雅黑" panose="020B0503020204020204" pitchFamily="34" charset="-122"/>
-              </a:rPr>
-              <a:t>架构的模型，</a:t>
-            </a:r>
-            <a:r>
-              <a:rPr lang="zh-CN" altLang="en-US" b="1" dirty="0">
-                <a:latin typeface="微软雅黑" panose="020B0503020204020204" pitchFamily="34" charset="-122"/>
-                <a:ea typeface="微软雅黑" panose="020B0503020204020204" pitchFamily="34" charset="-122"/>
-              </a:rPr>
-              <a:t>将所有 </a:t>
-            </a:r>
-            <a:r>
-              <a:rPr lang="en-US" altLang="zh-CN" b="1" dirty="0">
-                <a:latin typeface="微软雅黑" panose="020B0503020204020204" pitchFamily="34" charset="-122"/>
-                <a:ea typeface="微软雅黑" panose="020B0503020204020204" pitchFamily="34" charset="-122"/>
-              </a:rPr>
-              <a:t>NLP </a:t>
-            </a:r>
-            <a:r>
-              <a:rPr lang="zh-CN" altLang="en-US" b="1" dirty="0">
-                <a:latin typeface="微软雅黑" panose="020B0503020204020204" pitchFamily="34" charset="-122"/>
-                <a:ea typeface="微软雅黑" panose="020B0503020204020204" pitchFamily="34" charset="-122"/>
-              </a:rPr>
-              <a:t>任务都转化成 </a:t>
-            </a:r>
-            <a:r>
-              <a:rPr lang="en-US" altLang="zh-CN" b="1" dirty="0">
-                <a:latin typeface="微软雅黑" panose="020B0503020204020204" pitchFamily="34" charset="-122"/>
-                <a:ea typeface="微软雅黑" panose="020B0503020204020204" pitchFamily="34" charset="-122"/>
-              </a:rPr>
-              <a:t>Text-to-Text </a:t>
-            </a:r>
-            <a:r>
-              <a:rPr lang="zh-CN" altLang="en-US" b="1" dirty="0">
-                <a:latin typeface="微软雅黑" panose="020B0503020204020204" pitchFamily="34" charset="-122"/>
-                <a:ea typeface="微软雅黑" panose="020B0503020204020204" pitchFamily="34" charset="-122"/>
-              </a:rPr>
-              <a:t>（文本到文本）任务。</a:t>
-            </a:r>
-          </a:p>
-        </p:txBody>
-      </p:sp>
-      <p:sp>
-        <p:nvSpPr>
-          <p:cNvPr id="4" name="文本框 3">
-            <a:extLst>
-              <a:ext uri="{FF2B5EF4-FFF2-40B4-BE49-F238E27FC236}">
-                <a16:creationId xmlns:a16="http://schemas.microsoft.com/office/drawing/2014/main" id="{514D4F8A-2152-4300-9CEA-9ED8531B1199}"/>
-              </a:ext>
-            </a:extLst>
-          </p:cNvPr>
-          <p:cNvSpPr txBox="1"/>
-          <p:nvPr/>
-        </p:nvSpPr>
-        <p:spPr>
-          <a:xfrm>
-            <a:off x="126123" y="163961"/>
-            <a:ext cx="10777116" cy="307777"/>
-          </a:xfrm>
-          <a:prstGeom prst="rect">
-            <a:avLst/>
-          </a:prstGeom>
-          <a:noFill/>
-        </p:spPr>
-        <p:txBody>
-          <a:bodyPr wrap="square" rtlCol="0">
-            <a:spAutoFit/>
-          </a:bodyPr>
-          <a:lstStyle/>
-          <a:p>
-            <a:r>
-              <a:rPr lang="en-US" altLang="zh-CN" sz="1400" dirty="0">
-                <a:solidFill>
-                  <a:schemeClr val="tx1">
-                    <a:lumMod val="50000"/>
-                    <a:lumOff val="50000"/>
-                  </a:schemeClr>
-                </a:solidFill>
-                <a:latin typeface="微软雅黑" panose="020B0503020204020204" pitchFamily="34" charset="-122"/>
-                <a:ea typeface="微软雅黑" panose="020B0503020204020204" pitchFamily="34" charset="-122"/>
-              </a:rPr>
-              <a:t>Using Pre-Trained Models to Boost Code Review Automation</a:t>
-            </a:r>
-            <a:endParaRPr lang="it-IT" altLang="zh-CN" sz="1400" dirty="0">
-              <a:solidFill>
-                <a:schemeClr val="tx1">
-                  <a:lumMod val="50000"/>
-                  <a:lumOff val="50000"/>
-                </a:schemeClr>
-              </a:solidFill>
-              <a:latin typeface="微软雅黑" panose="020B0503020204020204" pitchFamily="34" charset="-122"/>
-              <a:ea typeface="微软雅黑" panose="020B0503020204020204" pitchFamily="34" charset="-122"/>
-            </a:endParaRPr>
-          </a:p>
-        </p:txBody>
-      </p:sp>
-      <p:sp>
-        <p:nvSpPr>
-          <p:cNvPr id="2" name="文本框 1">
-            <a:extLst>
-              <a:ext uri="{FF2B5EF4-FFF2-40B4-BE49-F238E27FC236}">
-                <a16:creationId xmlns:a16="http://schemas.microsoft.com/office/drawing/2014/main" id="{CB7EC186-8BEA-4432-A3F5-B26DB9A3F662}"/>
-              </a:ext>
-            </a:extLst>
-          </p:cNvPr>
-          <p:cNvSpPr txBox="1"/>
-          <p:nvPr/>
-        </p:nvSpPr>
-        <p:spPr>
-          <a:xfrm>
-            <a:off x="324288" y="738851"/>
-            <a:ext cx="10956625" cy="523220"/>
-          </a:xfrm>
-          <a:prstGeom prst="rect">
-            <a:avLst/>
-          </a:prstGeom>
-          <a:noFill/>
-        </p:spPr>
-        <p:txBody>
-          <a:bodyPr wrap="square" rtlCol="0">
-            <a:spAutoFit/>
-          </a:bodyPr>
-          <a:lstStyle/>
-          <a:p>
-            <a:r>
-              <a:rPr lang="en-US" altLang="zh-CN" sz="2800" b="1" dirty="0">
-                <a:latin typeface="微软雅黑" panose="020B0503020204020204" pitchFamily="34" charset="-122"/>
-                <a:ea typeface="微软雅黑" panose="020B0503020204020204" pitchFamily="34" charset="-122"/>
-              </a:rPr>
-              <a:t>T5</a:t>
-            </a:r>
-            <a:r>
-              <a:rPr lang="zh-CN" altLang="en-US" sz="2800" b="1" dirty="0">
-                <a:latin typeface="微软雅黑" panose="020B0503020204020204" pitchFamily="34" charset="-122"/>
-                <a:ea typeface="微软雅黑" panose="020B0503020204020204" pitchFamily="34" charset="-122"/>
-              </a:rPr>
-              <a:t>模型</a:t>
-            </a:r>
-            <a:endParaRPr lang="it-IT" altLang="zh-CN" sz="2000" dirty="0">
-              <a:latin typeface="微软雅黑" panose="020B0503020204020204" pitchFamily="34" charset="-122"/>
-              <a:ea typeface="微软雅黑" panose="020B0503020204020204" pitchFamily="34" charset="-122"/>
-            </a:endParaRPr>
-          </a:p>
-        </p:txBody>
-      </p:sp>
       <p:pic>
         <p:nvPicPr>
           <p:cNvPr id="1026" name="Picture 2">
@@ -5881,8 +8910,8 @@
         </p:blipFill>
         <p:spPr bwMode="auto">
           <a:xfrm>
-            <a:off x="4329086" y="2311339"/>
-            <a:ext cx="3533828" cy="4546661"/>
+            <a:off x="3720057" y="1785291"/>
+            <a:ext cx="3872233" cy="4982057"/>
           </a:xfrm>
           <a:prstGeom prst="rect">
             <a:avLst/>
@@ -5899,6 +8928,222 @@
           </a:extLst>
         </p:spPr>
       </p:pic>
+      <p:sp>
+        <p:nvSpPr>
+          <p:cNvPr id="13" name="文本框 12">
+            <a:extLst>
+              <a:ext uri="{FF2B5EF4-FFF2-40B4-BE49-F238E27FC236}">
+                <a16:creationId xmlns:a16="http://schemas.microsoft.com/office/drawing/2014/main" id="{B7809583-0BE4-46B8-B202-6A2FDA84359E}"/>
+              </a:ext>
+            </a:extLst>
+          </p:cNvPr>
+          <p:cNvSpPr txBox="1"/>
+          <p:nvPr/>
+        </p:nvSpPr>
+        <p:spPr>
+          <a:xfrm>
+            <a:off x="499257" y="1262071"/>
+            <a:ext cx="10884895" cy="874407"/>
+          </a:xfrm>
+          <a:prstGeom prst="rect">
+            <a:avLst/>
+          </a:prstGeom>
+          <a:noFill/>
+        </p:spPr>
+        <p:txBody>
+          <a:bodyPr wrap="square" rtlCol="0">
+            <a:spAutoFit/>
+          </a:bodyPr>
+          <a:lstStyle/>
+          <a:p>
+            <a:pPr>
+              <a:lnSpc>
+                <a:spcPct val="150000"/>
+              </a:lnSpc>
+            </a:pPr>
+            <a:r>
+              <a:rPr lang="en-US" altLang="zh-CN" dirty="0">
+                <a:latin typeface="微软雅黑" panose="020B0503020204020204" pitchFamily="34" charset="-122"/>
+                <a:ea typeface="微软雅黑" panose="020B0503020204020204" pitchFamily="34" charset="-122"/>
+              </a:rPr>
+              <a:t>Text-to-Text Transfer Transformer (</a:t>
+            </a:r>
+            <a:r>
+              <a:rPr lang="zh-CN" altLang="en-US" dirty="0">
+                <a:latin typeface="微软雅黑" panose="020B0503020204020204" pitchFamily="34" charset="-122"/>
+                <a:ea typeface="微软雅黑" panose="020B0503020204020204" pitchFamily="34" charset="-122"/>
+              </a:rPr>
+              <a:t>简称</a:t>
+            </a:r>
+            <a:r>
+              <a:rPr lang="en-US" altLang="zh-CN" dirty="0">
+                <a:latin typeface="微软雅黑" panose="020B0503020204020204" pitchFamily="34" charset="-122"/>
+                <a:ea typeface="微软雅黑" panose="020B0503020204020204" pitchFamily="34" charset="-122"/>
+              </a:rPr>
+              <a:t>T5)</a:t>
+            </a:r>
+            <a:r>
+              <a:rPr lang="zh-CN" altLang="en-US" dirty="0">
+                <a:latin typeface="微软雅黑" panose="020B0503020204020204" pitchFamily="34" charset="-122"/>
+                <a:ea typeface="微软雅黑" panose="020B0503020204020204" pitchFamily="34" charset="-122"/>
+              </a:rPr>
+              <a:t>是基于</a:t>
+            </a:r>
+            <a:r>
+              <a:rPr lang="en-US" altLang="zh-CN" dirty="0">
+                <a:latin typeface="微软雅黑" panose="020B0503020204020204" pitchFamily="34" charset="-122"/>
+                <a:ea typeface="微软雅黑" panose="020B0503020204020204" pitchFamily="34" charset="-122"/>
+              </a:rPr>
+              <a:t>Transformer</a:t>
+            </a:r>
+            <a:r>
+              <a:rPr lang="zh-CN" altLang="en-US" dirty="0">
+                <a:latin typeface="微软雅黑" panose="020B0503020204020204" pitchFamily="34" charset="-122"/>
+                <a:ea typeface="微软雅黑" panose="020B0503020204020204" pitchFamily="34" charset="-122"/>
+              </a:rPr>
+              <a:t>架构的模型，</a:t>
+            </a:r>
+            <a:r>
+              <a:rPr lang="zh-CN" altLang="en-US" b="1" dirty="0">
+                <a:latin typeface="微软雅黑" panose="020B0503020204020204" pitchFamily="34" charset="-122"/>
+                <a:ea typeface="微软雅黑" panose="020B0503020204020204" pitchFamily="34" charset="-122"/>
+              </a:rPr>
+              <a:t>将所有 </a:t>
+            </a:r>
+            <a:r>
+              <a:rPr lang="en-US" altLang="zh-CN" b="1" dirty="0">
+                <a:latin typeface="微软雅黑" panose="020B0503020204020204" pitchFamily="34" charset="-122"/>
+                <a:ea typeface="微软雅黑" panose="020B0503020204020204" pitchFamily="34" charset="-122"/>
+              </a:rPr>
+              <a:t>NLP </a:t>
+            </a:r>
+            <a:r>
+              <a:rPr lang="zh-CN" altLang="en-US" b="1" dirty="0">
+                <a:latin typeface="微软雅黑" panose="020B0503020204020204" pitchFamily="34" charset="-122"/>
+                <a:ea typeface="微软雅黑" panose="020B0503020204020204" pitchFamily="34" charset="-122"/>
+              </a:rPr>
+              <a:t>任务都转化成 </a:t>
+            </a:r>
+            <a:r>
+              <a:rPr lang="en-US" altLang="zh-CN" b="1" dirty="0">
+                <a:latin typeface="微软雅黑" panose="020B0503020204020204" pitchFamily="34" charset="-122"/>
+                <a:ea typeface="微软雅黑" panose="020B0503020204020204" pitchFamily="34" charset="-122"/>
+              </a:rPr>
+              <a:t>Text-to-Text </a:t>
+            </a:r>
+            <a:r>
+              <a:rPr lang="zh-CN" altLang="en-US" b="1" dirty="0">
+                <a:latin typeface="微软雅黑" panose="020B0503020204020204" pitchFamily="34" charset="-122"/>
+                <a:ea typeface="微软雅黑" panose="020B0503020204020204" pitchFamily="34" charset="-122"/>
+              </a:rPr>
+              <a:t>（文本到文本）任务。</a:t>
+            </a:r>
+          </a:p>
+        </p:txBody>
+      </p:sp>
+      <p:sp>
+        <p:nvSpPr>
+          <p:cNvPr id="4" name="文本框 3">
+            <a:extLst>
+              <a:ext uri="{FF2B5EF4-FFF2-40B4-BE49-F238E27FC236}">
+                <a16:creationId xmlns:a16="http://schemas.microsoft.com/office/drawing/2014/main" id="{514D4F8A-2152-4300-9CEA-9ED8531B1199}"/>
+              </a:ext>
+            </a:extLst>
+          </p:cNvPr>
+          <p:cNvSpPr txBox="1"/>
+          <p:nvPr/>
+        </p:nvSpPr>
+        <p:spPr>
+          <a:xfrm>
+            <a:off x="126123" y="163961"/>
+            <a:ext cx="10777116" cy="307777"/>
+          </a:xfrm>
+          <a:prstGeom prst="rect">
+            <a:avLst/>
+          </a:prstGeom>
+          <a:noFill/>
+        </p:spPr>
+        <p:txBody>
+          <a:bodyPr wrap="square" rtlCol="0">
+            <a:spAutoFit/>
+          </a:bodyPr>
+          <a:lstStyle/>
+          <a:p>
+            <a:r>
+              <a:rPr lang="en-US" altLang="zh-CN" sz="1400" dirty="0">
+                <a:solidFill>
+                  <a:schemeClr val="tx1">
+                    <a:lumMod val="50000"/>
+                    <a:lumOff val="50000"/>
+                  </a:schemeClr>
+                </a:solidFill>
+                <a:latin typeface="微软雅黑" panose="020B0503020204020204" pitchFamily="34" charset="-122"/>
+                <a:ea typeface="微软雅黑" panose="020B0503020204020204" pitchFamily="34" charset="-122"/>
+              </a:rPr>
+              <a:t>Using Pre-Trained Models to Boost Code Review Automation</a:t>
+            </a:r>
+            <a:endParaRPr lang="it-IT" altLang="zh-CN" sz="1400" dirty="0">
+              <a:solidFill>
+                <a:schemeClr val="tx1">
+                  <a:lumMod val="50000"/>
+                  <a:lumOff val="50000"/>
+                </a:schemeClr>
+              </a:solidFill>
+              <a:latin typeface="微软雅黑" panose="020B0503020204020204" pitchFamily="34" charset="-122"/>
+              <a:ea typeface="微软雅黑" panose="020B0503020204020204" pitchFamily="34" charset="-122"/>
+            </a:endParaRPr>
+          </a:p>
+        </p:txBody>
+      </p:sp>
+      <p:sp>
+        <p:nvSpPr>
+          <p:cNvPr id="2" name="文本框 1">
+            <a:extLst>
+              <a:ext uri="{FF2B5EF4-FFF2-40B4-BE49-F238E27FC236}">
+                <a16:creationId xmlns:a16="http://schemas.microsoft.com/office/drawing/2014/main" id="{CB7EC186-8BEA-4432-A3F5-B26DB9A3F662}"/>
+              </a:ext>
+            </a:extLst>
+          </p:cNvPr>
+          <p:cNvSpPr txBox="1"/>
+          <p:nvPr/>
+        </p:nvSpPr>
+        <p:spPr>
+          <a:xfrm>
+            <a:off x="324288" y="738851"/>
+            <a:ext cx="10956625" cy="523220"/>
+          </a:xfrm>
+          <a:prstGeom prst="rect">
+            <a:avLst/>
+          </a:prstGeom>
+          <a:noFill/>
+        </p:spPr>
+        <p:txBody>
+          <a:bodyPr wrap="square" rtlCol="0">
+            <a:spAutoFit/>
+          </a:bodyPr>
+          <a:lstStyle/>
+          <a:p>
+            <a:r>
+              <a:rPr lang="en-US" altLang="zh-CN" sz="2800" b="1" dirty="0">
+                <a:latin typeface="微软雅黑" panose="020B0503020204020204" pitchFamily="34" charset="-122"/>
+                <a:ea typeface="微软雅黑" panose="020B0503020204020204" pitchFamily="34" charset="-122"/>
+              </a:rPr>
+              <a:t>T5</a:t>
+            </a:r>
+            <a:r>
+              <a:rPr lang="zh-CN" altLang="en-US" sz="2800" b="1" dirty="0">
+                <a:latin typeface="微软雅黑" panose="020B0503020204020204" pitchFamily="34" charset="-122"/>
+                <a:ea typeface="微软雅黑" panose="020B0503020204020204" pitchFamily="34" charset="-122"/>
+              </a:rPr>
+              <a:t>模型</a:t>
+            </a:r>
+            <a:endParaRPr lang="it-IT" altLang="zh-CN" sz="2000" dirty="0">
+              <a:latin typeface="微软雅黑" panose="020B0503020204020204" pitchFamily="34" charset="-122"/>
+              <a:ea typeface="微软雅黑" panose="020B0503020204020204" pitchFamily="34" charset="-122"/>
+            </a:endParaRPr>
+          </a:p>
+        </p:txBody>
+      </p:sp>
     </p:spTree>
     <p:extLst>
       <p:ext uri="{BB962C8B-B14F-4D97-AF65-F5344CB8AC3E}">
@@ -6690,8 +9935,8 @@
         </p:nvSpPr>
         <p:spPr>
           <a:xfrm>
-            <a:off x="1563329" y="4365523"/>
-            <a:ext cx="3962400" cy="1897625"/>
+            <a:off x="1988700" y="3313458"/>
+            <a:ext cx="3047428" cy="905252"/>
           </a:xfrm>
           <a:prstGeom prst="roundRect">
             <a:avLst/>
@@ -6732,7 +9977,7 @@
                 <a:latin typeface="微软雅黑" panose="020B0503020204020204" pitchFamily="34" charset="-122"/>
                 <a:ea typeface="微软雅黑" panose="020B0503020204020204" pitchFamily="34" charset="-122"/>
               </a:rPr>
-              <a:t>the official Stack Overflow dump (SOD)</a:t>
+              <a:t>Stack Overflow dump (SOD)</a:t>
             </a:r>
           </a:p>
         </p:txBody>
@@ -6751,8 +9996,8 @@
         </p:nvSpPr>
         <p:spPr>
           <a:xfrm>
-            <a:off x="6666271" y="4365523"/>
-            <a:ext cx="3962400" cy="1897625"/>
+            <a:off x="7155872" y="3313458"/>
+            <a:ext cx="3047428" cy="905252"/>
           </a:xfrm>
           <a:prstGeom prst="roundRect">
             <a:avLst/>
@@ -6815,10 +10060,363 @@
           </a:p>
         </p:txBody>
       </p:sp>
+      <mc:AlternateContent xmlns:mc="http://schemas.openxmlformats.org/markup-compatibility/2006" xmlns:a14="http://schemas.microsoft.com/office/drawing/2010/main">
+        <mc:Choice Requires="a14">
+          <p:sp>
+            <p:nvSpPr>
+              <p:cNvPr id="8" name="文本框 7">
+                <a:extLst>
+                  <a:ext uri="{FF2B5EF4-FFF2-40B4-BE49-F238E27FC236}">
+                    <a16:creationId xmlns:a16="http://schemas.microsoft.com/office/drawing/2014/main" id="{3193449E-F053-4F12-B75C-2B7AB6EC2C3B}"/>
+                  </a:ext>
+                </a:extLst>
+              </p:cNvPr>
+              <p:cNvSpPr txBox="1"/>
+              <p:nvPr/>
+            </p:nvSpPr>
+            <p:spPr>
+              <a:xfrm>
+                <a:off x="1465261" y="4231826"/>
+                <a:ext cx="4938859" cy="2462213"/>
+              </a:xfrm>
+              <a:prstGeom prst="rect">
+                <a:avLst/>
+              </a:prstGeom>
+              <a:noFill/>
+            </p:spPr>
+            <p:txBody>
+              <a:bodyPr wrap="square">
+                <a:spAutoFit/>
+              </a:bodyPr>
+              <a:lstStyle/>
+              <a:p>
+                <a:r>
+                  <a:rPr lang="en-US" altLang="zh-CN" sz="1400" dirty="0">
+                    <a:latin typeface="微软雅黑" panose="020B0503020204020204" pitchFamily="34" charset="-122"/>
+                    <a:ea typeface="微软雅黑" panose="020B0503020204020204" pitchFamily="34" charset="-122"/>
+                  </a:rPr>
+                  <a:t>For every answer </a:t>
+                </a:r>
+                <a14:m>
+                  <m:oMath xmlns:m="http://schemas.openxmlformats.org/officeDocument/2006/math">
+                    <m:r>
+                      <a:rPr lang="en-US" altLang="zh-CN" sz="1400" b="1" i="1" smtClean="0">
+                        <a:latin typeface="Cambria Math" panose="02040503050406030204" pitchFamily="18" charset="0"/>
+                        <a:ea typeface="微软雅黑" panose="020B0503020204020204" pitchFamily="34" charset="-122"/>
+                      </a:rPr>
+                      <m:t>𝒂</m:t>
+                    </m:r>
+                  </m:oMath>
+                </a14:m>
+                <a:r>
+                  <a:rPr lang="en-US" altLang="zh-CN" sz="1400" dirty="0">
+                    <a:latin typeface="微软雅黑" panose="020B0503020204020204" pitchFamily="34" charset="-122"/>
+                    <a:ea typeface="微软雅黑" panose="020B0503020204020204" pitchFamily="34" charset="-122"/>
+                  </a:rPr>
+                  <a:t>:</a:t>
+                </a:r>
+              </a:p>
+              <a:p>
+                <a:endParaRPr lang="en-US" altLang="zh-CN" sz="1400" dirty="0">
+                  <a:latin typeface="微软雅黑" panose="020B0503020204020204" pitchFamily="34" charset="-122"/>
+                  <a:ea typeface="微软雅黑" panose="020B0503020204020204" pitchFamily="34" charset="-122"/>
+                </a:endParaRPr>
+              </a:p>
+              <a:p>
+                <a:pPr marL="285750" indent="-285750">
+                  <a:buFont typeface="Arial" panose="020B0604020202020204" pitchFamily="34" charset="0"/>
+                  <a:buChar char="•"/>
+                </a:pPr>
+                <a:r>
+                  <a:rPr lang="en-US" altLang="zh-CN" sz="1400" dirty="0">
+                    <a:latin typeface="微软雅黑" panose="020B0503020204020204" pitchFamily="34" charset="-122"/>
+                    <a:ea typeface="微软雅黑" panose="020B0503020204020204" pitchFamily="34" charset="-122"/>
+                  </a:rPr>
+                  <a:t>R</a:t>
+                </a:r>
+                <a:r>
+                  <a:rPr lang="zh-CN" altLang="en-US" sz="1400" dirty="0">
+                    <a:latin typeface="微软雅黑" panose="020B0503020204020204" pitchFamily="34" charset="-122"/>
+                    <a:ea typeface="微软雅黑" panose="020B0503020204020204" pitchFamily="34" charset="-122"/>
+                  </a:rPr>
+                  <a:t>emove emojis, non-latin characters, control characters, trailing spaces and multiple white spaces</a:t>
+                </a:r>
+                <a:r>
+                  <a:rPr lang="en-US" altLang="zh-CN" sz="1400" dirty="0">
+                    <a:latin typeface="微软雅黑" panose="020B0503020204020204" pitchFamily="34" charset="-122"/>
+                    <a:ea typeface="微软雅黑" panose="020B0503020204020204" pitchFamily="34" charset="-122"/>
+                  </a:rPr>
+                  <a:t>.</a:t>
+                </a:r>
+              </a:p>
+              <a:p>
+                <a:pPr marL="285750" indent="-285750">
+                  <a:buFont typeface="Arial" panose="020B0604020202020204" pitchFamily="34" charset="0"/>
+                  <a:buChar char="•"/>
+                </a:pPr>
+                <a:r>
+                  <a:rPr lang="en-US" altLang="zh-CN" sz="1400" dirty="0">
+                    <a:latin typeface="微软雅黑" panose="020B0503020204020204" pitchFamily="34" charset="-122"/>
+                    <a:ea typeface="微软雅黑" panose="020B0503020204020204" pitchFamily="34" charset="-122"/>
+                  </a:rPr>
+                  <a:t>Replace special symbols by using </a:t>
+                </a:r>
+                <a:r>
+                  <a:rPr lang="en-US" altLang="zh-CN" sz="1400" dirty="0" err="1">
+                    <a:latin typeface="微软雅黑" panose="020B0503020204020204" pitchFamily="34" charset="-122"/>
+                    <a:ea typeface="微软雅黑" panose="020B0503020204020204" pitchFamily="34" charset="-122"/>
+                  </a:rPr>
+                  <a:t>latin</a:t>
+                </a:r>
+                <a:r>
+                  <a:rPr lang="en-US" altLang="zh-CN" sz="1400" dirty="0">
+                    <a:latin typeface="微软雅黑" panose="020B0503020204020204" pitchFamily="34" charset="-122"/>
+                    <a:ea typeface="微软雅黑" panose="020B0503020204020204" pitchFamily="34" charset="-122"/>
+                  </a:rPr>
+                  <a:t> characters, e.g. "≥" is replaced with "&gt;=".</a:t>
+                </a:r>
+              </a:p>
+              <a:p>
+                <a:pPr marL="285750" indent="-285750">
+                  <a:buFont typeface="Arial" panose="020B0604020202020204" pitchFamily="34" charset="0"/>
+                  <a:buChar char="•"/>
+                </a:pPr>
+                <a:r>
+                  <a:rPr lang="en-US" altLang="zh-CN" sz="1400" dirty="0">
+                    <a:latin typeface="微软雅黑" panose="020B0503020204020204" pitchFamily="34" charset="-122"/>
+                    <a:ea typeface="微软雅黑" panose="020B0503020204020204" pitchFamily="34" charset="-122"/>
+                  </a:rPr>
+                  <a:t>Replace any embedded link with a special tag "&lt;</a:t>
+                </a:r>
+                <a:r>
+                  <a:rPr lang="en-US" altLang="zh-CN" sz="1400" dirty="0" err="1">
+                    <a:latin typeface="微软雅黑" panose="020B0503020204020204" pitchFamily="34" charset="-122"/>
+                    <a:ea typeface="微软雅黑" panose="020B0503020204020204" pitchFamily="34" charset="-122"/>
+                  </a:rPr>
+                  <a:t>LINK_i</a:t>
+                </a:r>
+                <a:r>
+                  <a:rPr lang="en-US" altLang="zh-CN" sz="1400" dirty="0">
+                    <a:latin typeface="微软雅黑" panose="020B0503020204020204" pitchFamily="34" charset="-122"/>
+                    <a:ea typeface="微软雅黑" panose="020B0503020204020204" pitchFamily="34" charset="-122"/>
+                  </a:rPr>
+                  <a:t>&gt;", with </a:t>
+                </a:r>
+                <a:r>
+                  <a:rPr lang="zh-CN" altLang="en-US" sz="1400" dirty="0">
+                    <a:latin typeface="微软雅黑" panose="020B0503020204020204" pitchFamily="34" charset="-122"/>
+                    <a:ea typeface="微软雅黑" panose="020B0503020204020204" pitchFamily="34" charset="-122"/>
+                  </a:rPr>
+                  <a:t>𝑖 </a:t>
+                </a:r>
+                <a:r>
+                  <a:rPr lang="en-US" altLang="zh-CN" sz="1400" dirty="0">
+                    <a:latin typeface="微软雅黑" panose="020B0503020204020204" pitchFamily="34" charset="-122"/>
+                    <a:ea typeface="微软雅黑" panose="020B0503020204020204" pitchFamily="34" charset="-122"/>
+                  </a:rPr>
+                  <a:t>being an integer ranging from 0 to</a:t>
+                </a:r>
+                <a14:m>
+                  <m:oMath xmlns:m="http://schemas.openxmlformats.org/officeDocument/2006/math">
+                    <m:r>
+                      <a:rPr lang="zh-CN" altLang="en-US" sz="1400" i="1" dirty="0" smtClean="0">
+                        <a:latin typeface="Cambria Math" panose="02040503050406030204" pitchFamily="18" charset="0"/>
+                        <a:ea typeface="微软雅黑" panose="020B0503020204020204" pitchFamily="34" charset="-122"/>
+                      </a:rPr>
+                      <m:t>𝑛</m:t>
+                    </m:r>
+                    <m:r>
+                      <a:rPr lang="zh-CN" altLang="en-US" sz="1400" i="1" dirty="0" smtClean="0">
+                        <a:latin typeface="Cambria Math" panose="02040503050406030204" pitchFamily="18" charset="0"/>
+                        <a:ea typeface="微软雅黑" panose="020B0503020204020204" pitchFamily="34" charset="-122"/>
+                      </a:rPr>
+                      <m:t> − 1</m:t>
+                    </m:r>
+                  </m:oMath>
+                </a14:m>
+                <a:r>
+                  <a:rPr lang="en-US" altLang="zh-CN" sz="1400" dirty="0">
+                    <a:latin typeface="微软雅黑" panose="020B0503020204020204" pitchFamily="34" charset="-122"/>
+                    <a:ea typeface="微软雅黑" panose="020B0503020204020204" pitchFamily="34" charset="-122"/>
+                  </a:rPr>
+                  <a:t>, where </a:t>
+                </a:r>
+                <a:r>
+                  <a:rPr lang="zh-CN" altLang="en-US" sz="1400" dirty="0">
+                    <a:latin typeface="微软雅黑" panose="020B0503020204020204" pitchFamily="34" charset="-122"/>
+                    <a:ea typeface="微软雅黑" panose="020B0503020204020204" pitchFamily="34" charset="-122"/>
+                  </a:rPr>
+                  <a:t>𝑛 </a:t>
+                </a:r>
+                <a:r>
+                  <a:rPr lang="en-US" altLang="zh-CN" sz="1400" dirty="0">
+                    <a:latin typeface="微软雅黑" panose="020B0503020204020204" pitchFamily="34" charset="-122"/>
+                    <a:ea typeface="微软雅黑" panose="020B0503020204020204" pitchFamily="34" charset="-122"/>
+                  </a:rPr>
+                  <a:t>is the number of links in </a:t>
+                </a:r>
+                <a:r>
+                  <a:rPr lang="zh-CN" altLang="en-US" sz="1400" dirty="0">
+                    <a:latin typeface="微软雅黑" panose="020B0503020204020204" pitchFamily="34" charset="-122"/>
+                    <a:ea typeface="微软雅黑" panose="020B0503020204020204" pitchFamily="34" charset="-122"/>
+                  </a:rPr>
+                  <a:t>𝑎</a:t>
+                </a:r>
+                <a:r>
+                  <a:rPr lang="en-US" altLang="zh-CN" sz="1400" dirty="0">
+                    <a:latin typeface="微软雅黑" panose="020B0503020204020204" pitchFamily="34" charset="-122"/>
+                    <a:ea typeface="微软雅黑" panose="020B0503020204020204" pitchFamily="34" charset="-122"/>
+                  </a:rPr>
+                  <a:t>.</a:t>
+                </a:r>
+              </a:p>
+              <a:p>
+                <a:pPr marL="285750" indent="-285750">
+                  <a:buFont typeface="Arial" panose="020B0604020202020204" pitchFamily="34" charset="0"/>
+                  <a:buChar char="•"/>
+                </a:pPr>
+                <a:r>
+                  <a:rPr lang="en-US" altLang="zh-CN" sz="1400" dirty="0">
+                    <a:latin typeface="微软雅黑" panose="020B0503020204020204" pitchFamily="34" charset="-122"/>
+                    <a:ea typeface="微软雅黑" panose="020B0503020204020204" pitchFamily="34" charset="-122"/>
+                  </a:rPr>
+                  <a:t>Remove all the instances having less than 10 tokens or more than 512.</a:t>
+                </a:r>
+                <a:endParaRPr lang="zh-CN" altLang="en-US" sz="1400" dirty="0">
+                  <a:latin typeface="微软雅黑" panose="020B0503020204020204" pitchFamily="34" charset="-122"/>
+                  <a:ea typeface="微软雅黑" panose="020B0503020204020204" pitchFamily="34" charset="-122"/>
+                </a:endParaRPr>
+              </a:p>
+            </p:txBody>
+          </p:sp>
+        </mc:Choice>
+        <mc:Fallback xmlns="">
+          <p:sp>
+            <p:nvSpPr>
+              <p:cNvPr id="8" name="文本框 7">
+                <a:extLst>
+                  <a:ext uri="{FF2B5EF4-FFF2-40B4-BE49-F238E27FC236}">
+                    <a16:creationId xmlns:a16="http://schemas.microsoft.com/office/drawing/2014/main" id="{3193449E-F053-4F12-B75C-2B7AB6EC2C3B}"/>
+                  </a:ext>
+                </a:extLst>
+              </p:cNvPr>
+              <p:cNvSpPr txBox="1">
+                <a:spLocks noRot="1" noChangeAspect="1" noMove="1" noResize="1" noEditPoints="1" noAdjustHandles="1" noChangeArrowheads="1" noChangeShapeType="1" noTextEdit="1"/>
+              </p:cNvSpPr>
+              <p:nvPr/>
+            </p:nvSpPr>
+            <p:spPr>
+              <a:xfrm>
+                <a:off x="1465261" y="4231826"/>
+                <a:ext cx="4938859" cy="2462213"/>
+              </a:xfrm>
+              <a:prstGeom prst="rect">
+                <a:avLst/>
+              </a:prstGeom>
+              <a:blipFill>
+                <a:blip r:embed="rId3"/>
+                <a:stretch>
+                  <a:fillRect l="-370" t="-495" r="-740" b="-1733"/>
+                </a:stretch>
+              </a:blipFill>
+            </p:spPr>
+            <p:txBody>
+              <a:bodyPr/>
+              <a:lstStyle/>
+              <a:p>
+                <a:r>
+                  <a:rPr lang="zh-CN" altLang="en-US">
+                    <a:noFill/>
+                  </a:rPr>
+                  <a:t> </a:t>
+                </a:r>
+              </a:p>
+            </p:txBody>
+          </p:sp>
+        </mc:Fallback>
+      </mc:AlternateContent>
+      <p:sp>
+        <p:nvSpPr>
+          <p:cNvPr id="11" name="文本框 10">
+            <a:extLst>
+              <a:ext uri="{FF2B5EF4-FFF2-40B4-BE49-F238E27FC236}">
+                <a16:creationId xmlns:a16="http://schemas.microsoft.com/office/drawing/2014/main" id="{23601D52-777D-4E2D-A59A-640AAD1515CF}"/>
+              </a:ext>
+            </a:extLst>
+          </p:cNvPr>
+          <p:cNvSpPr txBox="1"/>
+          <p:nvPr/>
+        </p:nvSpPr>
+        <p:spPr>
+          <a:xfrm>
+            <a:off x="6913419" y="5153513"/>
+            <a:ext cx="4807526" cy="646331"/>
+          </a:xfrm>
+          <a:prstGeom prst="rect">
+            <a:avLst/>
+          </a:prstGeom>
+          <a:noFill/>
+        </p:spPr>
+        <p:txBody>
+          <a:bodyPr wrap="square">
+            <a:spAutoFit/>
+          </a:bodyPr>
+          <a:lstStyle/>
+          <a:p>
+            <a:r>
+              <a:rPr lang="zh-CN" altLang="en-US" b="0" i="0" dirty="0">
+                <a:solidFill>
+                  <a:srgbClr val="1D2129"/>
+                </a:solidFill>
+                <a:effectLst/>
+                <a:latin typeface="微软雅黑" panose="020B0503020204020204" pitchFamily="34" charset="-122"/>
+                <a:ea typeface="微软雅黑" panose="020B0503020204020204" pitchFamily="34" charset="-122"/>
+              </a:rPr>
+              <a:t>为了执行预训练，我们在每个实例对应标记中的</a:t>
+            </a:r>
+            <a:r>
+              <a:rPr lang="en-US" altLang="zh-CN" b="0" i="0" dirty="0">
+                <a:solidFill>
+                  <a:srgbClr val="1D2129"/>
+                </a:solidFill>
+                <a:effectLst/>
+                <a:latin typeface="微软雅黑" panose="020B0503020204020204" pitchFamily="34" charset="-122"/>
+                <a:ea typeface="微软雅黑" panose="020B0503020204020204" pitchFamily="34" charset="-122"/>
+              </a:rPr>
+              <a:t>15%</a:t>
+            </a:r>
+            <a:r>
+              <a:rPr lang="zh-CN" altLang="en-US" dirty="0">
+                <a:solidFill>
+                  <a:srgbClr val="1D2129"/>
+                </a:solidFill>
+                <a:latin typeface="微软雅黑" panose="020B0503020204020204" pitchFamily="34" charset="-122"/>
+                <a:ea typeface="微软雅黑" panose="020B0503020204020204" pitchFamily="34" charset="-122"/>
+              </a:rPr>
+              <a:t>进行</a:t>
+            </a:r>
+            <a:r>
+              <a:rPr lang="zh-CN" altLang="en-US" b="1" i="0" dirty="0">
+                <a:solidFill>
+                  <a:srgbClr val="1D2129"/>
+                </a:solidFill>
+                <a:effectLst/>
+                <a:latin typeface="微软雅黑" panose="020B0503020204020204" pitchFamily="34" charset="-122"/>
+                <a:ea typeface="微软雅黑" panose="020B0503020204020204" pitchFamily="34" charset="-122"/>
+              </a:rPr>
+              <a:t>随机屏蔽</a:t>
+            </a:r>
+            <a:endParaRPr lang="zh-CN" altLang="en-US" b="1" dirty="0">
+              <a:latin typeface="微软雅黑" panose="020B0503020204020204" pitchFamily="34" charset="-122"/>
+              <a:ea typeface="微软雅黑" panose="020B0503020204020204" pitchFamily="34" charset="-122"/>
+            </a:endParaRPr>
+          </a:p>
+        </p:txBody>
+      </p:sp>
     </p:spTree>
     <p:extLst>
       <p:ext uri="{BB962C8B-B14F-4D97-AF65-F5344CB8AC3E}">
-        <p14:creationId xmlns:p14="http://schemas.microsoft.com/office/powerpoint/2010/main" val="819897205"/>
+        <p14:creationId xmlns:p14="http://schemas.microsoft.com/office/powerpoint/2010/main" val="63115944"/>
       </p:ext>
     </p:extLst>
   </p:cSld>
@@ -6845,12 +10443,680 @@
           <a:chExt cx="0" cy="0"/>
         </a:xfrm>
       </p:grpSpPr>
-      <p:sp>
-        <p:nvSpPr>
-          <p:cNvPr id="9" name="文本框 8">
+      <mc:AlternateContent xmlns:mc="http://schemas.openxmlformats.org/markup-compatibility/2006" xmlns:a14="http://schemas.microsoft.com/office/drawing/2010/main">
+        <mc:Choice Requires="a14">
+          <p:sp>
+            <p:nvSpPr>
+              <p:cNvPr id="13" name="文本框 12">
+                <a:extLst>
+                  <a:ext uri="{FF2B5EF4-FFF2-40B4-BE49-F238E27FC236}">
+                    <a16:creationId xmlns:a16="http://schemas.microsoft.com/office/drawing/2014/main" id="{B7809583-0BE4-46B8-B202-6A2FDA84359E}"/>
+                  </a:ext>
+                </a:extLst>
+              </p:cNvPr>
+              <p:cNvSpPr txBox="1"/>
+              <p:nvPr/>
+            </p:nvSpPr>
+            <p:spPr>
+              <a:xfrm>
+                <a:off x="548418" y="1704487"/>
+                <a:ext cx="11041070" cy="4613892"/>
+              </a:xfrm>
+              <a:prstGeom prst="rect">
+                <a:avLst/>
+              </a:prstGeom>
+              <a:noFill/>
+            </p:spPr>
+            <p:txBody>
+              <a:bodyPr wrap="square" rtlCol="0">
+                <a:spAutoFit/>
+              </a:bodyPr>
+              <a:lstStyle/>
+              <a:p>
+                <a:pPr>
+                  <a:lnSpc>
+                    <a:spcPct val="150000"/>
+                  </a:lnSpc>
+                </a:pPr>
+                <a:r>
+                  <a:rPr lang="en-US" altLang="zh-CN" b="1" dirty="0">
+                    <a:latin typeface="微软雅黑" panose="020B0503020204020204" pitchFamily="34" charset="-122"/>
+                    <a:ea typeface="微软雅黑" panose="020B0503020204020204" pitchFamily="34" charset="-122"/>
+                  </a:rPr>
+                  <a:t>Fine-tuning</a:t>
+                </a:r>
+                <a:r>
+                  <a:rPr lang="zh-CN" altLang="en-US" b="1" dirty="0">
+                    <a:latin typeface="微软雅黑" panose="020B0503020204020204" pitchFamily="34" charset="-122"/>
+                    <a:ea typeface="微软雅黑" panose="020B0503020204020204" pitchFamily="34" charset="-122"/>
+                  </a:rPr>
+                  <a:t> </a:t>
+                </a:r>
+                <a:r>
+                  <a:rPr lang="en-US" altLang="zh-CN" b="1" dirty="0">
+                    <a:latin typeface="微软雅黑" panose="020B0503020204020204" pitchFamily="34" charset="-122"/>
+                    <a:ea typeface="微软雅黑" panose="020B0503020204020204" pitchFamily="34" charset="-122"/>
+                  </a:rPr>
+                  <a:t>datasets</a:t>
+                </a:r>
+                <a:r>
+                  <a:rPr lang="zh-CN" altLang="en-US" b="1" dirty="0">
+                    <a:latin typeface="微软雅黑" panose="020B0503020204020204" pitchFamily="34" charset="-122"/>
+                    <a:ea typeface="微软雅黑" panose="020B0503020204020204" pitchFamily="34" charset="-122"/>
+                  </a:rPr>
+                  <a:t>的生成：</a:t>
+                </a:r>
+                <a:endParaRPr lang="en-US" altLang="zh-CN" b="1" dirty="0">
+                  <a:latin typeface="微软雅黑" panose="020B0503020204020204" pitchFamily="34" charset="-122"/>
+                  <a:ea typeface="微软雅黑" panose="020B0503020204020204" pitchFamily="34" charset="-122"/>
+                </a:endParaRPr>
+              </a:p>
+              <a:p>
+                <a:pPr>
+                  <a:lnSpc>
+                    <a:spcPct val="150000"/>
+                  </a:lnSpc>
+                </a:pPr>
+                <a:r>
+                  <a:rPr lang="zh-CN" altLang="en-US" b="0" dirty="0">
+                    <a:ea typeface="微软雅黑" panose="020B0503020204020204" pitchFamily="34" charset="-122"/>
+                  </a:rPr>
+                  <a:t>从</a:t>
+                </a:r>
+                <a:r>
+                  <a:rPr lang="en-US" altLang="zh-CN" dirty="0">
+                    <a:latin typeface="微软雅黑" panose="020B0503020204020204" pitchFamily="34" charset="-122"/>
+                    <a:ea typeface="微软雅黑" panose="020B0503020204020204" pitchFamily="34" charset="-122"/>
+                  </a:rPr>
+                  <a:t>GitHub </a:t>
+                </a:r>
+                <a:r>
+                  <a:rPr lang="zh-CN" altLang="en-US" dirty="0">
+                    <a:latin typeface="微软雅黑" panose="020B0503020204020204" pitchFamily="34" charset="-122"/>
+                    <a:ea typeface="微软雅黑" panose="020B0503020204020204" pitchFamily="34" charset="-122"/>
+                  </a:rPr>
+                  <a:t>和</a:t>
+                </a:r>
+                <a:r>
+                  <a:rPr lang="en-US" altLang="zh-CN" dirty="0">
+                    <a:latin typeface="微软雅黑" panose="020B0503020204020204" pitchFamily="34" charset="-122"/>
+                    <a:ea typeface="微软雅黑" panose="020B0503020204020204" pitchFamily="34" charset="-122"/>
+                  </a:rPr>
+                  <a:t> Gerrit datasets</a:t>
+                </a:r>
+                <a:r>
+                  <a:rPr lang="zh-CN" altLang="en-US" dirty="0">
+                    <a:latin typeface="微软雅黑" panose="020B0503020204020204" pitchFamily="34" charset="-122"/>
+                    <a:ea typeface="微软雅黑" panose="020B0503020204020204" pitchFamily="34" charset="-122"/>
+                  </a:rPr>
+                  <a:t>中提取三元组 </a:t>
+                </a:r>
+                <a14:m>
+                  <m:oMath xmlns:m="http://schemas.openxmlformats.org/officeDocument/2006/math">
+                    <m:r>
+                      <a:rPr lang="zh-CN" altLang="en-US" i="1" dirty="0" smtClean="0">
+                        <a:latin typeface="Cambria Math" panose="02040503050406030204" pitchFamily="18" charset="0"/>
+                        <a:ea typeface="微软雅黑" panose="020B0503020204020204" pitchFamily="34" charset="-122"/>
+                      </a:rPr>
+                      <m:t> </m:t>
+                    </m:r>
+                    <m:r>
+                      <a:rPr lang="en-US" altLang="zh-CN" b="0" i="1" smtClean="0">
+                        <a:latin typeface="Cambria Math" panose="02040503050406030204" pitchFamily="18" charset="0"/>
+                        <a:ea typeface="微软雅黑" panose="020B0503020204020204" pitchFamily="34" charset="-122"/>
+                      </a:rPr>
+                      <m:t>&lt;</m:t>
+                    </m:r>
+                    <m:sSub>
+                      <m:sSubPr>
+                        <m:ctrlPr>
+                          <a:rPr lang="en-US" altLang="zh-CN" b="0" i="1" smtClean="0">
+                            <a:latin typeface="Cambria Math" panose="02040503050406030204" pitchFamily="18" charset="0"/>
+                            <a:ea typeface="微软雅黑" panose="020B0503020204020204" pitchFamily="34" charset="-122"/>
+                          </a:rPr>
+                        </m:ctrlPr>
+                      </m:sSubPr>
+                      <m:e>
+                        <m:r>
+                          <a:rPr lang="en-US" altLang="zh-CN" b="0" i="1" smtClean="0">
+                            <a:latin typeface="Cambria Math" panose="02040503050406030204" pitchFamily="18" charset="0"/>
+                            <a:ea typeface="微软雅黑" panose="020B0503020204020204" pitchFamily="34" charset="-122"/>
+                          </a:rPr>
+                          <m:t>𝑚</m:t>
+                        </m:r>
+                      </m:e>
+                      <m:sub>
+                        <m:r>
+                          <a:rPr lang="en-US" altLang="zh-CN" b="0" i="1" smtClean="0">
+                            <a:latin typeface="Cambria Math" panose="02040503050406030204" pitchFamily="18" charset="0"/>
+                            <a:ea typeface="微软雅黑" panose="020B0503020204020204" pitchFamily="34" charset="-122"/>
+                          </a:rPr>
+                          <m:t>𝑠</m:t>
+                        </m:r>
+                      </m:sub>
+                    </m:sSub>
+                    <m:r>
+                      <a:rPr lang="en-US" altLang="zh-CN" b="0" i="1" smtClean="0">
+                        <a:latin typeface="Cambria Math" panose="02040503050406030204" pitchFamily="18" charset="0"/>
+                        <a:ea typeface="微软雅黑" panose="020B0503020204020204" pitchFamily="34" charset="-122"/>
+                      </a:rPr>
+                      <m:t>, </m:t>
+                    </m:r>
+                    <m:sSub>
+                      <m:sSubPr>
+                        <m:ctrlPr>
+                          <a:rPr lang="en-US" altLang="zh-CN" b="0" i="1" smtClean="0">
+                            <a:latin typeface="Cambria Math" panose="02040503050406030204" pitchFamily="18" charset="0"/>
+                            <a:ea typeface="微软雅黑" panose="020B0503020204020204" pitchFamily="34" charset="-122"/>
+                          </a:rPr>
+                        </m:ctrlPr>
+                      </m:sSubPr>
+                      <m:e>
+                        <m:r>
+                          <a:rPr lang="en-US" altLang="zh-CN" b="0" i="1" smtClean="0">
+                            <a:latin typeface="Cambria Math" panose="02040503050406030204" pitchFamily="18" charset="0"/>
+                            <a:ea typeface="微软雅黑" panose="020B0503020204020204" pitchFamily="34" charset="-122"/>
+                          </a:rPr>
+                          <m:t>𝑐</m:t>
+                        </m:r>
+                      </m:e>
+                      <m:sub>
+                        <m:r>
+                          <a:rPr lang="en-US" altLang="zh-CN" b="0" i="1" smtClean="0">
+                            <a:latin typeface="Cambria Math" panose="02040503050406030204" pitchFamily="18" charset="0"/>
+                            <a:ea typeface="微软雅黑" panose="020B0503020204020204" pitchFamily="34" charset="-122"/>
+                          </a:rPr>
+                          <m:t>𝑛𝑙</m:t>
+                        </m:r>
+                      </m:sub>
+                    </m:sSub>
+                    <m:r>
+                      <a:rPr lang="en-US" altLang="zh-CN" b="0" i="1" smtClean="0">
+                        <a:latin typeface="Cambria Math" panose="02040503050406030204" pitchFamily="18" charset="0"/>
+                        <a:ea typeface="微软雅黑" panose="020B0503020204020204" pitchFamily="34" charset="-122"/>
+                      </a:rPr>
+                      <m:t>,</m:t>
+                    </m:r>
+                    <m:sSub>
+                      <m:sSubPr>
+                        <m:ctrlPr>
+                          <a:rPr lang="en-US" altLang="zh-CN" b="0" i="1" smtClean="0">
+                            <a:latin typeface="Cambria Math" panose="02040503050406030204" pitchFamily="18" charset="0"/>
+                            <a:ea typeface="微软雅黑" panose="020B0503020204020204" pitchFamily="34" charset="-122"/>
+                          </a:rPr>
+                        </m:ctrlPr>
+                      </m:sSubPr>
+                      <m:e>
+                        <m:r>
+                          <a:rPr lang="en-US" altLang="zh-CN" b="0" i="1" smtClean="0">
+                            <a:latin typeface="Cambria Math" panose="02040503050406030204" pitchFamily="18" charset="0"/>
+                            <a:ea typeface="微软雅黑" panose="020B0503020204020204" pitchFamily="34" charset="-122"/>
+                          </a:rPr>
+                          <m:t>𝑚</m:t>
+                        </m:r>
+                      </m:e>
+                      <m:sub>
+                        <m:r>
+                          <a:rPr lang="en-US" altLang="zh-CN" b="0" i="1" smtClean="0">
+                            <a:latin typeface="Cambria Math" panose="02040503050406030204" pitchFamily="18" charset="0"/>
+                            <a:ea typeface="微软雅黑" panose="020B0503020204020204" pitchFamily="34" charset="-122"/>
+                          </a:rPr>
+                          <m:t>𝑟</m:t>
+                        </m:r>
+                      </m:sub>
+                    </m:sSub>
+                    <m:r>
+                      <a:rPr lang="en-US" altLang="zh-CN" b="0" i="1" smtClean="0">
+                        <a:latin typeface="Cambria Math" panose="02040503050406030204" pitchFamily="18" charset="0"/>
+                        <a:ea typeface="微软雅黑" panose="020B0503020204020204" pitchFamily="34" charset="-122"/>
+                      </a:rPr>
+                      <m:t>&gt;</m:t>
+                    </m:r>
+                  </m:oMath>
+                </a14:m>
+                <a:endParaRPr lang="en-US" altLang="zh-CN" dirty="0">
+                  <a:latin typeface="微软雅黑" panose="020B0503020204020204" pitchFamily="34" charset="-122"/>
+                  <a:ea typeface="微软雅黑" panose="020B0503020204020204" pitchFamily="34" charset="-122"/>
+                </a:endParaRPr>
+              </a:p>
+              <a:p>
+                <a:pPr>
+                  <a:lnSpc>
+                    <a:spcPct val="150000"/>
+                  </a:lnSpc>
+                </a:pPr>
+                <a:endParaRPr lang="en-US" altLang="zh-CN" dirty="0">
+                  <a:latin typeface="微软雅黑" panose="020B0503020204020204" pitchFamily="34" charset="-122"/>
+                  <a:ea typeface="微软雅黑" panose="020B0503020204020204" pitchFamily="34" charset="-122"/>
+                </a:endParaRPr>
+              </a:p>
+              <a:p>
+                <a:pPr>
+                  <a:lnSpc>
+                    <a:spcPct val="150000"/>
+                  </a:lnSpc>
+                </a:pPr>
+                <a:endParaRPr lang="en-US" altLang="zh-CN" dirty="0">
+                  <a:latin typeface="微软雅黑" panose="020B0503020204020204" pitchFamily="34" charset="-122"/>
+                  <a:ea typeface="微软雅黑" panose="020B0503020204020204" pitchFamily="34" charset="-122"/>
+                </a:endParaRPr>
+              </a:p>
+              <a:p>
+                <a:pPr>
+                  <a:lnSpc>
+                    <a:spcPct val="150000"/>
+                  </a:lnSpc>
+                </a:pPr>
+                <a:endParaRPr lang="en-US" altLang="zh-CN" dirty="0">
+                  <a:latin typeface="微软雅黑" panose="020B0503020204020204" pitchFamily="34" charset="-122"/>
+                  <a:ea typeface="微软雅黑" panose="020B0503020204020204" pitchFamily="34" charset="-122"/>
+                </a:endParaRPr>
+              </a:p>
+              <a:p>
+                <a:pPr>
+                  <a:lnSpc>
+                    <a:spcPct val="150000"/>
+                  </a:lnSpc>
+                </a:pPr>
+                <a:endParaRPr lang="en-US" altLang="zh-CN" dirty="0">
+                  <a:latin typeface="微软雅黑" panose="020B0503020204020204" pitchFamily="34" charset="-122"/>
+                  <a:ea typeface="微软雅黑" panose="020B0503020204020204" pitchFamily="34" charset="-122"/>
+                </a:endParaRPr>
+              </a:p>
+              <a:p>
+                <a:pPr>
+                  <a:lnSpc>
+                    <a:spcPct val="150000"/>
+                  </a:lnSpc>
+                </a:pPr>
+                <a:r>
+                  <a:rPr lang="zh-CN" altLang="en-US" b="0" i="0" dirty="0">
+                    <a:solidFill>
+                      <a:srgbClr val="1D2129"/>
+                    </a:solidFill>
+                    <a:effectLst/>
+                    <a:latin typeface="微软雅黑" panose="020B0503020204020204" pitchFamily="34" charset="-122"/>
+                    <a:ea typeface="微软雅黑" panose="020B0503020204020204" pitchFamily="34" charset="-122"/>
+                  </a:rPr>
+                  <a:t>这些三元组中，评论人在方法</a:t>
+                </a:r>
+                <a14:m>
+                  <m:oMath xmlns:m="http://schemas.openxmlformats.org/officeDocument/2006/math">
+                    <m:sSub>
+                      <m:sSubPr>
+                        <m:ctrlPr>
+                          <a:rPr lang="en-US" altLang="zh-CN" b="0" i="1" smtClean="0">
+                            <a:solidFill>
+                              <a:srgbClr val="1D2129"/>
+                            </a:solidFill>
+                            <a:effectLst/>
+                            <a:latin typeface="Cambria Math" panose="02040503050406030204" pitchFamily="18" charset="0"/>
+                            <a:ea typeface="微软雅黑" panose="020B0503020204020204" pitchFamily="34" charset="-122"/>
+                          </a:rPr>
+                        </m:ctrlPr>
+                      </m:sSubPr>
+                      <m:e>
+                        <m:r>
+                          <a:rPr lang="en-US" altLang="zh-CN" b="0" i="1" smtClean="0">
+                            <a:solidFill>
+                              <a:srgbClr val="1D2129"/>
+                            </a:solidFill>
+                            <a:effectLst/>
+                            <a:latin typeface="Cambria Math" panose="02040503050406030204" pitchFamily="18" charset="0"/>
+                            <a:ea typeface="微软雅黑" panose="020B0503020204020204" pitchFamily="34" charset="-122"/>
+                          </a:rPr>
+                          <m:t>𝑚</m:t>
+                        </m:r>
+                      </m:e>
+                      <m:sub>
+                        <m:r>
+                          <a:rPr lang="en-US" altLang="zh-CN" b="0" i="1" smtClean="0">
+                            <a:solidFill>
+                              <a:srgbClr val="1D2129"/>
+                            </a:solidFill>
+                            <a:effectLst/>
+                            <a:latin typeface="Cambria Math" panose="02040503050406030204" pitchFamily="18" charset="0"/>
+                            <a:ea typeface="微软雅黑" panose="020B0503020204020204" pitchFamily="34" charset="-122"/>
+                          </a:rPr>
+                          <m:t>𝑠</m:t>
+                        </m:r>
+                      </m:sub>
+                    </m:sSub>
+                  </m:oMath>
+                </a14:m>
+                <a:r>
+                  <a:rPr lang="zh-CN" altLang="en-US" b="0" i="0" dirty="0">
+                    <a:solidFill>
+                      <a:srgbClr val="1D2129"/>
+                    </a:solidFill>
+                    <a:effectLst/>
+                    <a:latin typeface="微软雅黑" panose="020B0503020204020204" pitchFamily="34" charset="-122"/>
+                    <a:ea typeface="微软雅黑" panose="020B0503020204020204" pitchFamily="34" charset="-122"/>
+                  </a:rPr>
+                  <a:t>上发布了评论</a:t>
+                </a:r>
+                <a14:m>
+                  <m:oMath xmlns:m="http://schemas.openxmlformats.org/officeDocument/2006/math">
+                    <m:sSub>
+                      <m:sSubPr>
+                        <m:ctrlPr>
+                          <a:rPr lang="en-US" altLang="zh-CN" b="0" i="1" smtClean="0">
+                            <a:solidFill>
+                              <a:srgbClr val="1D2129"/>
+                            </a:solidFill>
+                            <a:effectLst/>
+                            <a:latin typeface="Cambria Math" panose="02040503050406030204" pitchFamily="18" charset="0"/>
+                            <a:ea typeface="微软雅黑" panose="020B0503020204020204" pitchFamily="34" charset="-122"/>
+                          </a:rPr>
+                        </m:ctrlPr>
+                      </m:sSubPr>
+                      <m:e>
+                        <m:r>
+                          <a:rPr lang="en-US" altLang="zh-CN" b="0" i="1" smtClean="0">
+                            <a:solidFill>
+                              <a:srgbClr val="1D2129"/>
+                            </a:solidFill>
+                            <a:effectLst/>
+                            <a:latin typeface="Cambria Math" panose="02040503050406030204" pitchFamily="18" charset="0"/>
+                            <a:ea typeface="微软雅黑" panose="020B0503020204020204" pitchFamily="34" charset="-122"/>
+                          </a:rPr>
+                          <m:t>𝑐</m:t>
+                        </m:r>
+                      </m:e>
+                      <m:sub>
+                        <m:r>
+                          <a:rPr lang="en-US" altLang="zh-CN" b="0" i="1" smtClean="0">
+                            <a:solidFill>
+                              <a:srgbClr val="1D2129"/>
+                            </a:solidFill>
+                            <a:effectLst/>
+                            <a:latin typeface="Cambria Math" panose="02040503050406030204" pitchFamily="18" charset="0"/>
+                            <a:ea typeface="微软雅黑" panose="020B0503020204020204" pitchFamily="34" charset="-122"/>
+                          </a:rPr>
+                          <m:t>𝑛𝑙</m:t>
+                        </m:r>
+                      </m:sub>
+                    </m:sSub>
+                  </m:oMath>
+                </a14:m>
+                <a:r>
+                  <a:rPr lang="zh-CN" altLang="en-US" b="0" i="0" dirty="0">
+                    <a:solidFill>
+                      <a:srgbClr val="1D2129"/>
+                    </a:solidFill>
+                    <a:effectLst/>
+                    <a:latin typeface="微软雅黑" panose="020B0503020204020204" pitchFamily="34" charset="-122"/>
+                    <a:ea typeface="微软雅黑" panose="020B0503020204020204" pitchFamily="34" charset="-122"/>
+                  </a:rPr>
+                  <a:t>。</a:t>
+                </a:r>
+                <a:r>
+                  <a:rPr lang="en-US" altLang="zh-CN" b="0" i="0" dirty="0">
+                    <a:solidFill>
+                      <a:srgbClr val="1D2129"/>
+                    </a:solidFill>
+                    <a:effectLst/>
+                    <a:latin typeface="微软雅黑" panose="020B0503020204020204" pitchFamily="34" charset="-122"/>
+                    <a:ea typeface="微软雅黑" panose="020B0503020204020204" pitchFamily="34" charset="-122"/>
+                  </a:rPr>
+                  <a:t>GitHub </a:t>
+                </a:r>
+                <a:r>
+                  <a:rPr lang="zh-CN" altLang="en-US" b="0" i="0" dirty="0">
+                    <a:solidFill>
+                      <a:srgbClr val="1D2129"/>
+                    </a:solidFill>
+                    <a:effectLst/>
+                    <a:latin typeface="微软雅黑" panose="020B0503020204020204" pitchFamily="34" charset="-122"/>
+                    <a:ea typeface="微软雅黑" panose="020B0503020204020204" pitchFamily="34" charset="-122"/>
+                  </a:rPr>
+                  <a:t>和 </a:t>
+                </a:r>
+                <a:r>
+                  <a:rPr lang="en-US" altLang="zh-CN" b="0" i="0" dirty="0">
+                    <a:solidFill>
+                      <a:srgbClr val="1D2129"/>
+                    </a:solidFill>
+                    <a:effectLst/>
+                    <a:latin typeface="微软雅黑" panose="020B0503020204020204" pitchFamily="34" charset="-122"/>
+                    <a:ea typeface="微软雅黑" panose="020B0503020204020204" pitchFamily="34" charset="-122"/>
+                  </a:rPr>
+                  <a:t>Gerrit </a:t>
+                </a:r>
+                <a:r>
+                  <a:rPr lang="zh-CN" altLang="en-US" b="0" i="0" dirty="0">
+                    <a:solidFill>
+                      <a:srgbClr val="1D2129"/>
+                    </a:solidFill>
+                    <a:effectLst/>
+                    <a:latin typeface="微软雅黑" panose="020B0503020204020204" pitchFamily="34" charset="-122"/>
+                    <a:ea typeface="微软雅黑" panose="020B0503020204020204" pitchFamily="34" charset="-122"/>
+                  </a:rPr>
+                  <a:t>都提供了有关开发人员在审查过程中提交代码和发布评论的信息； </a:t>
+                </a:r>
+                <a:r>
+                  <a:rPr lang="en-US" altLang="zh-CN" b="0" i="0" dirty="0">
+                    <a:solidFill>
+                      <a:srgbClr val="1D2129"/>
+                    </a:solidFill>
+                    <a:effectLst/>
+                    <a:latin typeface="微软雅黑" panose="020B0503020204020204" pitchFamily="34" charset="-122"/>
+                    <a:ea typeface="微软雅黑" panose="020B0503020204020204" pitchFamily="34" charset="-122"/>
+                  </a:rPr>
+                  <a:t>(ii) </a:t>
+                </a:r>
+                <a:r>
+                  <a:rPr lang="zh-CN" altLang="en-US" b="0" i="0" dirty="0">
+                    <a:solidFill>
+                      <a:srgbClr val="1D2129"/>
+                    </a:solidFill>
+                    <a:effectLst/>
+                    <a:latin typeface="微软雅黑" panose="020B0503020204020204" pitchFamily="34" charset="-122"/>
+                    <a:ea typeface="微软雅黑" panose="020B0503020204020204" pitchFamily="34" charset="-122"/>
+                  </a:rPr>
+                  <a:t>允许检索</a:t>
+                </a:r>
+                <a14:m>
+                  <m:oMath xmlns:m="http://schemas.openxmlformats.org/officeDocument/2006/math">
+                    <m:sSub>
+                      <m:sSubPr>
+                        <m:ctrlPr>
+                          <a:rPr lang="en-US" altLang="zh-CN" b="0" i="1" smtClean="0">
+                            <a:solidFill>
+                              <a:srgbClr val="1D2129"/>
+                            </a:solidFill>
+                            <a:effectLst/>
+                            <a:latin typeface="Cambria Math" panose="02040503050406030204" pitchFamily="18" charset="0"/>
+                            <a:ea typeface="微软雅黑" panose="020B0503020204020204" pitchFamily="34" charset="-122"/>
+                          </a:rPr>
+                        </m:ctrlPr>
+                      </m:sSubPr>
+                      <m:e>
+                        <m:r>
+                          <a:rPr lang="en-US" altLang="zh-CN" b="0" i="1" smtClean="0">
+                            <a:solidFill>
+                              <a:srgbClr val="1D2129"/>
+                            </a:solidFill>
+                            <a:effectLst/>
+                            <a:latin typeface="Cambria Math" panose="02040503050406030204" pitchFamily="18" charset="0"/>
+                            <a:ea typeface="微软雅黑" panose="020B0503020204020204" pitchFamily="34" charset="-122"/>
+                          </a:rPr>
+                          <m:t>𝑐</m:t>
+                        </m:r>
+                      </m:e>
+                      <m:sub>
+                        <m:r>
+                          <a:rPr lang="en-US" altLang="zh-CN" b="0" i="1" smtClean="0">
+                            <a:solidFill>
+                              <a:srgbClr val="1D2129"/>
+                            </a:solidFill>
+                            <a:effectLst/>
+                            <a:latin typeface="Cambria Math" panose="02040503050406030204" pitchFamily="18" charset="0"/>
+                            <a:ea typeface="微软雅黑" panose="020B0503020204020204" pitchFamily="34" charset="-122"/>
+                          </a:rPr>
+                          <m:t>𝑛𝑙</m:t>
+                        </m:r>
+                      </m:sub>
+                    </m:sSub>
+                  </m:oMath>
+                </a14:m>
+                <a:r>
+                  <a:rPr lang="zh-CN" altLang="en-US" b="0" i="0" dirty="0">
+                    <a:solidFill>
+                      <a:srgbClr val="1D2129"/>
+                    </a:solidFill>
+                    <a:effectLst/>
+                    <a:latin typeface="微软雅黑" panose="020B0503020204020204" pitchFamily="34" charset="-122"/>
+                    <a:ea typeface="微软雅黑" panose="020B0503020204020204" pitchFamily="34" charset="-122"/>
+                  </a:rPr>
+                  <a:t>指</a:t>
+                </a:r>
+                <a:r>
+                  <a:rPr lang="zh-CN" altLang="en-US" dirty="0">
+                    <a:solidFill>
+                      <a:srgbClr val="1D2129"/>
+                    </a:solidFill>
+                    <a:latin typeface="微软雅黑" panose="020B0503020204020204" pitchFamily="34" charset="-122"/>
+                    <a:ea typeface="微软雅黑" panose="020B0503020204020204" pitchFamily="34" charset="-122"/>
+                  </a:rPr>
+                  <a:t>向的代码行</a:t>
+                </a:r>
+                <a:r>
+                  <a:rPr lang="zh-CN" altLang="en-US" b="0" i="0" dirty="0">
+                    <a:solidFill>
+                      <a:srgbClr val="1D2129"/>
+                    </a:solidFill>
+                    <a:effectLst/>
+                    <a:latin typeface="微软雅黑" panose="020B0503020204020204" pitchFamily="34" charset="-122"/>
+                    <a:ea typeface="微软雅黑" panose="020B0503020204020204" pitchFamily="34" charset="-122"/>
+                  </a:rPr>
+                  <a:t>（即在发布评论时评论者突出显示的代码）。</a:t>
+                </a:r>
+                <a:endParaRPr lang="en-US" altLang="zh-CN" b="0" i="0" dirty="0">
+                  <a:solidFill>
+                    <a:srgbClr val="1D2129"/>
+                  </a:solidFill>
+                  <a:effectLst/>
+                  <a:latin typeface="微软雅黑" panose="020B0503020204020204" pitchFamily="34" charset="-122"/>
+                  <a:ea typeface="微软雅黑" panose="020B0503020204020204" pitchFamily="34" charset="-122"/>
+                </a:endParaRPr>
+              </a:p>
+              <a:p>
+                <a:pPr>
+                  <a:lnSpc>
+                    <a:spcPct val="150000"/>
+                  </a:lnSpc>
+                </a:pPr>
+                <a:endParaRPr lang="en-US" altLang="zh-CN" dirty="0">
+                  <a:latin typeface="微软雅黑" panose="020B0503020204020204" pitchFamily="34" charset="-122"/>
+                  <a:ea typeface="微软雅黑" panose="020B0503020204020204" pitchFamily="34" charset="-122"/>
+                </a:endParaRPr>
+              </a:p>
+              <a:p>
+                <a:pPr marL="285750" indent="-285750">
+                  <a:lnSpc>
+                    <a:spcPct val="150000"/>
+                  </a:lnSpc>
+                  <a:buFont typeface="Arial" panose="020B0604020202020204" pitchFamily="34" charset="0"/>
+                  <a:buChar char="•"/>
+                </a:pPr>
+                <a:r>
+                  <a:rPr lang="zh-CN" altLang="en-US" dirty="0">
+                    <a:latin typeface="微软雅黑" panose="020B0503020204020204" pitchFamily="34" charset="-122"/>
+                    <a:ea typeface="微软雅黑" panose="020B0503020204020204" pitchFamily="34" charset="-122"/>
+                  </a:rPr>
+                  <a:t>与预训练数据集一样进行替换和删减处理，删除不相关的评论的三元组，（比如“</a:t>
+                </a:r>
+                <a:r>
+                  <a:rPr lang="en-US" altLang="zh-CN" dirty="0">
+                    <a:latin typeface="微软雅黑" panose="020B0503020204020204" pitchFamily="34" charset="-122"/>
+                    <a:ea typeface="微软雅黑" panose="020B0503020204020204" pitchFamily="34" charset="-122"/>
+                  </a:rPr>
+                  <a:t>it looks good to me</a:t>
+                </a:r>
+                <a:r>
+                  <a:rPr lang="zh-CN" altLang="en-US" dirty="0">
+                    <a:latin typeface="微软雅黑" panose="020B0503020204020204" pitchFamily="34" charset="-122"/>
+                    <a:ea typeface="微软雅黑" panose="020B0503020204020204" pitchFamily="34" charset="-122"/>
+                  </a:rPr>
+                  <a:t>” </a:t>
+                </a:r>
+                <a:r>
+                  <a:rPr lang="en-US" altLang="zh-CN" dirty="0">
+                    <a:latin typeface="微软雅黑" panose="020B0503020204020204" pitchFamily="34" charset="-122"/>
+                    <a:ea typeface="微软雅黑" panose="020B0503020204020204" pitchFamily="34" charset="-122"/>
+                  </a:rPr>
+                  <a:t>“thanks” “nice ”etc.</a:t>
+                </a:r>
+                <a:r>
+                  <a:rPr lang="zh-CN" altLang="en-US" dirty="0">
+                    <a:latin typeface="微软雅黑" panose="020B0503020204020204" pitchFamily="34" charset="-122"/>
+                    <a:ea typeface="微软雅黑" panose="020B0503020204020204" pitchFamily="34" charset="-122"/>
+                  </a:rPr>
+                  <a:t>）、删除非英语的三元组</a:t>
+                </a:r>
+                <a:r>
+                  <a:rPr lang="en-US" altLang="zh-CN" dirty="0">
+                    <a:latin typeface="微软雅黑" panose="020B0503020204020204" pitchFamily="34" charset="-122"/>
+                    <a:ea typeface="微软雅黑" panose="020B0503020204020204" pitchFamily="34" charset="-122"/>
+                  </a:rPr>
+                  <a:t>……</a:t>
+                </a:r>
+              </a:p>
+            </p:txBody>
+          </p:sp>
+        </mc:Choice>
+        <mc:Fallback xmlns="">
+          <p:sp>
+            <p:nvSpPr>
+              <p:cNvPr id="13" name="文本框 12">
+                <a:extLst>
+                  <a:ext uri="{FF2B5EF4-FFF2-40B4-BE49-F238E27FC236}">
+                    <a16:creationId xmlns:a16="http://schemas.microsoft.com/office/drawing/2014/main" id="{B7809583-0BE4-46B8-B202-6A2FDA84359E}"/>
+                  </a:ext>
+                </a:extLst>
+              </p:cNvPr>
+              <p:cNvSpPr txBox="1">
+                <a:spLocks noRot="1" noChangeAspect="1" noMove="1" noResize="1" noEditPoints="1" noAdjustHandles="1" noChangeArrowheads="1" noChangeShapeType="1" noTextEdit="1"/>
+              </p:cNvSpPr>
+              <p:nvPr/>
+            </p:nvSpPr>
+            <p:spPr>
+              <a:xfrm>
+                <a:off x="548418" y="1704487"/>
+                <a:ext cx="11041070" cy="4613892"/>
+              </a:xfrm>
+              <a:prstGeom prst="rect">
+                <a:avLst/>
+              </a:prstGeom>
+              <a:blipFill>
+                <a:blip r:embed="rId3"/>
+                <a:stretch>
+                  <a:fillRect l="-497" r="-883" b="-1323"/>
+                </a:stretch>
+              </a:blipFill>
+            </p:spPr>
+            <p:txBody>
+              <a:bodyPr/>
+              <a:lstStyle/>
+              <a:p>
+                <a:r>
+                  <a:rPr lang="zh-CN" altLang="en-US">
+                    <a:noFill/>
+                  </a:rPr>
+                  <a:t> </a:t>
+                </a:r>
+              </a:p>
+            </p:txBody>
+          </p:sp>
+        </mc:Fallback>
+      </mc:AlternateContent>
+      <p:sp>
+        <p:nvSpPr>
+          <p:cNvPr id="4" name="文本框 3">
             <a:extLst>
               <a:ext uri="{FF2B5EF4-FFF2-40B4-BE49-F238E27FC236}">
-                <a16:creationId xmlns:a16="http://schemas.microsoft.com/office/drawing/2014/main" id="{644BDC88-3D27-469B-98D0-D181826F0560}"/>
+                <a16:creationId xmlns:a16="http://schemas.microsoft.com/office/drawing/2014/main" id="{514D4F8A-2152-4300-9CEA-9ED8531B1199}"/>
               </a:ext>
             </a:extLst>
           </p:cNvPr>
@@ -6859,8 +11125,8 @@
         </p:nvSpPr>
         <p:spPr>
           <a:xfrm>
-            <a:off x="2233655" y="2519534"/>
-            <a:ext cx="7724689" cy="1107996"/>
+            <a:off x="126123" y="163961"/>
+            <a:ext cx="10777116" cy="307777"/>
           </a:xfrm>
           <a:prstGeom prst="rect">
             <a:avLst/>
@@ -6868,26 +11134,1251 @@
           <a:noFill/>
         </p:spPr>
         <p:txBody>
+          <a:bodyPr wrap="square" rtlCol="0">
+            <a:spAutoFit/>
+          </a:bodyPr>
+          <a:lstStyle/>
+          <a:p>
+            <a:r>
+              <a:rPr lang="en-US" altLang="zh-CN" sz="1400" dirty="0">
+                <a:solidFill>
+                  <a:schemeClr val="tx1">
+                    <a:lumMod val="50000"/>
+                    <a:lumOff val="50000"/>
+                  </a:schemeClr>
+                </a:solidFill>
+                <a:latin typeface="微软雅黑" panose="020B0503020204020204" pitchFamily="34" charset="-122"/>
+                <a:ea typeface="微软雅黑" panose="020B0503020204020204" pitchFamily="34" charset="-122"/>
+              </a:rPr>
+              <a:t>Using Pre-Trained Models to Boost Code Review Automation</a:t>
+            </a:r>
+            <a:endParaRPr lang="it-IT" altLang="zh-CN" sz="1400" dirty="0">
+              <a:solidFill>
+                <a:schemeClr val="tx1">
+                  <a:lumMod val="50000"/>
+                  <a:lumOff val="50000"/>
+                </a:schemeClr>
+              </a:solidFill>
+              <a:latin typeface="微软雅黑" panose="020B0503020204020204" pitchFamily="34" charset="-122"/>
+              <a:ea typeface="微软雅黑" panose="020B0503020204020204" pitchFamily="34" charset="-122"/>
+            </a:endParaRPr>
+          </a:p>
+        </p:txBody>
+      </p:sp>
+      <p:sp>
+        <p:nvSpPr>
+          <p:cNvPr id="2" name="文本框 1">
+            <a:extLst>
+              <a:ext uri="{FF2B5EF4-FFF2-40B4-BE49-F238E27FC236}">
+                <a16:creationId xmlns:a16="http://schemas.microsoft.com/office/drawing/2014/main" id="{CB7EC186-8BEA-4432-A3F5-B26DB9A3F662}"/>
+              </a:ext>
+            </a:extLst>
+          </p:cNvPr>
+          <p:cNvSpPr txBox="1"/>
+          <p:nvPr/>
+        </p:nvSpPr>
+        <p:spPr>
+          <a:xfrm>
+            <a:off x="324288" y="738851"/>
+            <a:ext cx="10956625" cy="523220"/>
+          </a:xfrm>
+          <a:prstGeom prst="rect">
+            <a:avLst/>
+          </a:prstGeom>
+          <a:noFill/>
+        </p:spPr>
+        <p:txBody>
+          <a:bodyPr wrap="square" rtlCol="0">
+            <a:spAutoFit/>
+          </a:bodyPr>
+          <a:lstStyle/>
+          <a:p>
+            <a:r>
+              <a:rPr lang="en-US" altLang="zh-CN" sz="2800" b="1" dirty="0">
+                <a:latin typeface="微软雅黑" panose="020B0503020204020204" pitchFamily="34" charset="-122"/>
+                <a:ea typeface="微软雅黑" panose="020B0503020204020204" pitchFamily="34" charset="-122"/>
+              </a:rPr>
+              <a:t>Fine-tuning Datasets</a:t>
+            </a:r>
+            <a:endParaRPr lang="it-IT" altLang="zh-CN" sz="2000" dirty="0">
+              <a:latin typeface="微软雅黑" panose="020B0503020204020204" pitchFamily="34" charset="-122"/>
+              <a:ea typeface="微软雅黑" panose="020B0503020204020204" pitchFamily="34" charset="-122"/>
+            </a:endParaRPr>
+          </a:p>
+        </p:txBody>
+      </p:sp>
+      <p:cxnSp>
+        <p:nvCxnSpPr>
+          <p:cNvPr id="6" name="连接符: 肘形 5">
+            <a:extLst>
+              <a:ext uri="{FF2B5EF4-FFF2-40B4-BE49-F238E27FC236}">
+                <a16:creationId xmlns:a16="http://schemas.microsoft.com/office/drawing/2014/main" id="{6DD68774-E9E1-4F33-BA64-A889D813BC85}"/>
+              </a:ext>
+            </a:extLst>
+          </p:cNvPr>
+          <p:cNvCxnSpPr>
+            <a:cxnSpLocks/>
+          </p:cNvCxnSpPr>
+          <p:nvPr/>
+        </p:nvCxnSpPr>
+        <p:spPr>
+          <a:xfrm>
+            <a:off x="6262255" y="2632364"/>
+            <a:ext cx="775854" cy="297872"/>
+          </a:xfrm>
+          <a:prstGeom prst="bentConnector3">
+            <a:avLst>
+              <a:gd name="adj1" fmla="val 893"/>
+            </a:avLst>
+          </a:prstGeom>
+          <a:ln w="12700">
+            <a:tailEnd type="triangle"/>
+          </a:ln>
+        </p:spPr>
+        <p:style>
+          <a:lnRef idx="1">
+            <a:schemeClr val="dk1"/>
+          </a:lnRef>
+          <a:fillRef idx="0">
+            <a:schemeClr val="dk1"/>
+          </a:fillRef>
+          <a:effectRef idx="0">
+            <a:schemeClr val="dk1"/>
+          </a:effectRef>
+          <a:fontRef idx="minor">
+            <a:schemeClr val="tx1"/>
+          </a:fontRef>
+        </p:style>
+      </p:cxnSp>
+      <p:cxnSp>
+        <p:nvCxnSpPr>
+          <p:cNvPr id="19" name="连接符: 肘形 18">
+            <a:extLst>
+              <a:ext uri="{FF2B5EF4-FFF2-40B4-BE49-F238E27FC236}">
+                <a16:creationId xmlns:a16="http://schemas.microsoft.com/office/drawing/2014/main" id="{30EA8CD5-E892-49F0-B52C-0636D88E6C20}"/>
+              </a:ext>
+            </a:extLst>
+          </p:cNvPr>
+          <p:cNvCxnSpPr>
+            <a:cxnSpLocks/>
+          </p:cNvCxnSpPr>
+          <p:nvPr/>
+        </p:nvCxnSpPr>
+        <p:spPr>
+          <a:xfrm>
+            <a:off x="5860473" y="2632364"/>
+            <a:ext cx="1177636" cy="777526"/>
+          </a:xfrm>
+          <a:prstGeom prst="bentConnector3">
+            <a:avLst>
+              <a:gd name="adj1" fmla="val 41"/>
+            </a:avLst>
+          </a:prstGeom>
+          <a:ln w="12700">
+            <a:tailEnd type="triangle"/>
+          </a:ln>
+        </p:spPr>
+        <p:style>
+          <a:lnRef idx="1">
+            <a:schemeClr val="dk1"/>
+          </a:lnRef>
+          <a:fillRef idx="0">
+            <a:schemeClr val="dk1"/>
+          </a:fillRef>
+          <a:effectRef idx="0">
+            <a:schemeClr val="dk1"/>
+          </a:effectRef>
+          <a:fontRef idx="minor">
+            <a:schemeClr val="tx1"/>
+          </a:fontRef>
+        </p:style>
+      </p:cxnSp>
+      <p:cxnSp>
+        <p:nvCxnSpPr>
+          <p:cNvPr id="21" name="连接符: 肘形 20">
+            <a:extLst>
+              <a:ext uri="{FF2B5EF4-FFF2-40B4-BE49-F238E27FC236}">
+                <a16:creationId xmlns:a16="http://schemas.microsoft.com/office/drawing/2014/main" id="{94924271-3129-46A4-9AAD-EE55D7965E82}"/>
+              </a:ext>
+            </a:extLst>
+          </p:cNvPr>
+          <p:cNvCxnSpPr>
+            <a:cxnSpLocks/>
+          </p:cNvCxnSpPr>
+          <p:nvPr/>
+        </p:nvCxnSpPr>
+        <p:spPr>
+          <a:xfrm>
+            <a:off x="5486401" y="2632364"/>
+            <a:ext cx="1551708" cy="1252064"/>
+          </a:xfrm>
+          <a:prstGeom prst="bentConnector3">
+            <a:avLst>
+              <a:gd name="adj1" fmla="val 664"/>
+            </a:avLst>
+          </a:prstGeom>
+          <a:ln w="12700">
+            <a:tailEnd type="triangle"/>
+          </a:ln>
+        </p:spPr>
+        <p:style>
+          <a:lnRef idx="1">
+            <a:schemeClr val="dk1"/>
+          </a:lnRef>
+          <a:fillRef idx="0">
+            <a:schemeClr val="dk1"/>
+          </a:fillRef>
+          <a:effectRef idx="0">
+            <a:schemeClr val="dk1"/>
+          </a:effectRef>
+          <a:fontRef idx="minor">
+            <a:schemeClr val="tx1"/>
+          </a:fontRef>
+        </p:style>
+      </p:cxnSp>
+      <p:sp>
+        <p:nvSpPr>
+          <p:cNvPr id="29" name="文本框 28">
+            <a:extLst>
+              <a:ext uri="{FF2B5EF4-FFF2-40B4-BE49-F238E27FC236}">
+                <a16:creationId xmlns:a16="http://schemas.microsoft.com/office/drawing/2014/main" id="{8DEA8F9B-74DC-4655-81A5-FFDBE432D863}"/>
+              </a:ext>
+            </a:extLst>
+          </p:cNvPr>
+          <p:cNvSpPr txBox="1"/>
+          <p:nvPr/>
+        </p:nvSpPr>
+        <p:spPr>
+          <a:xfrm>
+            <a:off x="7038109" y="3728738"/>
+            <a:ext cx="4813649" cy="307777"/>
+          </a:xfrm>
+          <a:prstGeom prst="rect">
+            <a:avLst/>
+          </a:prstGeom>
+          <a:noFill/>
+        </p:spPr>
+        <p:txBody>
           <a:bodyPr wrap="square">
             <a:spAutoFit/>
           </a:bodyPr>
           <a:lstStyle/>
           <a:p>
-            <a:pPr algn="ctr"/>
-            <a:r>
-              <a:rPr lang="zh-CN" altLang="en-US" sz="6600" b="1" dirty="0">
-                <a:latin typeface="微软雅黑" panose="020B0503020204020204" pitchFamily="34" charset="-122"/>
-                <a:ea typeface="微软雅黑" panose="020B0503020204020204" pitchFamily="34" charset="-122"/>
-              </a:rPr>
-              <a:t>谢谢大家</a:t>
-            </a:r>
-          </a:p>
-        </p:txBody>
-      </p:sp>
+            <a:r>
+              <a:rPr lang="zh-CN" altLang="en-US" sz="1400" dirty="0">
+                <a:latin typeface="微软雅黑" panose="020B0503020204020204" pitchFamily="34" charset="-122"/>
+                <a:ea typeface="微软雅黑" panose="020B0503020204020204" pitchFamily="34" charset="-122"/>
+              </a:rPr>
+              <a:t>a method submitted for the review</a:t>
+            </a:r>
+          </a:p>
+        </p:txBody>
+      </p:sp>
+      <mc:AlternateContent xmlns:mc="http://schemas.openxmlformats.org/markup-compatibility/2006" xmlns:a14="http://schemas.microsoft.com/office/drawing/2010/main">
+        <mc:Choice Requires="a14">
+          <p:sp>
+            <p:nvSpPr>
+              <p:cNvPr id="31" name="文本框 30">
+                <a:extLst>
+                  <a:ext uri="{FF2B5EF4-FFF2-40B4-BE49-F238E27FC236}">
+                    <a16:creationId xmlns:a16="http://schemas.microsoft.com/office/drawing/2014/main" id="{05870B2B-CDAB-4E20-9CAE-18DC6830C2FE}"/>
+                  </a:ext>
+                </a:extLst>
+              </p:cNvPr>
+              <p:cNvSpPr txBox="1"/>
+              <p:nvPr/>
+            </p:nvSpPr>
+            <p:spPr>
+              <a:xfrm>
+                <a:off x="7038109" y="3218763"/>
+                <a:ext cx="3452682" cy="523220"/>
+              </a:xfrm>
+              <a:prstGeom prst="rect">
+                <a:avLst/>
+              </a:prstGeom>
+              <a:noFill/>
+            </p:spPr>
+            <p:txBody>
+              <a:bodyPr wrap="square">
+                <a:spAutoFit/>
+              </a:bodyPr>
+              <a:lstStyle/>
+              <a:p>
+                <a:r>
+                  <a:rPr lang="zh-CN" altLang="en-US" sz="1400" dirty="0">
+                    <a:latin typeface="微软雅黑" panose="020B0503020204020204" pitchFamily="34" charset="-122"/>
+                    <a:ea typeface="微软雅黑" panose="020B0503020204020204" pitchFamily="34" charset="-122"/>
+                  </a:rPr>
+                  <a:t>a single reviewer's comment suggesting code changes for </a:t>
+                </a:r>
+                <a14:m>
+                  <m:oMath xmlns:m="http://schemas.openxmlformats.org/officeDocument/2006/math">
+                    <m:sSub>
+                      <m:sSubPr>
+                        <m:ctrlPr>
+                          <a:rPr lang="en-US" altLang="zh-CN" sz="1400" b="0" i="1" dirty="0" smtClean="0">
+                            <a:latin typeface="Cambria Math" panose="02040503050406030204" pitchFamily="18" charset="0"/>
+                          </a:rPr>
+                        </m:ctrlPr>
+                      </m:sSubPr>
+                      <m:e>
+                        <m:r>
+                          <a:rPr lang="zh-CN" altLang="en-US" sz="1400" i="1" dirty="0" smtClean="0">
+                            <a:latin typeface="Cambria Math" panose="02040503050406030204" pitchFamily="18" charset="0"/>
+                          </a:rPr>
+                          <m:t>𝑚</m:t>
+                        </m:r>
+                      </m:e>
+                      <m:sub>
+                        <m:r>
+                          <a:rPr lang="zh-CN" altLang="en-US" sz="1400" i="1" dirty="0" smtClean="0">
+                            <a:latin typeface="Cambria Math" panose="02040503050406030204" pitchFamily="18" charset="0"/>
+                          </a:rPr>
+                          <m:t>𝑠</m:t>
+                        </m:r>
+                      </m:sub>
+                    </m:sSub>
+                  </m:oMath>
+                </a14:m>
+                <a:endParaRPr lang="zh-CN" altLang="en-US" sz="1400" dirty="0">
+                  <a:latin typeface="微软雅黑" panose="020B0503020204020204" pitchFamily="34" charset="-122"/>
+                  <a:ea typeface="微软雅黑" panose="020B0503020204020204" pitchFamily="34" charset="-122"/>
+                </a:endParaRPr>
+              </a:p>
+            </p:txBody>
+          </p:sp>
+        </mc:Choice>
+        <mc:Fallback xmlns="">
+          <p:sp>
+            <p:nvSpPr>
+              <p:cNvPr id="31" name="文本框 30">
+                <a:extLst>
+                  <a:ext uri="{FF2B5EF4-FFF2-40B4-BE49-F238E27FC236}">
+                    <a16:creationId xmlns:a16="http://schemas.microsoft.com/office/drawing/2014/main" id="{05870B2B-CDAB-4E20-9CAE-18DC6830C2FE}"/>
+                  </a:ext>
+                </a:extLst>
+              </p:cNvPr>
+              <p:cNvSpPr txBox="1">
+                <a:spLocks noRot="1" noChangeAspect="1" noMove="1" noResize="1" noEditPoints="1" noAdjustHandles="1" noChangeArrowheads="1" noChangeShapeType="1" noTextEdit="1"/>
+              </p:cNvSpPr>
+              <p:nvPr/>
+            </p:nvSpPr>
+            <p:spPr>
+              <a:xfrm>
+                <a:off x="7038109" y="3218763"/>
+                <a:ext cx="3452682" cy="523220"/>
+              </a:xfrm>
+              <a:prstGeom prst="rect">
+                <a:avLst/>
+              </a:prstGeom>
+              <a:blipFill>
+                <a:blip r:embed="rId4"/>
+                <a:stretch>
+                  <a:fillRect l="-530" t="-2326" b="-11628"/>
+                </a:stretch>
+              </a:blipFill>
+            </p:spPr>
+            <p:txBody>
+              <a:bodyPr/>
+              <a:lstStyle/>
+              <a:p>
+                <a:r>
+                  <a:rPr lang="zh-CN" altLang="en-US">
+                    <a:noFill/>
+                  </a:rPr>
+                  <a:t> </a:t>
+                </a:r>
+              </a:p>
+            </p:txBody>
+          </p:sp>
+        </mc:Fallback>
+      </mc:AlternateContent>
+      <mc:AlternateContent xmlns:mc="http://schemas.openxmlformats.org/markup-compatibility/2006" xmlns:a14="http://schemas.microsoft.com/office/drawing/2010/main">
+        <mc:Choice Requires="a14">
+          <p:sp>
+            <p:nvSpPr>
+              <p:cNvPr id="32" name="文本框 31">
+                <a:extLst>
+                  <a:ext uri="{FF2B5EF4-FFF2-40B4-BE49-F238E27FC236}">
+                    <a16:creationId xmlns:a16="http://schemas.microsoft.com/office/drawing/2014/main" id="{2F29E1CA-C649-419F-9F7A-C8036B821785}"/>
+                  </a:ext>
+                </a:extLst>
+              </p:cNvPr>
+              <p:cNvSpPr txBox="1"/>
+              <p:nvPr/>
+            </p:nvSpPr>
+            <p:spPr>
+              <a:xfrm>
+                <a:off x="7038109" y="2746026"/>
+                <a:ext cx="4189872" cy="523220"/>
+              </a:xfrm>
+              <a:prstGeom prst="rect">
+                <a:avLst/>
+              </a:prstGeom>
+              <a:noFill/>
+            </p:spPr>
+            <p:txBody>
+              <a:bodyPr wrap="square">
+                <a:spAutoFit/>
+              </a:bodyPr>
+              <a:lstStyle/>
+              <a:p>
+                <a:r>
+                  <a:rPr lang="en-US" altLang="zh-CN" sz="1400" dirty="0">
+                    <a:latin typeface="微软雅黑" panose="020B0503020204020204" pitchFamily="34" charset="-122"/>
+                    <a:ea typeface="微软雅黑" panose="020B0503020204020204" pitchFamily="34" charset="-122"/>
+                  </a:rPr>
+                  <a:t>the revised version of </a:t>
+                </a:r>
+                <a14:m>
+                  <m:oMath xmlns:m="http://schemas.openxmlformats.org/officeDocument/2006/math">
+                    <m:sSub>
+                      <m:sSubPr>
+                        <m:ctrlPr>
+                          <a:rPr lang="en-US" altLang="zh-CN" sz="1400" b="0" i="1" dirty="0" smtClean="0">
+                            <a:latin typeface="Cambria Math" panose="02040503050406030204" pitchFamily="18" charset="0"/>
+                          </a:rPr>
+                        </m:ctrlPr>
+                      </m:sSubPr>
+                      <m:e>
+                        <m:r>
+                          <a:rPr lang="zh-CN" altLang="en-US" sz="1400" i="1" dirty="0" smtClean="0">
+                            <a:latin typeface="Cambria Math" panose="02040503050406030204" pitchFamily="18" charset="0"/>
+                          </a:rPr>
+                          <m:t>𝑚</m:t>
+                        </m:r>
+                      </m:e>
+                      <m:sub>
+                        <m:r>
+                          <a:rPr lang="zh-CN" altLang="en-US" sz="1400" i="1" dirty="0" smtClean="0">
+                            <a:latin typeface="Cambria Math" panose="02040503050406030204" pitchFamily="18" charset="0"/>
+                          </a:rPr>
+                          <m:t>𝑠</m:t>
+                        </m:r>
+                      </m:sub>
+                    </m:sSub>
+                  </m:oMath>
+                </a14:m>
+                <a:r>
+                  <a:rPr lang="zh-CN" altLang="en-US" sz="1400" dirty="0">
+                    <a:latin typeface="微软雅黑" panose="020B0503020204020204" pitchFamily="34" charset="-122"/>
+                    <a:ea typeface="微软雅黑" panose="020B0503020204020204" pitchFamily="34" charset="-122"/>
+                  </a:rPr>
+                  <a:t> </a:t>
+                </a:r>
+                <a:r>
+                  <a:rPr lang="en-US" altLang="zh-CN" sz="1400" dirty="0">
+                    <a:latin typeface="微软雅黑" panose="020B0503020204020204" pitchFamily="34" charset="-122"/>
+                    <a:ea typeface="微软雅黑" panose="020B0503020204020204" pitchFamily="34" charset="-122"/>
+                  </a:rPr>
+                  <a:t>implementing the reviewer's recommendation </a:t>
+                </a:r>
+                <a14:m>
+                  <m:oMath xmlns:m="http://schemas.openxmlformats.org/officeDocument/2006/math">
+                    <m:sSub>
+                      <m:sSubPr>
+                        <m:ctrlPr>
+                          <a:rPr lang="en-US" altLang="zh-CN" sz="1400" b="0" i="1" smtClean="0">
+                            <a:latin typeface="Cambria Math" panose="02040503050406030204" pitchFamily="18" charset="0"/>
+                          </a:rPr>
+                        </m:ctrlPr>
+                      </m:sSubPr>
+                      <m:e>
+                        <m:r>
+                          <a:rPr lang="en-US" altLang="zh-CN" sz="1400" b="0" i="1" smtClean="0">
+                            <a:latin typeface="Cambria Math" panose="02040503050406030204" pitchFamily="18" charset="0"/>
+                          </a:rPr>
+                          <m:t>𝑐</m:t>
+                        </m:r>
+                      </m:e>
+                      <m:sub>
+                        <m:r>
+                          <a:rPr lang="en-US" altLang="zh-CN" sz="1400" b="0" i="1" smtClean="0">
+                            <a:latin typeface="Cambria Math" panose="02040503050406030204" pitchFamily="18" charset="0"/>
+                          </a:rPr>
+                          <m:t>𝑛𝑙</m:t>
+                        </m:r>
+                      </m:sub>
+                    </m:sSub>
+                  </m:oMath>
+                </a14:m>
+                <a:endParaRPr lang="zh-CN" altLang="en-US" sz="1400" dirty="0">
+                  <a:latin typeface="微软雅黑" panose="020B0503020204020204" pitchFamily="34" charset="-122"/>
+                  <a:ea typeface="微软雅黑" panose="020B0503020204020204" pitchFamily="34" charset="-122"/>
+                </a:endParaRPr>
+              </a:p>
+            </p:txBody>
+          </p:sp>
+        </mc:Choice>
+        <mc:Fallback xmlns="">
+          <p:sp>
+            <p:nvSpPr>
+              <p:cNvPr id="32" name="文本框 31">
+                <a:extLst>
+                  <a:ext uri="{FF2B5EF4-FFF2-40B4-BE49-F238E27FC236}">
+                    <a16:creationId xmlns:a16="http://schemas.microsoft.com/office/drawing/2014/main" id="{2F29E1CA-C649-419F-9F7A-C8036B821785}"/>
+                  </a:ext>
+                </a:extLst>
+              </p:cNvPr>
+              <p:cNvSpPr txBox="1">
+                <a:spLocks noRot="1" noChangeAspect="1" noMove="1" noResize="1" noEditPoints="1" noAdjustHandles="1" noChangeArrowheads="1" noChangeShapeType="1" noTextEdit="1"/>
+              </p:cNvSpPr>
+              <p:nvPr/>
+            </p:nvSpPr>
+            <p:spPr>
+              <a:xfrm>
+                <a:off x="7038109" y="2746026"/>
+                <a:ext cx="4189872" cy="523220"/>
+              </a:xfrm>
+              <a:prstGeom prst="rect">
+                <a:avLst/>
+              </a:prstGeom>
+              <a:blipFill>
+                <a:blip r:embed="rId5"/>
+                <a:stretch>
+                  <a:fillRect l="-437" t="-1163" b="-11628"/>
+                </a:stretch>
+              </a:blipFill>
+            </p:spPr>
+            <p:txBody>
+              <a:bodyPr/>
+              <a:lstStyle/>
+              <a:p>
+                <a:r>
+                  <a:rPr lang="zh-CN" altLang="en-US">
+                    <a:noFill/>
+                  </a:rPr>
+                  <a:t> </a:t>
+                </a:r>
+              </a:p>
+            </p:txBody>
+          </p:sp>
+        </mc:Fallback>
+      </mc:AlternateContent>
     </p:spTree>
     <p:extLst>
       <p:ext uri="{BB962C8B-B14F-4D97-AF65-F5344CB8AC3E}">
-        <p14:creationId xmlns:p14="http://schemas.microsoft.com/office/powerpoint/2010/main" val="621799339"/>
+        <p14:creationId xmlns:p14="http://schemas.microsoft.com/office/powerpoint/2010/main" val="819897205"/>
+      </p:ext>
+    </p:extLst>
+  </p:cSld>
+  <p:clrMapOvr>
+    <a:masterClrMapping/>
+  </p:clrMapOvr>
+</p:sld>
+</file>
+
+<file path=ppt/slides/slide9.xml><?xml version="1.0" encoding="utf-8"?>
+<p:sld xmlns:a="http://schemas.openxmlformats.org/drawingml/2006/main" xmlns:r="http://schemas.openxmlformats.org/officeDocument/2006/relationships" xmlns:p="http://schemas.openxmlformats.org/presentationml/2006/main">
+  <p:cSld>
+    <p:spTree>
+      <p:nvGrpSpPr>
+        <p:cNvPr id="1" name=""/>
+        <p:cNvGrpSpPr/>
+        <p:nvPr/>
+      </p:nvGrpSpPr>
+      <p:grpSpPr>
+        <a:xfrm>
+          <a:off x="0" y="0"/>
+          <a:ext cx="0" cy="0"/>
+          <a:chOff x="0" y="0"/>
+          <a:chExt cx="0" cy="0"/>
+        </a:xfrm>
+      </p:grpSpPr>
+      <mc:AlternateContent xmlns:mc="http://schemas.openxmlformats.org/markup-compatibility/2006" xmlns:a14="http://schemas.microsoft.com/office/drawing/2010/main">
+        <mc:Choice Requires="a14">
+          <p:sp>
+            <p:nvSpPr>
+              <p:cNvPr id="13" name="文本框 12">
+                <a:extLst>
+                  <a:ext uri="{FF2B5EF4-FFF2-40B4-BE49-F238E27FC236}">
+                    <a16:creationId xmlns:a16="http://schemas.microsoft.com/office/drawing/2014/main" id="{B7809583-0BE4-46B8-B202-6A2FDA84359E}"/>
+                  </a:ext>
+                </a:extLst>
+              </p:cNvPr>
+              <p:cNvSpPr txBox="1"/>
+              <p:nvPr/>
+            </p:nvSpPr>
+            <p:spPr>
+              <a:xfrm>
+                <a:off x="548418" y="1704487"/>
+                <a:ext cx="11346402" cy="2992614"/>
+              </a:xfrm>
+              <a:prstGeom prst="rect">
+                <a:avLst/>
+              </a:prstGeom>
+              <a:noFill/>
+            </p:spPr>
+            <p:txBody>
+              <a:bodyPr wrap="square" rtlCol="0">
+                <a:spAutoFit/>
+              </a:bodyPr>
+              <a:lstStyle/>
+              <a:p>
+                <a:pPr>
+                  <a:lnSpc>
+                    <a:spcPct val="150000"/>
+                  </a:lnSpc>
+                </a:pPr>
+                <a:r>
+                  <a:rPr lang="zh-CN" altLang="en-US" dirty="0">
+                    <a:latin typeface="微软雅黑" panose="020B0503020204020204" pitchFamily="34" charset="-122"/>
+                    <a:ea typeface="微软雅黑" panose="020B0503020204020204" pitchFamily="34" charset="-122"/>
+                  </a:rPr>
+                  <a:t>然后构建</a:t>
+                </a:r>
+                <a:r>
+                  <a:rPr lang="ko-KR" altLang="en-US" dirty="0">
+                    <a:latin typeface="微软雅黑" panose="020B0503020204020204" pitchFamily="34" charset="-122"/>
+                    <a:ea typeface="微软雅黑" panose="020B0503020204020204" pitchFamily="34" charset="-122"/>
+                  </a:rPr>
+                  <a:t>自动化的三个任务所需的三个微调数据集</a:t>
+                </a:r>
+                <a:r>
+                  <a:rPr lang="zh-CN" altLang="en-US" dirty="0">
+                    <a:latin typeface="微软雅黑" panose="020B0503020204020204" pitchFamily="34" charset="-122"/>
+                    <a:ea typeface="微软雅黑" panose="020B0503020204020204" pitchFamily="34" charset="-122"/>
+                  </a:rPr>
+                  <a:t>：</a:t>
+                </a:r>
+                <a:endParaRPr lang="en-US" altLang="zh-CN" dirty="0">
+                  <a:latin typeface="微软雅黑" panose="020B0503020204020204" pitchFamily="34" charset="-122"/>
+                  <a:ea typeface="微软雅黑" panose="020B0503020204020204" pitchFamily="34" charset="-122"/>
+                </a:endParaRPr>
+              </a:p>
+              <a:p>
+                <a:pPr>
+                  <a:lnSpc>
+                    <a:spcPct val="150000"/>
+                  </a:lnSpc>
+                </a:pPr>
+                <a:endParaRPr lang="en-US" altLang="ko-KR" dirty="0">
+                  <a:latin typeface="微软雅黑" panose="020B0503020204020204" pitchFamily="34" charset="-122"/>
+                  <a:ea typeface="微软雅黑" panose="020B0503020204020204" pitchFamily="34" charset="-122"/>
+                </a:endParaRPr>
+              </a:p>
+              <a:p>
+                <a:pPr marL="285750" indent="-285750">
+                  <a:lnSpc>
+                    <a:spcPct val="150000"/>
+                  </a:lnSpc>
+                  <a:buFont typeface="Arial" panose="020B0604020202020204" pitchFamily="34" charset="0"/>
+                  <a:buChar char="•"/>
+                </a:pPr>
+                <a:r>
+                  <a:rPr lang="ko-KR" altLang="en-US" dirty="0">
+                    <a:latin typeface="微软雅黑" panose="020B0503020204020204" pitchFamily="34" charset="-122"/>
+                    <a:ea typeface="微软雅黑" panose="020B0503020204020204" pitchFamily="34" charset="-122"/>
+                  </a:rPr>
+                  <a:t>在第一个任务（代码到代码）中，模型以自动生成其修订版本</a:t>
+                </a:r>
+                <a:r>
+                  <a:rPr lang="zh-CN" altLang="en-US" dirty="0">
+                    <a:latin typeface="微软雅黑" panose="020B0503020204020204" pitchFamily="34" charset="-122"/>
+                    <a:ea typeface="微软雅黑" panose="020B0503020204020204" pitchFamily="34" charset="-122"/>
+                  </a:rPr>
+                  <a:t>，</a:t>
+                </a:r>
+                <a:r>
+                  <a:rPr lang="ko-KR" altLang="en-US" dirty="0">
+                    <a:latin typeface="微软雅黑" panose="020B0503020204020204" pitchFamily="34" charset="-122"/>
+                    <a:ea typeface="微软雅黑" panose="020B0503020204020204" pitchFamily="34" charset="-122"/>
+                  </a:rPr>
+                  <a:t>因此微调数据集由</a:t>
+                </a:r>
+                <a14:m>
+                  <m:oMath xmlns:m="http://schemas.openxmlformats.org/officeDocument/2006/math">
+                    <m:sSub>
+                      <m:sSubPr>
+                        <m:ctrlPr>
+                          <a:rPr lang="en-US" altLang="ko-KR" b="0" i="1" smtClean="0">
+                            <a:latin typeface="Cambria Math" panose="02040503050406030204" pitchFamily="18" charset="0"/>
+                            <a:ea typeface="微软雅黑" panose="020B0503020204020204" pitchFamily="34" charset="-122"/>
+                          </a:rPr>
+                        </m:ctrlPr>
+                      </m:sSubPr>
+                      <m:e>
+                        <m:r>
+                          <a:rPr lang="en-US" altLang="ko-KR" b="0" i="1" smtClean="0">
+                            <a:latin typeface="Cambria Math" panose="02040503050406030204" pitchFamily="18" charset="0"/>
+                            <a:ea typeface="微软雅黑" panose="020B0503020204020204" pitchFamily="34" charset="-122"/>
+                          </a:rPr>
+                          <m:t>𝑚</m:t>
+                        </m:r>
+                      </m:e>
+                      <m:sub>
+                        <m:r>
+                          <a:rPr lang="en-US" altLang="ko-KR" b="0" i="1" smtClean="0">
+                            <a:latin typeface="Cambria Math" panose="02040503050406030204" pitchFamily="18" charset="0"/>
+                            <a:ea typeface="微软雅黑" panose="020B0503020204020204" pitchFamily="34" charset="-122"/>
+                          </a:rPr>
+                          <m:t>𝑠</m:t>
+                        </m:r>
+                      </m:sub>
+                    </m:sSub>
+                    <m:r>
+                      <a:rPr lang="ko-KR" altLang="en-US" i="1" dirty="0" smtClean="0">
+                        <a:latin typeface="Cambria Math" panose="02040503050406030204" pitchFamily="18" charset="0"/>
+                        <a:ea typeface="微软雅黑" panose="020B0503020204020204" pitchFamily="34" charset="-122"/>
+                      </a:rPr>
+                      <m:t>→</m:t>
+                    </m:r>
+                    <m:sSub>
+                      <m:sSubPr>
+                        <m:ctrlPr>
+                          <a:rPr lang="en-US" altLang="ko-KR" b="0" i="1" smtClean="0">
+                            <a:latin typeface="Cambria Math" panose="02040503050406030204" pitchFamily="18" charset="0"/>
+                            <a:ea typeface="微软雅黑" panose="020B0503020204020204" pitchFamily="34" charset="-122"/>
+                          </a:rPr>
+                        </m:ctrlPr>
+                      </m:sSubPr>
+                      <m:e>
+                        <m:r>
+                          <a:rPr lang="en-US" altLang="ko-KR" b="0" i="1" smtClean="0">
+                            <a:latin typeface="Cambria Math" panose="02040503050406030204" pitchFamily="18" charset="0"/>
+                            <a:ea typeface="微软雅黑" panose="020B0503020204020204" pitchFamily="34" charset="-122"/>
+                          </a:rPr>
+                          <m:t>𝑚</m:t>
+                        </m:r>
+                      </m:e>
+                      <m:sub>
+                        <m:r>
+                          <a:rPr lang="en-US" altLang="ko-KR" b="0" i="1" smtClean="0">
+                            <a:latin typeface="Cambria Math" panose="02040503050406030204" pitchFamily="18" charset="0"/>
+                            <a:ea typeface="微软雅黑" panose="020B0503020204020204" pitchFamily="34" charset="-122"/>
+                          </a:rPr>
+                          <m:t>𝑟</m:t>
+                        </m:r>
+                      </m:sub>
+                    </m:sSub>
+                  </m:oMath>
+                </a14:m>
+                <a:r>
+                  <a:rPr lang="ko-KR" altLang="en-US" dirty="0">
+                    <a:latin typeface="微软雅黑" panose="020B0503020204020204" pitchFamily="34" charset="-122"/>
+                    <a:ea typeface="微软雅黑" panose="020B0503020204020204" pitchFamily="34" charset="-122"/>
+                  </a:rPr>
+                  <a:t>表示。</a:t>
+                </a:r>
+                <a:endParaRPr lang="en-US" altLang="ko-KR" dirty="0">
+                  <a:latin typeface="微软雅黑" panose="020B0503020204020204" pitchFamily="34" charset="-122"/>
+                  <a:ea typeface="微软雅黑" panose="020B0503020204020204" pitchFamily="34" charset="-122"/>
+                </a:endParaRPr>
+              </a:p>
+              <a:p>
+                <a:pPr marL="285750" indent="-285750">
+                  <a:lnSpc>
+                    <a:spcPct val="150000"/>
+                  </a:lnSpc>
+                  <a:buFont typeface="Arial" panose="020B0604020202020204" pitchFamily="34" charset="0"/>
+                  <a:buChar char="•"/>
+                </a:pPr>
+                <a:r>
+                  <a:rPr lang="ko-KR" altLang="en-US" dirty="0">
+                    <a:latin typeface="微软雅黑" panose="020B0503020204020204" pitchFamily="34" charset="-122"/>
+                    <a:ea typeface="微软雅黑" panose="020B0503020204020204" pitchFamily="34" charset="-122"/>
+                  </a:rPr>
+                  <a:t>在第二个任务（代码和评论到代码）中，模型将实现推荐的代码更改</a:t>
+                </a:r>
+                <a:r>
+                  <a:rPr lang="zh-CN" altLang="en-US" dirty="0">
+                    <a:latin typeface="微软雅黑" panose="020B0503020204020204" pitchFamily="34" charset="-122"/>
+                    <a:ea typeface="微软雅黑" panose="020B0503020204020204" pitchFamily="34" charset="-122"/>
+                  </a:rPr>
+                  <a:t>，微调数据集由</a:t>
+                </a:r>
+                <a:r>
+                  <a:rPr lang="en-US" altLang="zh-CN" dirty="0">
+                    <a:latin typeface="微软雅黑" panose="020B0503020204020204" pitchFamily="34" charset="-122"/>
+                    <a:ea typeface="微软雅黑" panose="020B0503020204020204" pitchFamily="34" charset="-122"/>
+                  </a:rPr>
+                  <a:t> </a:t>
+                </a:r>
+                <a14:m>
+                  <m:oMath xmlns:m="http://schemas.openxmlformats.org/officeDocument/2006/math">
+                    <m:r>
+                      <a:rPr lang="en-US" altLang="zh-CN" i="1" dirty="0" smtClean="0">
+                        <a:latin typeface="Cambria Math" panose="02040503050406030204" pitchFamily="18" charset="0"/>
+                        <a:ea typeface="微软雅黑" panose="020B0503020204020204" pitchFamily="34" charset="-122"/>
+                      </a:rPr>
+                      <m:t>&lt; </m:t>
+                    </m:r>
+                    <m:sSub>
+                      <m:sSubPr>
+                        <m:ctrlPr>
+                          <a:rPr lang="en-US" altLang="zh-CN" b="0" i="1" dirty="0" smtClean="0">
+                            <a:latin typeface="Cambria Math" panose="02040503050406030204" pitchFamily="18" charset="0"/>
+                            <a:ea typeface="微软雅黑" panose="020B0503020204020204" pitchFamily="34" charset="-122"/>
+                          </a:rPr>
+                        </m:ctrlPr>
+                      </m:sSubPr>
+                      <m:e>
+                        <m:r>
+                          <a:rPr lang="zh-CN" altLang="en-US" i="1" dirty="0" smtClean="0">
+                            <a:latin typeface="Cambria Math" panose="02040503050406030204" pitchFamily="18" charset="0"/>
+                            <a:ea typeface="微软雅黑" panose="020B0503020204020204" pitchFamily="34" charset="-122"/>
+                          </a:rPr>
+                          <m:t>𝑚</m:t>
+                        </m:r>
+                      </m:e>
+                      <m:sub>
+                        <m:r>
+                          <a:rPr lang="zh-CN" altLang="en-US" i="1" dirty="0" smtClean="0">
+                            <a:latin typeface="Cambria Math" panose="02040503050406030204" pitchFamily="18" charset="0"/>
+                            <a:ea typeface="微软雅黑" panose="020B0503020204020204" pitchFamily="34" charset="-122"/>
+                          </a:rPr>
+                          <m:t>𝑠</m:t>
+                        </m:r>
+                      </m:sub>
+                    </m:sSub>
+                    <m:r>
+                      <a:rPr lang="zh-CN" altLang="en-US" i="1" dirty="0" smtClean="0">
+                        <a:latin typeface="Cambria Math" panose="02040503050406030204" pitchFamily="18" charset="0"/>
+                        <a:ea typeface="微软雅黑" panose="020B0503020204020204" pitchFamily="34" charset="-122"/>
+                      </a:rPr>
+                      <m:t> </m:t>
+                    </m:r>
+                    <m:r>
+                      <a:rPr lang="en-US" altLang="zh-CN" i="1" dirty="0" smtClean="0">
+                        <a:latin typeface="Cambria Math" panose="02040503050406030204" pitchFamily="18" charset="0"/>
+                        <a:ea typeface="微软雅黑" panose="020B0503020204020204" pitchFamily="34" charset="-122"/>
+                      </a:rPr>
+                      <m:t>, </m:t>
+                    </m:r>
+                    <m:sSub>
+                      <m:sSubPr>
+                        <m:ctrlPr>
+                          <a:rPr lang="en-US" altLang="zh-CN" b="0" i="1" dirty="0" smtClean="0">
+                            <a:latin typeface="Cambria Math" panose="02040503050406030204" pitchFamily="18" charset="0"/>
+                            <a:ea typeface="微软雅黑" panose="020B0503020204020204" pitchFamily="34" charset="-122"/>
+                          </a:rPr>
+                        </m:ctrlPr>
+                      </m:sSubPr>
+                      <m:e>
+                        <m:r>
+                          <a:rPr lang="zh-CN" altLang="en-US" i="1" dirty="0" smtClean="0">
+                            <a:latin typeface="Cambria Math" panose="02040503050406030204" pitchFamily="18" charset="0"/>
+                            <a:ea typeface="微软雅黑" panose="020B0503020204020204" pitchFamily="34" charset="-122"/>
+                          </a:rPr>
+                          <m:t>𝑐</m:t>
+                        </m:r>
+                      </m:e>
+                      <m:sub>
+                        <m:r>
+                          <a:rPr lang="zh-CN" altLang="en-US" i="1" dirty="0" smtClean="0">
+                            <a:latin typeface="Cambria Math" panose="02040503050406030204" pitchFamily="18" charset="0"/>
+                            <a:ea typeface="微软雅黑" panose="020B0503020204020204" pitchFamily="34" charset="-122"/>
+                          </a:rPr>
+                          <m:t>𝑛𝑙</m:t>
+                        </m:r>
+                      </m:sub>
+                    </m:sSub>
+                    <m:r>
+                      <a:rPr lang="zh-CN" altLang="en-US" i="1" dirty="0" smtClean="0">
+                        <a:latin typeface="Cambria Math" panose="02040503050406030204" pitchFamily="18" charset="0"/>
+                        <a:ea typeface="微软雅黑" panose="020B0503020204020204" pitchFamily="34" charset="-122"/>
+                      </a:rPr>
+                      <m:t> </m:t>
+                    </m:r>
+                    <m:r>
+                      <a:rPr lang="en-US" altLang="zh-CN" i="1" dirty="0" smtClean="0">
+                        <a:latin typeface="Cambria Math" panose="02040503050406030204" pitchFamily="18" charset="0"/>
+                        <a:ea typeface="微软雅黑" panose="020B0503020204020204" pitchFamily="34" charset="-122"/>
+                      </a:rPr>
+                      <m:t>&gt;→ </m:t>
+                    </m:r>
+                    <m:sSub>
+                      <m:sSubPr>
+                        <m:ctrlPr>
+                          <a:rPr lang="en-US" altLang="zh-CN" b="0" i="1" dirty="0" smtClean="0">
+                            <a:latin typeface="Cambria Math" panose="02040503050406030204" pitchFamily="18" charset="0"/>
+                            <a:ea typeface="微软雅黑" panose="020B0503020204020204" pitchFamily="34" charset="-122"/>
+                          </a:rPr>
+                        </m:ctrlPr>
+                      </m:sSubPr>
+                      <m:e>
+                        <m:r>
+                          <a:rPr lang="zh-CN" altLang="en-US" i="1" dirty="0" smtClean="0">
+                            <a:latin typeface="Cambria Math" panose="02040503050406030204" pitchFamily="18" charset="0"/>
+                            <a:ea typeface="微软雅黑" panose="020B0503020204020204" pitchFamily="34" charset="-122"/>
+                          </a:rPr>
+                          <m:t>𝑚</m:t>
+                        </m:r>
+                      </m:e>
+                      <m:sub>
+                        <m:r>
+                          <a:rPr lang="zh-CN" altLang="en-US" i="1" dirty="0" smtClean="0">
+                            <a:latin typeface="Cambria Math" panose="02040503050406030204" pitchFamily="18" charset="0"/>
+                            <a:ea typeface="微软雅黑" panose="020B0503020204020204" pitchFamily="34" charset="-122"/>
+                          </a:rPr>
+                          <m:t>𝑟</m:t>
+                        </m:r>
+                      </m:sub>
+                    </m:sSub>
+                  </m:oMath>
+                </a14:m>
+                <a:r>
+                  <a:rPr lang="zh-CN" altLang="en-US" dirty="0">
+                    <a:latin typeface="微软雅黑" panose="020B0503020204020204" pitchFamily="34" charset="-122"/>
+                    <a:ea typeface="微软雅黑" panose="020B0503020204020204" pitchFamily="34" charset="-122"/>
+                  </a:rPr>
+                  <a:t>表示。</a:t>
+                </a:r>
+                <a:endParaRPr lang="en-US" altLang="zh-CN" dirty="0">
+                  <a:latin typeface="微软雅黑" panose="020B0503020204020204" pitchFamily="34" charset="-122"/>
+                  <a:ea typeface="微软雅黑" panose="020B0503020204020204" pitchFamily="34" charset="-122"/>
+                </a:endParaRPr>
+              </a:p>
+              <a:p>
+                <a:pPr marL="285750" indent="-285750">
+                  <a:lnSpc>
+                    <a:spcPct val="150000"/>
+                  </a:lnSpc>
+                  <a:buFont typeface="Arial" panose="020B0604020202020204" pitchFamily="34" charset="0"/>
+                  <a:buChar char="•"/>
+                </a:pPr>
+                <a:r>
+                  <a:rPr lang="zh-CN" altLang="en-US" dirty="0">
+                    <a:latin typeface="微软雅黑" panose="020B0503020204020204" pitchFamily="34" charset="-122"/>
+                    <a:ea typeface="微软雅黑" panose="020B0503020204020204" pitchFamily="34" charset="-122"/>
+                  </a:rPr>
+                  <a:t>在第三个任务（代码到评论）中，该模型旨在生成自然语言评论，微调数据集由 </a:t>
+                </a:r>
+                <a14:m>
+                  <m:oMath xmlns:m="http://schemas.openxmlformats.org/officeDocument/2006/math">
+                    <m:sSub>
+                      <m:sSubPr>
+                        <m:ctrlPr>
+                          <a:rPr lang="en-US" altLang="zh-CN" b="0" i="1" dirty="0" smtClean="0">
+                            <a:latin typeface="Cambria Math" panose="02040503050406030204" pitchFamily="18" charset="0"/>
+                            <a:ea typeface="微软雅黑" panose="020B0503020204020204" pitchFamily="34" charset="-122"/>
+                          </a:rPr>
+                        </m:ctrlPr>
+                      </m:sSubPr>
+                      <m:e>
+                        <m:r>
+                          <a:rPr lang="zh-CN" altLang="en-US" i="1" dirty="0" smtClean="0">
+                            <a:latin typeface="Cambria Math" panose="02040503050406030204" pitchFamily="18" charset="0"/>
+                            <a:ea typeface="微软雅黑" panose="020B0503020204020204" pitchFamily="34" charset="-122"/>
+                          </a:rPr>
+                          <m:t>𝑚</m:t>
+                        </m:r>
+                      </m:e>
+                      <m:sub>
+                        <m:r>
+                          <a:rPr lang="zh-CN" altLang="en-US" i="1" dirty="0" smtClean="0">
+                            <a:latin typeface="Cambria Math" panose="02040503050406030204" pitchFamily="18" charset="0"/>
+                            <a:ea typeface="微软雅黑" panose="020B0503020204020204" pitchFamily="34" charset="-122"/>
+                          </a:rPr>
+                          <m:t>𝑠</m:t>
+                        </m:r>
+                      </m:sub>
+                    </m:sSub>
+                    <m:r>
+                      <a:rPr lang="zh-CN" altLang="en-US" i="1" dirty="0" smtClean="0">
+                        <a:latin typeface="Cambria Math" panose="02040503050406030204" pitchFamily="18" charset="0"/>
+                        <a:ea typeface="微软雅黑" panose="020B0503020204020204" pitchFamily="34" charset="-122"/>
+                      </a:rPr>
+                      <m:t> → </m:t>
+                    </m:r>
+                    <m:sSub>
+                      <m:sSubPr>
+                        <m:ctrlPr>
+                          <a:rPr lang="en-US" altLang="zh-CN" b="0" i="1" dirty="0" smtClean="0">
+                            <a:latin typeface="Cambria Math" panose="02040503050406030204" pitchFamily="18" charset="0"/>
+                            <a:ea typeface="微软雅黑" panose="020B0503020204020204" pitchFamily="34" charset="-122"/>
+                          </a:rPr>
+                        </m:ctrlPr>
+                      </m:sSubPr>
+                      <m:e>
+                        <m:r>
+                          <a:rPr lang="zh-CN" altLang="en-US" i="1" dirty="0" smtClean="0">
+                            <a:latin typeface="Cambria Math" panose="02040503050406030204" pitchFamily="18" charset="0"/>
+                            <a:ea typeface="微软雅黑" panose="020B0503020204020204" pitchFamily="34" charset="-122"/>
+                          </a:rPr>
+                          <m:t>𝑐</m:t>
+                        </m:r>
+                      </m:e>
+                      <m:sub>
+                        <m:r>
+                          <a:rPr lang="zh-CN" altLang="en-US" i="1" dirty="0" smtClean="0">
+                            <a:latin typeface="Cambria Math" panose="02040503050406030204" pitchFamily="18" charset="0"/>
+                            <a:ea typeface="微软雅黑" panose="020B0503020204020204" pitchFamily="34" charset="-122"/>
+                          </a:rPr>
+                          <m:t>𝑛𝑙</m:t>
+                        </m:r>
+                      </m:sub>
+                    </m:sSub>
+                    <m:r>
+                      <a:rPr lang="zh-CN" altLang="en-US" i="1" dirty="0" smtClean="0">
+                        <a:latin typeface="Cambria Math" panose="02040503050406030204" pitchFamily="18" charset="0"/>
+                        <a:ea typeface="微软雅黑" panose="020B0503020204020204" pitchFamily="34" charset="-122"/>
+                      </a:rPr>
+                      <m:t> </m:t>
+                    </m:r>
+                  </m:oMath>
+                </a14:m>
+                <a:r>
+                  <a:rPr lang="zh-CN" altLang="en-US" dirty="0">
+                    <a:latin typeface="微软雅黑" panose="020B0503020204020204" pitchFamily="34" charset="-122"/>
+                    <a:ea typeface="微软雅黑" panose="020B0503020204020204" pitchFamily="34" charset="-122"/>
+                  </a:rPr>
+                  <a:t>表示。</a:t>
+                </a:r>
+                <a:endParaRPr lang="en-US" altLang="zh-CN" dirty="0">
+                  <a:latin typeface="微软雅黑" panose="020B0503020204020204" pitchFamily="34" charset="-122"/>
+                  <a:ea typeface="微软雅黑" panose="020B0503020204020204" pitchFamily="34" charset="-122"/>
+                </a:endParaRPr>
+              </a:p>
+              <a:p>
+                <a:pPr>
+                  <a:lnSpc>
+                    <a:spcPct val="150000"/>
+                  </a:lnSpc>
+                </a:pPr>
+                <a:endParaRPr lang="en-US" altLang="ko-KR" dirty="0">
+                  <a:latin typeface="微软雅黑" panose="020B0503020204020204" pitchFamily="34" charset="-122"/>
+                  <a:ea typeface="微软雅黑" panose="020B0503020204020204" pitchFamily="34" charset="-122"/>
+                </a:endParaRPr>
+              </a:p>
+              <a:p>
+                <a:pPr>
+                  <a:lnSpc>
+                    <a:spcPct val="150000"/>
+                  </a:lnSpc>
+                </a:pPr>
+                <a:r>
+                  <a:rPr lang="zh-CN" altLang="en-US" dirty="0">
+                    <a:latin typeface="微软雅黑" panose="020B0503020204020204" pitchFamily="34" charset="-122"/>
+                    <a:ea typeface="微软雅黑" panose="020B0503020204020204" pitchFamily="34" charset="-122"/>
+                  </a:rPr>
+                  <a:t>                                        </a:t>
+                </a:r>
+                <a:r>
+                  <a:rPr lang="en-US" altLang="zh-CN" sz="2000" dirty="0">
+                    <a:latin typeface="微软雅黑" panose="020B0503020204020204" pitchFamily="34" charset="-122"/>
+                    <a:ea typeface="微软雅黑" panose="020B0503020204020204" pitchFamily="34" charset="-122"/>
+                  </a:rPr>
+                  <a:t>80% </a:t>
+                </a:r>
+                <a:r>
+                  <a:rPr lang="zh-CN" altLang="en-US" sz="2000" dirty="0">
+                    <a:latin typeface="微软雅黑" panose="020B0503020204020204" pitchFamily="34" charset="-122"/>
+                    <a:ea typeface="微软雅黑" panose="020B0503020204020204" pitchFamily="34" charset="-122"/>
+                  </a:rPr>
+                  <a:t>的训练、</a:t>
+                </a:r>
+                <a:r>
+                  <a:rPr lang="en-US" altLang="zh-CN" sz="2000" dirty="0">
+                    <a:latin typeface="微软雅黑" panose="020B0503020204020204" pitchFamily="34" charset="-122"/>
+                    <a:ea typeface="微软雅黑" panose="020B0503020204020204" pitchFamily="34" charset="-122"/>
+                  </a:rPr>
+                  <a:t>10% </a:t>
+                </a:r>
+                <a:r>
+                  <a:rPr lang="zh-CN" altLang="en-US" sz="2000" dirty="0">
+                    <a:latin typeface="微软雅黑" panose="020B0503020204020204" pitchFamily="34" charset="-122"/>
+                    <a:ea typeface="微软雅黑" panose="020B0503020204020204" pitchFamily="34" charset="-122"/>
+                  </a:rPr>
+                  <a:t>的验证和 </a:t>
+                </a:r>
+                <a:r>
+                  <a:rPr lang="en-US" altLang="zh-CN" sz="2000" dirty="0">
+                    <a:latin typeface="微软雅黑" panose="020B0503020204020204" pitchFamily="34" charset="-122"/>
+                    <a:ea typeface="微软雅黑" panose="020B0503020204020204" pitchFamily="34" charset="-122"/>
+                  </a:rPr>
+                  <a:t>10% </a:t>
+                </a:r>
+                <a:r>
+                  <a:rPr lang="zh-CN" altLang="en-US" sz="2000" dirty="0">
+                    <a:latin typeface="微软雅黑" panose="020B0503020204020204" pitchFamily="34" charset="-122"/>
+                    <a:ea typeface="微软雅黑" panose="020B0503020204020204" pitchFamily="34" charset="-122"/>
+                  </a:rPr>
+                  <a:t>的测试。</a:t>
+                </a:r>
+                <a:endParaRPr lang="en-US" altLang="ko-KR" dirty="0">
+                  <a:latin typeface="微软雅黑" panose="020B0503020204020204" pitchFamily="34" charset="-122"/>
+                  <a:ea typeface="微软雅黑" panose="020B0503020204020204" pitchFamily="34" charset="-122"/>
+                </a:endParaRPr>
+              </a:p>
+            </p:txBody>
+          </p:sp>
+        </mc:Choice>
+        <mc:Fallback xmlns="">
+          <p:sp>
+            <p:nvSpPr>
+              <p:cNvPr id="13" name="文本框 12">
+                <a:extLst>
+                  <a:ext uri="{FF2B5EF4-FFF2-40B4-BE49-F238E27FC236}">
+                    <a16:creationId xmlns:a16="http://schemas.microsoft.com/office/drawing/2014/main" id="{B7809583-0BE4-46B8-B202-6A2FDA84359E}"/>
+                  </a:ext>
+                </a:extLst>
+              </p:cNvPr>
+              <p:cNvSpPr txBox="1">
+                <a:spLocks noRot="1" noChangeAspect="1" noMove="1" noResize="1" noEditPoints="1" noAdjustHandles="1" noChangeArrowheads="1" noChangeShapeType="1" noTextEdit="1"/>
+              </p:cNvSpPr>
+              <p:nvPr/>
+            </p:nvSpPr>
+            <p:spPr>
+              <a:xfrm>
+                <a:off x="548418" y="1704487"/>
+                <a:ext cx="11346402" cy="2992614"/>
+              </a:xfrm>
+              <a:prstGeom prst="rect">
+                <a:avLst/>
+              </a:prstGeom>
+              <a:blipFill>
+                <a:blip r:embed="rId3"/>
+                <a:stretch>
+                  <a:fillRect l="-484" r="-2418" b="-2648"/>
+                </a:stretch>
+              </a:blipFill>
+            </p:spPr>
+            <p:txBody>
+              <a:bodyPr/>
+              <a:lstStyle/>
+              <a:p>
+                <a:r>
+                  <a:rPr lang="zh-CN" altLang="en-US">
+                    <a:noFill/>
+                  </a:rPr>
+                  <a:t> </a:t>
+                </a:r>
+              </a:p>
+            </p:txBody>
+          </p:sp>
+        </mc:Fallback>
+      </mc:AlternateContent>
+      <p:sp>
+        <p:nvSpPr>
+          <p:cNvPr id="4" name="文本框 3">
+            <a:extLst>
+              <a:ext uri="{FF2B5EF4-FFF2-40B4-BE49-F238E27FC236}">
+                <a16:creationId xmlns:a16="http://schemas.microsoft.com/office/drawing/2014/main" id="{514D4F8A-2152-4300-9CEA-9ED8531B1199}"/>
+              </a:ext>
+            </a:extLst>
+          </p:cNvPr>
+          <p:cNvSpPr txBox="1"/>
+          <p:nvPr/>
+        </p:nvSpPr>
+        <p:spPr>
+          <a:xfrm>
+            <a:off x="126123" y="163961"/>
+            <a:ext cx="10777116" cy="307777"/>
+          </a:xfrm>
+          <a:prstGeom prst="rect">
+            <a:avLst/>
+          </a:prstGeom>
+          <a:noFill/>
+        </p:spPr>
+        <p:txBody>
+          <a:bodyPr wrap="square" rtlCol="0">
+            <a:spAutoFit/>
+          </a:bodyPr>
+          <a:lstStyle/>
+          <a:p>
+            <a:r>
+              <a:rPr lang="en-US" altLang="zh-CN" sz="1400" dirty="0">
+                <a:solidFill>
+                  <a:schemeClr val="tx1">
+                    <a:lumMod val="50000"/>
+                    <a:lumOff val="50000"/>
+                  </a:schemeClr>
+                </a:solidFill>
+                <a:latin typeface="微软雅黑" panose="020B0503020204020204" pitchFamily="34" charset="-122"/>
+                <a:ea typeface="微软雅黑" panose="020B0503020204020204" pitchFamily="34" charset="-122"/>
+              </a:rPr>
+              <a:t>Using Pre-Trained Models to Boost Code Review Automation</a:t>
+            </a:r>
+            <a:endParaRPr lang="it-IT" altLang="zh-CN" sz="1400" dirty="0">
+              <a:solidFill>
+                <a:schemeClr val="tx1">
+                  <a:lumMod val="50000"/>
+                  <a:lumOff val="50000"/>
+                </a:schemeClr>
+              </a:solidFill>
+              <a:latin typeface="微软雅黑" panose="020B0503020204020204" pitchFamily="34" charset="-122"/>
+              <a:ea typeface="微软雅黑" panose="020B0503020204020204" pitchFamily="34" charset="-122"/>
+            </a:endParaRPr>
+          </a:p>
+        </p:txBody>
+      </p:sp>
+      <p:sp>
+        <p:nvSpPr>
+          <p:cNvPr id="2" name="文本框 1">
+            <a:extLst>
+              <a:ext uri="{FF2B5EF4-FFF2-40B4-BE49-F238E27FC236}">
+                <a16:creationId xmlns:a16="http://schemas.microsoft.com/office/drawing/2014/main" id="{CB7EC186-8BEA-4432-A3F5-B26DB9A3F662}"/>
+              </a:ext>
+            </a:extLst>
+          </p:cNvPr>
+          <p:cNvSpPr txBox="1"/>
+          <p:nvPr/>
+        </p:nvSpPr>
+        <p:spPr>
+          <a:xfrm>
+            <a:off x="324288" y="738851"/>
+            <a:ext cx="10956625" cy="523220"/>
+          </a:xfrm>
+          <a:prstGeom prst="rect">
+            <a:avLst/>
+          </a:prstGeom>
+          <a:noFill/>
+        </p:spPr>
+        <p:txBody>
+          <a:bodyPr wrap="square" rtlCol="0">
+            <a:spAutoFit/>
+          </a:bodyPr>
+          <a:lstStyle/>
+          <a:p>
+            <a:r>
+              <a:rPr lang="en-US" altLang="zh-CN" sz="2800" b="1" dirty="0">
+                <a:latin typeface="微软雅黑" panose="020B0503020204020204" pitchFamily="34" charset="-122"/>
+                <a:ea typeface="微软雅黑" panose="020B0503020204020204" pitchFamily="34" charset="-122"/>
+              </a:rPr>
+              <a:t>Fine-tuning Datasets</a:t>
+            </a:r>
+            <a:endParaRPr lang="it-IT" altLang="zh-CN" sz="2000" dirty="0">
+              <a:latin typeface="微软雅黑" panose="020B0503020204020204" pitchFamily="34" charset="-122"/>
+              <a:ea typeface="微软雅黑" panose="020B0503020204020204" pitchFamily="34" charset="-122"/>
+            </a:endParaRPr>
+          </a:p>
+        </p:txBody>
+      </p:sp>
+      <p:pic>
+        <p:nvPicPr>
+          <p:cNvPr id="5" name="图片 4">
+            <a:extLst>
+              <a:ext uri="{FF2B5EF4-FFF2-40B4-BE49-F238E27FC236}">
+                <a16:creationId xmlns:a16="http://schemas.microsoft.com/office/drawing/2014/main" id="{E168EE09-F4BE-4FD5-A314-70F775C123F9}"/>
+              </a:ext>
+            </a:extLst>
+          </p:cNvPr>
+          <p:cNvPicPr>
+            <a:picLocks noChangeAspect="1"/>
+          </p:cNvPicPr>
+          <p:nvPr/>
+        </p:nvPicPr>
+        <p:blipFill>
+          <a:blip r:embed="rId4"/>
+          <a:stretch>
+            <a:fillRect/>
+          </a:stretch>
+        </p:blipFill>
+        <p:spPr>
+          <a:xfrm>
+            <a:off x="2728381" y="4697101"/>
+            <a:ext cx="6986476" cy="2066086"/>
+          </a:xfrm>
+          <a:prstGeom prst="rect">
+            <a:avLst/>
+          </a:prstGeom>
+        </p:spPr>
+      </p:pic>
+    </p:spTree>
+    <p:extLst>
+      <p:ext uri="{BB962C8B-B14F-4D97-AF65-F5344CB8AC3E}">
+        <p14:creationId xmlns:p14="http://schemas.microsoft.com/office/powerpoint/2010/main" val="3535532376"/>
       </p:ext>
     </p:extLst>
   </p:cSld>

--- a/汇报/软件测试展示_222126_项桂巳雨.pptx
+++ b/汇报/软件测试展示_222126_项桂巳雨.pptx
@@ -5,7 +5,7 @@
     <p:sldMasterId id="2147483648" r:id="rId1"/>
   </p:sldMasterIdLst>
   <p:notesMasterIdLst>
-    <p:notesMasterId r:id="rId18"/>
+    <p:notesMasterId r:id="rId20"/>
   </p:notesMasterIdLst>
   <p:sldIdLst>
     <p:sldId id="256" r:id="rId2"/>
@@ -22,8 +22,10 @@
     <p:sldId id="299" r:id="rId13"/>
     <p:sldId id="300" r:id="rId14"/>
     <p:sldId id="301" r:id="rId15"/>
-    <p:sldId id="298" r:id="rId16"/>
-    <p:sldId id="274" r:id="rId17"/>
+    <p:sldId id="302" r:id="rId16"/>
+    <p:sldId id="303" r:id="rId17"/>
+    <p:sldId id="298" r:id="rId18"/>
+    <p:sldId id="274" r:id="rId19"/>
   </p:sldIdLst>
   <p:sldSz cx="12192000" cy="6858000"/>
   <p:notesSz cx="6858000" cy="9144000"/>
@@ -212,7 +214,7 @@
           <a:p>
             <a:fld id="{8B80E7EF-2382-4CA9-B4FE-7EB8554BAEC0}" type="datetimeFigureOut">
               <a:rPr lang="zh-CN" altLang="en-US" smtClean="0"/>
-              <a:t>2023/6/7</a:t>
+              <a:t>2023/6/8</a:t>
             </a:fld>
             <a:endParaRPr lang="zh-CN" altLang="en-US"/>
           </a:p>
@@ -1057,6 +1059,174 @@
     </p:spTree>
     <p:extLst>
       <p:ext uri="{BB962C8B-B14F-4D97-AF65-F5344CB8AC3E}">
+        <p14:creationId xmlns:p14="http://schemas.microsoft.com/office/powerpoint/2010/main" val="2905874391"/>
+      </p:ext>
+    </p:extLst>
+  </p:cSld>
+  <p:clrMapOvr>
+    <a:masterClrMapping/>
+  </p:clrMapOvr>
+</p:notes>
+</file>
+
+<file path=ppt/notesSlides/notesSlide16.xml><?xml version="1.0" encoding="utf-8"?>
+<p:notes xmlns:a="http://schemas.openxmlformats.org/drawingml/2006/main" xmlns:r="http://schemas.openxmlformats.org/officeDocument/2006/relationships" xmlns:p="http://schemas.openxmlformats.org/presentationml/2006/main">
+  <p:cSld>
+    <p:spTree>
+      <p:nvGrpSpPr>
+        <p:cNvPr id="1" name=""/>
+        <p:cNvGrpSpPr/>
+        <p:nvPr/>
+      </p:nvGrpSpPr>
+      <p:grpSpPr>
+        <a:xfrm>
+          <a:off x="0" y="0"/>
+          <a:ext cx="0" cy="0"/>
+          <a:chOff x="0" y="0"/>
+          <a:chExt cx="0" cy="0"/>
+        </a:xfrm>
+      </p:grpSpPr>
+      <p:sp>
+        <p:nvSpPr>
+          <p:cNvPr id="2" name="幻灯片图像占位符 1"/>
+          <p:cNvSpPr>
+            <a:spLocks noGrp="1" noRot="1" noChangeAspect="1"/>
+          </p:cNvSpPr>
+          <p:nvPr>
+            <p:ph type="sldImg"/>
+          </p:nvPr>
+        </p:nvSpPr>
+        <p:spPr/>
+      </p:sp>
+      <p:sp>
+        <p:nvSpPr>
+          <p:cNvPr id="3" name="备注占位符 2"/>
+          <p:cNvSpPr>
+            <a:spLocks noGrp="1"/>
+          </p:cNvSpPr>
+          <p:nvPr>
+            <p:ph type="body" idx="1"/>
+          </p:nvPr>
+        </p:nvSpPr>
+        <p:spPr/>
+        <p:txBody>
+          <a:bodyPr/>
+          <a:lstStyle/>
+          <a:p>
+            <a:endParaRPr lang="zh-CN" altLang="en-US" dirty="0"/>
+          </a:p>
+        </p:txBody>
+      </p:sp>
+      <p:sp>
+        <p:nvSpPr>
+          <p:cNvPr id="4" name="灯片编号占位符 3"/>
+          <p:cNvSpPr>
+            <a:spLocks noGrp="1"/>
+          </p:cNvSpPr>
+          <p:nvPr>
+            <p:ph type="sldNum" sz="quarter" idx="5"/>
+          </p:nvPr>
+        </p:nvSpPr>
+        <p:spPr/>
+        <p:txBody>
+          <a:bodyPr/>
+          <a:lstStyle/>
+          <a:p>
+            <a:fld id="{A1A821E3-F86C-41AE-A52F-AD7691908BDE}" type="slidenum">
+              <a:rPr lang="zh-CN" altLang="en-US" smtClean="0"/>
+              <a:t>16</a:t>
+            </a:fld>
+            <a:endParaRPr lang="zh-CN" altLang="en-US"/>
+          </a:p>
+        </p:txBody>
+      </p:sp>
+    </p:spTree>
+    <p:extLst>
+      <p:ext uri="{BB962C8B-B14F-4D97-AF65-F5344CB8AC3E}">
+        <p14:creationId xmlns:p14="http://schemas.microsoft.com/office/powerpoint/2010/main" val="1377465834"/>
+      </p:ext>
+    </p:extLst>
+  </p:cSld>
+  <p:clrMapOvr>
+    <a:masterClrMapping/>
+  </p:clrMapOvr>
+</p:notes>
+</file>
+
+<file path=ppt/notesSlides/notesSlide17.xml><?xml version="1.0" encoding="utf-8"?>
+<p:notes xmlns:a="http://schemas.openxmlformats.org/drawingml/2006/main" xmlns:r="http://schemas.openxmlformats.org/officeDocument/2006/relationships" xmlns:p="http://schemas.openxmlformats.org/presentationml/2006/main">
+  <p:cSld>
+    <p:spTree>
+      <p:nvGrpSpPr>
+        <p:cNvPr id="1" name=""/>
+        <p:cNvGrpSpPr/>
+        <p:nvPr/>
+      </p:nvGrpSpPr>
+      <p:grpSpPr>
+        <a:xfrm>
+          <a:off x="0" y="0"/>
+          <a:ext cx="0" cy="0"/>
+          <a:chOff x="0" y="0"/>
+          <a:chExt cx="0" cy="0"/>
+        </a:xfrm>
+      </p:grpSpPr>
+      <p:sp>
+        <p:nvSpPr>
+          <p:cNvPr id="2" name="幻灯片图像占位符 1"/>
+          <p:cNvSpPr>
+            <a:spLocks noGrp="1" noRot="1" noChangeAspect="1"/>
+          </p:cNvSpPr>
+          <p:nvPr>
+            <p:ph type="sldImg"/>
+          </p:nvPr>
+        </p:nvSpPr>
+        <p:spPr/>
+      </p:sp>
+      <p:sp>
+        <p:nvSpPr>
+          <p:cNvPr id="3" name="备注占位符 2"/>
+          <p:cNvSpPr>
+            <a:spLocks noGrp="1"/>
+          </p:cNvSpPr>
+          <p:nvPr>
+            <p:ph type="body" idx="1"/>
+          </p:nvPr>
+        </p:nvSpPr>
+        <p:spPr/>
+        <p:txBody>
+          <a:bodyPr/>
+          <a:lstStyle/>
+          <a:p>
+            <a:endParaRPr lang="zh-CN" altLang="en-US" dirty="0"/>
+          </a:p>
+        </p:txBody>
+      </p:sp>
+      <p:sp>
+        <p:nvSpPr>
+          <p:cNvPr id="4" name="灯片编号占位符 3"/>
+          <p:cNvSpPr>
+            <a:spLocks noGrp="1"/>
+          </p:cNvSpPr>
+          <p:nvPr>
+            <p:ph type="sldNum" sz="quarter" idx="5"/>
+          </p:nvPr>
+        </p:nvSpPr>
+        <p:spPr/>
+        <p:txBody>
+          <a:bodyPr/>
+          <a:lstStyle/>
+          <a:p>
+            <a:fld id="{A1A821E3-F86C-41AE-A52F-AD7691908BDE}" type="slidenum">
+              <a:rPr lang="zh-CN" altLang="en-US" smtClean="0"/>
+              <a:t>17</a:t>
+            </a:fld>
+            <a:endParaRPr lang="zh-CN" altLang="en-US"/>
+          </a:p>
+        </p:txBody>
+      </p:sp>
+    </p:spTree>
+    <p:extLst>
+      <p:ext uri="{BB962C8B-B14F-4D97-AF65-F5344CB8AC3E}">
         <p14:creationId xmlns:p14="http://schemas.microsoft.com/office/powerpoint/2010/main" val="1489413814"/>
       </p:ext>
     </p:extLst>
@@ -1886,7 +2056,7 @@
           <a:p>
             <a:fld id="{C23E1100-D3E0-4B46-A155-C6D716FBFC85}" type="datetimeFigureOut">
               <a:rPr lang="zh-CN" altLang="en-US" smtClean="0"/>
-              <a:t>2023/6/7</a:t>
+              <a:t>2023/6/8</a:t>
             </a:fld>
             <a:endParaRPr lang="zh-CN" altLang="en-US"/>
           </a:p>
@@ -2084,7 +2254,7 @@
           <a:p>
             <a:fld id="{C23E1100-D3E0-4B46-A155-C6D716FBFC85}" type="datetimeFigureOut">
               <a:rPr lang="zh-CN" altLang="en-US" smtClean="0"/>
-              <a:t>2023/6/7</a:t>
+              <a:t>2023/6/8</a:t>
             </a:fld>
             <a:endParaRPr lang="zh-CN" altLang="en-US"/>
           </a:p>
@@ -2292,7 +2462,7 @@
           <a:p>
             <a:fld id="{C23E1100-D3E0-4B46-A155-C6D716FBFC85}" type="datetimeFigureOut">
               <a:rPr lang="zh-CN" altLang="en-US" smtClean="0"/>
-              <a:t>2023/6/7</a:t>
+              <a:t>2023/6/8</a:t>
             </a:fld>
             <a:endParaRPr lang="zh-CN" altLang="en-US"/>
           </a:p>
@@ -2490,7 +2660,7 @@
           <a:p>
             <a:fld id="{C23E1100-D3E0-4B46-A155-C6D716FBFC85}" type="datetimeFigureOut">
               <a:rPr lang="zh-CN" altLang="en-US" smtClean="0"/>
-              <a:t>2023/6/7</a:t>
+              <a:t>2023/6/8</a:t>
             </a:fld>
             <a:endParaRPr lang="zh-CN" altLang="en-US"/>
           </a:p>
@@ -2765,7 +2935,7 @@
           <a:p>
             <a:fld id="{C23E1100-D3E0-4B46-A155-C6D716FBFC85}" type="datetimeFigureOut">
               <a:rPr lang="zh-CN" altLang="en-US" smtClean="0"/>
-              <a:t>2023/6/7</a:t>
+              <a:t>2023/6/8</a:t>
             </a:fld>
             <a:endParaRPr lang="zh-CN" altLang="en-US"/>
           </a:p>
@@ -3030,7 +3200,7 @@
           <a:p>
             <a:fld id="{C23E1100-D3E0-4B46-A155-C6D716FBFC85}" type="datetimeFigureOut">
               <a:rPr lang="zh-CN" altLang="en-US" smtClean="0"/>
-              <a:t>2023/6/7</a:t>
+              <a:t>2023/6/8</a:t>
             </a:fld>
             <a:endParaRPr lang="zh-CN" altLang="en-US"/>
           </a:p>
@@ -3442,7 +3612,7 @@
           <a:p>
             <a:fld id="{C23E1100-D3E0-4B46-A155-C6D716FBFC85}" type="datetimeFigureOut">
               <a:rPr lang="zh-CN" altLang="en-US" smtClean="0"/>
-              <a:t>2023/6/7</a:t>
+              <a:t>2023/6/8</a:t>
             </a:fld>
             <a:endParaRPr lang="zh-CN" altLang="en-US"/>
           </a:p>
@@ -3583,7 +3753,7 @@
           <a:p>
             <a:fld id="{C23E1100-D3E0-4B46-A155-C6D716FBFC85}" type="datetimeFigureOut">
               <a:rPr lang="zh-CN" altLang="en-US" smtClean="0"/>
-              <a:t>2023/6/7</a:t>
+              <a:t>2023/6/8</a:t>
             </a:fld>
             <a:endParaRPr lang="zh-CN" altLang="en-US"/>
           </a:p>
@@ -3696,7 +3866,7 @@
           <a:p>
             <a:fld id="{C23E1100-D3E0-4B46-A155-C6D716FBFC85}" type="datetimeFigureOut">
               <a:rPr lang="zh-CN" altLang="en-US" smtClean="0"/>
-              <a:t>2023/6/7</a:t>
+              <a:t>2023/6/8</a:t>
             </a:fld>
             <a:endParaRPr lang="zh-CN" altLang="en-US"/>
           </a:p>
@@ -4007,7 +4177,7 @@
           <a:p>
             <a:fld id="{C23E1100-D3E0-4B46-A155-C6D716FBFC85}" type="datetimeFigureOut">
               <a:rPr lang="zh-CN" altLang="en-US" smtClean="0"/>
-              <a:t>2023/6/7</a:t>
+              <a:t>2023/6/8</a:t>
             </a:fld>
             <a:endParaRPr lang="zh-CN" altLang="en-US"/>
           </a:p>
@@ -4295,7 +4465,7 @@
           <a:p>
             <a:fld id="{C23E1100-D3E0-4B46-A155-C6D716FBFC85}" type="datetimeFigureOut">
               <a:rPr lang="zh-CN" altLang="en-US" smtClean="0"/>
-              <a:t>2023/6/7</a:t>
+              <a:t>2023/6/8</a:t>
             </a:fld>
             <a:endParaRPr lang="zh-CN" altLang="en-US"/>
           </a:p>
@@ -4536,7 +4706,7 @@
           <a:p>
             <a:fld id="{C23E1100-D3E0-4B46-A155-C6D716FBFC85}" type="datetimeFigureOut">
               <a:rPr lang="zh-CN" altLang="en-US" smtClean="0"/>
-              <a:t>2023/6/7</a:t>
+              <a:t>2023/6/8</a:t>
             </a:fld>
             <a:endParaRPr lang="zh-CN" altLang="en-US"/>
           </a:p>
@@ -5011,11 +5181,11 @@
           <a:p>
             <a:pPr algn="ctr"/>
             <a:r>
-              <a:rPr lang="en-US" altLang="zh-CN" sz="2000" dirty="0">
-                <a:latin typeface="微软雅黑" panose="020B0503020204020204" pitchFamily="34" charset="-122"/>
-                <a:ea typeface="微软雅黑" panose="020B0503020204020204" pitchFamily="34" charset="-122"/>
-              </a:rPr>
-              <a:t>2023/05/25</a:t>
+              <a:rPr lang="en-US" altLang="zh-CN" sz="2000">
+                <a:latin typeface="微软雅黑" panose="020B0503020204020204" pitchFamily="34" charset="-122"/>
+                <a:ea typeface="微软雅黑" panose="020B0503020204020204" pitchFamily="34" charset="-122"/>
+              </a:rPr>
+              <a:t>2023/06/09</a:t>
             </a:r>
             <a:endParaRPr lang="zh-CN" altLang="en-US" sz="2000" dirty="0">
               <a:latin typeface="微软雅黑" panose="020B0503020204020204" pitchFamily="34" charset="-122"/>
@@ -5057,6 +5227,18 @@
           <a:prstGeom prst="rect">
             <a:avLst/>
           </a:prstGeom>
+          <a:ln w="88900" cap="sq" cmpd="thickThin">
+            <a:solidFill>
+              <a:srgbClr val="000000"/>
+            </a:solidFill>
+            <a:prstDash val="solid"/>
+            <a:miter lim="800000"/>
+          </a:ln>
+          <a:effectLst>
+            <a:innerShdw blurRad="76200">
+              <a:srgbClr val="000000"/>
+            </a:innerShdw>
+          </a:effectLst>
         </p:spPr>
       </p:pic>
     </p:spTree>
@@ -6055,7 +6237,7 @@
         <p:spPr>
           <a:xfrm>
             <a:off x="2514601" y="6010004"/>
-            <a:ext cx="3390900" cy="830997"/>
+            <a:ext cx="3390900" cy="584775"/>
           </a:xfrm>
           <a:prstGeom prst="rect">
             <a:avLst/>
@@ -6094,7 +6276,7 @@
                 <a:latin typeface="微软雅黑" panose="020B0503020204020204" pitchFamily="34" charset="-122"/>
                 <a:ea typeface="微软雅黑" panose="020B0503020204020204" pitchFamily="34" charset="-122"/>
               </a:rPr>
-              <a:t>的性能起什么作用？预测的置信度如何影响它们的质量？</a:t>
+              <a:t>的性能起什么作用？</a:t>
             </a:r>
           </a:p>
         </p:txBody>
@@ -7195,6 +7377,62 @@
               </a:rPr>
               <a:t>结果与分析</a:t>
             </a:r>
+            <a:r>
+              <a:rPr lang="en-US" altLang="zh-CN" sz="2800" b="1" dirty="0">
+                <a:latin typeface="微软雅黑" panose="020B0503020204020204" pitchFamily="34" charset="-122"/>
+                <a:ea typeface="微软雅黑" panose="020B0503020204020204" pitchFamily="34" charset="-122"/>
+              </a:rPr>
+              <a:t>——RQ1</a:t>
+            </a:r>
+            <a:r>
+              <a:rPr lang="zh-CN" altLang="en-US" sz="2800" b="1" dirty="0">
+                <a:latin typeface="微软雅黑" panose="020B0503020204020204" pitchFamily="34" charset="-122"/>
+                <a:ea typeface="微软雅黑" panose="020B0503020204020204" pitchFamily="34" charset="-122"/>
+              </a:rPr>
+              <a:t>、</a:t>
+            </a:r>
+            <a:r>
+              <a:rPr lang="en-US" altLang="zh-CN" sz="2800" b="1" dirty="0">
+                <a:latin typeface="微软雅黑" panose="020B0503020204020204" pitchFamily="34" charset="-122"/>
+                <a:ea typeface="微软雅黑" panose="020B0503020204020204" pitchFamily="34" charset="-122"/>
+              </a:rPr>
+              <a:t>2</a:t>
+            </a:r>
+            <a:r>
+              <a:rPr lang="zh-CN" altLang="en-US" sz="2800" b="1" dirty="0">
+                <a:latin typeface="微软雅黑" panose="020B0503020204020204" pitchFamily="34" charset="-122"/>
+                <a:ea typeface="微软雅黑" panose="020B0503020204020204" pitchFamily="34" charset="-122"/>
+              </a:rPr>
+              <a:t>、</a:t>
+            </a:r>
+            <a:r>
+              <a:rPr lang="en-US" altLang="zh-CN" sz="2800" b="1" dirty="0">
+                <a:latin typeface="微软雅黑" panose="020B0503020204020204" pitchFamily="34" charset="-122"/>
+                <a:ea typeface="微软雅黑" panose="020B0503020204020204" pitchFamily="34" charset="-122"/>
+              </a:rPr>
+              <a:t>3</a:t>
+            </a:r>
+            <a:r>
+              <a:rPr lang="zh-CN" altLang="en-US" sz="2800" b="1" dirty="0">
+                <a:latin typeface="微软雅黑" panose="020B0503020204020204" pitchFamily="34" charset="-122"/>
+                <a:ea typeface="微软雅黑" panose="020B0503020204020204" pitchFamily="34" charset="-122"/>
+              </a:rPr>
+              <a:t>（</a:t>
+            </a:r>
+            <a:r>
+              <a:rPr lang="en-US" altLang="zh-CN" sz="2800" b="1" dirty="0">
+                <a:latin typeface="微软雅黑" panose="020B0503020204020204" pitchFamily="34" charset="-122"/>
+                <a:ea typeface="微软雅黑" panose="020B0503020204020204" pitchFamily="34" charset="-122"/>
+              </a:rPr>
+              <a:t>T5</a:t>
+            </a:r>
+            <a:r>
+              <a:rPr lang="zh-CN" altLang="en-US" sz="2800" b="1" dirty="0">
+                <a:latin typeface="微软雅黑" panose="020B0503020204020204" pitchFamily="34" charset="-122"/>
+                <a:ea typeface="微软雅黑" panose="020B0503020204020204" pitchFamily="34" charset="-122"/>
+              </a:rPr>
+              <a:t>能在多大程度实现三个任务）</a:t>
+            </a:r>
             <a:endParaRPr lang="it-IT" altLang="zh-CN" sz="2000" dirty="0">
               <a:latin typeface="微软雅黑" panose="020B0503020204020204" pitchFamily="34" charset="-122"/>
               <a:ea typeface="微软雅黑" panose="020B0503020204020204" pitchFamily="34" charset="-122"/>
@@ -7277,7 +7515,7 @@
         <p:spPr>
           <a:xfrm>
             <a:off x="422799" y="1494302"/>
-            <a:ext cx="11346402" cy="2264851"/>
+            <a:ext cx="11346402" cy="1156855"/>
           </a:xfrm>
           <a:prstGeom prst="rect">
             <a:avLst/>
@@ -7300,55 +7538,282 @@
                 <a:latin typeface="微软雅黑" panose="020B0503020204020204" pitchFamily="34" charset="-122"/>
                 <a:ea typeface="微软雅黑" panose="020B0503020204020204" pitchFamily="34" charset="-122"/>
               </a:rPr>
-              <a:t>本论文首先讨论了最近提出的自动化代码审查任务</a:t>
-            </a:r>
-            <a:r>
-              <a:rPr lang="en-US" altLang="zh-CN" sz="1600" dirty="0">
-                <a:latin typeface="微软雅黑" panose="020B0503020204020204" pitchFamily="34" charset="-122"/>
-                <a:ea typeface="微软雅黑" panose="020B0503020204020204" pitchFamily="34" charset="-122"/>
-              </a:rPr>
-              <a:t>[46]</a:t>
+              <a:t>从之前的分析中可见，在</a:t>
+            </a:r>
+            <a:r>
+              <a:rPr lang="zh-CN" altLang="en-US" sz="1600" b="1" dirty="0">
+                <a:latin typeface="微软雅黑" panose="020B0503020204020204" pitchFamily="34" charset="-122"/>
+                <a:ea typeface="微软雅黑" panose="020B0503020204020204" pitchFamily="34" charset="-122"/>
+              </a:rPr>
+              <a:t>代码和评论到代码</a:t>
             </a:r>
             <a:r>
               <a:rPr lang="zh-CN" altLang="en-US" sz="1600" dirty="0">
                 <a:latin typeface="微软雅黑" panose="020B0503020204020204" pitchFamily="34" charset="-122"/>
                 <a:ea typeface="微软雅黑" panose="020B0503020204020204" pitchFamily="34" charset="-122"/>
               </a:rPr>
-              <a:t>的方法的局限性。我们强调，代码抽象的使用不允许支持需要代码更改的非平凡代码审查场景，从而导致引入新的标识符</a:t>
-            </a:r>
-            <a:r>
-              <a:rPr lang="en-US" altLang="zh-CN" sz="1600" dirty="0">
-                <a:latin typeface="微软雅黑" panose="020B0503020204020204" pitchFamily="34" charset="-122"/>
-                <a:ea typeface="微软雅黑" panose="020B0503020204020204" pitchFamily="34" charset="-122"/>
-              </a:rPr>
-              <a:t>/</a:t>
+              <a:t>和</a:t>
+            </a:r>
+            <a:r>
+              <a:rPr lang="zh-CN" altLang="en-US" sz="1600" b="1" dirty="0">
+                <a:latin typeface="微软雅黑" panose="020B0503020204020204" pitchFamily="34" charset="-122"/>
+                <a:ea typeface="微软雅黑" panose="020B0503020204020204" pitchFamily="34" charset="-122"/>
+              </a:rPr>
+              <a:t>代码到评论</a:t>
             </a:r>
             <a:r>
               <a:rPr lang="zh-CN" altLang="en-US" sz="1600" dirty="0">
                 <a:latin typeface="微软雅黑" panose="020B0503020204020204" pitchFamily="34" charset="-122"/>
                 <a:ea typeface="微软雅黑" panose="020B0503020204020204" pitchFamily="34" charset="-122"/>
               </a:rPr>
-              <a:t>文字。因此使用预训练 </a:t>
-            </a:r>
-            <a:r>
-              <a:rPr lang="en-US" altLang="zh-CN" sz="1600" dirty="0">
-                <a:latin typeface="微软雅黑" panose="020B0503020204020204" pitchFamily="34" charset="-122"/>
-                <a:ea typeface="微软雅黑" panose="020B0503020204020204" pitchFamily="34" charset="-122"/>
-              </a:rPr>
-              <a:t>T5 </a:t>
+              <a:t>任务中观察到预训练模型的更好性能，而非预训练模型在</a:t>
+            </a:r>
+            <a:r>
+              <a:rPr lang="zh-CN" altLang="en-US" sz="1600" b="1" dirty="0">
+                <a:latin typeface="微软雅黑" panose="020B0503020204020204" pitchFamily="34" charset="-122"/>
+                <a:ea typeface="微软雅黑" panose="020B0503020204020204" pitchFamily="34" charset="-122"/>
+              </a:rPr>
+              <a:t>代码到代码</a:t>
             </a:r>
             <a:r>
               <a:rPr lang="zh-CN" altLang="en-US" sz="1600" dirty="0">
                 <a:latin typeface="微软雅黑" panose="020B0503020204020204" pitchFamily="34" charset="-122"/>
                 <a:ea typeface="微软雅黑" panose="020B0503020204020204" pitchFamily="34" charset="-122"/>
               </a:rPr>
-              <a:t>模型来克服这种限制并直接在原始源代码上工作。</a:t>
+              <a:t>任务中表现更好。（原因在于</a:t>
+            </a:r>
+            <a:r>
+              <a:rPr lang="zh-CN" altLang="en-US" sz="1600" b="1" dirty="0">
+                <a:latin typeface="微软雅黑" panose="020B0503020204020204" pitchFamily="34" charset="-122"/>
+                <a:ea typeface="微软雅黑" panose="020B0503020204020204" pitchFamily="34" charset="-122"/>
+              </a:rPr>
+              <a:t>代码到代码</a:t>
+            </a:r>
+            <a:r>
+              <a:rPr lang="zh-CN" altLang="en-US" sz="1600" dirty="0">
+                <a:latin typeface="微软雅黑" panose="020B0503020204020204" pitchFamily="34" charset="-122"/>
+                <a:ea typeface="微软雅黑" panose="020B0503020204020204" pitchFamily="34" charset="-122"/>
+              </a:rPr>
+              <a:t>的任务只关注源代码，输入输出中没有自然语言，额外的带有自然语言的预训练，并没有使模型受益代码到代码的任务。相反，另外两个任务会从预训练中获得性能提升。）</a:t>
             </a:r>
             <a:endParaRPr lang="en-US" altLang="zh-CN" sz="1600" dirty="0">
               <a:latin typeface="微软雅黑" panose="020B0503020204020204" pitchFamily="34" charset="-122"/>
               <a:ea typeface="微软雅黑" panose="020B0503020204020204" pitchFamily="34" charset="-122"/>
             </a:endParaRPr>
           </a:p>
+        </p:txBody>
+      </p:sp>
+      <p:sp>
+        <p:nvSpPr>
+          <p:cNvPr id="4" name="文本框 3">
+            <a:extLst>
+              <a:ext uri="{FF2B5EF4-FFF2-40B4-BE49-F238E27FC236}">
+                <a16:creationId xmlns:a16="http://schemas.microsoft.com/office/drawing/2014/main" id="{514D4F8A-2152-4300-9CEA-9ED8531B1199}"/>
+              </a:ext>
+            </a:extLst>
+          </p:cNvPr>
+          <p:cNvSpPr txBox="1"/>
+          <p:nvPr/>
+        </p:nvSpPr>
+        <p:spPr>
+          <a:xfrm>
+            <a:off x="126123" y="163961"/>
+            <a:ext cx="10777116" cy="307777"/>
+          </a:xfrm>
+          <a:prstGeom prst="rect">
+            <a:avLst/>
+          </a:prstGeom>
+          <a:noFill/>
+        </p:spPr>
+        <p:txBody>
+          <a:bodyPr wrap="square" rtlCol="0">
+            <a:spAutoFit/>
+          </a:bodyPr>
+          <a:lstStyle/>
+          <a:p>
+            <a:r>
+              <a:rPr lang="en-US" altLang="zh-CN" sz="1400" dirty="0">
+                <a:solidFill>
+                  <a:schemeClr val="tx1">
+                    <a:lumMod val="50000"/>
+                    <a:lumOff val="50000"/>
+                  </a:schemeClr>
+                </a:solidFill>
+                <a:latin typeface="微软雅黑" panose="020B0503020204020204" pitchFamily="34" charset="-122"/>
+                <a:ea typeface="微软雅黑" panose="020B0503020204020204" pitchFamily="34" charset="-122"/>
+              </a:rPr>
+              <a:t>Using Pre-Trained Models to Boost Code Review Automation</a:t>
+            </a:r>
+            <a:endParaRPr lang="it-IT" altLang="zh-CN" sz="1400" dirty="0">
+              <a:solidFill>
+                <a:schemeClr val="tx1">
+                  <a:lumMod val="50000"/>
+                  <a:lumOff val="50000"/>
+                </a:schemeClr>
+              </a:solidFill>
+              <a:latin typeface="微软雅黑" panose="020B0503020204020204" pitchFamily="34" charset="-122"/>
+              <a:ea typeface="微软雅黑" panose="020B0503020204020204" pitchFamily="34" charset="-122"/>
+            </a:endParaRPr>
+          </a:p>
+        </p:txBody>
+      </p:sp>
+      <p:sp>
+        <p:nvSpPr>
+          <p:cNvPr id="2" name="文本框 1">
+            <a:extLst>
+              <a:ext uri="{FF2B5EF4-FFF2-40B4-BE49-F238E27FC236}">
+                <a16:creationId xmlns:a16="http://schemas.microsoft.com/office/drawing/2014/main" id="{CB7EC186-8BEA-4432-A3F5-B26DB9A3F662}"/>
+              </a:ext>
+            </a:extLst>
+          </p:cNvPr>
+          <p:cNvSpPr txBox="1"/>
+          <p:nvPr/>
+        </p:nvSpPr>
+        <p:spPr>
+          <a:xfrm>
+            <a:off x="324288" y="738851"/>
+            <a:ext cx="10956625" cy="523220"/>
+          </a:xfrm>
+          <a:prstGeom prst="rect">
+            <a:avLst/>
+          </a:prstGeom>
+          <a:noFill/>
+        </p:spPr>
+        <p:txBody>
+          <a:bodyPr wrap="square" rtlCol="0">
+            <a:spAutoFit/>
+          </a:bodyPr>
+          <a:lstStyle/>
+          <a:p>
+            <a:r>
+              <a:rPr lang="zh-CN" altLang="en-US" sz="2800" b="1" dirty="0">
+                <a:latin typeface="微软雅黑" panose="020B0503020204020204" pitchFamily="34" charset="-122"/>
+                <a:ea typeface="微软雅黑" panose="020B0503020204020204" pitchFamily="34" charset="-122"/>
+              </a:rPr>
+              <a:t>结果与分析</a:t>
+            </a:r>
+            <a:r>
+              <a:rPr lang="en-US" altLang="zh-CN" sz="2800" b="1" dirty="0">
+                <a:latin typeface="微软雅黑" panose="020B0503020204020204" pitchFamily="34" charset="-122"/>
+                <a:ea typeface="微软雅黑" panose="020B0503020204020204" pitchFamily="34" charset="-122"/>
+              </a:rPr>
+              <a:t>——RQ4</a:t>
+            </a:r>
+            <a:r>
+              <a:rPr lang="zh-CN" altLang="en-US" sz="2800" b="1" dirty="0">
+                <a:latin typeface="微软雅黑" panose="020B0503020204020204" pitchFamily="34" charset="-122"/>
+                <a:ea typeface="微软雅黑" panose="020B0503020204020204" pitchFamily="34" charset="-122"/>
+              </a:rPr>
+              <a:t>（模型预训练对 </a:t>
+            </a:r>
+            <a:r>
+              <a:rPr lang="en-US" altLang="zh-CN" sz="2800" b="1" dirty="0">
+                <a:latin typeface="微软雅黑" panose="020B0503020204020204" pitchFamily="34" charset="-122"/>
+                <a:ea typeface="微软雅黑" panose="020B0503020204020204" pitchFamily="34" charset="-122"/>
+              </a:rPr>
+              <a:t>T5 </a:t>
+            </a:r>
+            <a:r>
+              <a:rPr lang="zh-CN" altLang="en-US" sz="2800" b="1" dirty="0">
+                <a:latin typeface="微软雅黑" panose="020B0503020204020204" pitchFamily="34" charset="-122"/>
+                <a:ea typeface="微软雅黑" panose="020B0503020204020204" pitchFamily="34" charset="-122"/>
+              </a:rPr>
+              <a:t>的性能起什么作用？）</a:t>
+            </a:r>
+            <a:endParaRPr lang="it-IT" altLang="zh-CN" sz="2000" dirty="0">
+              <a:latin typeface="微软雅黑" panose="020B0503020204020204" pitchFamily="34" charset="-122"/>
+              <a:ea typeface="微软雅黑" panose="020B0503020204020204" pitchFamily="34" charset="-122"/>
+            </a:endParaRPr>
+          </a:p>
+        </p:txBody>
+      </p:sp>
+      <p:pic>
+        <p:nvPicPr>
+          <p:cNvPr id="8" name="图片 7">
+            <a:extLst>
+              <a:ext uri="{FF2B5EF4-FFF2-40B4-BE49-F238E27FC236}">
+                <a16:creationId xmlns:a16="http://schemas.microsoft.com/office/drawing/2014/main" id="{0ACBB5DD-1D08-4C04-B72D-C1C6E7C8C99B}"/>
+              </a:ext>
+            </a:extLst>
+          </p:cNvPr>
+          <p:cNvPicPr>
+            <a:picLocks noChangeAspect="1"/>
+          </p:cNvPicPr>
+          <p:nvPr/>
+        </p:nvPicPr>
+        <p:blipFill>
+          <a:blip r:embed="rId3"/>
+          <a:stretch>
+            <a:fillRect/>
+          </a:stretch>
+        </p:blipFill>
+        <p:spPr>
+          <a:xfrm>
+            <a:off x="550718" y="3561727"/>
+            <a:ext cx="11090564" cy="1966460"/>
+          </a:xfrm>
+          <a:prstGeom prst="rect">
+            <a:avLst/>
+          </a:prstGeom>
+        </p:spPr>
+      </p:pic>
+    </p:spTree>
+    <p:extLst>
+      <p:ext uri="{BB962C8B-B14F-4D97-AF65-F5344CB8AC3E}">
+        <p14:creationId xmlns:p14="http://schemas.microsoft.com/office/powerpoint/2010/main" val="126796730"/>
+      </p:ext>
+    </p:extLst>
+  </p:cSld>
+  <p:clrMapOvr>
+    <a:masterClrMapping/>
+  </p:clrMapOvr>
+</p:sld>
+</file>
+
+<file path=ppt/slides/slide16.xml><?xml version="1.0" encoding="utf-8"?>
+<p:sld xmlns:a="http://schemas.openxmlformats.org/drawingml/2006/main" xmlns:r="http://schemas.openxmlformats.org/officeDocument/2006/relationships" xmlns:p="http://schemas.openxmlformats.org/presentationml/2006/main">
+  <p:cSld>
+    <p:spTree>
+      <p:nvGrpSpPr>
+        <p:cNvPr id="1" name=""/>
+        <p:cNvGrpSpPr/>
+        <p:nvPr/>
+      </p:nvGrpSpPr>
+      <p:grpSpPr>
+        <a:xfrm>
+          <a:off x="0" y="0"/>
+          <a:ext cx="0" cy="0"/>
+          <a:chOff x="0" y="0"/>
+          <a:chExt cx="0" cy="0"/>
+        </a:xfrm>
+      </p:grpSpPr>
+      <p:sp>
+        <p:nvSpPr>
+          <p:cNvPr id="13" name="文本框 12">
+            <a:extLst>
+              <a:ext uri="{FF2B5EF4-FFF2-40B4-BE49-F238E27FC236}">
+                <a16:creationId xmlns:a16="http://schemas.microsoft.com/office/drawing/2014/main" id="{B7809583-0BE4-46B8-B202-6A2FDA84359E}"/>
+              </a:ext>
+            </a:extLst>
+          </p:cNvPr>
+          <p:cNvSpPr txBox="1"/>
+          <p:nvPr/>
+        </p:nvSpPr>
+        <p:spPr>
+          <a:xfrm>
+            <a:off x="422799" y="1494302"/>
+            <a:ext cx="11346402" cy="787523"/>
+          </a:xfrm>
+          <a:prstGeom prst="rect">
+            <a:avLst/>
+          </a:prstGeom>
+          <a:noFill/>
+        </p:spPr>
+        <p:txBody>
+          <a:bodyPr wrap="square" rtlCol="0">
+            <a:spAutoFit/>
+          </a:bodyPr>
+          <a:lstStyle/>
           <a:p>
             <a:pPr>
               <a:lnSpc>
@@ -7360,13 +7825,27 @@
                 <a:latin typeface="微软雅黑" panose="020B0503020204020204" pitchFamily="34" charset="-122"/>
                 <a:ea typeface="微软雅黑" panose="020B0503020204020204" pitchFamily="34" charset="-122"/>
               </a:rPr>
-              <a:t>本文在更大、更现实的代码审查数据集上进行的实证评估表明，与最先进的方法相比，</a:t>
+              <a:t>连续线表示预训练的 </a:t>
             </a:r>
             <a:r>
               <a:rPr lang="en-US" altLang="zh-CN" sz="1600" dirty="0">
                 <a:latin typeface="微软雅黑" panose="020B0503020204020204" pitchFamily="34" charset="-122"/>
                 <a:ea typeface="微软雅黑" panose="020B0503020204020204" pitchFamily="34" charset="-122"/>
               </a:rPr>
+              <a:t>T5</a:t>
+            </a:r>
+            <a:r>
+              <a:rPr lang="zh-CN" altLang="en-US" sz="1600" dirty="0">
+                <a:latin typeface="微软雅黑" panose="020B0503020204020204" pitchFamily="34" charset="-122"/>
+                <a:ea typeface="微软雅黑" panose="020B0503020204020204" pitchFamily="34" charset="-122"/>
+              </a:rPr>
+              <a:t>、虚线表示未预训练的 </a:t>
+            </a:r>
+            <a:r>
+              <a:rPr lang="en-US" altLang="zh-CN" sz="1600" dirty="0">
+                <a:latin typeface="微软雅黑" panose="020B0503020204020204" pitchFamily="34" charset="-122"/>
+                <a:ea typeface="微软雅黑" panose="020B0503020204020204" pitchFamily="34" charset="-122"/>
+              </a:rPr>
               <a:t>T5 </a:t>
             </a:r>
             <a:r>
@@ -7374,7 +7853,327 @@
                 <a:latin typeface="微软雅黑" panose="020B0503020204020204" pitchFamily="34" charset="-122"/>
                 <a:ea typeface="微软雅黑" panose="020B0503020204020204" pitchFamily="34" charset="-122"/>
               </a:rPr>
-              <a:t>模型带来的改进在适用性（即可以应用的场景）和性能方面向前表示一步。尽管如此，观察到的实际性能水平使得这些技术在实践中无法部署，呼吁对代码审查自动化进行更多研究。</a:t>
+              <a:t>，点虚线表示基线。</a:t>
+            </a:r>
+            <a:endParaRPr lang="en-US" altLang="zh-CN" sz="1600" dirty="0">
+              <a:latin typeface="微软雅黑" panose="020B0503020204020204" pitchFamily="34" charset="-122"/>
+              <a:ea typeface="微软雅黑" panose="020B0503020204020204" pitchFamily="34" charset="-122"/>
+            </a:endParaRPr>
+          </a:p>
+          <a:p>
+            <a:pPr>
+              <a:lnSpc>
+                <a:spcPct val="150000"/>
+              </a:lnSpc>
+            </a:pPr>
+            <a:r>
+              <a:rPr lang="zh-CN" altLang="en-US" sz="1600" dirty="0">
+                <a:latin typeface="微软雅黑" panose="020B0503020204020204" pitchFamily="34" charset="-122"/>
+                <a:ea typeface="微软雅黑" panose="020B0503020204020204" pitchFamily="34" charset="-122"/>
+              </a:rPr>
+              <a:t>均在基线的测试集进行的预测。</a:t>
+            </a:r>
+            <a:endParaRPr lang="en-US" altLang="zh-CN" sz="1600" dirty="0">
+              <a:latin typeface="微软雅黑" panose="020B0503020204020204" pitchFamily="34" charset="-122"/>
+              <a:ea typeface="微软雅黑" panose="020B0503020204020204" pitchFamily="34" charset="-122"/>
+            </a:endParaRPr>
+          </a:p>
+        </p:txBody>
+      </p:sp>
+      <p:sp>
+        <p:nvSpPr>
+          <p:cNvPr id="4" name="文本框 3">
+            <a:extLst>
+              <a:ext uri="{FF2B5EF4-FFF2-40B4-BE49-F238E27FC236}">
+                <a16:creationId xmlns:a16="http://schemas.microsoft.com/office/drawing/2014/main" id="{514D4F8A-2152-4300-9CEA-9ED8531B1199}"/>
+              </a:ext>
+            </a:extLst>
+          </p:cNvPr>
+          <p:cNvSpPr txBox="1"/>
+          <p:nvPr/>
+        </p:nvSpPr>
+        <p:spPr>
+          <a:xfrm>
+            <a:off x="126123" y="163961"/>
+            <a:ext cx="10777116" cy="307777"/>
+          </a:xfrm>
+          <a:prstGeom prst="rect">
+            <a:avLst/>
+          </a:prstGeom>
+          <a:noFill/>
+        </p:spPr>
+        <p:txBody>
+          <a:bodyPr wrap="square" rtlCol="0">
+            <a:spAutoFit/>
+          </a:bodyPr>
+          <a:lstStyle/>
+          <a:p>
+            <a:r>
+              <a:rPr lang="en-US" altLang="zh-CN" sz="1400" dirty="0">
+                <a:solidFill>
+                  <a:schemeClr val="tx1">
+                    <a:lumMod val="50000"/>
+                    <a:lumOff val="50000"/>
+                  </a:schemeClr>
+                </a:solidFill>
+                <a:latin typeface="微软雅黑" panose="020B0503020204020204" pitchFamily="34" charset="-122"/>
+                <a:ea typeface="微软雅黑" panose="020B0503020204020204" pitchFamily="34" charset="-122"/>
+              </a:rPr>
+              <a:t>Using Pre-Trained Models to Boost Code Review Automation</a:t>
+            </a:r>
+            <a:endParaRPr lang="it-IT" altLang="zh-CN" sz="1400" dirty="0">
+              <a:solidFill>
+                <a:schemeClr val="tx1">
+                  <a:lumMod val="50000"/>
+                  <a:lumOff val="50000"/>
+                </a:schemeClr>
+              </a:solidFill>
+              <a:latin typeface="微软雅黑" panose="020B0503020204020204" pitchFamily="34" charset="-122"/>
+              <a:ea typeface="微软雅黑" panose="020B0503020204020204" pitchFamily="34" charset="-122"/>
+            </a:endParaRPr>
+          </a:p>
+        </p:txBody>
+      </p:sp>
+      <p:sp>
+        <p:nvSpPr>
+          <p:cNvPr id="2" name="文本框 1">
+            <a:extLst>
+              <a:ext uri="{FF2B5EF4-FFF2-40B4-BE49-F238E27FC236}">
+                <a16:creationId xmlns:a16="http://schemas.microsoft.com/office/drawing/2014/main" id="{CB7EC186-8BEA-4432-A3F5-B26DB9A3F662}"/>
+              </a:ext>
+            </a:extLst>
+          </p:cNvPr>
+          <p:cNvSpPr txBox="1"/>
+          <p:nvPr/>
+        </p:nvSpPr>
+        <p:spPr>
+          <a:xfrm>
+            <a:off x="324288" y="738851"/>
+            <a:ext cx="10956625" cy="523220"/>
+          </a:xfrm>
+          <a:prstGeom prst="rect">
+            <a:avLst/>
+          </a:prstGeom>
+          <a:noFill/>
+        </p:spPr>
+        <p:txBody>
+          <a:bodyPr wrap="square" rtlCol="0">
+            <a:spAutoFit/>
+          </a:bodyPr>
+          <a:lstStyle/>
+          <a:p>
+            <a:r>
+              <a:rPr lang="zh-CN" altLang="en-US" sz="2800" b="1" dirty="0">
+                <a:latin typeface="微软雅黑" panose="020B0503020204020204" pitchFamily="34" charset="-122"/>
+                <a:ea typeface="微软雅黑" panose="020B0503020204020204" pitchFamily="34" charset="-122"/>
+              </a:rPr>
+              <a:t>结果与分析</a:t>
+            </a:r>
+            <a:r>
+              <a:rPr lang="en-US" altLang="zh-CN" sz="2800" b="1" dirty="0">
+                <a:latin typeface="微软雅黑" panose="020B0503020204020204" pitchFamily="34" charset="-122"/>
+                <a:ea typeface="微软雅黑" panose="020B0503020204020204" pitchFamily="34" charset="-122"/>
+              </a:rPr>
+              <a:t>——RQ5</a:t>
+            </a:r>
+            <a:r>
+              <a:rPr lang="zh-CN" altLang="en-US" sz="2800" b="1" dirty="0">
+                <a:latin typeface="微软雅黑" panose="020B0503020204020204" pitchFamily="34" charset="-122"/>
+                <a:ea typeface="微软雅黑" panose="020B0503020204020204" pitchFamily="34" charset="-122"/>
+              </a:rPr>
+              <a:t>（与基线的比较）</a:t>
+            </a:r>
+            <a:endParaRPr lang="it-IT" altLang="zh-CN" sz="2000" dirty="0">
+              <a:latin typeface="微软雅黑" panose="020B0503020204020204" pitchFamily="34" charset="-122"/>
+              <a:ea typeface="微软雅黑" panose="020B0503020204020204" pitchFamily="34" charset="-122"/>
+            </a:endParaRPr>
+          </a:p>
+        </p:txBody>
+      </p:sp>
+      <p:pic>
+        <p:nvPicPr>
+          <p:cNvPr id="5" name="图片 4">
+            <a:extLst>
+              <a:ext uri="{FF2B5EF4-FFF2-40B4-BE49-F238E27FC236}">
+                <a16:creationId xmlns:a16="http://schemas.microsoft.com/office/drawing/2014/main" id="{C509B02F-CD38-4961-A08F-14797A0C5B29}"/>
+              </a:ext>
+            </a:extLst>
+          </p:cNvPr>
+          <p:cNvPicPr>
+            <a:picLocks noChangeAspect="1"/>
+          </p:cNvPicPr>
+          <p:nvPr/>
+        </p:nvPicPr>
+        <p:blipFill>
+          <a:blip r:embed="rId3"/>
+          <a:stretch>
+            <a:fillRect/>
+          </a:stretch>
+        </p:blipFill>
+        <p:spPr>
+          <a:xfrm>
+            <a:off x="2887076" y="2369128"/>
+            <a:ext cx="6417848" cy="4274127"/>
+          </a:xfrm>
+          <a:prstGeom prst="rect">
+            <a:avLst/>
+          </a:prstGeom>
+        </p:spPr>
+      </p:pic>
+    </p:spTree>
+    <p:extLst>
+      <p:ext uri="{BB962C8B-B14F-4D97-AF65-F5344CB8AC3E}">
+        <p14:creationId xmlns:p14="http://schemas.microsoft.com/office/powerpoint/2010/main" val="520753939"/>
+      </p:ext>
+    </p:extLst>
+  </p:cSld>
+  <p:clrMapOvr>
+    <a:masterClrMapping/>
+  </p:clrMapOvr>
+</p:sld>
+</file>
+
+<file path=ppt/slides/slide17.xml><?xml version="1.0" encoding="utf-8"?>
+<p:sld xmlns:a="http://schemas.openxmlformats.org/drawingml/2006/main" xmlns:r="http://schemas.openxmlformats.org/officeDocument/2006/relationships" xmlns:p="http://schemas.openxmlformats.org/presentationml/2006/main">
+  <p:cSld>
+    <p:spTree>
+      <p:nvGrpSpPr>
+        <p:cNvPr id="1" name=""/>
+        <p:cNvGrpSpPr/>
+        <p:nvPr/>
+      </p:nvGrpSpPr>
+      <p:grpSpPr>
+        <a:xfrm>
+          <a:off x="0" y="0"/>
+          <a:ext cx="0" cy="0"/>
+          <a:chOff x="0" y="0"/>
+          <a:chExt cx="0" cy="0"/>
+        </a:xfrm>
+      </p:grpSpPr>
+      <p:sp>
+        <p:nvSpPr>
+          <p:cNvPr id="13" name="文本框 12">
+            <a:extLst>
+              <a:ext uri="{FF2B5EF4-FFF2-40B4-BE49-F238E27FC236}">
+                <a16:creationId xmlns:a16="http://schemas.microsoft.com/office/drawing/2014/main" id="{B7809583-0BE4-46B8-B202-6A2FDA84359E}"/>
+              </a:ext>
+            </a:extLst>
+          </p:cNvPr>
+          <p:cNvSpPr txBox="1"/>
+          <p:nvPr/>
+        </p:nvSpPr>
+        <p:spPr>
+          <a:xfrm>
+            <a:off x="422799" y="1494302"/>
+            <a:ext cx="11346402" cy="2634183"/>
+          </a:xfrm>
+          <a:prstGeom prst="rect">
+            <a:avLst/>
+          </a:prstGeom>
+          <a:noFill/>
+        </p:spPr>
+        <p:txBody>
+          <a:bodyPr wrap="square" rtlCol="0">
+            <a:spAutoFit/>
+          </a:bodyPr>
+          <a:lstStyle/>
+          <a:p>
+            <a:pPr>
+              <a:lnSpc>
+                <a:spcPct val="150000"/>
+              </a:lnSpc>
+            </a:pPr>
+            <a:r>
+              <a:rPr lang="zh-CN" altLang="en-US" sz="1600" dirty="0">
+                <a:latin typeface="微软雅黑" panose="020B0503020204020204" pitchFamily="34" charset="-122"/>
+                <a:ea typeface="微软雅黑" panose="020B0503020204020204" pitchFamily="34" charset="-122"/>
+              </a:rPr>
+              <a:t>本论文首先讨论了最近提出的自动化代码审查任务的方法的局限性：代码抽象的使用不允许支持重要的代码审查场景，这些场景需要代码更改，从而引入新的标识符</a:t>
+            </a:r>
+            <a:r>
+              <a:rPr lang="en-US" altLang="zh-CN" sz="1600" dirty="0">
+                <a:latin typeface="微软雅黑" panose="020B0503020204020204" pitchFamily="34" charset="-122"/>
+                <a:ea typeface="微软雅黑" panose="020B0503020204020204" pitchFamily="34" charset="-122"/>
+              </a:rPr>
+              <a:t>/</a:t>
+            </a:r>
+            <a:r>
+              <a:rPr lang="zh-CN" altLang="en-US" sz="1600" dirty="0">
+                <a:latin typeface="微软雅黑" panose="020B0503020204020204" pitchFamily="34" charset="-122"/>
+                <a:ea typeface="微软雅黑" panose="020B0503020204020204" pitchFamily="34" charset="-122"/>
+              </a:rPr>
+              <a:t>变量。我们在一个更大、更现实的代码审查数据集上进行的实证评估显示，与最先进的方法相比，</a:t>
+            </a:r>
+            <a:r>
+              <a:rPr lang="en-US" altLang="zh-CN" sz="1600" dirty="0">
+                <a:latin typeface="微软雅黑" panose="020B0503020204020204" pitchFamily="34" charset="-122"/>
+                <a:ea typeface="微软雅黑" panose="020B0503020204020204" pitchFamily="34" charset="-122"/>
+              </a:rPr>
+              <a:t>T5</a:t>
+            </a:r>
+            <a:r>
+              <a:rPr lang="zh-CN" altLang="en-US" sz="1600" dirty="0">
+                <a:latin typeface="微软雅黑" panose="020B0503020204020204" pitchFamily="34" charset="-122"/>
+                <a:ea typeface="微软雅黑" panose="020B0503020204020204" pitchFamily="34" charset="-122"/>
+              </a:rPr>
+              <a:t>模型在适用性</a:t>
+            </a:r>
+            <a:r>
+              <a:rPr lang="en-US" altLang="zh-CN" sz="1600" dirty="0">
+                <a:latin typeface="微软雅黑" panose="020B0503020204020204" pitchFamily="34" charset="-122"/>
+                <a:ea typeface="微软雅黑" panose="020B0503020204020204" pitchFamily="34" charset="-122"/>
+              </a:rPr>
+              <a:t>(</a:t>
+            </a:r>
+            <a:r>
+              <a:rPr lang="zh-CN" altLang="en-US" sz="1600" dirty="0">
+                <a:latin typeface="微软雅黑" panose="020B0503020204020204" pitchFamily="34" charset="-122"/>
+                <a:ea typeface="微软雅黑" panose="020B0503020204020204" pitchFamily="34" charset="-122"/>
+              </a:rPr>
+              <a:t>即，它可以应用的场景</a:t>
+            </a:r>
+            <a:r>
+              <a:rPr lang="en-US" altLang="zh-CN" sz="1600" dirty="0">
+                <a:latin typeface="微软雅黑" panose="020B0503020204020204" pitchFamily="34" charset="-122"/>
+                <a:ea typeface="微软雅黑" panose="020B0503020204020204" pitchFamily="34" charset="-122"/>
+              </a:rPr>
+              <a:t>)</a:t>
+            </a:r>
+            <a:r>
+              <a:rPr lang="zh-CN" altLang="en-US" sz="1600" dirty="0">
+                <a:latin typeface="微软雅黑" panose="020B0503020204020204" pitchFamily="34" charset="-122"/>
+                <a:ea typeface="微软雅黑" panose="020B0503020204020204" pitchFamily="34" charset="-122"/>
+              </a:rPr>
+              <a:t>和性能方面都取得了进步。然而，观察到的实际性能水平使得这些技术远远不能在实践中部署，需要对代码审查自动化进行更多的研究。</a:t>
+            </a:r>
+            <a:endParaRPr lang="en-US" altLang="zh-CN" sz="1600" dirty="0">
+              <a:latin typeface="微软雅黑" panose="020B0503020204020204" pitchFamily="34" charset="-122"/>
+              <a:ea typeface="微软雅黑" panose="020B0503020204020204" pitchFamily="34" charset="-122"/>
+            </a:endParaRPr>
+          </a:p>
+          <a:p>
+            <a:pPr>
+              <a:lnSpc>
+                <a:spcPct val="150000"/>
+              </a:lnSpc>
+            </a:pPr>
+            <a:endParaRPr lang="en-US" altLang="zh-CN" sz="1600" dirty="0">
+              <a:latin typeface="微软雅黑" panose="020B0503020204020204" pitchFamily="34" charset="-122"/>
+              <a:ea typeface="微软雅黑" panose="020B0503020204020204" pitchFamily="34" charset="-122"/>
+            </a:endParaRPr>
+          </a:p>
+          <a:p>
+            <a:pPr>
+              <a:lnSpc>
+                <a:spcPct val="150000"/>
+              </a:lnSpc>
+            </a:pPr>
+            <a:r>
+              <a:rPr lang="zh-CN" altLang="en-US" sz="1600" dirty="0">
+                <a:latin typeface="微软雅黑" panose="020B0503020204020204" pitchFamily="34" charset="-122"/>
+                <a:ea typeface="微软雅黑" panose="020B0503020204020204" pitchFamily="34" charset="-122"/>
+              </a:rPr>
+              <a:t>未来的研究议程将专注于设计改进的解决方案来提高这些技术的预测精度（例如，通过结合代码的不同表示，或者通过利用模型的置信度作为可能的过滤器来选择高质量的建议）。</a:t>
             </a:r>
           </a:p>
         </p:txBody>
@@ -7488,7 +8287,7 @@
 </p:sld>
 </file>
 
-<file path=ppt/slides/slide16.xml><?xml version="1.0" encoding="utf-8"?>
+<file path=ppt/slides/slide18.xml><?xml version="1.0" encoding="utf-8"?>
 <p:sld xmlns:a="http://schemas.openxmlformats.org/drawingml/2006/main" xmlns:r="http://schemas.openxmlformats.org/officeDocument/2006/relationships" xmlns:p="http://schemas.openxmlformats.org/presentationml/2006/main">
   <p:cSld>
     <p:spTree>
